--- a/AitkinCapstonePresentation.pptx
+++ b/AitkinCapstonePresentation.pptx
@@ -5,27 +5,30 @@
     <p:sldMasterId id="2147483648" r:id="rId1"/>
   </p:sldMasterIdLst>
   <p:notesMasterIdLst>
-    <p:notesMasterId r:id="rId20"/>
+    <p:notesMasterId r:id="rId23"/>
   </p:notesMasterIdLst>
   <p:sldIdLst>
     <p:sldId id="256" r:id="rId2"/>
     <p:sldId id="257" r:id="rId3"/>
-    <p:sldId id="259" r:id="rId4"/>
-    <p:sldId id="258" r:id="rId5"/>
-    <p:sldId id="260" r:id="rId6"/>
-    <p:sldId id="263" r:id="rId7"/>
-    <p:sldId id="262" r:id="rId8"/>
-    <p:sldId id="273" r:id="rId9"/>
-    <p:sldId id="261" r:id="rId10"/>
+    <p:sldId id="258" r:id="rId4"/>
+    <p:sldId id="260" r:id="rId5"/>
+    <p:sldId id="259" r:id="rId6"/>
+    <p:sldId id="261" r:id="rId7"/>
+    <p:sldId id="276" r:id="rId8"/>
+    <p:sldId id="275" r:id="rId9"/>
+    <p:sldId id="263" r:id="rId10"/>
     <p:sldId id="264" r:id="rId11"/>
     <p:sldId id="265" r:id="rId12"/>
-    <p:sldId id="266" r:id="rId13"/>
-    <p:sldId id="267" r:id="rId14"/>
-    <p:sldId id="268" r:id="rId15"/>
-    <p:sldId id="269" r:id="rId16"/>
-    <p:sldId id="270" r:id="rId17"/>
-    <p:sldId id="271" r:id="rId18"/>
-    <p:sldId id="272" r:id="rId19"/>
+    <p:sldId id="268" r:id="rId13"/>
+    <p:sldId id="269" r:id="rId14"/>
+    <p:sldId id="270" r:id="rId15"/>
+    <p:sldId id="271" r:id="rId16"/>
+    <p:sldId id="272" r:id="rId17"/>
+    <p:sldId id="274" r:id="rId18"/>
+    <p:sldId id="262" r:id="rId19"/>
+    <p:sldId id="273" r:id="rId20"/>
+    <p:sldId id="266" r:id="rId21"/>
+    <p:sldId id="267" r:id="rId22"/>
   </p:sldIdLst>
   <p:sldSz cx="12192000" cy="6858000"/>
   <p:notesSz cx="6858000" cy="9144000"/>
@@ -214,7 +217,7 @@
           <a:p>
             <a:fld id="{18190347-24CD-844B-B77C-9BA6FBA8EC91}" type="datetimeFigureOut">
               <a:rPr lang="en-US" smtClean="0"/>
-              <a:t>7/11/24</a:t>
+              <a:t>7/15/24</a:t>
             </a:fld>
             <a:endParaRPr lang="en-US" dirty="0"/>
           </a:p>
@@ -525,10 +528,30 @@
           <a:bodyPr/>
           <a:lstStyle/>
           <a:p>
-            <a:r>
-              <a:rPr lang="en-US" dirty="0"/>
-              <a:t>Convert ratings to integers by multiplying by 10</a:t>
-            </a:r>
+            <a:pPr marL="0" marR="0" lvl="0" indent="0" algn="l" defTabSz="914400" rtl="0" eaLnBrk="1" fontAlgn="auto" latinLnBrk="0" hangingPunct="1">
+              <a:lnSpc>
+                <a:spcPct val="100000"/>
+              </a:lnSpc>
+              <a:spcBef>
+                <a:spcPts val="0"/>
+              </a:spcBef>
+              <a:spcAft>
+                <a:spcPts val="0"/>
+              </a:spcAft>
+              <a:buClrTx/>
+              <a:buSzTx/>
+              <a:buFontTx/>
+              <a:buNone/>
+              <a:tabLst/>
+              <a:defRPr/>
+            </a:pPr>
+            <a:r>
+              <a:rPr lang="en-US" dirty="0"/>
+              <a:t>A “bag-of-words” is when we take text and break down the number of times a word occurs in the text</a:t>
+            </a:r>
+          </a:p>
+          <a:p>
+            <a:endParaRPr lang="en-US" dirty="0"/>
           </a:p>
         </p:txBody>
       </p:sp>
@@ -549,7 +572,7 @@
           <a:p>
             <a:fld id="{12BC638F-8A1D-834E-9657-78D7AC45DDEF}" type="slidenum">
               <a:rPr lang="en-US" smtClean="0"/>
-              <a:t>6</a:t>
+              <a:t>4</a:t>
             </a:fld>
             <a:endParaRPr lang="en-US" dirty="0"/>
           </a:p>
@@ -558,7 +581,7 @@
     </p:spTree>
     <p:extLst>
       <p:ext uri="{BB962C8B-B14F-4D97-AF65-F5344CB8AC3E}">
-        <p14:creationId xmlns:p14="http://schemas.microsoft.com/office/powerpoint/2010/main" val="1368368513"/>
+        <p14:creationId xmlns:p14="http://schemas.microsoft.com/office/powerpoint/2010/main" val="2438886972"/>
       </p:ext>
     </p:extLst>
   </p:cSld>
@@ -614,13 +637,13 @@
           <a:p>
             <a:r>
               <a:rPr lang="en-US" dirty="0"/>
-              <a:t>Most words occur only a few times.</a:t>
-            </a:r>
-          </a:p>
-          <a:p>
-            <a:r>
-              <a:rPr lang="en-US" dirty="0"/>
-              <a:t>The number 13 occurs over 85,000 times</a:t>
+              <a:t>Ratings are averaged across users and rounded to the nearest tenth by IMDB</a:t>
+            </a:r>
+          </a:p>
+          <a:p>
+            <a:r>
+              <a:rPr lang="en-US" dirty="0"/>
+              <a:t>These are the original ratings</a:t>
             </a:r>
           </a:p>
         </p:txBody>
@@ -642,7 +665,7 @@
           <a:p>
             <a:fld id="{12BC638F-8A1D-834E-9657-78D7AC45DDEF}" type="slidenum">
               <a:rPr lang="en-US" smtClean="0"/>
-              <a:t>7</a:t>
+              <a:t>6</a:t>
             </a:fld>
             <a:endParaRPr lang="en-US" dirty="0"/>
           </a:p>
@@ -651,7 +674,7 @@
     </p:spTree>
     <p:extLst>
       <p:ext uri="{BB962C8B-B14F-4D97-AF65-F5344CB8AC3E}">
-        <p14:creationId xmlns:p14="http://schemas.microsoft.com/office/powerpoint/2010/main" val="2028130516"/>
+        <p14:creationId xmlns:p14="http://schemas.microsoft.com/office/powerpoint/2010/main" val="3407720105"/>
       </p:ext>
     </p:extLst>
   </p:cSld>
@@ -705,16 +728,7 @@
           <a:bodyPr/>
           <a:lstStyle/>
           <a:p>
-            <a:r>
-              <a:rPr lang="en-US" dirty="0"/>
-              <a:t>Ratings are averaged across users and rounded to the nearest tenth by IMDB</a:t>
-            </a:r>
-          </a:p>
-          <a:p>
-            <a:r>
-              <a:rPr lang="en-US" dirty="0"/>
-              <a:t>These are the original ratings</a:t>
-            </a:r>
+            <a:endParaRPr lang="en-US" dirty="0"/>
           </a:p>
         </p:txBody>
       </p:sp>
@@ -744,7 +758,514 @@
     </p:spTree>
     <p:extLst>
       <p:ext uri="{BB962C8B-B14F-4D97-AF65-F5344CB8AC3E}">
-        <p14:creationId xmlns:p14="http://schemas.microsoft.com/office/powerpoint/2010/main" val="3407720105"/>
+        <p14:creationId xmlns:p14="http://schemas.microsoft.com/office/powerpoint/2010/main" val="1368368513"/>
+      </p:ext>
+    </p:extLst>
+  </p:cSld>
+  <p:clrMapOvr>
+    <a:masterClrMapping/>
+  </p:clrMapOvr>
+</p:notes>
+</file>
+
+<file path=ppt/notesSlides/notesSlide4.xml><?xml version="1.0" encoding="utf-8"?>
+<p:notes xmlns:a="http://schemas.openxmlformats.org/drawingml/2006/main" xmlns:r="http://schemas.openxmlformats.org/officeDocument/2006/relationships" xmlns:p="http://schemas.openxmlformats.org/presentationml/2006/main">
+  <p:cSld>
+    <p:spTree>
+      <p:nvGrpSpPr>
+        <p:cNvPr id="1" name=""/>
+        <p:cNvGrpSpPr/>
+        <p:nvPr/>
+      </p:nvGrpSpPr>
+      <p:grpSpPr>
+        <a:xfrm>
+          <a:off x="0" y="0"/>
+          <a:ext cx="0" cy="0"/>
+          <a:chOff x="0" y="0"/>
+          <a:chExt cx="0" cy="0"/>
+        </a:xfrm>
+      </p:grpSpPr>
+      <p:sp>
+        <p:nvSpPr>
+          <p:cNvPr id="2" name="Slide Image Placeholder 1"/>
+          <p:cNvSpPr>
+            <a:spLocks noGrp="1" noRot="1" noChangeAspect="1"/>
+          </p:cNvSpPr>
+          <p:nvPr>
+            <p:ph type="sldImg"/>
+          </p:nvPr>
+        </p:nvSpPr>
+        <p:spPr/>
+      </p:sp>
+      <p:sp>
+        <p:nvSpPr>
+          <p:cNvPr id="3" name="Notes Placeholder 2"/>
+          <p:cNvSpPr>
+            <a:spLocks noGrp="1"/>
+          </p:cNvSpPr>
+          <p:nvPr>
+            <p:ph type="body" idx="1"/>
+          </p:nvPr>
+        </p:nvSpPr>
+        <p:spPr/>
+        <p:txBody>
+          <a:bodyPr/>
+          <a:lstStyle/>
+          <a:p>
+            <a:r>
+              <a:rPr lang="en-US" dirty="0"/>
+              <a:t>Random forest and gradient booster are complex and powerful methods</a:t>
+            </a:r>
+          </a:p>
+          <a:p>
+            <a:r>
+              <a:rPr lang="en-US" dirty="0"/>
+              <a:t>Linear regression is a simple model, and easy to understand, but random forest and gradient booster can be more accurate</a:t>
+            </a:r>
+          </a:p>
+        </p:txBody>
+      </p:sp>
+      <p:sp>
+        <p:nvSpPr>
+          <p:cNvPr id="4" name="Slide Number Placeholder 3"/>
+          <p:cNvSpPr>
+            <a:spLocks noGrp="1"/>
+          </p:cNvSpPr>
+          <p:nvPr>
+            <p:ph type="sldNum" sz="quarter" idx="5"/>
+          </p:nvPr>
+        </p:nvSpPr>
+        <p:spPr/>
+        <p:txBody>
+          <a:bodyPr/>
+          <a:lstStyle/>
+          <a:p>
+            <a:fld id="{12BC638F-8A1D-834E-9657-78D7AC45DDEF}" type="slidenum">
+              <a:rPr lang="en-US" smtClean="0"/>
+              <a:t>10</a:t>
+            </a:fld>
+            <a:endParaRPr lang="en-US" dirty="0"/>
+          </a:p>
+        </p:txBody>
+      </p:sp>
+    </p:spTree>
+    <p:extLst>
+      <p:ext uri="{BB962C8B-B14F-4D97-AF65-F5344CB8AC3E}">
+        <p14:creationId xmlns:p14="http://schemas.microsoft.com/office/powerpoint/2010/main" val="2015286693"/>
+      </p:ext>
+    </p:extLst>
+  </p:cSld>
+  <p:clrMapOvr>
+    <a:masterClrMapping/>
+  </p:clrMapOvr>
+</p:notes>
+</file>
+
+<file path=ppt/notesSlides/notesSlide5.xml><?xml version="1.0" encoding="utf-8"?>
+<p:notes xmlns:a="http://schemas.openxmlformats.org/drawingml/2006/main" xmlns:r="http://schemas.openxmlformats.org/officeDocument/2006/relationships" xmlns:p="http://schemas.openxmlformats.org/presentationml/2006/main">
+  <p:cSld>
+    <p:spTree>
+      <p:nvGrpSpPr>
+        <p:cNvPr id="1" name=""/>
+        <p:cNvGrpSpPr/>
+        <p:nvPr/>
+      </p:nvGrpSpPr>
+      <p:grpSpPr>
+        <a:xfrm>
+          <a:off x="0" y="0"/>
+          <a:ext cx="0" cy="0"/>
+          <a:chOff x="0" y="0"/>
+          <a:chExt cx="0" cy="0"/>
+        </a:xfrm>
+      </p:grpSpPr>
+      <p:sp>
+        <p:nvSpPr>
+          <p:cNvPr id="2" name="Slide Image Placeholder 1"/>
+          <p:cNvSpPr>
+            <a:spLocks noGrp="1" noRot="1" noChangeAspect="1"/>
+          </p:cNvSpPr>
+          <p:nvPr>
+            <p:ph type="sldImg"/>
+          </p:nvPr>
+        </p:nvSpPr>
+        <p:spPr/>
+      </p:sp>
+      <p:sp>
+        <p:nvSpPr>
+          <p:cNvPr id="3" name="Notes Placeholder 2"/>
+          <p:cNvSpPr>
+            <a:spLocks noGrp="1"/>
+          </p:cNvSpPr>
+          <p:nvPr>
+            <p:ph type="body" idx="1"/>
+          </p:nvPr>
+        </p:nvSpPr>
+        <p:spPr/>
+        <p:txBody>
+          <a:bodyPr/>
+          <a:lstStyle/>
+          <a:p>
+            <a:r>
+              <a:rPr lang="en-US" dirty="0"/>
+              <a:t>Ah but can we do better with linear regression by changing the number of features? I used select k best, a function from </a:t>
+            </a:r>
+            <a:r>
+              <a:rPr lang="en-US" dirty="0" err="1"/>
+              <a:t>scikitlearn</a:t>
+            </a:r>
+            <a:r>
+              <a:rPr lang="en-US" dirty="0"/>
+              <a:t>, to select original features that best predict the ratings</a:t>
+            </a:r>
+          </a:p>
+        </p:txBody>
+      </p:sp>
+      <p:sp>
+        <p:nvSpPr>
+          <p:cNvPr id="4" name="Slide Number Placeholder 3"/>
+          <p:cNvSpPr>
+            <a:spLocks noGrp="1"/>
+          </p:cNvSpPr>
+          <p:nvPr>
+            <p:ph type="sldNum" sz="quarter" idx="5"/>
+          </p:nvPr>
+        </p:nvSpPr>
+        <p:spPr/>
+        <p:txBody>
+          <a:bodyPr/>
+          <a:lstStyle/>
+          <a:p>
+            <a:fld id="{12BC638F-8A1D-834E-9657-78D7AC45DDEF}" type="slidenum">
+              <a:rPr lang="en-US" smtClean="0"/>
+              <a:t>12</a:t>
+            </a:fld>
+            <a:endParaRPr lang="en-US" dirty="0"/>
+          </a:p>
+        </p:txBody>
+      </p:sp>
+    </p:spTree>
+    <p:extLst>
+      <p:ext uri="{BB962C8B-B14F-4D97-AF65-F5344CB8AC3E}">
+        <p14:creationId xmlns:p14="http://schemas.microsoft.com/office/powerpoint/2010/main" val="534389019"/>
+      </p:ext>
+    </p:extLst>
+  </p:cSld>
+  <p:clrMapOvr>
+    <a:masterClrMapping/>
+  </p:clrMapOvr>
+</p:notes>
+</file>
+
+<file path=ppt/notesSlides/notesSlide6.xml><?xml version="1.0" encoding="utf-8"?>
+<p:notes xmlns:a="http://schemas.openxmlformats.org/drawingml/2006/main" xmlns:r="http://schemas.openxmlformats.org/officeDocument/2006/relationships" xmlns:p="http://schemas.openxmlformats.org/presentationml/2006/main">
+  <p:cSld>
+    <p:spTree>
+      <p:nvGrpSpPr>
+        <p:cNvPr id="1" name=""/>
+        <p:cNvGrpSpPr/>
+        <p:nvPr/>
+      </p:nvGrpSpPr>
+      <p:grpSpPr>
+        <a:xfrm>
+          <a:off x="0" y="0"/>
+          <a:ext cx="0" cy="0"/>
+          <a:chOff x="0" y="0"/>
+          <a:chExt cx="0" cy="0"/>
+        </a:xfrm>
+      </p:grpSpPr>
+      <p:sp>
+        <p:nvSpPr>
+          <p:cNvPr id="2" name="Slide Image Placeholder 1"/>
+          <p:cNvSpPr>
+            <a:spLocks noGrp="1" noRot="1" noChangeAspect="1"/>
+          </p:cNvSpPr>
+          <p:nvPr>
+            <p:ph type="sldImg"/>
+          </p:nvPr>
+        </p:nvSpPr>
+        <p:spPr/>
+      </p:sp>
+      <p:sp>
+        <p:nvSpPr>
+          <p:cNvPr id="3" name="Notes Placeholder 2"/>
+          <p:cNvSpPr>
+            <a:spLocks noGrp="1"/>
+          </p:cNvSpPr>
+          <p:nvPr>
+            <p:ph type="body" idx="1"/>
+          </p:nvPr>
+        </p:nvSpPr>
+        <p:spPr/>
+        <p:txBody>
+          <a:bodyPr/>
+          <a:lstStyle/>
+          <a:p>
+            <a:r>
+              <a:rPr lang="en-US" dirty="0"/>
+              <a:t>Tested various number of features and found that 20 features gave best result.</a:t>
+            </a:r>
+          </a:p>
+          <a:p>
+            <a:r>
+              <a:rPr lang="en-US" dirty="0"/>
+              <a:t>How much influence do each of the features have on the linear regression?</a:t>
+            </a:r>
+          </a:p>
+        </p:txBody>
+      </p:sp>
+      <p:sp>
+        <p:nvSpPr>
+          <p:cNvPr id="4" name="Slide Number Placeholder 3"/>
+          <p:cNvSpPr>
+            <a:spLocks noGrp="1"/>
+          </p:cNvSpPr>
+          <p:nvPr>
+            <p:ph type="sldNum" sz="quarter" idx="5"/>
+          </p:nvPr>
+        </p:nvSpPr>
+        <p:spPr/>
+        <p:txBody>
+          <a:bodyPr/>
+          <a:lstStyle/>
+          <a:p>
+            <a:fld id="{12BC638F-8A1D-834E-9657-78D7AC45DDEF}" type="slidenum">
+              <a:rPr lang="en-US" smtClean="0"/>
+              <a:t>13</a:t>
+            </a:fld>
+            <a:endParaRPr lang="en-US" dirty="0"/>
+          </a:p>
+        </p:txBody>
+      </p:sp>
+    </p:spTree>
+    <p:extLst>
+      <p:ext uri="{BB962C8B-B14F-4D97-AF65-F5344CB8AC3E}">
+        <p14:creationId xmlns:p14="http://schemas.microsoft.com/office/powerpoint/2010/main" val="3042231915"/>
+      </p:ext>
+    </p:extLst>
+  </p:cSld>
+  <p:clrMapOvr>
+    <a:masterClrMapping/>
+  </p:clrMapOvr>
+</p:notes>
+</file>
+
+<file path=ppt/notesSlides/notesSlide7.xml><?xml version="1.0" encoding="utf-8"?>
+<p:notes xmlns:a="http://schemas.openxmlformats.org/drawingml/2006/main" xmlns:r="http://schemas.openxmlformats.org/officeDocument/2006/relationships" xmlns:p="http://schemas.openxmlformats.org/presentationml/2006/main">
+  <p:cSld>
+    <p:spTree>
+      <p:nvGrpSpPr>
+        <p:cNvPr id="1" name=""/>
+        <p:cNvGrpSpPr/>
+        <p:nvPr/>
+      </p:nvGrpSpPr>
+      <p:grpSpPr>
+        <a:xfrm>
+          <a:off x="0" y="0"/>
+          <a:ext cx="0" cy="0"/>
+          <a:chOff x="0" y="0"/>
+          <a:chExt cx="0" cy="0"/>
+        </a:xfrm>
+      </p:grpSpPr>
+      <p:sp>
+        <p:nvSpPr>
+          <p:cNvPr id="2" name="Slide Image Placeholder 1"/>
+          <p:cNvSpPr>
+            <a:spLocks noGrp="1" noRot="1" noChangeAspect="1"/>
+          </p:cNvSpPr>
+          <p:nvPr>
+            <p:ph type="sldImg"/>
+          </p:nvPr>
+        </p:nvSpPr>
+        <p:spPr/>
+      </p:sp>
+      <p:sp>
+        <p:nvSpPr>
+          <p:cNvPr id="3" name="Notes Placeholder 2"/>
+          <p:cNvSpPr>
+            <a:spLocks noGrp="1"/>
+          </p:cNvSpPr>
+          <p:nvPr>
+            <p:ph type="body" idx="1"/>
+          </p:nvPr>
+        </p:nvSpPr>
+        <p:spPr/>
+        <p:txBody>
+          <a:bodyPr/>
+          <a:lstStyle/>
+          <a:p>
+            <a:r>
+              <a:rPr lang="en-US" dirty="0"/>
+              <a:t>We can see that the two strongest features are </a:t>
+            </a:r>
+            <a:r>
+              <a:rPr lang="en-US" dirty="0" err="1"/>
+              <a:t>genre_musical</a:t>
+            </a:r>
+            <a:r>
+              <a:rPr lang="en-US" dirty="0"/>
+              <a:t> and </a:t>
+            </a:r>
+            <a:r>
+              <a:rPr lang="en-US" dirty="0" err="1"/>
+              <a:t>genre_music</a:t>
+            </a:r>
+            <a:r>
+              <a:rPr lang="en-US" dirty="0"/>
+              <a:t>. This is a contradiction, as these refer to the same kind of movie. We can also see that </a:t>
+            </a:r>
+            <a:r>
+              <a:rPr lang="en-US" dirty="0" err="1"/>
+              <a:t>genre_horror</a:t>
+            </a:r>
+            <a:r>
+              <a:rPr lang="en-US" dirty="0"/>
+              <a:t> has a strong negative influence on the linear regression, and </a:t>
+            </a:r>
+            <a:r>
+              <a:rPr lang="en-US" dirty="0" err="1"/>
+              <a:t>genre_adventure</a:t>
+            </a:r>
+            <a:r>
+              <a:rPr lang="en-US" dirty="0"/>
+              <a:t> and </a:t>
+            </a:r>
+            <a:r>
+              <a:rPr lang="en-US" dirty="0" err="1"/>
+              <a:t>genre_western</a:t>
+            </a:r>
+            <a:r>
+              <a:rPr lang="en-US" dirty="0"/>
+              <a:t> have a strong positive influence. </a:t>
+            </a:r>
+          </a:p>
+          <a:p>
+            <a:r>
+              <a:rPr lang="en-US" dirty="0"/>
+              <a:t>To wrap up…</a:t>
+            </a:r>
+          </a:p>
+        </p:txBody>
+      </p:sp>
+      <p:sp>
+        <p:nvSpPr>
+          <p:cNvPr id="4" name="Slide Number Placeholder 3"/>
+          <p:cNvSpPr>
+            <a:spLocks noGrp="1"/>
+          </p:cNvSpPr>
+          <p:nvPr>
+            <p:ph type="sldNum" sz="quarter" idx="5"/>
+          </p:nvPr>
+        </p:nvSpPr>
+        <p:spPr/>
+        <p:txBody>
+          <a:bodyPr/>
+          <a:lstStyle/>
+          <a:p>
+            <a:fld id="{12BC638F-8A1D-834E-9657-78D7AC45DDEF}" type="slidenum">
+              <a:rPr lang="en-US" smtClean="0"/>
+              <a:t>14</a:t>
+            </a:fld>
+            <a:endParaRPr lang="en-US" dirty="0"/>
+          </a:p>
+        </p:txBody>
+      </p:sp>
+    </p:spTree>
+    <p:extLst>
+      <p:ext uri="{BB962C8B-B14F-4D97-AF65-F5344CB8AC3E}">
+        <p14:creationId xmlns:p14="http://schemas.microsoft.com/office/powerpoint/2010/main" val="1396169938"/>
+      </p:ext>
+    </p:extLst>
+  </p:cSld>
+  <p:clrMapOvr>
+    <a:masterClrMapping/>
+  </p:clrMapOvr>
+</p:notes>
+</file>
+
+<file path=ppt/notesSlides/notesSlide8.xml><?xml version="1.0" encoding="utf-8"?>
+<p:notes xmlns:a="http://schemas.openxmlformats.org/drawingml/2006/main" xmlns:r="http://schemas.openxmlformats.org/officeDocument/2006/relationships" xmlns:p="http://schemas.openxmlformats.org/presentationml/2006/main">
+  <p:cSld>
+    <p:spTree>
+      <p:nvGrpSpPr>
+        <p:cNvPr id="1" name=""/>
+        <p:cNvGrpSpPr/>
+        <p:nvPr/>
+      </p:nvGrpSpPr>
+      <p:grpSpPr>
+        <a:xfrm>
+          <a:off x="0" y="0"/>
+          <a:ext cx="0" cy="0"/>
+          <a:chOff x="0" y="0"/>
+          <a:chExt cx="0" cy="0"/>
+        </a:xfrm>
+      </p:grpSpPr>
+      <p:sp>
+        <p:nvSpPr>
+          <p:cNvPr id="2" name="Slide Image Placeholder 1"/>
+          <p:cNvSpPr>
+            <a:spLocks noGrp="1" noRot="1" noChangeAspect="1"/>
+          </p:cNvSpPr>
+          <p:nvPr>
+            <p:ph type="sldImg"/>
+          </p:nvPr>
+        </p:nvSpPr>
+        <p:spPr/>
+      </p:sp>
+      <p:sp>
+        <p:nvSpPr>
+          <p:cNvPr id="3" name="Notes Placeholder 2"/>
+          <p:cNvSpPr>
+            <a:spLocks noGrp="1"/>
+          </p:cNvSpPr>
+          <p:nvPr>
+            <p:ph type="body" idx="1"/>
+          </p:nvPr>
+        </p:nvSpPr>
+        <p:spPr/>
+        <p:txBody>
+          <a:bodyPr/>
+          <a:lstStyle/>
+          <a:p>
+            <a:r>
+              <a:rPr lang="en-US" dirty="0"/>
+              <a:t>Most words occur only a few times.</a:t>
+            </a:r>
+          </a:p>
+          <a:p>
+            <a:r>
+              <a:rPr lang="en-US" dirty="0"/>
+              <a:t>The number 13 occurs over 85,000 times</a:t>
+            </a:r>
+          </a:p>
+        </p:txBody>
+      </p:sp>
+      <p:sp>
+        <p:nvSpPr>
+          <p:cNvPr id="4" name="Slide Number Placeholder 3"/>
+          <p:cNvSpPr>
+            <a:spLocks noGrp="1"/>
+          </p:cNvSpPr>
+          <p:nvPr>
+            <p:ph type="sldNum" sz="quarter" idx="5"/>
+          </p:nvPr>
+        </p:nvSpPr>
+        <p:spPr/>
+        <p:txBody>
+          <a:bodyPr/>
+          <a:lstStyle/>
+          <a:p>
+            <a:fld id="{12BC638F-8A1D-834E-9657-78D7AC45DDEF}" type="slidenum">
+              <a:rPr lang="en-US" smtClean="0"/>
+              <a:t>18</a:t>
+            </a:fld>
+            <a:endParaRPr lang="en-US" dirty="0"/>
+          </a:p>
+        </p:txBody>
+      </p:sp>
+    </p:spTree>
+    <p:extLst>
+      <p:ext uri="{BB962C8B-B14F-4D97-AF65-F5344CB8AC3E}">
+        <p14:creationId xmlns:p14="http://schemas.microsoft.com/office/powerpoint/2010/main" val="2028130516"/>
       </p:ext>
     </p:extLst>
   </p:cSld>
@@ -901,7 +1422,7 @@
           <a:p>
             <a:fld id="{CCFA9767-03AA-AB4A-BB3D-63A97DCAFBDC}" type="datetimeFigureOut">
               <a:rPr lang="en-US" smtClean="0"/>
-              <a:t>7/11/24</a:t>
+              <a:t>7/15/24</a:t>
             </a:fld>
             <a:endParaRPr lang="en-US" dirty="0"/>
           </a:p>
@@ -1099,7 +1620,7 @@
           <a:p>
             <a:fld id="{CCFA9767-03AA-AB4A-BB3D-63A97DCAFBDC}" type="datetimeFigureOut">
               <a:rPr lang="en-US" smtClean="0"/>
-              <a:t>7/11/24</a:t>
+              <a:t>7/15/24</a:t>
             </a:fld>
             <a:endParaRPr lang="en-US" dirty="0"/>
           </a:p>
@@ -1307,7 +1828,7 @@
           <a:p>
             <a:fld id="{CCFA9767-03AA-AB4A-BB3D-63A97DCAFBDC}" type="datetimeFigureOut">
               <a:rPr lang="en-US" smtClean="0"/>
-              <a:t>7/11/24</a:t>
+              <a:t>7/15/24</a:t>
             </a:fld>
             <a:endParaRPr lang="en-US" dirty="0"/>
           </a:p>
@@ -1505,7 +2026,7 @@
           <a:p>
             <a:fld id="{CCFA9767-03AA-AB4A-BB3D-63A97DCAFBDC}" type="datetimeFigureOut">
               <a:rPr lang="en-US" smtClean="0"/>
-              <a:t>7/11/24</a:t>
+              <a:t>7/15/24</a:t>
             </a:fld>
             <a:endParaRPr lang="en-US" dirty="0"/>
           </a:p>
@@ -1780,7 +2301,7 @@
           <a:p>
             <a:fld id="{CCFA9767-03AA-AB4A-BB3D-63A97DCAFBDC}" type="datetimeFigureOut">
               <a:rPr lang="en-US" smtClean="0"/>
-              <a:t>7/11/24</a:t>
+              <a:t>7/15/24</a:t>
             </a:fld>
             <a:endParaRPr lang="en-US" dirty="0"/>
           </a:p>
@@ -2045,7 +2566,7 @@
           <a:p>
             <a:fld id="{CCFA9767-03AA-AB4A-BB3D-63A97DCAFBDC}" type="datetimeFigureOut">
               <a:rPr lang="en-US" smtClean="0"/>
-              <a:t>7/11/24</a:t>
+              <a:t>7/15/24</a:t>
             </a:fld>
             <a:endParaRPr lang="en-US" dirty="0"/>
           </a:p>
@@ -2457,7 +2978,7 @@
           <a:p>
             <a:fld id="{CCFA9767-03AA-AB4A-BB3D-63A97DCAFBDC}" type="datetimeFigureOut">
               <a:rPr lang="en-US" smtClean="0"/>
-              <a:t>7/11/24</a:t>
+              <a:t>7/15/24</a:t>
             </a:fld>
             <a:endParaRPr lang="en-US" dirty="0"/>
           </a:p>
@@ -2598,7 +3119,7 @@
           <a:p>
             <a:fld id="{CCFA9767-03AA-AB4A-BB3D-63A97DCAFBDC}" type="datetimeFigureOut">
               <a:rPr lang="en-US" smtClean="0"/>
-              <a:t>7/11/24</a:t>
+              <a:t>7/15/24</a:t>
             </a:fld>
             <a:endParaRPr lang="en-US" dirty="0"/>
           </a:p>
@@ -2711,7 +3232,7 @@
           <a:p>
             <a:fld id="{CCFA9767-03AA-AB4A-BB3D-63A97DCAFBDC}" type="datetimeFigureOut">
               <a:rPr lang="en-US" smtClean="0"/>
-              <a:t>7/11/24</a:t>
+              <a:t>7/15/24</a:t>
             </a:fld>
             <a:endParaRPr lang="en-US" dirty="0"/>
           </a:p>
@@ -3022,7 +3543,7 @@
           <a:p>
             <a:fld id="{CCFA9767-03AA-AB4A-BB3D-63A97DCAFBDC}" type="datetimeFigureOut">
               <a:rPr lang="en-US" smtClean="0"/>
-              <a:t>7/11/24</a:t>
+              <a:t>7/15/24</a:t>
             </a:fld>
             <a:endParaRPr lang="en-US" dirty="0"/>
           </a:p>
@@ -3310,7 +3831,7 @@
           <a:p>
             <a:fld id="{CCFA9767-03AA-AB4A-BB3D-63A97DCAFBDC}" type="datetimeFigureOut">
               <a:rPr lang="en-US" smtClean="0"/>
-              <a:t>7/11/24</a:t>
+              <a:t>7/15/24</a:t>
             </a:fld>
             <a:endParaRPr lang="en-US" dirty="0"/>
           </a:p>
@@ -3551,7 +4072,7 @@
           <a:p>
             <a:fld id="{CCFA9767-03AA-AB4A-BB3D-63A97DCAFBDC}" type="datetimeFigureOut">
               <a:rPr lang="en-US" smtClean="0"/>
-              <a:t>7/11/24</a:t>
+              <a:t>7/15/24</a:t>
             </a:fld>
             <a:endParaRPr lang="en-US" dirty="0"/>
           </a:p>
@@ -4246,6 +4767,13 @@
               <a:t>Root mean squared error (RMSE)</a:t>
             </a:r>
           </a:p>
+          <a:p>
+            <a:pPr lvl="1"/>
+            <a:r>
+              <a:rPr lang="en-US" dirty="0"/>
+              <a:t>Lower is better</a:t>
+            </a:r>
+          </a:p>
         </p:txBody>
       </p:sp>
     </p:spTree>
@@ -4262,6 +4790,947 @@
 </file>
 
 <file path=ppt/slides/slide12.xml><?xml version="1.0" encoding="utf-8"?>
+<p:sld xmlns:a="http://schemas.openxmlformats.org/drawingml/2006/main" xmlns:r="http://schemas.openxmlformats.org/officeDocument/2006/relationships" xmlns:p="http://schemas.openxmlformats.org/presentationml/2006/main">
+  <p:cSld>
+    <p:spTree>
+      <p:nvGrpSpPr>
+        <p:cNvPr id="1" name=""/>
+        <p:cNvGrpSpPr/>
+        <p:nvPr/>
+      </p:nvGrpSpPr>
+      <p:grpSpPr>
+        <a:xfrm>
+          <a:off x="0" y="0"/>
+          <a:ext cx="0" cy="0"/>
+          <a:chOff x="0" y="0"/>
+          <a:chExt cx="0" cy="0"/>
+        </a:xfrm>
+      </p:grpSpPr>
+      <p:sp>
+        <p:nvSpPr>
+          <p:cNvPr id="2" name="Title 1">
+            <a:extLst>
+              <a:ext uri="{FF2B5EF4-FFF2-40B4-BE49-F238E27FC236}">
+                <a16:creationId xmlns:a16="http://schemas.microsoft.com/office/drawing/2014/main" id="{B7AEEB06-F7C2-8948-91B4-99F902A8AD8D}"/>
+              </a:ext>
+            </a:extLst>
+          </p:cNvPr>
+          <p:cNvSpPr>
+            <a:spLocks noGrp="1"/>
+          </p:cNvSpPr>
+          <p:nvPr>
+            <p:ph type="title"/>
+          </p:nvPr>
+        </p:nvSpPr>
+        <p:spPr/>
+        <p:txBody>
+          <a:bodyPr/>
+          <a:lstStyle/>
+          <a:p>
+            <a:r>
+              <a:rPr lang="en-US" dirty="0"/>
+              <a:t>RMSE for the Four Models</a:t>
+            </a:r>
+          </a:p>
+        </p:txBody>
+      </p:sp>
+      <p:pic>
+        <p:nvPicPr>
+          <p:cNvPr id="10" name="Content Placeholder 9">
+            <a:extLst>
+              <a:ext uri="{FF2B5EF4-FFF2-40B4-BE49-F238E27FC236}">
+                <a16:creationId xmlns:a16="http://schemas.microsoft.com/office/drawing/2014/main" id="{8C0B3B07-AC00-9345-A6D7-BE979C566558}"/>
+              </a:ext>
+            </a:extLst>
+          </p:cNvPr>
+          <p:cNvPicPr>
+            <a:picLocks noGrp="1" noChangeAspect="1"/>
+          </p:cNvPicPr>
+          <p:nvPr>
+            <p:ph idx="1"/>
+          </p:nvPr>
+        </p:nvPicPr>
+        <p:blipFill>
+          <a:blip r:embed="rId3"/>
+          <a:stretch>
+            <a:fillRect/>
+          </a:stretch>
+        </p:blipFill>
+        <p:spPr>
+          <a:xfrm>
+            <a:off x="1780810" y="1931194"/>
+            <a:ext cx="6921500" cy="4140200"/>
+          </a:xfrm>
+        </p:spPr>
+      </p:pic>
+    </p:spTree>
+    <p:extLst>
+      <p:ext uri="{BB962C8B-B14F-4D97-AF65-F5344CB8AC3E}">
+        <p14:creationId xmlns:p14="http://schemas.microsoft.com/office/powerpoint/2010/main" val="1448280618"/>
+      </p:ext>
+    </p:extLst>
+  </p:cSld>
+  <p:clrMapOvr>
+    <a:masterClrMapping/>
+  </p:clrMapOvr>
+</p:sld>
+</file>
+
+<file path=ppt/slides/slide13.xml><?xml version="1.0" encoding="utf-8"?>
+<p:sld xmlns:a="http://schemas.openxmlformats.org/drawingml/2006/main" xmlns:r="http://schemas.openxmlformats.org/officeDocument/2006/relationships" xmlns:p="http://schemas.openxmlformats.org/presentationml/2006/main">
+  <p:cSld>
+    <p:spTree>
+      <p:nvGrpSpPr>
+        <p:cNvPr id="1" name=""/>
+        <p:cNvGrpSpPr/>
+        <p:nvPr/>
+      </p:nvGrpSpPr>
+      <p:grpSpPr>
+        <a:xfrm>
+          <a:off x="0" y="0"/>
+          <a:ext cx="0" cy="0"/>
+          <a:chOff x="0" y="0"/>
+          <a:chExt cx="0" cy="0"/>
+        </a:xfrm>
+      </p:grpSpPr>
+      <p:sp>
+        <p:nvSpPr>
+          <p:cNvPr id="2" name="Title 1">
+            <a:extLst>
+              <a:ext uri="{FF2B5EF4-FFF2-40B4-BE49-F238E27FC236}">
+                <a16:creationId xmlns:a16="http://schemas.microsoft.com/office/drawing/2014/main" id="{755C4C00-D189-7E40-956A-ECC885456C24}"/>
+              </a:ext>
+            </a:extLst>
+          </p:cNvPr>
+          <p:cNvSpPr>
+            <a:spLocks noGrp="1"/>
+          </p:cNvSpPr>
+          <p:nvPr>
+            <p:ph type="title"/>
+          </p:nvPr>
+        </p:nvSpPr>
+        <p:spPr/>
+        <p:txBody>
+          <a:bodyPr/>
+          <a:lstStyle/>
+          <a:p>
+            <a:r>
+              <a:rPr lang="en-US" dirty="0"/>
+              <a:t>Limiting the Features</a:t>
+            </a:r>
+          </a:p>
+        </p:txBody>
+      </p:sp>
+      <p:pic>
+        <p:nvPicPr>
+          <p:cNvPr id="5" name="Content Placeholder 4">
+            <a:extLst>
+              <a:ext uri="{FF2B5EF4-FFF2-40B4-BE49-F238E27FC236}">
+                <a16:creationId xmlns:a16="http://schemas.microsoft.com/office/drawing/2014/main" id="{E4C7C671-4E99-0D41-913B-822A2AC4D1F3}"/>
+              </a:ext>
+            </a:extLst>
+          </p:cNvPr>
+          <p:cNvPicPr>
+            <a:picLocks noGrp="1" noChangeAspect="1"/>
+          </p:cNvPicPr>
+          <p:nvPr>
+            <p:ph idx="1"/>
+          </p:nvPr>
+        </p:nvPicPr>
+        <p:blipFill>
+          <a:blip r:embed="rId3"/>
+          <a:stretch>
+            <a:fillRect/>
+          </a:stretch>
+        </p:blipFill>
+        <p:spPr>
+          <a:xfrm>
+            <a:off x="3140191" y="1825625"/>
+            <a:ext cx="5911617" cy="4351338"/>
+          </a:xfrm>
+        </p:spPr>
+      </p:pic>
+      <p:sp>
+        <p:nvSpPr>
+          <p:cNvPr id="6" name="TextBox 5">
+            <a:extLst>
+              <a:ext uri="{FF2B5EF4-FFF2-40B4-BE49-F238E27FC236}">
+                <a16:creationId xmlns:a16="http://schemas.microsoft.com/office/drawing/2014/main" id="{12C9CDDC-516A-1449-9D91-ADC5A936E23A}"/>
+              </a:ext>
+            </a:extLst>
+          </p:cNvPr>
+          <p:cNvSpPr txBox="1"/>
+          <p:nvPr/>
+        </p:nvSpPr>
+        <p:spPr>
+          <a:xfrm>
+            <a:off x="1862670" y="5772150"/>
+            <a:ext cx="1676400" cy="369332"/>
+          </a:xfrm>
+          <a:prstGeom prst="rect">
+            <a:avLst/>
+          </a:prstGeom>
+          <a:noFill/>
+        </p:spPr>
+        <p:txBody>
+          <a:bodyPr wrap="square" rtlCol="0">
+            <a:spAutoFit/>
+          </a:bodyPr>
+          <a:lstStyle/>
+          <a:p>
+            <a:r>
+              <a:rPr lang="en-US" dirty="0"/>
+              <a:t>RMSE = 11.685 </a:t>
+            </a:r>
+          </a:p>
+        </p:txBody>
+      </p:sp>
+      <p:cxnSp>
+        <p:nvCxnSpPr>
+          <p:cNvPr id="8" name="Straight Arrow Connector 7">
+            <a:extLst>
+              <a:ext uri="{FF2B5EF4-FFF2-40B4-BE49-F238E27FC236}">
+                <a16:creationId xmlns:a16="http://schemas.microsoft.com/office/drawing/2014/main" id="{CF04898A-CA70-8C4F-A4A4-571BAA2F52E5}"/>
+              </a:ext>
+            </a:extLst>
+          </p:cNvPr>
+          <p:cNvCxnSpPr>
+            <a:cxnSpLocks/>
+          </p:cNvCxnSpPr>
+          <p:nvPr/>
+        </p:nvCxnSpPr>
+        <p:spPr>
+          <a:xfrm flipV="1">
+            <a:off x="3429000" y="5571067"/>
+            <a:ext cx="1261533" cy="358247"/>
+          </a:xfrm>
+          <a:prstGeom prst="straightConnector1">
+            <a:avLst/>
+          </a:prstGeom>
+          <a:ln w="25400">
+            <a:solidFill>
+              <a:schemeClr val="tx1"/>
+            </a:solidFill>
+            <a:tailEnd type="triangle"/>
+          </a:ln>
+        </p:spPr>
+        <p:style>
+          <a:lnRef idx="1">
+            <a:schemeClr val="accent1"/>
+          </a:lnRef>
+          <a:fillRef idx="0">
+            <a:schemeClr val="accent1"/>
+          </a:fillRef>
+          <a:effectRef idx="0">
+            <a:schemeClr val="accent1"/>
+          </a:effectRef>
+          <a:fontRef idx="minor">
+            <a:schemeClr val="tx1"/>
+          </a:fontRef>
+        </p:style>
+      </p:cxnSp>
+    </p:spTree>
+    <p:extLst>
+      <p:ext uri="{BB962C8B-B14F-4D97-AF65-F5344CB8AC3E}">
+        <p14:creationId xmlns:p14="http://schemas.microsoft.com/office/powerpoint/2010/main" val="2504999705"/>
+      </p:ext>
+    </p:extLst>
+  </p:cSld>
+  <p:clrMapOvr>
+    <a:masterClrMapping/>
+  </p:clrMapOvr>
+</p:sld>
+</file>
+
+<file path=ppt/slides/slide14.xml><?xml version="1.0" encoding="utf-8"?>
+<p:sld xmlns:a="http://schemas.openxmlformats.org/drawingml/2006/main" xmlns:r="http://schemas.openxmlformats.org/officeDocument/2006/relationships" xmlns:p="http://schemas.openxmlformats.org/presentationml/2006/main">
+  <p:cSld>
+    <p:spTree>
+      <p:nvGrpSpPr>
+        <p:cNvPr id="1" name=""/>
+        <p:cNvGrpSpPr/>
+        <p:nvPr/>
+      </p:nvGrpSpPr>
+      <p:grpSpPr>
+        <a:xfrm>
+          <a:off x="0" y="0"/>
+          <a:ext cx="0" cy="0"/>
+          <a:chOff x="0" y="0"/>
+          <a:chExt cx="0" cy="0"/>
+        </a:xfrm>
+      </p:grpSpPr>
+      <p:sp>
+        <p:nvSpPr>
+          <p:cNvPr id="2" name="Title 1">
+            <a:extLst>
+              <a:ext uri="{FF2B5EF4-FFF2-40B4-BE49-F238E27FC236}">
+                <a16:creationId xmlns:a16="http://schemas.microsoft.com/office/drawing/2014/main" id="{3306A12D-D120-9141-9ACD-48D06B125B8B}"/>
+              </a:ext>
+            </a:extLst>
+          </p:cNvPr>
+          <p:cNvSpPr>
+            <a:spLocks noGrp="1"/>
+          </p:cNvSpPr>
+          <p:nvPr>
+            <p:ph type="title"/>
+          </p:nvPr>
+        </p:nvSpPr>
+        <p:spPr/>
+        <p:txBody>
+          <a:bodyPr/>
+          <a:lstStyle/>
+          <a:p>
+            <a:r>
+              <a:rPr lang="en-US" dirty="0"/>
+              <a:t>Coefficients</a:t>
+            </a:r>
+          </a:p>
+        </p:txBody>
+      </p:sp>
+      <p:pic>
+        <p:nvPicPr>
+          <p:cNvPr id="5" name="Content Placeholder 4">
+            <a:extLst>
+              <a:ext uri="{FF2B5EF4-FFF2-40B4-BE49-F238E27FC236}">
+                <a16:creationId xmlns:a16="http://schemas.microsoft.com/office/drawing/2014/main" id="{5807CE75-17E2-F943-B246-B38BD24983CE}"/>
+              </a:ext>
+            </a:extLst>
+          </p:cNvPr>
+          <p:cNvPicPr>
+            <a:picLocks noGrp="1" noChangeAspect="1"/>
+          </p:cNvPicPr>
+          <p:nvPr>
+            <p:ph idx="1"/>
+          </p:nvPr>
+        </p:nvPicPr>
+        <p:blipFill>
+          <a:blip r:embed="rId3"/>
+          <a:stretch>
+            <a:fillRect/>
+          </a:stretch>
+        </p:blipFill>
+        <p:spPr>
+          <a:xfrm>
+            <a:off x="3711132" y="1825625"/>
+            <a:ext cx="4769735" cy="4351338"/>
+          </a:xfrm>
+        </p:spPr>
+      </p:pic>
+    </p:spTree>
+    <p:extLst>
+      <p:ext uri="{BB962C8B-B14F-4D97-AF65-F5344CB8AC3E}">
+        <p14:creationId xmlns:p14="http://schemas.microsoft.com/office/powerpoint/2010/main" val="1023257774"/>
+      </p:ext>
+    </p:extLst>
+  </p:cSld>
+  <p:clrMapOvr>
+    <a:masterClrMapping/>
+  </p:clrMapOvr>
+</p:sld>
+</file>
+
+<file path=ppt/slides/slide15.xml><?xml version="1.0" encoding="utf-8"?>
+<p:sld xmlns:a="http://schemas.openxmlformats.org/drawingml/2006/main" xmlns:r="http://schemas.openxmlformats.org/officeDocument/2006/relationships" xmlns:p="http://schemas.openxmlformats.org/presentationml/2006/main">
+  <p:cSld>
+    <p:spTree>
+      <p:nvGrpSpPr>
+        <p:cNvPr id="1" name=""/>
+        <p:cNvGrpSpPr/>
+        <p:nvPr/>
+      </p:nvGrpSpPr>
+      <p:grpSpPr>
+        <a:xfrm>
+          <a:off x="0" y="0"/>
+          <a:ext cx="0" cy="0"/>
+          <a:chOff x="0" y="0"/>
+          <a:chExt cx="0" cy="0"/>
+        </a:xfrm>
+      </p:grpSpPr>
+      <p:sp>
+        <p:nvSpPr>
+          <p:cNvPr id="2" name="Title 1">
+            <a:extLst>
+              <a:ext uri="{FF2B5EF4-FFF2-40B4-BE49-F238E27FC236}">
+                <a16:creationId xmlns:a16="http://schemas.microsoft.com/office/drawing/2014/main" id="{590FCA8D-0E7E-9946-B228-F3DA7110BDFA}"/>
+              </a:ext>
+            </a:extLst>
+          </p:cNvPr>
+          <p:cNvSpPr>
+            <a:spLocks noGrp="1"/>
+          </p:cNvSpPr>
+          <p:nvPr>
+            <p:ph type="title"/>
+          </p:nvPr>
+        </p:nvSpPr>
+        <p:spPr/>
+        <p:txBody>
+          <a:bodyPr/>
+          <a:lstStyle/>
+          <a:p>
+            <a:r>
+              <a:rPr lang="en-US" dirty="0"/>
+              <a:t>Recommendations</a:t>
+            </a:r>
+          </a:p>
+        </p:txBody>
+      </p:sp>
+      <p:sp>
+        <p:nvSpPr>
+          <p:cNvPr id="3" name="Content Placeholder 2">
+            <a:extLst>
+              <a:ext uri="{FF2B5EF4-FFF2-40B4-BE49-F238E27FC236}">
+                <a16:creationId xmlns:a16="http://schemas.microsoft.com/office/drawing/2014/main" id="{BAC5B1DC-3B73-E24F-ACCE-BCC26E1ABE23}"/>
+              </a:ext>
+            </a:extLst>
+          </p:cNvPr>
+          <p:cNvSpPr>
+            <a:spLocks noGrp="1"/>
+          </p:cNvSpPr>
+          <p:nvPr>
+            <p:ph idx="1"/>
+          </p:nvPr>
+        </p:nvSpPr>
+        <p:spPr/>
+        <p:txBody>
+          <a:bodyPr/>
+          <a:lstStyle/>
+          <a:p>
+            <a:r>
+              <a:rPr lang="en-US" dirty="0"/>
+              <a:t>Don’t make a horror movie</a:t>
+            </a:r>
+          </a:p>
+          <a:p>
+            <a:r>
+              <a:rPr lang="en-US" dirty="0"/>
+              <a:t>Consider adventure movies or westerns</a:t>
+            </a:r>
+          </a:p>
+          <a:p>
+            <a:r>
+              <a:rPr lang="en-US" dirty="0"/>
+              <a:t>Don’t make a musical until we figure out the difference between “music” and “musical” as a genre</a:t>
+            </a:r>
+          </a:p>
+        </p:txBody>
+      </p:sp>
+    </p:spTree>
+    <p:extLst>
+      <p:ext uri="{BB962C8B-B14F-4D97-AF65-F5344CB8AC3E}">
+        <p14:creationId xmlns:p14="http://schemas.microsoft.com/office/powerpoint/2010/main" val="29825846"/>
+      </p:ext>
+    </p:extLst>
+  </p:cSld>
+  <p:clrMapOvr>
+    <a:masterClrMapping/>
+  </p:clrMapOvr>
+</p:sld>
+</file>
+
+<file path=ppt/slides/slide16.xml><?xml version="1.0" encoding="utf-8"?>
+<p:sld xmlns:a="http://schemas.openxmlformats.org/drawingml/2006/main" xmlns:r="http://schemas.openxmlformats.org/officeDocument/2006/relationships" xmlns:p="http://schemas.openxmlformats.org/presentationml/2006/main">
+  <p:cSld>
+    <p:spTree>
+      <p:nvGrpSpPr>
+        <p:cNvPr id="1" name=""/>
+        <p:cNvGrpSpPr/>
+        <p:nvPr/>
+      </p:nvGrpSpPr>
+      <p:grpSpPr>
+        <a:xfrm>
+          <a:off x="0" y="0"/>
+          <a:ext cx="0" cy="0"/>
+          <a:chOff x="0" y="0"/>
+          <a:chExt cx="0" cy="0"/>
+        </a:xfrm>
+      </p:grpSpPr>
+      <p:sp>
+        <p:nvSpPr>
+          <p:cNvPr id="2" name="Title 1">
+            <a:extLst>
+              <a:ext uri="{FF2B5EF4-FFF2-40B4-BE49-F238E27FC236}">
+                <a16:creationId xmlns:a16="http://schemas.microsoft.com/office/drawing/2014/main" id="{2DD4E854-6E07-4C4A-8CE0-2FF8979A0FF9}"/>
+              </a:ext>
+            </a:extLst>
+          </p:cNvPr>
+          <p:cNvSpPr>
+            <a:spLocks noGrp="1"/>
+          </p:cNvSpPr>
+          <p:nvPr>
+            <p:ph type="title"/>
+          </p:nvPr>
+        </p:nvSpPr>
+        <p:spPr/>
+        <p:txBody>
+          <a:bodyPr/>
+          <a:lstStyle/>
+          <a:p>
+            <a:r>
+              <a:rPr lang="en-US" dirty="0"/>
+              <a:t>Future Work</a:t>
+            </a:r>
+          </a:p>
+        </p:txBody>
+      </p:sp>
+      <p:sp>
+        <p:nvSpPr>
+          <p:cNvPr id="3" name="Content Placeholder 2">
+            <a:extLst>
+              <a:ext uri="{FF2B5EF4-FFF2-40B4-BE49-F238E27FC236}">
+                <a16:creationId xmlns:a16="http://schemas.microsoft.com/office/drawing/2014/main" id="{001D9037-CDAB-FB49-93FD-23A6B4ADF8B0}"/>
+              </a:ext>
+            </a:extLst>
+          </p:cNvPr>
+          <p:cNvSpPr>
+            <a:spLocks noGrp="1"/>
+          </p:cNvSpPr>
+          <p:nvPr>
+            <p:ph idx="1"/>
+          </p:nvPr>
+        </p:nvSpPr>
+        <p:spPr/>
+        <p:txBody>
+          <a:bodyPr/>
+          <a:lstStyle/>
+          <a:p>
+            <a:r>
+              <a:rPr lang="en-US" dirty="0"/>
+              <a:t>More scripts</a:t>
+            </a:r>
+          </a:p>
+          <a:p>
+            <a:pPr lvl="1"/>
+            <a:r>
+              <a:rPr lang="en-US" dirty="0"/>
+              <a:t>Only through 2009</a:t>
+            </a:r>
+          </a:p>
+          <a:p>
+            <a:r>
+              <a:rPr lang="en-US" dirty="0"/>
+              <a:t>Determine difference between “music” and “musical” as genres</a:t>
+            </a:r>
+          </a:p>
+          <a:p>
+            <a:r>
+              <a:rPr lang="en-US" dirty="0"/>
+              <a:t>Other rating systems</a:t>
+            </a:r>
+          </a:p>
+          <a:p>
+            <a:pPr lvl="1"/>
+            <a:r>
+              <a:rPr lang="en-US" dirty="0"/>
+              <a:t>Rotten Tomatoes</a:t>
+            </a:r>
+          </a:p>
+          <a:p>
+            <a:pPr lvl="1"/>
+            <a:r>
+              <a:rPr lang="en-US" dirty="0"/>
+              <a:t>Amazon</a:t>
+            </a:r>
+          </a:p>
+        </p:txBody>
+      </p:sp>
+    </p:spTree>
+    <p:extLst>
+      <p:ext uri="{BB962C8B-B14F-4D97-AF65-F5344CB8AC3E}">
+        <p14:creationId xmlns:p14="http://schemas.microsoft.com/office/powerpoint/2010/main" val="2102919503"/>
+      </p:ext>
+    </p:extLst>
+  </p:cSld>
+  <p:clrMapOvr>
+    <a:masterClrMapping/>
+  </p:clrMapOvr>
+</p:sld>
+</file>
+
+<file path=ppt/slides/slide17.xml><?xml version="1.0" encoding="utf-8"?>
+<p:sld xmlns:a="http://schemas.openxmlformats.org/drawingml/2006/main" xmlns:r="http://schemas.openxmlformats.org/officeDocument/2006/relationships" xmlns:p="http://schemas.openxmlformats.org/presentationml/2006/main">
+  <p:cSld>
+    <p:spTree>
+      <p:nvGrpSpPr>
+        <p:cNvPr id="1" name=""/>
+        <p:cNvGrpSpPr/>
+        <p:nvPr/>
+      </p:nvGrpSpPr>
+      <p:grpSpPr>
+        <a:xfrm>
+          <a:off x="0" y="0"/>
+          <a:ext cx="0" cy="0"/>
+          <a:chOff x="0" y="0"/>
+          <a:chExt cx="0" cy="0"/>
+        </a:xfrm>
+      </p:grpSpPr>
+      <p:sp>
+        <p:nvSpPr>
+          <p:cNvPr id="4" name="Title 3">
+            <a:extLst>
+              <a:ext uri="{FF2B5EF4-FFF2-40B4-BE49-F238E27FC236}">
+                <a16:creationId xmlns:a16="http://schemas.microsoft.com/office/drawing/2014/main" id="{9B73AF21-F287-AE41-8891-1FB58036045F}"/>
+              </a:ext>
+            </a:extLst>
+          </p:cNvPr>
+          <p:cNvSpPr>
+            <a:spLocks noGrp="1"/>
+          </p:cNvSpPr>
+          <p:nvPr>
+            <p:ph type="ctrTitle"/>
+          </p:nvPr>
+        </p:nvSpPr>
+        <p:spPr/>
+        <p:txBody>
+          <a:bodyPr/>
+          <a:lstStyle/>
+          <a:p>
+            <a:r>
+              <a:rPr lang="en-US" dirty="0"/>
+              <a:t>Any Questions?</a:t>
+            </a:r>
+          </a:p>
+        </p:txBody>
+      </p:sp>
+      <p:sp>
+        <p:nvSpPr>
+          <p:cNvPr id="5" name="Subtitle 4">
+            <a:extLst>
+              <a:ext uri="{FF2B5EF4-FFF2-40B4-BE49-F238E27FC236}">
+                <a16:creationId xmlns:a16="http://schemas.microsoft.com/office/drawing/2014/main" id="{C65A8301-556D-594B-B180-5AB7408F0A09}"/>
+              </a:ext>
+            </a:extLst>
+          </p:cNvPr>
+          <p:cNvSpPr>
+            <a:spLocks noGrp="1"/>
+          </p:cNvSpPr>
+          <p:nvPr>
+            <p:ph type="subTitle" idx="1"/>
+          </p:nvPr>
+        </p:nvSpPr>
+        <p:spPr/>
+        <p:txBody>
+          <a:bodyPr/>
+          <a:lstStyle/>
+          <a:p>
+            <a:endParaRPr lang="en-US"/>
+          </a:p>
+        </p:txBody>
+      </p:sp>
+    </p:spTree>
+    <p:extLst>
+      <p:ext uri="{BB962C8B-B14F-4D97-AF65-F5344CB8AC3E}">
+        <p14:creationId xmlns:p14="http://schemas.microsoft.com/office/powerpoint/2010/main" val="99585284"/>
+      </p:ext>
+    </p:extLst>
+  </p:cSld>
+  <p:clrMapOvr>
+    <a:masterClrMapping/>
+  </p:clrMapOvr>
+</p:sld>
+</file>
+
+<file path=ppt/slides/slide18.xml><?xml version="1.0" encoding="utf-8"?>
+<p:sld xmlns:a="http://schemas.openxmlformats.org/drawingml/2006/main" xmlns:r="http://schemas.openxmlformats.org/officeDocument/2006/relationships" xmlns:p="http://schemas.openxmlformats.org/presentationml/2006/main">
+  <p:cSld>
+    <p:spTree>
+      <p:nvGrpSpPr>
+        <p:cNvPr id="1" name=""/>
+        <p:cNvGrpSpPr/>
+        <p:nvPr/>
+      </p:nvGrpSpPr>
+      <p:grpSpPr>
+        <a:xfrm>
+          <a:off x="0" y="0"/>
+          <a:ext cx="0" cy="0"/>
+          <a:chOff x="0" y="0"/>
+          <a:chExt cx="0" cy="0"/>
+        </a:xfrm>
+      </p:grpSpPr>
+      <p:sp>
+        <p:nvSpPr>
+          <p:cNvPr id="2" name="Title 1">
+            <a:extLst>
+              <a:ext uri="{FF2B5EF4-FFF2-40B4-BE49-F238E27FC236}">
+                <a16:creationId xmlns:a16="http://schemas.microsoft.com/office/drawing/2014/main" id="{56544FBA-6F32-1C49-AD63-798FA75BCA5E}"/>
+              </a:ext>
+            </a:extLst>
+          </p:cNvPr>
+          <p:cNvSpPr>
+            <a:spLocks noGrp="1"/>
+          </p:cNvSpPr>
+          <p:nvPr>
+            <p:ph type="title"/>
+          </p:nvPr>
+        </p:nvSpPr>
+        <p:spPr/>
+        <p:txBody>
+          <a:bodyPr/>
+          <a:lstStyle/>
+          <a:p>
+            <a:r>
+              <a:rPr lang="en-US" dirty="0"/>
+              <a:t>Word Recurrences Across Scripts</a:t>
+            </a:r>
+          </a:p>
+        </p:txBody>
+      </p:sp>
+      <p:pic>
+        <p:nvPicPr>
+          <p:cNvPr id="5" name="Content Placeholder 4">
+            <a:extLst>
+              <a:ext uri="{FF2B5EF4-FFF2-40B4-BE49-F238E27FC236}">
+                <a16:creationId xmlns:a16="http://schemas.microsoft.com/office/drawing/2014/main" id="{5DE3B4E1-467A-8548-B913-7C084B95E12A}"/>
+              </a:ext>
+            </a:extLst>
+          </p:cNvPr>
+          <p:cNvPicPr>
+            <a:picLocks noGrp="1" noChangeAspect="1"/>
+          </p:cNvPicPr>
+          <p:nvPr>
+            <p:ph idx="1"/>
+          </p:nvPr>
+        </p:nvPicPr>
+        <p:blipFill>
+          <a:blip r:embed="rId3"/>
+          <a:stretch>
+            <a:fillRect/>
+          </a:stretch>
+        </p:blipFill>
+        <p:spPr>
+          <a:xfrm>
+            <a:off x="3448050" y="1931194"/>
+            <a:ext cx="5295900" cy="4140200"/>
+          </a:xfrm>
+        </p:spPr>
+      </p:pic>
+    </p:spTree>
+    <p:extLst>
+      <p:ext uri="{BB962C8B-B14F-4D97-AF65-F5344CB8AC3E}">
+        <p14:creationId xmlns:p14="http://schemas.microsoft.com/office/powerpoint/2010/main" val="2502537469"/>
+      </p:ext>
+    </p:extLst>
+  </p:cSld>
+  <p:clrMapOvr>
+    <a:masterClrMapping/>
+  </p:clrMapOvr>
+</p:sld>
+</file>
+
+<file path=ppt/slides/slide19.xml><?xml version="1.0" encoding="utf-8"?>
+<p:sld xmlns:a="http://schemas.openxmlformats.org/drawingml/2006/main" xmlns:r="http://schemas.openxmlformats.org/officeDocument/2006/relationships" xmlns:p="http://schemas.openxmlformats.org/presentationml/2006/main">
+  <p:cSld>
+    <p:spTree>
+      <p:nvGrpSpPr>
+        <p:cNvPr id="1" name=""/>
+        <p:cNvGrpSpPr/>
+        <p:nvPr/>
+      </p:nvGrpSpPr>
+      <p:grpSpPr>
+        <a:xfrm>
+          <a:off x="0" y="0"/>
+          <a:ext cx="0" cy="0"/>
+          <a:chOff x="0" y="0"/>
+          <a:chExt cx="0" cy="0"/>
+        </a:xfrm>
+      </p:grpSpPr>
+      <p:sp>
+        <p:nvSpPr>
+          <p:cNvPr id="2" name="Title 1">
+            <a:extLst>
+              <a:ext uri="{FF2B5EF4-FFF2-40B4-BE49-F238E27FC236}">
+                <a16:creationId xmlns:a16="http://schemas.microsoft.com/office/drawing/2014/main" id="{AA3306EC-BD9D-AE4A-BB2B-632681034638}"/>
+              </a:ext>
+            </a:extLst>
+          </p:cNvPr>
+          <p:cNvSpPr>
+            <a:spLocks noGrp="1"/>
+          </p:cNvSpPr>
+          <p:nvPr>
+            <p:ph type="title"/>
+          </p:nvPr>
+        </p:nvSpPr>
+        <p:spPr/>
+        <p:txBody>
+          <a:bodyPr/>
+          <a:lstStyle/>
+          <a:p>
+            <a:r>
+              <a:rPr lang="en-US" dirty="0"/>
+              <a:t>Word Recurrences </a:t>
+            </a:r>
+            <a:r>
+              <a:rPr lang="en-US"/>
+              <a:t>Without Outliers</a:t>
+            </a:r>
+            <a:endParaRPr lang="en-US" dirty="0"/>
+          </a:p>
+        </p:txBody>
+      </p:sp>
+      <p:pic>
+        <p:nvPicPr>
+          <p:cNvPr id="5" name="Content Placeholder 4">
+            <a:extLst>
+              <a:ext uri="{FF2B5EF4-FFF2-40B4-BE49-F238E27FC236}">
+                <a16:creationId xmlns:a16="http://schemas.microsoft.com/office/drawing/2014/main" id="{FB0CA512-B710-FF4A-B79E-91EED9FB3D18}"/>
+              </a:ext>
+            </a:extLst>
+          </p:cNvPr>
+          <p:cNvPicPr>
+            <a:picLocks noGrp="1" noChangeAspect="1"/>
+          </p:cNvPicPr>
+          <p:nvPr>
+            <p:ph idx="1"/>
+          </p:nvPr>
+        </p:nvPicPr>
+        <p:blipFill>
+          <a:blip r:embed="rId2"/>
+          <a:stretch>
+            <a:fillRect/>
+          </a:stretch>
+        </p:blipFill>
+        <p:spPr>
+          <a:xfrm>
+            <a:off x="3448050" y="1931194"/>
+            <a:ext cx="5295900" cy="4140200"/>
+          </a:xfrm>
+        </p:spPr>
+      </p:pic>
+    </p:spTree>
+    <p:extLst>
+      <p:ext uri="{BB962C8B-B14F-4D97-AF65-F5344CB8AC3E}">
+        <p14:creationId xmlns:p14="http://schemas.microsoft.com/office/powerpoint/2010/main" val="2693286496"/>
+      </p:ext>
+    </p:extLst>
+  </p:cSld>
+  <p:clrMapOvr>
+    <a:masterClrMapping/>
+  </p:clrMapOvr>
+</p:sld>
+</file>
+
+<file path=ppt/slides/slide2.xml><?xml version="1.0" encoding="utf-8"?>
+<p:sld xmlns:a="http://schemas.openxmlformats.org/drawingml/2006/main" xmlns:r="http://schemas.openxmlformats.org/officeDocument/2006/relationships" xmlns:p="http://schemas.openxmlformats.org/presentationml/2006/main">
+  <p:cSld>
+    <p:spTree>
+      <p:nvGrpSpPr>
+        <p:cNvPr id="1" name=""/>
+        <p:cNvGrpSpPr/>
+        <p:nvPr/>
+      </p:nvGrpSpPr>
+      <p:grpSpPr>
+        <a:xfrm>
+          <a:off x="0" y="0"/>
+          <a:ext cx="0" cy="0"/>
+          <a:chOff x="0" y="0"/>
+          <a:chExt cx="0" cy="0"/>
+        </a:xfrm>
+      </p:grpSpPr>
+      <p:sp>
+        <p:nvSpPr>
+          <p:cNvPr id="2" name="Title 1">
+            <a:extLst>
+              <a:ext uri="{FF2B5EF4-FFF2-40B4-BE49-F238E27FC236}">
+                <a16:creationId xmlns:a16="http://schemas.microsoft.com/office/drawing/2014/main" id="{1C47D282-76DC-194A-AACB-747B2F0BB37C}"/>
+              </a:ext>
+            </a:extLst>
+          </p:cNvPr>
+          <p:cNvSpPr>
+            <a:spLocks noGrp="1"/>
+          </p:cNvSpPr>
+          <p:nvPr>
+            <p:ph type="title"/>
+          </p:nvPr>
+        </p:nvSpPr>
+        <p:spPr/>
+        <p:txBody>
+          <a:bodyPr/>
+          <a:lstStyle/>
+          <a:p>
+            <a:r>
+              <a:rPr lang="en-US" dirty="0"/>
+              <a:t>Our New Station</a:t>
+            </a:r>
+          </a:p>
+        </p:txBody>
+      </p:sp>
+      <p:sp>
+        <p:nvSpPr>
+          <p:cNvPr id="3" name="Content Placeholder 2">
+            <a:extLst>
+              <a:ext uri="{FF2B5EF4-FFF2-40B4-BE49-F238E27FC236}">
+                <a16:creationId xmlns:a16="http://schemas.microsoft.com/office/drawing/2014/main" id="{5F2BD224-76EB-B940-9D18-4E61674650D1}"/>
+              </a:ext>
+            </a:extLst>
+          </p:cNvPr>
+          <p:cNvSpPr>
+            <a:spLocks noGrp="1"/>
+          </p:cNvSpPr>
+          <p:nvPr>
+            <p:ph idx="1"/>
+          </p:nvPr>
+        </p:nvSpPr>
+        <p:spPr/>
+        <p:txBody>
+          <a:bodyPr/>
+          <a:lstStyle/>
+          <a:p>
+            <a:r>
+              <a:rPr lang="en-US" dirty="0"/>
+              <a:t>We have money to create new TV movies</a:t>
+            </a:r>
+          </a:p>
+          <a:p>
+            <a:r>
+              <a:rPr lang="en-US" dirty="0"/>
+              <a:t>How to create movies that people will watch?</a:t>
+            </a:r>
+          </a:p>
+        </p:txBody>
+      </p:sp>
+      <p:pic>
+        <p:nvPicPr>
+          <p:cNvPr id="7" name="Picture 6">
+            <a:extLst>
+              <a:ext uri="{FF2B5EF4-FFF2-40B4-BE49-F238E27FC236}">
+                <a16:creationId xmlns:a16="http://schemas.microsoft.com/office/drawing/2014/main" id="{8F5410AC-7D75-1043-9DB6-44FC638157B5}"/>
+              </a:ext>
+            </a:extLst>
+          </p:cNvPr>
+          <p:cNvPicPr>
+            <a:picLocks noChangeAspect="1"/>
+          </p:cNvPicPr>
+          <p:nvPr/>
+        </p:nvPicPr>
+        <p:blipFill>
+          <a:blip r:embed="rId2"/>
+          <a:stretch>
+            <a:fillRect/>
+          </a:stretch>
+        </p:blipFill>
+        <p:spPr>
+          <a:xfrm>
+            <a:off x="1943100" y="5414963"/>
+            <a:ext cx="8305800" cy="762000"/>
+          </a:xfrm>
+          <a:prstGeom prst="rect">
+            <a:avLst/>
+          </a:prstGeom>
+        </p:spPr>
+      </p:pic>
+    </p:spTree>
+    <p:extLst>
+      <p:ext uri="{BB962C8B-B14F-4D97-AF65-F5344CB8AC3E}">
+        <p14:creationId xmlns:p14="http://schemas.microsoft.com/office/powerpoint/2010/main" val="630686756"/>
+      </p:ext>
+    </p:extLst>
+  </p:cSld>
+  <p:clrMapOvr>
+    <a:masterClrMapping/>
+  </p:clrMapOvr>
+</p:sld>
+</file>
+
+<file path=ppt/slides/slide20.xml><?xml version="1.0" encoding="utf-8"?>
 <p:sld xmlns:a="http://schemas.openxmlformats.org/drawingml/2006/main" xmlns:r="http://schemas.openxmlformats.org/officeDocument/2006/relationships" xmlns:p="http://schemas.openxmlformats.org/presentationml/2006/main">
   <p:cSld>
     <p:spTree>
@@ -4733,7 +6202,7 @@
 </p:sld>
 </file>
 
-<file path=ppt/slides/slide13.xml><?xml version="1.0" encoding="utf-8"?>
+<file path=ppt/slides/slide21.xml><?xml version="1.0" encoding="utf-8"?>
 <p:sld xmlns:a="http://schemas.openxmlformats.org/drawingml/2006/main" xmlns:r="http://schemas.openxmlformats.org/officeDocument/2006/relationships" xmlns:p="http://schemas.openxmlformats.org/presentationml/2006/main">
   <p:cSld>
     <p:spTree>
@@ -5166,1199 +6635,6 @@
 </p:sld>
 </file>
 
-<file path=ppt/slides/slide14.xml><?xml version="1.0" encoding="utf-8"?>
-<p:sld xmlns:a="http://schemas.openxmlformats.org/drawingml/2006/main" xmlns:r="http://schemas.openxmlformats.org/officeDocument/2006/relationships" xmlns:p="http://schemas.openxmlformats.org/presentationml/2006/main">
-  <p:cSld>
-    <p:spTree>
-      <p:nvGrpSpPr>
-        <p:cNvPr id="1" name=""/>
-        <p:cNvGrpSpPr/>
-        <p:nvPr/>
-      </p:nvGrpSpPr>
-      <p:grpSpPr>
-        <a:xfrm>
-          <a:off x="0" y="0"/>
-          <a:ext cx="0" cy="0"/>
-          <a:chOff x="0" y="0"/>
-          <a:chExt cx="0" cy="0"/>
-        </a:xfrm>
-      </p:grpSpPr>
-      <p:sp>
-        <p:nvSpPr>
-          <p:cNvPr id="2" name="Title 1">
-            <a:extLst>
-              <a:ext uri="{FF2B5EF4-FFF2-40B4-BE49-F238E27FC236}">
-                <a16:creationId xmlns:a16="http://schemas.microsoft.com/office/drawing/2014/main" id="{B7AEEB06-F7C2-8948-91B4-99F902A8AD8D}"/>
-              </a:ext>
-            </a:extLst>
-          </p:cNvPr>
-          <p:cNvSpPr>
-            <a:spLocks noGrp="1"/>
-          </p:cNvSpPr>
-          <p:nvPr>
-            <p:ph type="title"/>
-          </p:nvPr>
-        </p:nvSpPr>
-        <p:spPr/>
-        <p:txBody>
-          <a:bodyPr/>
-          <a:lstStyle/>
-          <a:p>
-            <a:r>
-              <a:rPr lang="en-US" dirty="0"/>
-              <a:t>RMSE</a:t>
-            </a:r>
-          </a:p>
-        </p:txBody>
-      </p:sp>
-      <p:graphicFrame>
-        <p:nvGraphicFramePr>
-          <p:cNvPr id="4" name="Content Placeholder 3">
-            <a:extLst>
-              <a:ext uri="{FF2B5EF4-FFF2-40B4-BE49-F238E27FC236}">
-                <a16:creationId xmlns:a16="http://schemas.microsoft.com/office/drawing/2014/main" id="{9B47B385-0C36-CF4D-AFBD-95F2DFD9D2E5}"/>
-              </a:ext>
-            </a:extLst>
-          </p:cNvPr>
-          <p:cNvGraphicFramePr>
-            <a:graphicFrameLocks noGrp="1"/>
-          </p:cNvGraphicFramePr>
-          <p:nvPr>
-            <p:ph idx="1"/>
-            <p:extLst>
-              <p:ext uri="{D42A27DB-BD31-4B8C-83A1-F6EECF244321}">
-                <p14:modId xmlns:p14="http://schemas.microsoft.com/office/powerpoint/2010/main" val="437191270"/>
-              </p:ext>
-            </p:extLst>
-          </p:nvPr>
-        </p:nvGraphicFramePr>
-        <p:xfrm>
-          <a:off x="3152775" y="2143124"/>
-          <a:ext cx="5886449" cy="3258344"/>
-        </p:xfrm>
-        <a:graphic>
-          <a:graphicData uri="http://schemas.openxmlformats.org/drawingml/2006/table">
-            <a:tbl>
-              <a:tblPr firstRow="1" firstCol="1" bandRow="1">
-                <a:tableStyleId>{5C22544A-7EE6-4342-B048-85BDC9FD1C3A}</a:tableStyleId>
-              </a:tblPr>
-              <a:tblGrid>
-                <a:gridCol w="4400550">
-                  <a:extLst>
-                    <a:ext uri="{9D8B030D-6E8A-4147-A177-3AD203B41FA5}">
-                      <a16:colId xmlns:a16="http://schemas.microsoft.com/office/drawing/2014/main" val="277299789"/>
-                    </a:ext>
-                  </a:extLst>
-                </a:gridCol>
-                <a:gridCol w="1485899">
-                  <a:extLst>
-                    <a:ext uri="{9D8B030D-6E8A-4147-A177-3AD203B41FA5}">
-                      <a16:colId xmlns:a16="http://schemas.microsoft.com/office/drawing/2014/main" val="1517831218"/>
-                    </a:ext>
-                  </a:extLst>
-                </a:gridCol>
-              </a:tblGrid>
-              <a:tr h="814586">
-                <a:tc>
-                  <a:txBody>
-                    <a:bodyPr/>
-                    <a:lstStyle/>
-                    <a:p>
-                      <a:pPr marL="0" marR="0" algn="ctr">
-                        <a:spcBef>
-                          <a:spcPts val="0"/>
-                        </a:spcBef>
-                        <a:spcAft>
-                          <a:spcPts val="0"/>
-                        </a:spcAft>
-                      </a:pPr>
-                      <a:r>
-                        <a:rPr lang="en-US" sz="2400" b="0" dirty="0">
-                          <a:solidFill>
-                            <a:schemeClr val="tx1"/>
-                          </a:solidFill>
-                          <a:effectLst/>
-                        </a:rPr>
-                        <a:t>Simple model (average rating)</a:t>
-                      </a:r>
-                      <a:endParaRPr lang="en-US" sz="2400" b="0" dirty="0">
-                        <a:solidFill>
-                          <a:schemeClr val="tx1"/>
-                        </a:solidFill>
-                        <a:effectLst/>
-                        <a:latin typeface="Calibri" panose="020F0502020204030204" pitchFamily="34" charset="0"/>
-                        <a:ea typeface="Calibri" panose="020F0502020204030204" pitchFamily="34" charset="0"/>
-                        <a:cs typeface="Times New Roman" panose="02020603050405020304" pitchFamily="18" charset="0"/>
-                      </a:endParaRPr>
-                    </a:p>
-                  </a:txBody>
-                  <a:tcPr marL="68580" marR="68580" marT="0" marB="0" anchor="ctr">
-                    <a:lnL w="12700" cmpd="sng">
-                      <a:noFill/>
-                    </a:lnL>
-                    <a:lnR w="12700" cmpd="sng">
-                      <a:noFill/>
-                    </a:lnR>
-                    <a:lnT w="12700" cmpd="sng">
-                      <a:noFill/>
-                    </a:lnT>
-                    <a:lnB w="38100" cmpd="sng">
-                      <a:noFill/>
-                    </a:lnB>
-                    <a:lnTlToBr w="12700" cmpd="sng">
-                      <a:noFill/>
-                      <a:prstDash val="solid"/>
-                    </a:lnTlToBr>
-                    <a:lnBlToTr w="12700" cmpd="sng">
-                      <a:noFill/>
-                      <a:prstDash val="solid"/>
-                    </a:lnBlToTr>
-                    <a:noFill/>
-                  </a:tcPr>
-                </a:tc>
-                <a:tc>
-                  <a:txBody>
-                    <a:bodyPr/>
-                    <a:lstStyle/>
-                    <a:p>
-                      <a:pPr marL="0" marR="0" algn="ctr">
-                        <a:spcBef>
-                          <a:spcPts val="0"/>
-                        </a:spcBef>
-                        <a:spcAft>
-                          <a:spcPts val="0"/>
-                        </a:spcAft>
-                      </a:pPr>
-                      <a:r>
-                        <a:rPr lang="en-US" sz="2400" b="0" dirty="0">
-                          <a:solidFill>
-                            <a:schemeClr val="tx1"/>
-                          </a:solidFill>
-                          <a:effectLst/>
-                        </a:rPr>
-                        <a:t>13.923</a:t>
-                      </a:r>
-                      <a:endParaRPr lang="en-US" sz="2400" b="0" dirty="0">
-                        <a:solidFill>
-                          <a:schemeClr val="tx1"/>
-                        </a:solidFill>
-                        <a:effectLst/>
-                        <a:latin typeface="Calibri" panose="020F0502020204030204" pitchFamily="34" charset="0"/>
-                        <a:ea typeface="Calibri" panose="020F0502020204030204" pitchFamily="34" charset="0"/>
-                        <a:cs typeface="Times New Roman" panose="02020603050405020304" pitchFamily="18" charset="0"/>
-                      </a:endParaRPr>
-                    </a:p>
-                  </a:txBody>
-                  <a:tcPr marL="68580" marR="68580" marT="0" marB="0" anchor="ctr">
-                    <a:lnL w="12700" cmpd="sng">
-                      <a:noFill/>
-                    </a:lnL>
-                    <a:lnR w="12700" cmpd="sng">
-                      <a:noFill/>
-                    </a:lnR>
-                    <a:lnT w="12700" cmpd="sng">
-                      <a:noFill/>
-                    </a:lnT>
-                    <a:lnB w="38100" cmpd="sng">
-                      <a:noFill/>
-                    </a:lnB>
-                    <a:lnTlToBr w="12700" cmpd="sng">
-                      <a:noFill/>
-                      <a:prstDash val="solid"/>
-                    </a:lnTlToBr>
-                    <a:lnBlToTr w="12700" cmpd="sng">
-                      <a:noFill/>
-                      <a:prstDash val="solid"/>
-                    </a:lnBlToTr>
-                    <a:noFill/>
-                  </a:tcPr>
-                </a:tc>
-                <a:extLst>
-                  <a:ext uri="{0D108BD9-81ED-4DB2-BD59-A6C34878D82A}">
-                    <a16:rowId xmlns:a16="http://schemas.microsoft.com/office/drawing/2014/main" val="3292107317"/>
-                  </a:ext>
-                </a:extLst>
-              </a:tr>
-              <a:tr h="814586">
-                <a:tc>
-                  <a:txBody>
-                    <a:bodyPr/>
-                    <a:lstStyle/>
-                    <a:p>
-                      <a:pPr marL="0" marR="0" algn="ctr">
-                        <a:spcBef>
-                          <a:spcPts val="0"/>
-                        </a:spcBef>
-                        <a:spcAft>
-                          <a:spcPts val="0"/>
-                        </a:spcAft>
-                      </a:pPr>
-                      <a:r>
-                        <a:rPr lang="en-US" sz="2400" b="0" dirty="0">
-                          <a:solidFill>
-                            <a:schemeClr val="tx1"/>
-                          </a:solidFill>
-                          <a:effectLst/>
-                        </a:rPr>
-                        <a:t>Gradient booster</a:t>
-                      </a:r>
-                      <a:endParaRPr lang="en-US" sz="2400" b="0" dirty="0">
-                        <a:solidFill>
-                          <a:schemeClr val="tx1"/>
-                        </a:solidFill>
-                        <a:effectLst/>
-                        <a:latin typeface="Calibri" panose="020F0502020204030204" pitchFamily="34" charset="0"/>
-                        <a:ea typeface="Calibri" panose="020F0502020204030204" pitchFamily="34" charset="0"/>
-                        <a:cs typeface="Times New Roman" panose="02020603050405020304" pitchFamily="18" charset="0"/>
-                      </a:endParaRPr>
-                    </a:p>
-                  </a:txBody>
-                  <a:tcPr marL="68580" marR="68580" marT="0" marB="0" anchor="ctr">
-                    <a:lnL w="12700" cmpd="sng">
-                      <a:noFill/>
-                    </a:lnL>
-                    <a:lnR w="12700" cmpd="sng">
-                      <a:noFill/>
-                    </a:lnR>
-                    <a:lnT w="38100" cmpd="sng">
-                      <a:noFill/>
-                    </a:lnT>
-                    <a:lnB w="12700" cmpd="sng">
-                      <a:noFill/>
-                    </a:lnB>
-                    <a:lnTlToBr w="12700" cmpd="sng">
-                      <a:noFill/>
-                      <a:prstDash val="solid"/>
-                    </a:lnTlToBr>
-                    <a:lnBlToTr w="12700" cmpd="sng">
-                      <a:noFill/>
-                      <a:prstDash val="solid"/>
-                    </a:lnBlToTr>
-                    <a:noFill/>
-                  </a:tcPr>
-                </a:tc>
-                <a:tc>
-                  <a:txBody>
-                    <a:bodyPr/>
-                    <a:lstStyle/>
-                    <a:p>
-                      <a:pPr marL="0" marR="0" algn="ctr">
-                        <a:spcBef>
-                          <a:spcPts val="0"/>
-                        </a:spcBef>
-                        <a:spcAft>
-                          <a:spcPts val="0"/>
-                        </a:spcAft>
-                      </a:pPr>
-                      <a:r>
-                        <a:rPr lang="en-US" sz="2400" b="0" dirty="0">
-                          <a:solidFill>
-                            <a:schemeClr val="tx1"/>
-                          </a:solidFill>
-                          <a:effectLst/>
-                        </a:rPr>
-                        <a:t>15.761</a:t>
-                      </a:r>
-                      <a:endParaRPr lang="en-US" sz="2400" b="0" dirty="0">
-                        <a:solidFill>
-                          <a:schemeClr val="tx1"/>
-                        </a:solidFill>
-                        <a:effectLst/>
-                        <a:latin typeface="Calibri" panose="020F0502020204030204" pitchFamily="34" charset="0"/>
-                        <a:ea typeface="Calibri" panose="020F0502020204030204" pitchFamily="34" charset="0"/>
-                        <a:cs typeface="Times New Roman" panose="02020603050405020304" pitchFamily="18" charset="0"/>
-                      </a:endParaRPr>
-                    </a:p>
-                  </a:txBody>
-                  <a:tcPr marL="68580" marR="68580" marT="0" marB="0" anchor="ctr">
-                    <a:lnL w="12700" cmpd="sng">
-                      <a:noFill/>
-                    </a:lnL>
-                    <a:lnR w="12700" cmpd="sng">
-                      <a:noFill/>
-                    </a:lnR>
-                    <a:lnT w="38100" cmpd="sng">
-                      <a:noFill/>
-                    </a:lnT>
-                    <a:lnB w="12700" cmpd="sng">
-                      <a:noFill/>
-                    </a:lnB>
-                    <a:lnTlToBr w="12700" cmpd="sng">
-                      <a:noFill/>
-                      <a:prstDash val="solid"/>
-                    </a:lnTlToBr>
-                    <a:lnBlToTr w="12700" cmpd="sng">
-                      <a:noFill/>
-                      <a:prstDash val="solid"/>
-                    </a:lnBlToTr>
-                    <a:noFill/>
-                  </a:tcPr>
-                </a:tc>
-                <a:extLst>
-                  <a:ext uri="{0D108BD9-81ED-4DB2-BD59-A6C34878D82A}">
-                    <a16:rowId xmlns:a16="http://schemas.microsoft.com/office/drawing/2014/main" val="262431092"/>
-                  </a:ext>
-                </a:extLst>
-              </a:tr>
-              <a:tr h="814586">
-                <a:tc>
-                  <a:txBody>
-                    <a:bodyPr/>
-                    <a:lstStyle/>
-                    <a:p>
-                      <a:pPr marL="0" marR="0" algn="ctr">
-                        <a:spcBef>
-                          <a:spcPts val="0"/>
-                        </a:spcBef>
-                        <a:spcAft>
-                          <a:spcPts val="0"/>
-                        </a:spcAft>
-                      </a:pPr>
-                      <a:r>
-                        <a:rPr lang="en-US" sz="2400" b="0" dirty="0">
-                          <a:solidFill>
-                            <a:schemeClr val="tx1"/>
-                          </a:solidFill>
-                          <a:effectLst/>
-                        </a:rPr>
-                        <a:t>Random forest</a:t>
-                      </a:r>
-                      <a:endParaRPr lang="en-US" sz="2400" b="0" dirty="0">
-                        <a:solidFill>
-                          <a:schemeClr val="tx1"/>
-                        </a:solidFill>
-                        <a:effectLst/>
-                        <a:latin typeface="Calibri" panose="020F0502020204030204" pitchFamily="34" charset="0"/>
-                        <a:ea typeface="Calibri" panose="020F0502020204030204" pitchFamily="34" charset="0"/>
-                        <a:cs typeface="Times New Roman" panose="02020603050405020304" pitchFamily="18" charset="0"/>
-                      </a:endParaRPr>
-                    </a:p>
-                  </a:txBody>
-                  <a:tcPr marL="68580" marR="68580" marT="0" marB="0" anchor="ctr">
-                    <a:lnL w="12700" cmpd="sng">
-                      <a:noFill/>
-                    </a:lnL>
-                    <a:lnR w="12700" cmpd="sng">
-                      <a:noFill/>
-                    </a:lnR>
-                    <a:lnT w="12700" cmpd="sng">
-                      <a:noFill/>
-                    </a:lnT>
-                    <a:lnB w="12700" cmpd="sng">
-                      <a:noFill/>
-                    </a:lnB>
-                    <a:lnTlToBr w="12700" cmpd="sng">
-                      <a:noFill/>
-                      <a:prstDash val="solid"/>
-                    </a:lnTlToBr>
-                    <a:lnBlToTr w="12700" cmpd="sng">
-                      <a:noFill/>
-                      <a:prstDash val="solid"/>
-                    </a:lnBlToTr>
-                    <a:noFill/>
-                  </a:tcPr>
-                </a:tc>
-                <a:tc>
-                  <a:txBody>
-                    <a:bodyPr/>
-                    <a:lstStyle/>
-                    <a:p>
-                      <a:pPr marL="0" marR="0" algn="ctr">
-                        <a:spcBef>
-                          <a:spcPts val="0"/>
-                        </a:spcBef>
-                        <a:spcAft>
-                          <a:spcPts val="0"/>
-                        </a:spcAft>
-                      </a:pPr>
-                      <a:r>
-                        <a:rPr lang="en-US" sz="2400" b="0" dirty="0">
-                          <a:solidFill>
-                            <a:schemeClr val="tx1"/>
-                          </a:solidFill>
-                          <a:effectLst/>
-                        </a:rPr>
-                        <a:t>15.156</a:t>
-                      </a:r>
-                      <a:endParaRPr lang="en-US" sz="2400" b="0" dirty="0">
-                        <a:solidFill>
-                          <a:schemeClr val="tx1"/>
-                        </a:solidFill>
-                        <a:effectLst/>
-                        <a:latin typeface="Calibri" panose="020F0502020204030204" pitchFamily="34" charset="0"/>
-                        <a:ea typeface="Calibri" panose="020F0502020204030204" pitchFamily="34" charset="0"/>
-                        <a:cs typeface="Times New Roman" panose="02020603050405020304" pitchFamily="18" charset="0"/>
-                      </a:endParaRPr>
-                    </a:p>
-                  </a:txBody>
-                  <a:tcPr marL="68580" marR="68580" marT="0" marB="0" anchor="ctr">
-                    <a:lnL w="12700" cmpd="sng">
-                      <a:noFill/>
-                    </a:lnL>
-                    <a:lnR w="12700" cmpd="sng">
-                      <a:noFill/>
-                    </a:lnR>
-                    <a:lnT w="12700" cmpd="sng">
-                      <a:noFill/>
-                    </a:lnT>
-                    <a:lnB w="12700" cmpd="sng">
-                      <a:noFill/>
-                    </a:lnB>
-                    <a:lnTlToBr w="12700" cmpd="sng">
-                      <a:noFill/>
-                      <a:prstDash val="solid"/>
-                    </a:lnTlToBr>
-                    <a:lnBlToTr w="12700" cmpd="sng">
-                      <a:noFill/>
-                      <a:prstDash val="solid"/>
-                    </a:lnBlToTr>
-                    <a:noFill/>
-                  </a:tcPr>
-                </a:tc>
-                <a:extLst>
-                  <a:ext uri="{0D108BD9-81ED-4DB2-BD59-A6C34878D82A}">
-                    <a16:rowId xmlns:a16="http://schemas.microsoft.com/office/drawing/2014/main" val="3400949790"/>
-                  </a:ext>
-                </a:extLst>
-              </a:tr>
-              <a:tr h="814586">
-                <a:tc>
-                  <a:txBody>
-                    <a:bodyPr/>
-                    <a:lstStyle/>
-                    <a:p>
-                      <a:pPr marL="0" marR="0" algn="ctr">
-                        <a:spcBef>
-                          <a:spcPts val="0"/>
-                        </a:spcBef>
-                        <a:spcAft>
-                          <a:spcPts val="0"/>
-                        </a:spcAft>
-                      </a:pPr>
-                      <a:r>
-                        <a:rPr lang="en-US" sz="2400" b="0" dirty="0">
-                          <a:solidFill>
-                            <a:schemeClr val="tx1"/>
-                          </a:solidFill>
-                          <a:effectLst/>
-                        </a:rPr>
-                        <a:t>Linear regression</a:t>
-                      </a:r>
-                      <a:endParaRPr lang="en-US" sz="2400" b="0" dirty="0">
-                        <a:solidFill>
-                          <a:schemeClr val="tx1"/>
-                        </a:solidFill>
-                        <a:effectLst/>
-                        <a:latin typeface="Calibri" panose="020F0502020204030204" pitchFamily="34" charset="0"/>
-                        <a:ea typeface="Calibri" panose="020F0502020204030204" pitchFamily="34" charset="0"/>
-                        <a:cs typeface="Times New Roman" panose="02020603050405020304" pitchFamily="18" charset="0"/>
-                      </a:endParaRPr>
-                    </a:p>
-                  </a:txBody>
-                  <a:tcPr marL="68580" marR="68580" marT="0" marB="0" anchor="ctr">
-                    <a:lnL w="12700" cmpd="sng">
-                      <a:noFill/>
-                    </a:lnL>
-                    <a:lnR w="12700" cmpd="sng">
-                      <a:noFill/>
-                    </a:lnR>
-                    <a:lnT w="12700" cmpd="sng">
-                      <a:noFill/>
-                    </a:lnT>
-                    <a:lnB w="12700" cmpd="sng">
-                      <a:noFill/>
-                    </a:lnB>
-                    <a:lnTlToBr w="12700" cmpd="sng">
-                      <a:noFill/>
-                      <a:prstDash val="solid"/>
-                    </a:lnTlToBr>
-                    <a:lnBlToTr w="12700" cmpd="sng">
-                      <a:noFill/>
-                      <a:prstDash val="solid"/>
-                    </a:lnBlToTr>
-                    <a:noFill/>
-                  </a:tcPr>
-                </a:tc>
-                <a:tc>
-                  <a:txBody>
-                    <a:bodyPr/>
-                    <a:lstStyle/>
-                    <a:p>
-                      <a:pPr marL="0" marR="0" algn="ctr">
-                        <a:spcBef>
-                          <a:spcPts val="0"/>
-                        </a:spcBef>
-                        <a:spcAft>
-                          <a:spcPts val="0"/>
-                        </a:spcAft>
-                      </a:pPr>
-                      <a:r>
-                        <a:rPr lang="en-US" sz="2400" b="0" dirty="0">
-                          <a:solidFill>
-                            <a:schemeClr val="tx1"/>
-                          </a:solidFill>
-                          <a:effectLst/>
-                        </a:rPr>
-                        <a:t>12.040</a:t>
-                      </a:r>
-                      <a:endParaRPr lang="en-US" sz="2400" b="0" dirty="0">
-                        <a:solidFill>
-                          <a:schemeClr val="tx1"/>
-                        </a:solidFill>
-                        <a:effectLst/>
-                        <a:latin typeface="Calibri" panose="020F0502020204030204" pitchFamily="34" charset="0"/>
-                        <a:ea typeface="Calibri" panose="020F0502020204030204" pitchFamily="34" charset="0"/>
-                        <a:cs typeface="Times New Roman" panose="02020603050405020304" pitchFamily="18" charset="0"/>
-                      </a:endParaRPr>
-                    </a:p>
-                  </a:txBody>
-                  <a:tcPr marL="68580" marR="68580" marT="0" marB="0" anchor="ctr">
-                    <a:lnL w="12700" cmpd="sng">
-                      <a:noFill/>
-                    </a:lnL>
-                    <a:lnR w="12700" cmpd="sng">
-                      <a:noFill/>
-                    </a:lnR>
-                    <a:lnT w="12700" cmpd="sng">
-                      <a:noFill/>
-                    </a:lnT>
-                    <a:lnB w="12700" cmpd="sng">
-                      <a:noFill/>
-                    </a:lnB>
-                    <a:lnTlToBr w="12700" cmpd="sng">
-                      <a:noFill/>
-                      <a:prstDash val="solid"/>
-                    </a:lnTlToBr>
-                    <a:lnBlToTr w="12700" cmpd="sng">
-                      <a:noFill/>
-                      <a:prstDash val="solid"/>
-                    </a:lnBlToTr>
-                    <a:noFill/>
-                  </a:tcPr>
-                </a:tc>
-                <a:extLst>
-                  <a:ext uri="{0D108BD9-81ED-4DB2-BD59-A6C34878D82A}">
-                    <a16:rowId xmlns:a16="http://schemas.microsoft.com/office/drawing/2014/main" val="1383201477"/>
-                  </a:ext>
-                </a:extLst>
-              </a:tr>
-            </a:tbl>
-          </a:graphicData>
-        </a:graphic>
-      </p:graphicFrame>
-    </p:spTree>
-    <p:extLst>
-      <p:ext uri="{BB962C8B-B14F-4D97-AF65-F5344CB8AC3E}">
-        <p14:creationId xmlns:p14="http://schemas.microsoft.com/office/powerpoint/2010/main" val="1448280618"/>
-      </p:ext>
-    </p:extLst>
-  </p:cSld>
-  <p:clrMapOvr>
-    <a:masterClrMapping/>
-  </p:clrMapOvr>
-</p:sld>
-</file>
-
-<file path=ppt/slides/slide15.xml><?xml version="1.0" encoding="utf-8"?>
-<p:sld xmlns:a="http://schemas.openxmlformats.org/drawingml/2006/main" xmlns:r="http://schemas.openxmlformats.org/officeDocument/2006/relationships" xmlns:p="http://schemas.openxmlformats.org/presentationml/2006/main">
-  <p:cSld>
-    <p:spTree>
-      <p:nvGrpSpPr>
-        <p:cNvPr id="1" name=""/>
-        <p:cNvGrpSpPr/>
-        <p:nvPr/>
-      </p:nvGrpSpPr>
-      <p:grpSpPr>
-        <a:xfrm>
-          <a:off x="0" y="0"/>
-          <a:ext cx="0" cy="0"/>
-          <a:chOff x="0" y="0"/>
-          <a:chExt cx="0" cy="0"/>
-        </a:xfrm>
-      </p:grpSpPr>
-      <p:sp>
-        <p:nvSpPr>
-          <p:cNvPr id="2" name="Title 1">
-            <a:extLst>
-              <a:ext uri="{FF2B5EF4-FFF2-40B4-BE49-F238E27FC236}">
-                <a16:creationId xmlns:a16="http://schemas.microsoft.com/office/drawing/2014/main" id="{755C4C00-D189-7E40-956A-ECC885456C24}"/>
-              </a:ext>
-            </a:extLst>
-          </p:cNvPr>
-          <p:cNvSpPr>
-            <a:spLocks noGrp="1"/>
-          </p:cNvSpPr>
-          <p:nvPr>
-            <p:ph type="title"/>
-          </p:nvPr>
-        </p:nvSpPr>
-        <p:spPr/>
-        <p:txBody>
-          <a:bodyPr/>
-          <a:lstStyle/>
-          <a:p>
-            <a:r>
-              <a:rPr lang="en-US" dirty="0"/>
-              <a:t>Select </a:t>
-            </a:r>
-            <a:r>
-              <a:rPr lang="en-US" i="1" dirty="0"/>
-              <a:t>k</a:t>
-            </a:r>
-            <a:r>
-              <a:rPr lang="en-US" dirty="0"/>
-              <a:t> Best Features</a:t>
-            </a:r>
-          </a:p>
-        </p:txBody>
-      </p:sp>
-      <p:pic>
-        <p:nvPicPr>
-          <p:cNvPr id="5" name="Content Placeholder 4">
-            <a:extLst>
-              <a:ext uri="{FF2B5EF4-FFF2-40B4-BE49-F238E27FC236}">
-                <a16:creationId xmlns:a16="http://schemas.microsoft.com/office/drawing/2014/main" id="{E4C7C671-4E99-0D41-913B-822A2AC4D1F3}"/>
-              </a:ext>
-            </a:extLst>
-          </p:cNvPr>
-          <p:cNvPicPr>
-            <a:picLocks noGrp="1" noChangeAspect="1"/>
-          </p:cNvPicPr>
-          <p:nvPr>
-            <p:ph idx="1"/>
-          </p:nvPr>
-        </p:nvPicPr>
-        <p:blipFill>
-          <a:blip r:embed="rId2"/>
-          <a:stretch>
-            <a:fillRect/>
-          </a:stretch>
-        </p:blipFill>
-        <p:spPr>
-          <a:xfrm>
-            <a:off x="3140191" y="1825625"/>
-            <a:ext cx="5911617" cy="4351338"/>
-          </a:xfrm>
-        </p:spPr>
-      </p:pic>
-      <p:sp>
-        <p:nvSpPr>
-          <p:cNvPr id="6" name="TextBox 5">
-            <a:extLst>
-              <a:ext uri="{FF2B5EF4-FFF2-40B4-BE49-F238E27FC236}">
-                <a16:creationId xmlns:a16="http://schemas.microsoft.com/office/drawing/2014/main" id="{12C9CDDC-516A-1449-9D91-ADC5A936E23A}"/>
-              </a:ext>
-            </a:extLst>
-          </p:cNvPr>
-          <p:cNvSpPr txBox="1"/>
-          <p:nvPr/>
-        </p:nvSpPr>
-        <p:spPr>
-          <a:xfrm>
-            <a:off x="1862670" y="5772150"/>
-            <a:ext cx="1676400" cy="369332"/>
-          </a:xfrm>
-          <a:prstGeom prst="rect">
-            <a:avLst/>
-          </a:prstGeom>
-          <a:noFill/>
-        </p:spPr>
-        <p:txBody>
-          <a:bodyPr wrap="square" rtlCol="0">
-            <a:spAutoFit/>
-          </a:bodyPr>
-          <a:lstStyle/>
-          <a:p>
-            <a:r>
-              <a:rPr lang="en-US" dirty="0"/>
-              <a:t>RMSE = 11.685 </a:t>
-            </a:r>
-          </a:p>
-        </p:txBody>
-      </p:sp>
-      <p:cxnSp>
-        <p:nvCxnSpPr>
-          <p:cNvPr id="8" name="Straight Arrow Connector 7">
-            <a:extLst>
-              <a:ext uri="{FF2B5EF4-FFF2-40B4-BE49-F238E27FC236}">
-                <a16:creationId xmlns:a16="http://schemas.microsoft.com/office/drawing/2014/main" id="{CF04898A-CA70-8C4F-A4A4-571BAA2F52E5}"/>
-              </a:ext>
-            </a:extLst>
-          </p:cNvPr>
-          <p:cNvCxnSpPr>
-            <a:cxnSpLocks/>
-          </p:cNvCxnSpPr>
-          <p:nvPr/>
-        </p:nvCxnSpPr>
-        <p:spPr>
-          <a:xfrm flipV="1">
-            <a:off x="3429000" y="5571067"/>
-            <a:ext cx="1261533" cy="358247"/>
-          </a:xfrm>
-          <a:prstGeom prst="straightConnector1">
-            <a:avLst/>
-          </a:prstGeom>
-          <a:ln w="25400">
-            <a:solidFill>
-              <a:schemeClr val="tx1"/>
-            </a:solidFill>
-            <a:tailEnd type="triangle"/>
-          </a:ln>
-        </p:spPr>
-        <p:style>
-          <a:lnRef idx="1">
-            <a:schemeClr val="accent1"/>
-          </a:lnRef>
-          <a:fillRef idx="0">
-            <a:schemeClr val="accent1"/>
-          </a:fillRef>
-          <a:effectRef idx="0">
-            <a:schemeClr val="accent1"/>
-          </a:effectRef>
-          <a:fontRef idx="minor">
-            <a:schemeClr val="tx1"/>
-          </a:fontRef>
-        </p:style>
-      </p:cxnSp>
-    </p:spTree>
-    <p:extLst>
-      <p:ext uri="{BB962C8B-B14F-4D97-AF65-F5344CB8AC3E}">
-        <p14:creationId xmlns:p14="http://schemas.microsoft.com/office/powerpoint/2010/main" val="2504999705"/>
-      </p:ext>
-    </p:extLst>
-  </p:cSld>
-  <p:clrMapOvr>
-    <a:masterClrMapping/>
-  </p:clrMapOvr>
-</p:sld>
-</file>
-
-<file path=ppt/slides/slide16.xml><?xml version="1.0" encoding="utf-8"?>
-<p:sld xmlns:a="http://schemas.openxmlformats.org/drawingml/2006/main" xmlns:r="http://schemas.openxmlformats.org/officeDocument/2006/relationships" xmlns:p="http://schemas.openxmlformats.org/presentationml/2006/main">
-  <p:cSld>
-    <p:spTree>
-      <p:nvGrpSpPr>
-        <p:cNvPr id="1" name=""/>
-        <p:cNvGrpSpPr/>
-        <p:nvPr/>
-      </p:nvGrpSpPr>
-      <p:grpSpPr>
-        <a:xfrm>
-          <a:off x="0" y="0"/>
-          <a:ext cx="0" cy="0"/>
-          <a:chOff x="0" y="0"/>
-          <a:chExt cx="0" cy="0"/>
-        </a:xfrm>
-      </p:grpSpPr>
-      <p:sp>
-        <p:nvSpPr>
-          <p:cNvPr id="2" name="Title 1">
-            <a:extLst>
-              <a:ext uri="{FF2B5EF4-FFF2-40B4-BE49-F238E27FC236}">
-                <a16:creationId xmlns:a16="http://schemas.microsoft.com/office/drawing/2014/main" id="{3306A12D-D120-9141-9ACD-48D06B125B8B}"/>
-              </a:ext>
-            </a:extLst>
-          </p:cNvPr>
-          <p:cNvSpPr>
-            <a:spLocks noGrp="1"/>
-          </p:cNvSpPr>
-          <p:nvPr>
-            <p:ph type="title"/>
-          </p:nvPr>
-        </p:nvSpPr>
-        <p:spPr/>
-        <p:txBody>
-          <a:bodyPr/>
-          <a:lstStyle/>
-          <a:p>
-            <a:r>
-              <a:rPr lang="en-US" dirty="0"/>
-              <a:t>Coefficients</a:t>
-            </a:r>
-          </a:p>
-        </p:txBody>
-      </p:sp>
-      <p:pic>
-        <p:nvPicPr>
-          <p:cNvPr id="5" name="Content Placeholder 4">
-            <a:extLst>
-              <a:ext uri="{FF2B5EF4-FFF2-40B4-BE49-F238E27FC236}">
-                <a16:creationId xmlns:a16="http://schemas.microsoft.com/office/drawing/2014/main" id="{5807CE75-17E2-F943-B246-B38BD24983CE}"/>
-              </a:ext>
-            </a:extLst>
-          </p:cNvPr>
-          <p:cNvPicPr>
-            <a:picLocks noGrp="1" noChangeAspect="1"/>
-          </p:cNvPicPr>
-          <p:nvPr>
-            <p:ph idx="1"/>
-          </p:nvPr>
-        </p:nvPicPr>
-        <p:blipFill>
-          <a:blip r:embed="rId2"/>
-          <a:stretch>
-            <a:fillRect/>
-          </a:stretch>
-        </p:blipFill>
-        <p:spPr>
-          <a:xfrm>
-            <a:off x="3711132" y="1825625"/>
-            <a:ext cx="4769735" cy="4351338"/>
-          </a:xfrm>
-        </p:spPr>
-      </p:pic>
-    </p:spTree>
-    <p:extLst>
-      <p:ext uri="{BB962C8B-B14F-4D97-AF65-F5344CB8AC3E}">
-        <p14:creationId xmlns:p14="http://schemas.microsoft.com/office/powerpoint/2010/main" val="1023257774"/>
-      </p:ext>
-    </p:extLst>
-  </p:cSld>
-  <p:clrMapOvr>
-    <a:masterClrMapping/>
-  </p:clrMapOvr>
-</p:sld>
-</file>
-
-<file path=ppt/slides/slide17.xml><?xml version="1.0" encoding="utf-8"?>
-<p:sld xmlns:a="http://schemas.openxmlformats.org/drawingml/2006/main" xmlns:r="http://schemas.openxmlformats.org/officeDocument/2006/relationships" xmlns:p="http://schemas.openxmlformats.org/presentationml/2006/main">
-  <p:cSld>
-    <p:spTree>
-      <p:nvGrpSpPr>
-        <p:cNvPr id="1" name=""/>
-        <p:cNvGrpSpPr/>
-        <p:nvPr/>
-      </p:nvGrpSpPr>
-      <p:grpSpPr>
-        <a:xfrm>
-          <a:off x="0" y="0"/>
-          <a:ext cx="0" cy="0"/>
-          <a:chOff x="0" y="0"/>
-          <a:chExt cx="0" cy="0"/>
-        </a:xfrm>
-      </p:grpSpPr>
-      <p:sp>
-        <p:nvSpPr>
-          <p:cNvPr id="2" name="Title 1">
-            <a:extLst>
-              <a:ext uri="{FF2B5EF4-FFF2-40B4-BE49-F238E27FC236}">
-                <a16:creationId xmlns:a16="http://schemas.microsoft.com/office/drawing/2014/main" id="{590FCA8D-0E7E-9946-B228-F3DA7110BDFA}"/>
-              </a:ext>
-            </a:extLst>
-          </p:cNvPr>
-          <p:cNvSpPr>
-            <a:spLocks noGrp="1"/>
-          </p:cNvSpPr>
-          <p:nvPr>
-            <p:ph type="title"/>
-          </p:nvPr>
-        </p:nvSpPr>
-        <p:spPr/>
-        <p:txBody>
-          <a:bodyPr/>
-          <a:lstStyle/>
-          <a:p>
-            <a:r>
-              <a:rPr lang="en-US" dirty="0"/>
-              <a:t>Recommendations</a:t>
-            </a:r>
-          </a:p>
-        </p:txBody>
-      </p:sp>
-      <p:sp>
-        <p:nvSpPr>
-          <p:cNvPr id="3" name="Content Placeholder 2">
-            <a:extLst>
-              <a:ext uri="{FF2B5EF4-FFF2-40B4-BE49-F238E27FC236}">
-                <a16:creationId xmlns:a16="http://schemas.microsoft.com/office/drawing/2014/main" id="{BAC5B1DC-3B73-E24F-ACCE-BCC26E1ABE23}"/>
-              </a:ext>
-            </a:extLst>
-          </p:cNvPr>
-          <p:cNvSpPr>
-            <a:spLocks noGrp="1"/>
-          </p:cNvSpPr>
-          <p:nvPr>
-            <p:ph idx="1"/>
-          </p:nvPr>
-        </p:nvSpPr>
-        <p:spPr/>
-        <p:txBody>
-          <a:bodyPr/>
-          <a:lstStyle/>
-          <a:p>
-            <a:r>
-              <a:rPr lang="en-US" dirty="0"/>
-              <a:t>Don’t make a horror movie</a:t>
-            </a:r>
-          </a:p>
-          <a:p>
-            <a:r>
-              <a:rPr lang="en-US" dirty="0"/>
-              <a:t>Consider adventure movies or westerns</a:t>
-            </a:r>
-          </a:p>
-          <a:p>
-            <a:r>
-              <a:rPr lang="en-US" dirty="0"/>
-              <a:t>Don’t make a musical until we figure out the difference between “music” and “musical” as a genre</a:t>
-            </a:r>
-          </a:p>
-        </p:txBody>
-      </p:sp>
-    </p:spTree>
-    <p:extLst>
-      <p:ext uri="{BB962C8B-B14F-4D97-AF65-F5344CB8AC3E}">
-        <p14:creationId xmlns:p14="http://schemas.microsoft.com/office/powerpoint/2010/main" val="29825846"/>
-      </p:ext>
-    </p:extLst>
-  </p:cSld>
-  <p:clrMapOvr>
-    <a:masterClrMapping/>
-  </p:clrMapOvr>
-</p:sld>
-</file>
-
-<file path=ppt/slides/slide18.xml><?xml version="1.0" encoding="utf-8"?>
-<p:sld xmlns:a="http://schemas.openxmlformats.org/drawingml/2006/main" xmlns:r="http://schemas.openxmlformats.org/officeDocument/2006/relationships" xmlns:p="http://schemas.openxmlformats.org/presentationml/2006/main">
-  <p:cSld>
-    <p:spTree>
-      <p:nvGrpSpPr>
-        <p:cNvPr id="1" name=""/>
-        <p:cNvGrpSpPr/>
-        <p:nvPr/>
-      </p:nvGrpSpPr>
-      <p:grpSpPr>
-        <a:xfrm>
-          <a:off x="0" y="0"/>
-          <a:ext cx="0" cy="0"/>
-          <a:chOff x="0" y="0"/>
-          <a:chExt cx="0" cy="0"/>
-        </a:xfrm>
-      </p:grpSpPr>
-      <p:sp>
-        <p:nvSpPr>
-          <p:cNvPr id="2" name="Title 1">
-            <a:extLst>
-              <a:ext uri="{FF2B5EF4-FFF2-40B4-BE49-F238E27FC236}">
-                <a16:creationId xmlns:a16="http://schemas.microsoft.com/office/drawing/2014/main" id="{2DD4E854-6E07-4C4A-8CE0-2FF8979A0FF9}"/>
-              </a:ext>
-            </a:extLst>
-          </p:cNvPr>
-          <p:cNvSpPr>
-            <a:spLocks noGrp="1"/>
-          </p:cNvSpPr>
-          <p:nvPr>
-            <p:ph type="title"/>
-          </p:nvPr>
-        </p:nvSpPr>
-        <p:spPr/>
-        <p:txBody>
-          <a:bodyPr/>
-          <a:lstStyle/>
-          <a:p>
-            <a:r>
-              <a:rPr lang="en-US" dirty="0"/>
-              <a:t>Future Work</a:t>
-            </a:r>
-          </a:p>
-        </p:txBody>
-      </p:sp>
-      <p:sp>
-        <p:nvSpPr>
-          <p:cNvPr id="3" name="Content Placeholder 2">
-            <a:extLst>
-              <a:ext uri="{FF2B5EF4-FFF2-40B4-BE49-F238E27FC236}">
-                <a16:creationId xmlns:a16="http://schemas.microsoft.com/office/drawing/2014/main" id="{001D9037-CDAB-FB49-93FD-23A6B4ADF8B0}"/>
-              </a:ext>
-            </a:extLst>
-          </p:cNvPr>
-          <p:cNvSpPr>
-            <a:spLocks noGrp="1"/>
-          </p:cNvSpPr>
-          <p:nvPr>
-            <p:ph idx="1"/>
-          </p:nvPr>
-        </p:nvSpPr>
-        <p:spPr/>
-        <p:txBody>
-          <a:bodyPr/>
-          <a:lstStyle/>
-          <a:p>
-            <a:r>
-              <a:rPr lang="en-US" dirty="0"/>
-              <a:t>More scripts</a:t>
-            </a:r>
-          </a:p>
-          <a:p>
-            <a:pPr lvl="1"/>
-            <a:r>
-              <a:rPr lang="en-US" dirty="0"/>
-              <a:t>Only through 2009</a:t>
-            </a:r>
-          </a:p>
-          <a:p>
-            <a:r>
-              <a:rPr lang="en-US" dirty="0"/>
-              <a:t>Determine difference between “music” and “musical” as genres</a:t>
-            </a:r>
-          </a:p>
-          <a:p>
-            <a:r>
-              <a:rPr lang="en-US" dirty="0"/>
-              <a:t>Other rating systems</a:t>
-            </a:r>
-          </a:p>
-          <a:p>
-            <a:pPr lvl="1"/>
-            <a:r>
-              <a:rPr lang="en-US" dirty="0"/>
-              <a:t>Rotten Tomatoes</a:t>
-            </a:r>
-          </a:p>
-          <a:p>
-            <a:pPr lvl="1"/>
-            <a:r>
-              <a:rPr lang="en-US" dirty="0"/>
-              <a:t>Amazon</a:t>
-            </a:r>
-          </a:p>
-        </p:txBody>
-      </p:sp>
-    </p:spTree>
-    <p:extLst>
-      <p:ext uri="{BB962C8B-B14F-4D97-AF65-F5344CB8AC3E}">
-        <p14:creationId xmlns:p14="http://schemas.microsoft.com/office/powerpoint/2010/main" val="2102919503"/>
-      </p:ext>
-    </p:extLst>
-  </p:cSld>
-  <p:clrMapOvr>
-    <a:masterClrMapping/>
-  </p:clrMapOvr>
-</p:sld>
-</file>
-
-<file path=ppt/slides/slide2.xml><?xml version="1.0" encoding="utf-8"?>
-<p:sld xmlns:a="http://schemas.openxmlformats.org/drawingml/2006/main" xmlns:r="http://schemas.openxmlformats.org/officeDocument/2006/relationships" xmlns:p="http://schemas.openxmlformats.org/presentationml/2006/main">
-  <p:cSld>
-    <p:spTree>
-      <p:nvGrpSpPr>
-        <p:cNvPr id="1" name=""/>
-        <p:cNvGrpSpPr/>
-        <p:nvPr/>
-      </p:nvGrpSpPr>
-      <p:grpSpPr>
-        <a:xfrm>
-          <a:off x="0" y="0"/>
-          <a:ext cx="0" cy="0"/>
-          <a:chOff x="0" y="0"/>
-          <a:chExt cx="0" cy="0"/>
-        </a:xfrm>
-      </p:grpSpPr>
-      <p:sp>
-        <p:nvSpPr>
-          <p:cNvPr id="2" name="Title 1">
-            <a:extLst>
-              <a:ext uri="{FF2B5EF4-FFF2-40B4-BE49-F238E27FC236}">
-                <a16:creationId xmlns:a16="http://schemas.microsoft.com/office/drawing/2014/main" id="{1C47D282-76DC-194A-AACB-747B2F0BB37C}"/>
-              </a:ext>
-            </a:extLst>
-          </p:cNvPr>
-          <p:cNvSpPr>
-            <a:spLocks noGrp="1"/>
-          </p:cNvSpPr>
-          <p:nvPr>
-            <p:ph type="title"/>
-          </p:nvPr>
-        </p:nvSpPr>
-        <p:spPr/>
-        <p:txBody>
-          <a:bodyPr/>
-          <a:lstStyle/>
-          <a:p>
-            <a:r>
-              <a:rPr lang="en-US" dirty="0"/>
-              <a:t>Our New Station</a:t>
-            </a:r>
-          </a:p>
-        </p:txBody>
-      </p:sp>
-      <p:sp>
-        <p:nvSpPr>
-          <p:cNvPr id="3" name="Content Placeholder 2">
-            <a:extLst>
-              <a:ext uri="{FF2B5EF4-FFF2-40B4-BE49-F238E27FC236}">
-                <a16:creationId xmlns:a16="http://schemas.microsoft.com/office/drawing/2014/main" id="{5F2BD224-76EB-B940-9D18-4E61674650D1}"/>
-              </a:ext>
-            </a:extLst>
-          </p:cNvPr>
-          <p:cNvSpPr>
-            <a:spLocks noGrp="1"/>
-          </p:cNvSpPr>
-          <p:nvPr>
-            <p:ph idx="1"/>
-          </p:nvPr>
-        </p:nvSpPr>
-        <p:spPr/>
-        <p:txBody>
-          <a:bodyPr/>
-          <a:lstStyle/>
-          <a:p>
-            <a:r>
-              <a:rPr lang="en-US" dirty="0"/>
-              <a:t>We have money to create new TV movies</a:t>
-            </a:r>
-          </a:p>
-          <a:p>
-            <a:r>
-              <a:rPr lang="en-US" dirty="0"/>
-              <a:t>How to find movies that people will watch?</a:t>
-            </a:r>
-          </a:p>
-        </p:txBody>
-      </p:sp>
-      <p:pic>
-        <p:nvPicPr>
-          <p:cNvPr id="7" name="Picture 6">
-            <a:extLst>
-              <a:ext uri="{FF2B5EF4-FFF2-40B4-BE49-F238E27FC236}">
-                <a16:creationId xmlns:a16="http://schemas.microsoft.com/office/drawing/2014/main" id="{8F5410AC-7D75-1043-9DB6-44FC638157B5}"/>
-              </a:ext>
-            </a:extLst>
-          </p:cNvPr>
-          <p:cNvPicPr>
-            <a:picLocks noChangeAspect="1"/>
-          </p:cNvPicPr>
-          <p:nvPr/>
-        </p:nvPicPr>
-        <p:blipFill>
-          <a:blip r:embed="rId2"/>
-          <a:stretch>
-            <a:fillRect/>
-          </a:stretch>
-        </p:blipFill>
-        <p:spPr>
-          <a:xfrm>
-            <a:off x="1943100" y="5414963"/>
-            <a:ext cx="8305800" cy="762000"/>
-          </a:xfrm>
-          <a:prstGeom prst="rect">
-            <a:avLst/>
-          </a:prstGeom>
-        </p:spPr>
-      </p:pic>
-    </p:spTree>
-    <p:extLst>
-      <p:ext uri="{BB962C8B-B14F-4D97-AF65-F5344CB8AC3E}">
-        <p14:creationId xmlns:p14="http://schemas.microsoft.com/office/powerpoint/2010/main" val="630686756"/>
-      </p:ext>
-    </p:extLst>
-  </p:cSld>
-  <p:clrMapOvr>
-    <a:masterClrMapping/>
-  </p:clrMapOvr>
-</p:sld>
-</file>
-
 <file path=ppt/slides/slide3.xml><?xml version="1.0" encoding="utf-8"?>
 <p:sld xmlns:a="http://schemas.openxmlformats.org/drawingml/2006/main" xmlns:r="http://schemas.openxmlformats.org/officeDocument/2006/relationships" xmlns:p="http://schemas.openxmlformats.org/presentationml/2006/main">
   <p:cSld>
@@ -6381,7 +6657,7 @@
           <p:cNvPr id="2" name="Title 1">
             <a:extLst>
               <a:ext uri="{FF2B5EF4-FFF2-40B4-BE49-F238E27FC236}">
-                <a16:creationId xmlns:a16="http://schemas.microsoft.com/office/drawing/2014/main" id="{CF63BFB0-8CC6-414E-95B8-E9B6E633E58A}"/>
+                <a16:creationId xmlns:a16="http://schemas.microsoft.com/office/drawing/2014/main" id="{9CA2519F-C3C1-A546-A143-EA5BC368889D}"/>
               </a:ext>
             </a:extLst>
           </p:cNvPr>
@@ -6399,7 +6675,7 @@
           <a:p>
             <a:r>
               <a:rPr lang="en-US" dirty="0"/>
-              <a:t>Rated Movies</a:t>
+              <a:t>Script Analyzer</a:t>
             </a:r>
           </a:p>
         </p:txBody>
@@ -6409,7 +6685,7 @@
           <p:cNvPr id="3" name="Content Placeholder 2">
             <a:extLst>
               <a:ext uri="{FF2B5EF4-FFF2-40B4-BE49-F238E27FC236}">
-                <a16:creationId xmlns:a16="http://schemas.microsoft.com/office/drawing/2014/main" id="{97894189-9421-2B4D-B668-3D1B83AA75D0}"/>
+                <a16:creationId xmlns:a16="http://schemas.microsoft.com/office/drawing/2014/main" id="{648F81D7-872B-934D-9403-47BF133DFA90}"/>
               </a:ext>
             </a:extLst>
           </p:cNvPr>
@@ -6427,50 +6703,15 @@
           <a:p>
             <a:r>
               <a:rPr lang="en-US" dirty="0"/>
-              <a:t>Use IMDB rating system</a:t>
-            </a:r>
-          </a:p>
-          <a:p>
-            <a:r>
-              <a:rPr lang="en-US" dirty="0"/>
-              <a:t>Out of ten stars</a:t>
-            </a:r>
-          </a:p>
-        </p:txBody>
-      </p:sp>
-      <p:pic>
-        <p:nvPicPr>
-          <p:cNvPr id="6" name="Picture 5">
-            <a:extLst>
-              <a:ext uri="{FF2B5EF4-FFF2-40B4-BE49-F238E27FC236}">
-                <a16:creationId xmlns:a16="http://schemas.microsoft.com/office/drawing/2014/main" id="{3DCC1BD6-32CC-E943-9A6E-41298E7032EA}"/>
-              </a:ext>
-            </a:extLst>
-          </p:cNvPr>
-          <p:cNvPicPr>
-            <a:picLocks noChangeAspect="1"/>
-          </p:cNvPicPr>
-          <p:nvPr/>
-        </p:nvPicPr>
-        <p:blipFill rotWithShape="1">
-          <a:blip r:embed="rId2"/>
-          <a:srcRect r="81662"/>
-          <a:stretch/>
-        </p:blipFill>
-        <p:spPr>
-          <a:xfrm>
-            <a:off x="4584160" y="4374660"/>
-            <a:ext cx="3023679" cy="1060940"/>
-          </a:xfrm>
-          <a:prstGeom prst="rect">
-            <a:avLst/>
-          </a:prstGeom>
-        </p:spPr>
-      </p:pic>
+              <a:t>We can create a script analyzer that will read the script and predict how the new script will be rated</a:t>
+            </a:r>
+          </a:p>
+        </p:txBody>
+      </p:sp>
     </p:spTree>
     <p:extLst>
       <p:ext uri="{BB962C8B-B14F-4D97-AF65-F5344CB8AC3E}">
-        <p14:creationId xmlns:p14="http://schemas.microsoft.com/office/powerpoint/2010/main" val="3744304401"/>
+        <p14:creationId xmlns:p14="http://schemas.microsoft.com/office/powerpoint/2010/main" val="1417566509"/>
       </p:ext>
     </p:extLst>
   </p:cSld>
@@ -6502,7 +6743,7 @@
           <p:cNvPr id="2" name="Title 1">
             <a:extLst>
               <a:ext uri="{FF2B5EF4-FFF2-40B4-BE49-F238E27FC236}">
-                <a16:creationId xmlns:a16="http://schemas.microsoft.com/office/drawing/2014/main" id="{9CA2519F-C3C1-A546-A143-EA5BC368889D}"/>
+                <a16:creationId xmlns:a16="http://schemas.microsoft.com/office/drawing/2014/main" id="{D77469C9-742D-8B48-80C0-C8DCF58EB5CA}"/>
               </a:ext>
             </a:extLst>
           </p:cNvPr>
@@ -6520,7 +6761,7 @@
           <a:p>
             <a:r>
               <a:rPr lang="en-US" dirty="0"/>
-              <a:t>Script Analyzer</a:t>
+              <a:t>Scripts</a:t>
             </a:r>
           </a:p>
         </p:txBody>
@@ -6530,7 +6771,7 @@
           <p:cNvPr id="3" name="Content Placeholder 2">
             <a:extLst>
               <a:ext uri="{FF2B5EF4-FFF2-40B4-BE49-F238E27FC236}">
-                <a16:creationId xmlns:a16="http://schemas.microsoft.com/office/drawing/2014/main" id="{648F81D7-872B-934D-9403-47BF133DFA90}"/>
+                <a16:creationId xmlns:a16="http://schemas.microsoft.com/office/drawing/2014/main" id="{D9DF7BBA-EE68-FE42-8BF5-B415A758BF56}"/>
               </a:ext>
             </a:extLst>
           </p:cNvPr>
@@ -6543,20 +6784,124 @@
         </p:nvSpPr>
         <p:spPr/>
         <p:txBody>
-          <a:bodyPr/>
-          <a:lstStyle/>
-          <a:p>
-            <a:r>
-              <a:rPr lang="en-US" dirty="0"/>
-              <a:t>We can create a script analyzer that will read the script and predict how the new script will be rated</a:t>
-            </a:r>
-          </a:p>
-        </p:txBody>
-      </p:sp>
+          <a:bodyPr>
+            <a:normAutofit lnSpcReduction="10000"/>
+          </a:bodyPr>
+          <a:lstStyle/>
+          <a:p>
+            <a:r>
+              <a:rPr lang="en-US" dirty="0"/>
+              <a:t>Use published scripts to create analyzer</a:t>
+            </a:r>
+          </a:p>
+          <a:p>
+            <a:r>
+              <a:rPr lang="en-US" dirty="0"/>
+              <a:t>Scrape from </a:t>
+            </a:r>
+            <a:r>
+              <a:rPr lang="en-US" dirty="0" err="1"/>
+              <a:t>simplescripts.com</a:t>
+            </a:r>
+            <a:r>
+              <a:rPr lang="en-US" dirty="0"/>
+              <a:t> using Beautiful Soup</a:t>
+            </a:r>
+          </a:p>
+          <a:p>
+            <a:pPr lvl="1"/>
+            <a:r>
+              <a:rPr lang="en-US" dirty="0"/>
+              <a:t>Original website has links to scripts, not the actual scripts</a:t>
+            </a:r>
+          </a:p>
+          <a:p>
+            <a:pPr lvl="1"/>
+            <a:r>
+              <a:rPr lang="en-US" dirty="0"/>
+              <a:t>Some links are broken</a:t>
+            </a:r>
+          </a:p>
+          <a:p>
+            <a:pPr lvl="1"/>
+            <a:r>
+              <a:rPr lang="en-US" dirty="0"/>
+              <a:t>Some links are to files that just notifications that the script isn’t there</a:t>
+            </a:r>
+          </a:p>
+          <a:p>
+            <a:pPr lvl="2"/>
+            <a:r>
+              <a:rPr lang="en-US" dirty="0"/>
+              <a:t>Manual scrubbing of these files</a:t>
+            </a:r>
+          </a:p>
+          <a:p>
+            <a:r>
+              <a:rPr lang="en-US" dirty="0"/>
+              <a:t>Multiple file formats</a:t>
+            </a:r>
+          </a:p>
+          <a:p>
+            <a:pPr lvl="1"/>
+            <a:r>
+              <a:rPr lang="en-US" dirty="0"/>
+              <a:t>Converted all to .txt files</a:t>
+            </a:r>
+          </a:p>
+          <a:p>
+            <a:r>
+              <a:rPr lang="en-US" dirty="0"/>
+              <a:t>Convert files to “bag of words”</a:t>
+            </a:r>
+          </a:p>
+          <a:p>
+            <a:pPr lvl="1"/>
+            <a:r>
+              <a:rPr lang="en-US" dirty="0"/>
+              <a:t>Take the text and represent it as individual words out of context, with a count as to how many times it appears in the individual text</a:t>
+            </a:r>
+          </a:p>
+          <a:p>
+            <a:pPr lvl="1"/>
+            <a:endParaRPr lang="en-US" dirty="0"/>
+          </a:p>
+        </p:txBody>
+      </p:sp>
+      <p:pic>
+        <p:nvPicPr>
+          <p:cNvPr id="5" name="Picture 4">
+            <a:extLst>
+              <a:ext uri="{FF2B5EF4-FFF2-40B4-BE49-F238E27FC236}">
+                <a16:creationId xmlns:a16="http://schemas.microsoft.com/office/drawing/2014/main" id="{81398B7A-B1EF-F14B-91CE-E6F95EC559DB}"/>
+              </a:ext>
+            </a:extLst>
+          </p:cNvPr>
+          <p:cNvPicPr>
+            <a:picLocks noChangeAspect="1"/>
+          </p:cNvPicPr>
+          <p:nvPr/>
+        </p:nvPicPr>
+        <p:blipFill>
+          <a:blip r:embed="rId3"/>
+          <a:stretch>
+            <a:fillRect/>
+          </a:stretch>
+        </p:blipFill>
+        <p:spPr>
+          <a:xfrm>
+            <a:off x="4887191" y="365125"/>
+            <a:ext cx="6466609" cy="996006"/>
+          </a:xfrm>
+          <a:prstGeom prst="rect">
+            <a:avLst/>
+          </a:prstGeom>
+        </p:spPr>
+      </p:pic>
     </p:spTree>
     <p:extLst>
       <p:ext uri="{BB962C8B-B14F-4D97-AF65-F5344CB8AC3E}">
-        <p14:creationId xmlns:p14="http://schemas.microsoft.com/office/powerpoint/2010/main" val="1417566509"/>
+        <p14:creationId xmlns:p14="http://schemas.microsoft.com/office/powerpoint/2010/main" val="2484247502"/>
       </p:ext>
     </p:extLst>
   </p:cSld>
@@ -6588,7 +6933,7 @@
           <p:cNvPr id="2" name="Title 1">
             <a:extLst>
               <a:ext uri="{FF2B5EF4-FFF2-40B4-BE49-F238E27FC236}">
-                <a16:creationId xmlns:a16="http://schemas.microsoft.com/office/drawing/2014/main" id="{D77469C9-742D-8B48-80C0-C8DCF58EB5CA}"/>
+                <a16:creationId xmlns:a16="http://schemas.microsoft.com/office/drawing/2014/main" id="{CF63BFB0-8CC6-414E-95B8-E9B6E633E58A}"/>
               </a:ext>
             </a:extLst>
           </p:cNvPr>
@@ -6606,7 +6951,7 @@
           <a:p>
             <a:r>
               <a:rPr lang="en-US" dirty="0"/>
-              <a:t>Scripts</a:t>
+              <a:t>Rated Movies</a:t>
             </a:r>
           </a:p>
         </p:txBody>
@@ -6616,7 +6961,7 @@
           <p:cNvPr id="3" name="Content Placeholder 2">
             <a:extLst>
               <a:ext uri="{FF2B5EF4-FFF2-40B4-BE49-F238E27FC236}">
-                <a16:creationId xmlns:a16="http://schemas.microsoft.com/office/drawing/2014/main" id="{D9DF7BBA-EE68-FE42-8BF5-B415A758BF56}"/>
+                <a16:creationId xmlns:a16="http://schemas.microsoft.com/office/drawing/2014/main" id="{97894189-9421-2B4D-B668-3D1B83AA75D0}"/>
               </a:ext>
             </a:extLst>
           </p:cNvPr>
@@ -6634,23 +6979,34 @@
           <a:p>
             <a:r>
               <a:rPr lang="en-US" dirty="0"/>
-              <a:t>Use published scripts to create analyzer</a:t>
-            </a:r>
-          </a:p>
-          <a:p>
-            <a:r>
-              <a:rPr lang="en-US" dirty="0"/>
-              <a:t>Also include genre from IMDB</a:t>
-            </a:r>
+              <a:t>Use IMDB rating system</a:t>
+            </a:r>
+          </a:p>
+          <a:p>
+            <a:pPr lvl="1"/>
+            <a:r>
+              <a:rPr lang="en-US" dirty="0"/>
+              <a:t>Out of ten stars</a:t>
+            </a:r>
+          </a:p>
+          <a:p>
+            <a:r>
+              <a:rPr lang="en-US" dirty="0"/>
+              <a:t>Data also included genre of the film</a:t>
+            </a:r>
+          </a:p>
+          <a:p>
+            <a:pPr lvl="2"/>
+            <a:endParaRPr lang="en-US" dirty="0"/>
           </a:p>
         </p:txBody>
       </p:sp>
       <p:pic>
         <p:nvPicPr>
-          <p:cNvPr id="5" name="Picture 4">
-            <a:extLst>
-              <a:ext uri="{FF2B5EF4-FFF2-40B4-BE49-F238E27FC236}">
-                <a16:creationId xmlns:a16="http://schemas.microsoft.com/office/drawing/2014/main" id="{81398B7A-B1EF-F14B-91CE-E6F95EC559DB}"/>
+          <p:cNvPr id="6" name="Picture 5">
+            <a:extLst>
+              <a:ext uri="{FF2B5EF4-FFF2-40B4-BE49-F238E27FC236}">
+                <a16:creationId xmlns:a16="http://schemas.microsoft.com/office/drawing/2014/main" id="{3DCC1BD6-32CC-E943-9A6E-41298E7032EA}"/>
               </a:ext>
             </a:extLst>
           </p:cNvPr>
@@ -6659,16 +7015,15 @@
           </p:cNvPicPr>
           <p:nvPr/>
         </p:nvPicPr>
-        <p:blipFill>
+        <p:blipFill rotWithShape="1">
           <a:blip r:embed="rId2"/>
-          <a:stretch>
-            <a:fillRect/>
-          </a:stretch>
+          <a:srcRect r="81662"/>
+          <a:stretch/>
         </p:blipFill>
         <p:spPr>
           <a:xfrm>
-            <a:off x="2862695" y="4001294"/>
-            <a:ext cx="6466609" cy="996006"/>
+            <a:off x="8511583" y="497436"/>
+            <a:ext cx="3023679" cy="1060940"/>
           </a:xfrm>
           <a:prstGeom prst="rect">
             <a:avLst/>
@@ -6678,7 +7033,7 @@
     </p:spTree>
     <p:extLst>
       <p:ext uri="{BB962C8B-B14F-4D97-AF65-F5344CB8AC3E}">
-        <p14:creationId xmlns:p14="http://schemas.microsoft.com/office/powerpoint/2010/main" val="2484247502"/>
+        <p14:creationId xmlns:p14="http://schemas.microsoft.com/office/powerpoint/2010/main" val="3744304401"/>
       </p:ext>
     </p:extLst>
   </p:cSld>
@@ -6710,7 +7065,7 @@
           <p:cNvPr id="2" name="Title 1">
             <a:extLst>
               <a:ext uri="{FF2B5EF4-FFF2-40B4-BE49-F238E27FC236}">
-                <a16:creationId xmlns:a16="http://schemas.microsoft.com/office/drawing/2014/main" id="{16D01C5D-C789-4548-A676-B078EF0EFD25}"/>
+                <a16:creationId xmlns:a16="http://schemas.microsoft.com/office/drawing/2014/main" id="{A094A972-16BD-C84C-B6C6-BCFF349DA198}"/>
               </a:ext>
             </a:extLst>
           </p:cNvPr>
@@ -6728,73 +7083,44 @@
           <a:p>
             <a:r>
               <a:rPr lang="en-US" dirty="0"/>
-              <a:t>Making the Recommender</a:t>
-            </a:r>
-          </a:p>
-        </p:txBody>
-      </p:sp>
-      <p:sp>
-        <p:nvSpPr>
-          <p:cNvPr id="3" name="Content Placeholder 2">
-            <a:extLst>
-              <a:ext uri="{FF2B5EF4-FFF2-40B4-BE49-F238E27FC236}">
-                <a16:creationId xmlns:a16="http://schemas.microsoft.com/office/drawing/2014/main" id="{4BB727B6-AC4F-3441-AB99-D0B4418F9219}"/>
-              </a:ext>
-            </a:extLst>
-          </p:cNvPr>
-          <p:cNvSpPr>
-            <a:spLocks noGrp="1"/>
-          </p:cNvSpPr>
+              <a:t>Ratings</a:t>
+            </a:r>
+          </a:p>
+        </p:txBody>
+      </p:sp>
+      <p:pic>
+        <p:nvPicPr>
+          <p:cNvPr id="5" name="Content Placeholder 4">
+            <a:extLst>
+              <a:ext uri="{FF2B5EF4-FFF2-40B4-BE49-F238E27FC236}">
+                <a16:creationId xmlns:a16="http://schemas.microsoft.com/office/drawing/2014/main" id="{7753F380-B4B8-3A43-A1B2-28207CE99E5D}"/>
+              </a:ext>
+            </a:extLst>
+          </p:cNvPr>
+          <p:cNvPicPr>
+            <a:picLocks noGrp="1" noChangeAspect="1"/>
+          </p:cNvPicPr>
           <p:nvPr>
             <p:ph idx="1"/>
           </p:nvPr>
-        </p:nvSpPr>
-        <p:spPr/>
-        <p:txBody>
-          <a:bodyPr/>
-          <a:lstStyle/>
-          <a:p>
-            <a:r>
-              <a:rPr lang="en-US" dirty="0"/>
-              <a:t>Features</a:t>
-            </a:r>
-          </a:p>
-          <a:p>
-            <a:pPr lvl="1"/>
-            <a:r>
-              <a:rPr lang="en-US" dirty="0"/>
-              <a:t>Bag-of-words</a:t>
-            </a:r>
-          </a:p>
-          <a:p>
-            <a:pPr lvl="2"/>
-            <a:r>
-              <a:rPr lang="en-US" dirty="0"/>
-              <a:t>Over 6000 words, including genres</a:t>
-            </a:r>
-          </a:p>
-          <a:p>
-            <a:endParaRPr lang="en-US" dirty="0"/>
-          </a:p>
-          <a:p>
-            <a:r>
-              <a:rPr lang="en-US" dirty="0"/>
-              <a:t>Predictor</a:t>
-            </a:r>
-          </a:p>
-          <a:p>
-            <a:pPr lvl="1"/>
-            <a:r>
-              <a:rPr lang="en-US" dirty="0"/>
-              <a:t>Integer ratings</a:t>
-            </a:r>
-          </a:p>
-        </p:txBody>
-      </p:sp>
+        </p:nvPicPr>
+        <p:blipFill>
+          <a:blip r:embed="rId3"/>
+          <a:stretch>
+            <a:fillRect/>
+          </a:stretch>
+        </p:blipFill>
+        <p:spPr>
+          <a:xfrm>
+            <a:off x="3486150" y="1931194"/>
+            <a:ext cx="5219700" cy="4140200"/>
+          </a:xfrm>
+        </p:spPr>
+      </p:pic>
     </p:spTree>
     <p:extLst>
       <p:ext uri="{BB962C8B-B14F-4D97-AF65-F5344CB8AC3E}">
-        <p14:creationId xmlns:p14="http://schemas.microsoft.com/office/powerpoint/2010/main" val="469771953"/>
+        <p14:creationId xmlns:p14="http://schemas.microsoft.com/office/powerpoint/2010/main" val="2096770488"/>
       </p:ext>
     </p:extLst>
   </p:cSld>
@@ -6826,7 +7152,7 @@
           <p:cNvPr id="2" name="Title 1">
             <a:extLst>
               <a:ext uri="{FF2B5EF4-FFF2-40B4-BE49-F238E27FC236}">
-                <a16:creationId xmlns:a16="http://schemas.microsoft.com/office/drawing/2014/main" id="{56544FBA-6F32-1C49-AD63-798FA75BCA5E}"/>
+                <a16:creationId xmlns:a16="http://schemas.microsoft.com/office/drawing/2014/main" id="{CF63BFB0-8CC6-414E-95B8-E9B6E633E58A}"/>
               </a:ext>
             </a:extLst>
           </p:cNvPr>
@@ -6844,44 +7170,129 @@
           <a:p>
             <a:r>
               <a:rPr lang="en-US" dirty="0"/>
-              <a:t>Word Recurrences Across Scripts</a:t>
+              <a:t>Rated Movies</a:t>
+            </a:r>
+          </a:p>
+        </p:txBody>
+      </p:sp>
+      <p:sp>
+        <p:nvSpPr>
+          <p:cNvPr id="3" name="Content Placeholder 2">
+            <a:extLst>
+              <a:ext uri="{FF2B5EF4-FFF2-40B4-BE49-F238E27FC236}">
+                <a16:creationId xmlns:a16="http://schemas.microsoft.com/office/drawing/2014/main" id="{97894189-9421-2B4D-B668-3D1B83AA75D0}"/>
+              </a:ext>
+            </a:extLst>
+          </p:cNvPr>
+          <p:cNvSpPr>
+            <a:spLocks noGrp="1"/>
+          </p:cNvSpPr>
+          <p:nvPr>
+            <p:ph idx="1"/>
+          </p:nvPr>
+        </p:nvSpPr>
+        <p:spPr/>
+        <p:txBody>
+          <a:bodyPr/>
+          <a:lstStyle/>
+          <a:p>
+            <a:r>
+              <a:rPr lang="en-US" dirty="0">
+                <a:solidFill>
+                  <a:schemeClr val="bg1">
+                    <a:lumMod val="65000"/>
+                  </a:schemeClr>
+                </a:solidFill>
+              </a:rPr>
+              <a:t>Use IMDB rating system</a:t>
+            </a:r>
+          </a:p>
+          <a:p>
+            <a:pPr lvl="1"/>
+            <a:r>
+              <a:rPr lang="en-US" dirty="0">
+                <a:solidFill>
+                  <a:schemeClr val="bg1">
+                    <a:lumMod val="65000"/>
+                  </a:schemeClr>
+                </a:solidFill>
+              </a:rPr>
+              <a:t>Out of ten stars</a:t>
+            </a:r>
+          </a:p>
+          <a:p>
+            <a:r>
+              <a:rPr lang="en-US" dirty="0">
+                <a:solidFill>
+                  <a:schemeClr val="bg1">
+                    <a:lumMod val="65000"/>
+                  </a:schemeClr>
+                </a:solidFill>
+              </a:rPr>
+              <a:t>Data also included genre of the film</a:t>
+            </a:r>
+          </a:p>
+          <a:p>
+            <a:r>
+              <a:rPr lang="en-US" dirty="0"/>
+              <a:t>Came in multiple files </a:t>
+            </a:r>
+          </a:p>
+          <a:p>
+            <a:pPr lvl="1"/>
+            <a:r>
+              <a:rPr lang="en-US" dirty="0"/>
+              <a:t>Join files to get genre, movie name, and ratings</a:t>
+            </a:r>
+          </a:p>
+          <a:p>
+            <a:r>
+              <a:rPr lang="en-US" dirty="0"/>
+              <a:t>Convert genres into “bag-of-words”</a:t>
+            </a:r>
+          </a:p>
+          <a:p>
+            <a:pPr lvl="1"/>
+            <a:r>
+              <a:rPr lang="en-US" dirty="0"/>
+              <a:t>Add the genres to the ”bag-of-words” from the scripts</a:t>
             </a:r>
           </a:p>
         </p:txBody>
       </p:sp>
       <p:pic>
         <p:nvPicPr>
-          <p:cNvPr id="5" name="Content Placeholder 4">
-            <a:extLst>
-              <a:ext uri="{FF2B5EF4-FFF2-40B4-BE49-F238E27FC236}">
-                <a16:creationId xmlns:a16="http://schemas.microsoft.com/office/drawing/2014/main" id="{5DE3B4E1-467A-8548-B913-7C084B95E12A}"/>
+          <p:cNvPr id="6" name="Picture 5">
+            <a:extLst>
+              <a:ext uri="{FF2B5EF4-FFF2-40B4-BE49-F238E27FC236}">
+                <a16:creationId xmlns:a16="http://schemas.microsoft.com/office/drawing/2014/main" id="{3DCC1BD6-32CC-E943-9A6E-41298E7032EA}"/>
               </a:ext>
             </a:extLst>
           </p:cNvPr>
           <p:cNvPicPr>
-            <a:picLocks noGrp="1" noChangeAspect="1"/>
+            <a:picLocks noChangeAspect="1"/>
           </p:cNvPicPr>
-          <p:nvPr>
-            <p:ph idx="1"/>
-          </p:nvPr>
+          <p:nvPr/>
         </p:nvPicPr>
-        <p:blipFill>
-          <a:blip r:embed="rId3"/>
-          <a:stretch>
-            <a:fillRect/>
-          </a:stretch>
+        <p:blipFill rotWithShape="1">
+          <a:blip r:embed="rId2"/>
+          <a:srcRect r="81662"/>
+          <a:stretch/>
         </p:blipFill>
         <p:spPr>
           <a:xfrm>
-            <a:off x="3448050" y="1931194"/>
-            <a:ext cx="5295900" cy="4140200"/>
+            <a:off x="8511583" y="497436"/>
+            <a:ext cx="3023679" cy="1060940"/>
           </a:xfrm>
+          <a:prstGeom prst="rect">
+            <a:avLst/>
+          </a:prstGeom>
         </p:spPr>
       </p:pic>
     </p:spTree>
     <p:extLst>
       <p:ext uri="{BB962C8B-B14F-4D97-AF65-F5344CB8AC3E}">
-        <p14:creationId xmlns:p14="http://schemas.microsoft.com/office/powerpoint/2010/main" val="2502537469"/>
+        <p14:creationId xmlns:p14="http://schemas.microsoft.com/office/powerpoint/2010/main" val="3217089134"/>
       </p:ext>
     </p:extLst>
   </p:cSld>
@@ -6913,7 +7324,7 @@
           <p:cNvPr id="2" name="Title 1">
             <a:extLst>
               <a:ext uri="{FF2B5EF4-FFF2-40B4-BE49-F238E27FC236}">
-                <a16:creationId xmlns:a16="http://schemas.microsoft.com/office/drawing/2014/main" id="{AA3306EC-BD9D-AE4A-BB2B-632681034638}"/>
+                <a16:creationId xmlns:a16="http://schemas.microsoft.com/office/drawing/2014/main" id="{7D739360-247B-F14B-BD26-68255C67ACAB}"/>
               </a:ext>
             </a:extLst>
           </p:cNvPr>
@@ -6931,13 +7342,8 @@
           <a:p>
             <a:r>
               <a:rPr lang="en-US" dirty="0"/>
-              <a:t>Word Recurrences </a:t>
-            </a:r>
-            <a:r>
-              <a:rPr lang="en-US"/>
-              <a:t>Without Outliers</a:t>
-            </a:r>
-            <a:endParaRPr lang="en-US" dirty="0"/>
+              <a:t>Ratings by Genre</a:t>
+            </a:r>
           </a:p>
         </p:txBody>
       </p:sp>
@@ -6946,7 +7352,7 @@
           <p:cNvPr id="5" name="Content Placeholder 4">
             <a:extLst>
               <a:ext uri="{FF2B5EF4-FFF2-40B4-BE49-F238E27FC236}">
-                <a16:creationId xmlns:a16="http://schemas.microsoft.com/office/drawing/2014/main" id="{FB0CA512-B710-FF4A-B79E-91EED9FB3D18}"/>
+                <a16:creationId xmlns:a16="http://schemas.microsoft.com/office/drawing/2014/main" id="{234CA692-9235-0043-863C-5D1E65470C06}"/>
               </a:ext>
             </a:extLst>
           </p:cNvPr>
@@ -6965,15 +7371,15 @@
         </p:blipFill>
         <p:spPr>
           <a:xfrm>
-            <a:off x="3448050" y="1931194"/>
-            <a:ext cx="5295900" cy="4140200"/>
+            <a:off x="3187700" y="1931194"/>
+            <a:ext cx="5816600" cy="4140200"/>
           </a:xfrm>
         </p:spPr>
       </p:pic>
     </p:spTree>
     <p:extLst>
       <p:ext uri="{BB962C8B-B14F-4D97-AF65-F5344CB8AC3E}">
-        <p14:creationId xmlns:p14="http://schemas.microsoft.com/office/powerpoint/2010/main" val="2693286496"/>
+        <p14:creationId xmlns:p14="http://schemas.microsoft.com/office/powerpoint/2010/main" val="2649599306"/>
       </p:ext>
     </p:extLst>
   </p:cSld>
@@ -7005,7 +7411,7 @@
           <p:cNvPr id="2" name="Title 1">
             <a:extLst>
               <a:ext uri="{FF2B5EF4-FFF2-40B4-BE49-F238E27FC236}">
-                <a16:creationId xmlns:a16="http://schemas.microsoft.com/office/drawing/2014/main" id="{A094A972-16BD-C84C-B6C6-BCFF349DA198}"/>
+                <a16:creationId xmlns:a16="http://schemas.microsoft.com/office/drawing/2014/main" id="{16D01C5D-C789-4548-A676-B078EF0EFD25}"/>
               </a:ext>
             </a:extLst>
           </p:cNvPr>
@@ -7023,44 +7429,109 @@
           <a:p>
             <a:r>
               <a:rPr lang="en-US" dirty="0"/>
-              <a:t>Ratings</a:t>
-            </a:r>
-          </a:p>
-        </p:txBody>
-      </p:sp>
-      <p:pic>
-        <p:nvPicPr>
-          <p:cNvPr id="5" name="Content Placeholder 4">
-            <a:extLst>
-              <a:ext uri="{FF2B5EF4-FFF2-40B4-BE49-F238E27FC236}">
-                <a16:creationId xmlns:a16="http://schemas.microsoft.com/office/drawing/2014/main" id="{7753F380-B4B8-3A43-A1B2-28207CE99E5D}"/>
-              </a:ext>
-            </a:extLst>
-          </p:cNvPr>
-          <p:cNvPicPr>
-            <a:picLocks noGrp="1" noChangeAspect="1"/>
-          </p:cNvPicPr>
+              <a:t>Making the Recommender</a:t>
+            </a:r>
+          </a:p>
+        </p:txBody>
+      </p:sp>
+      <p:sp>
+        <p:nvSpPr>
+          <p:cNvPr id="3" name="Content Placeholder 2">
+            <a:extLst>
+              <a:ext uri="{FF2B5EF4-FFF2-40B4-BE49-F238E27FC236}">
+                <a16:creationId xmlns:a16="http://schemas.microsoft.com/office/drawing/2014/main" id="{4BB727B6-AC4F-3441-AB99-D0B4418F9219}"/>
+              </a:ext>
+            </a:extLst>
+          </p:cNvPr>
+          <p:cNvSpPr>
+            <a:spLocks noGrp="1"/>
+          </p:cNvSpPr>
           <p:nvPr>
             <p:ph idx="1"/>
           </p:nvPr>
-        </p:nvPicPr>
-        <p:blipFill>
-          <a:blip r:embed="rId3"/>
-          <a:stretch>
-            <a:fillRect/>
-          </a:stretch>
-        </p:blipFill>
-        <p:spPr>
-          <a:xfrm>
-            <a:off x="3486150" y="1931194"/>
-            <a:ext cx="5219700" cy="4140200"/>
-          </a:xfrm>
-        </p:spPr>
-      </p:pic>
+        </p:nvSpPr>
+        <p:spPr/>
+        <p:txBody>
+          <a:bodyPr>
+            <a:normAutofit lnSpcReduction="10000"/>
+          </a:bodyPr>
+          <a:lstStyle/>
+          <a:p>
+            <a:r>
+              <a:rPr lang="en-US" dirty="0"/>
+              <a:t>Features</a:t>
+            </a:r>
+          </a:p>
+          <a:p>
+            <a:pPr lvl="1"/>
+            <a:r>
+              <a:rPr lang="en-US" dirty="0"/>
+              <a:t>Bag-of-words</a:t>
+            </a:r>
+          </a:p>
+          <a:p>
+            <a:pPr lvl="2"/>
+            <a:r>
+              <a:rPr lang="en-US" dirty="0"/>
+              <a:t>Over 6000 words, including genres</a:t>
+            </a:r>
+          </a:p>
+          <a:p>
+            <a:r>
+              <a:rPr lang="en-US" dirty="0"/>
+              <a:t>Cull features</a:t>
+            </a:r>
+          </a:p>
+          <a:p>
+            <a:pPr lvl="1"/>
+            <a:r>
+              <a:rPr lang="en-US" dirty="0"/>
+              <a:t>SVD </a:t>
+            </a:r>
+          </a:p>
+          <a:p>
+            <a:pPr lvl="1"/>
+            <a:r>
+              <a:rPr lang="en-US" dirty="0"/>
+              <a:t>27 features</a:t>
+            </a:r>
+          </a:p>
+          <a:p>
+            <a:pPr lvl="2"/>
+            <a:r>
+              <a:rPr lang="en-US" dirty="0"/>
+              <a:t>Have about 700 scripts; 27 is approximately the square root of 700</a:t>
+            </a:r>
+          </a:p>
+          <a:p>
+            <a:endParaRPr lang="en-US" dirty="0"/>
+          </a:p>
+          <a:p>
+            <a:r>
+              <a:rPr lang="en-US" dirty="0"/>
+              <a:t>Predicted variable</a:t>
+            </a:r>
+          </a:p>
+          <a:p>
+            <a:pPr lvl="1"/>
+            <a:r>
+              <a:rPr lang="en-US" dirty="0"/>
+              <a:t>Integer ratings</a:t>
+            </a:r>
+          </a:p>
+          <a:p>
+            <a:pPr lvl="2"/>
+            <a:r>
+              <a:rPr lang="en-US" dirty="0"/>
+              <a:t>Multiply original ratings by 10 to get integers</a:t>
+            </a:r>
+          </a:p>
+        </p:txBody>
+      </p:sp>
     </p:spTree>
     <p:extLst>
       <p:ext uri="{BB962C8B-B14F-4D97-AF65-F5344CB8AC3E}">
-        <p14:creationId xmlns:p14="http://schemas.microsoft.com/office/powerpoint/2010/main" val="2096770488"/>
+        <p14:creationId xmlns:p14="http://schemas.microsoft.com/office/powerpoint/2010/main" val="469771953"/>
       </p:ext>
     </p:extLst>
   </p:cSld>

--- a/AitkinCapstonePresentation.pptx
+++ b/AitkinCapstonePresentation.pptx
@@ -5,30 +5,35 @@
     <p:sldMasterId id="2147483648" r:id="rId1"/>
   </p:sldMasterIdLst>
   <p:notesMasterIdLst>
-    <p:notesMasterId r:id="rId23"/>
+    <p:notesMasterId r:id="rId28"/>
   </p:notesMasterIdLst>
   <p:sldIdLst>
     <p:sldId id="256" r:id="rId2"/>
     <p:sldId id="257" r:id="rId3"/>
     <p:sldId id="258" r:id="rId4"/>
-    <p:sldId id="260" r:id="rId5"/>
-    <p:sldId id="259" r:id="rId6"/>
-    <p:sldId id="261" r:id="rId7"/>
-    <p:sldId id="276" r:id="rId8"/>
-    <p:sldId id="275" r:id="rId9"/>
-    <p:sldId id="263" r:id="rId10"/>
-    <p:sldId id="264" r:id="rId11"/>
-    <p:sldId id="265" r:id="rId12"/>
-    <p:sldId id="268" r:id="rId13"/>
-    <p:sldId id="269" r:id="rId14"/>
-    <p:sldId id="270" r:id="rId15"/>
-    <p:sldId id="271" r:id="rId16"/>
-    <p:sldId id="272" r:id="rId17"/>
-    <p:sldId id="274" r:id="rId18"/>
-    <p:sldId id="262" r:id="rId19"/>
-    <p:sldId id="273" r:id="rId20"/>
-    <p:sldId id="266" r:id="rId21"/>
-    <p:sldId id="267" r:id="rId22"/>
+    <p:sldId id="282" r:id="rId5"/>
+    <p:sldId id="278" r:id="rId6"/>
+    <p:sldId id="279" r:id="rId7"/>
+    <p:sldId id="280" r:id="rId8"/>
+    <p:sldId id="283" r:id="rId9"/>
+    <p:sldId id="259" r:id="rId10"/>
+    <p:sldId id="261" r:id="rId11"/>
+    <p:sldId id="276" r:id="rId12"/>
+    <p:sldId id="275" r:id="rId13"/>
+    <p:sldId id="281" r:id="rId14"/>
+    <p:sldId id="263" r:id="rId15"/>
+    <p:sldId id="264" r:id="rId16"/>
+    <p:sldId id="265" r:id="rId17"/>
+    <p:sldId id="268" r:id="rId18"/>
+    <p:sldId id="269" r:id="rId19"/>
+    <p:sldId id="270" r:id="rId20"/>
+    <p:sldId id="271" r:id="rId21"/>
+    <p:sldId id="272" r:id="rId22"/>
+    <p:sldId id="274" r:id="rId23"/>
+    <p:sldId id="262" r:id="rId24"/>
+    <p:sldId id="273" r:id="rId25"/>
+    <p:sldId id="266" r:id="rId26"/>
+    <p:sldId id="267" r:id="rId27"/>
   </p:sldIdLst>
   <p:sldSz cx="12192000" cy="6858000"/>
   <p:notesSz cx="6858000" cy="9144000"/>
@@ -528,30 +533,16 @@
           <a:bodyPr/>
           <a:lstStyle/>
           <a:p>
-            <a:pPr marL="0" marR="0" lvl="0" indent="0" algn="l" defTabSz="914400" rtl="0" eaLnBrk="1" fontAlgn="auto" latinLnBrk="0" hangingPunct="1">
-              <a:lnSpc>
-                <a:spcPct val="100000"/>
-              </a:lnSpc>
-              <a:spcBef>
-                <a:spcPts val="0"/>
-              </a:spcBef>
-              <a:spcAft>
-                <a:spcPts val="0"/>
-              </a:spcAft>
-              <a:buClrTx/>
-              <a:buSzTx/>
-              <a:buFontTx/>
-              <a:buNone/>
-              <a:tabLst/>
-              <a:defRPr/>
-            </a:pPr>
             <a:r>
               <a:rPr lang="en-US" dirty="0"/>
-              <a:t>A “bag-of-words” is when we take text and break down the number of times a word occurs in the text</a:t>
-            </a:r>
-          </a:p>
-          <a:p>
-            <a:endParaRPr lang="en-US" dirty="0"/>
+              <a:t>Ratings are averaged across users and rounded to the nearest tenth by IMDB</a:t>
+            </a:r>
+          </a:p>
+          <a:p>
+            <a:r>
+              <a:rPr lang="en-US" dirty="0"/>
+              <a:t>These are the original ratings</a:t>
+            </a:r>
           </a:p>
         </p:txBody>
       </p:sp>
@@ -572,7 +563,7 @@
           <a:p>
             <a:fld id="{12BC638F-8A1D-834E-9657-78D7AC45DDEF}" type="slidenum">
               <a:rPr lang="en-US" smtClean="0"/>
-              <a:t>4</a:t>
+              <a:t>10</a:t>
             </a:fld>
             <a:endParaRPr lang="en-US" dirty="0"/>
           </a:p>
@@ -581,7 +572,7 @@
     </p:spTree>
     <p:extLst>
       <p:ext uri="{BB962C8B-B14F-4D97-AF65-F5344CB8AC3E}">
-        <p14:creationId xmlns:p14="http://schemas.microsoft.com/office/powerpoint/2010/main" val="2438886972"/>
+        <p14:creationId xmlns:p14="http://schemas.microsoft.com/office/powerpoint/2010/main" val="3407720105"/>
       </p:ext>
     </p:extLst>
   </p:cSld>
@@ -635,16 +626,7 @@
           <a:bodyPr/>
           <a:lstStyle/>
           <a:p>
-            <a:r>
-              <a:rPr lang="en-US" dirty="0"/>
-              <a:t>Ratings are averaged across users and rounded to the nearest tenth by IMDB</a:t>
-            </a:r>
-          </a:p>
-          <a:p>
-            <a:r>
-              <a:rPr lang="en-US" dirty="0"/>
-              <a:t>These are the original ratings</a:t>
-            </a:r>
+            <a:endParaRPr lang="en-US" dirty="0"/>
           </a:p>
         </p:txBody>
       </p:sp>
@@ -665,7 +647,7 @@
           <a:p>
             <a:fld id="{12BC638F-8A1D-834E-9657-78D7AC45DDEF}" type="slidenum">
               <a:rPr lang="en-US" smtClean="0"/>
-              <a:t>6</a:t>
+              <a:t>14</a:t>
             </a:fld>
             <a:endParaRPr lang="en-US" dirty="0"/>
           </a:p>
@@ -674,7 +656,7 @@
     </p:spTree>
     <p:extLst>
       <p:ext uri="{BB962C8B-B14F-4D97-AF65-F5344CB8AC3E}">
-        <p14:creationId xmlns:p14="http://schemas.microsoft.com/office/powerpoint/2010/main" val="3407720105"/>
+        <p14:creationId xmlns:p14="http://schemas.microsoft.com/office/powerpoint/2010/main" val="1368368513"/>
       </p:ext>
     </p:extLst>
   </p:cSld>
@@ -728,7 +710,16 @@
           <a:bodyPr/>
           <a:lstStyle/>
           <a:p>
-            <a:endParaRPr lang="en-US" dirty="0"/>
+            <a:r>
+              <a:rPr lang="en-US" dirty="0"/>
+              <a:t>Random forest and gradient booster are complex and powerful methods</a:t>
+            </a:r>
+          </a:p>
+          <a:p>
+            <a:r>
+              <a:rPr lang="en-US" dirty="0"/>
+              <a:t>Linear regression is a simple model, and easy to understand, but random forest and gradient booster can be more accurate</a:t>
+            </a:r>
           </a:p>
         </p:txBody>
       </p:sp>
@@ -749,7 +740,7 @@
           <a:p>
             <a:fld id="{12BC638F-8A1D-834E-9657-78D7AC45DDEF}" type="slidenum">
               <a:rPr lang="en-US" smtClean="0"/>
-              <a:t>9</a:t>
+              <a:t>15</a:t>
             </a:fld>
             <a:endParaRPr lang="en-US" dirty="0"/>
           </a:p>
@@ -758,7 +749,7 @@
     </p:spTree>
     <p:extLst>
       <p:ext uri="{BB962C8B-B14F-4D97-AF65-F5344CB8AC3E}">
-        <p14:creationId xmlns:p14="http://schemas.microsoft.com/office/powerpoint/2010/main" val="1368368513"/>
+        <p14:creationId xmlns:p14="http://schemas.microsoft.com/office/powerpoint/2010/main" val="2015286693"/>
       </p:ext>
     </p:extLst>
   </p:cSld>
@@ -814,13 +805,15 @@
           <a:p>
             <a:r>
               <a:rPr lang="en-US" dirty="0"/>
-              <a:t>Random forest and gradient booster are complex and powerful methods</a:t>
-            </a:r>
-          </a:p>
-          <a:p>
+              <a:t>Ah but can we do better with linear regression by changing the number of features? I used select k best, a function from </a:t>
+            </a:r>
+            <a:r>
+              <a:rPr lang="en-US" dirty="0" err="1"/>
+              <a:t>scikitlearn</a:t>
+            </a:r>
             <a:r>
               <a:rPr lang="en-US" dirty="0"/>
-              <a:t>Linear regression is a simple model, and easy to understand, but random forest and gradient booster can be more accurate</a:t>
+              <a:t>, to select original features that best predict the ratings</a:t>
             </a:r>
           </a:p>
         </p:txBody>
@@ -842,7 +835,7 @@
           <a:p>
             <a:fld id="{12BC638F-8A1D-834E-9657-78D7AC45DDEF}" type="slidenum">
               <a:rPr lang="en-US" smtClean="0"/>
-              <a:t>10</a:t>
+              <a:t>17</a:t>
             </a:fld>
             <a:endParaRPr lang="en-US" dirty="0"/>
           </a:p>
@@ -851,7 +844,7 @@
     </p:spTree>
     <p:extLst>
       <p:ext uri="{BB962C8B-B14F-4D97-AF65-F5344CB8AC3E}">
-        <p14:creationId xmlns:p14="http://schemas.microsoft.com/office/powerpoint/2010/main" val="2015286693"/>
+        <p14:creationId xmlns:p14="http://schemas.microsoft.com/office/powerpoint/2010/main" val="534389019"/>
       </p:ext>
     </p:extLst>
   </p:cSld>
@@ -907,15 +900,13 @@
           <a:p>
             <a:r>
               <a:rPr lang="en-US" dirty="0"/>
-              <a:t>Ah but can we do better with linear regression by changing the number of features? I used select k best, a function from </a:t>
-            </a:r>
-            <a:r>
-              <a:rPr lang="en-US" dirty="0" err="1"/>
-              <a:t>scikitlearn</a:t>
-            </a:r>
+              <a:t>Tested various number of features and found that 20 features gave best result.</a:t>
+            </a:r>
+          </a:p>
+          <a:p>
             <a:r>
               <a:rPr lang="en-US" dirty="0"/>
-              <a:t>, to select original features that best predict the ratings</a:t>
+              <a:t>How much influence do each of the features have on the linear regression?</a:t>
             </a:r>
           </a:p>
         </p:txBody>
@@ -937,7 +928,7 @@
           <a:p>
             <a:fld id="{12BC638F-8A1D-834E-9657-78D7AC45DDEF}" type="slidenum">
               <a:rPr lang="en-US" smtClean="0"/>
-              <a:t>12</a:t>
+              <a:t>18</a:t>
             </a:fld>
             <a:endParaRPr lang="en-US" dirty="0"/>
           </a:p>
@@ -946,7 +937,7 @@
     </p:spTree>
     <p:extLst>
       <p:ext uri="{BB962C8B-B14F-4D97-AF65-F5344CB8AC3E}">
-        <p14:creationId xmlns:p14="http://schemas.microsoft.com/office/powerpoint/2010/main" val="534389019"/>
+        <p14:creationId xmlns:p14="http://schemas.microsoft.com/office/powerpoint/2010/main" val="3042231915"/>
       </p:ext>
     </p:extLst>
   </p:cSld>
@@ -1002,13 +993,53 @@
           <a:p>
             <a:r>
               <a:rPr lang="en-US" dirty="0"/>
-              <a:t>Tested various number of features and found that 20 features gave best result.</a:t>
-            </a:r>
-          </a:p>
-          <a:p>
+              <a:t>We can see that the two strongest features are </a:t>
+            </a:r>
+            <a:r>
+              <a:rPr lang="en-US" dirty="0" err="1"/>
+              <a:t>genre_musical</a:t>
+            </a:r>
             <a:r>
               <a:rPr lang="en-US" dirty="0"/>
-              <a:t>How much influence do each of the features have on the linear regression?</a:t>
+              <a:t> and </a:t>
+            </a:r>
+            <a:r>
+              <a:rPr lang="en-US" dirty="0" err="1"/>
+              <a:t>genre_music</a:t>
+            </a:r>
+            <a:r>
+              <a:rPr lang="en-US" dirty="0"/>
+              <a:t>. This is a contradiction, as these refer to the same kind of movie. We can also see that </a:t>
+            </a:r>
+            <a:r>
+              <a:rPr lang="en-US" dirty="0" err="1"/>
+              <a:t>genre_horror</a:t>
+            </a:r>
+            <a:r>
+              <a:rPr lang="en-US" dirty="0"/>
+              <a:t> has a strong negative influence on the linear regression, and </a:t>
+            </a:r>
+            <a:r>
+              <a:rPr lang="en-US" dirty="0" err="1"/>
+              <a:t>genre_adventure</a:t>
+            </a:r>
+            <a:r>
+              <a:rPr lang="en-US" dirty="0"/>
+              <a:t> and </a:t>
+            </a:r>
+            <a:r>
+              <a:rPr lang="en-US" dirty="0" err="1"/>
+              <a:t>genre_western</a:t>
+            </a:r>
+            <a:r>
+              <a:rPr lang="en-US" dirty="0"/>
+              <a:t> have a strong positive influence. </a:t>
+            </a:r>
+          </a:p>
+          <a:p>
+            <a:r>
+              <a:rPr lang="en-US" dirty="0"/>
+              <a:t>To wrap up…</a:t>
             </a:r>
           </a:p>
         </p:txBody>
@@ -1030,7 +1061,7 @@
           <a:p>
             <a:fld id="{12BC638F-8A1D-834E-9657-78D7AC45DDEF}" type="slidenum">
               <a:rPr lang="en-US" smtClean="0"/>
-              <a:t>13</a:t>
+              <a:t>19</a:t>
             </a:fld>
             <a:endParaRPr lang="en-US" dirty="0"/>
           </a:p>
@@ -1039,7 +1070,7 @@
     </p:spTree>
     <p:extLst>
       <p:ext uri="{BB962C8B-B14F-4D97-AF65-F5344CB8AC3E}">
-        <p14:creationId xmlns:p14="http://schemas.microsoft.com/office/powerpoint/2010/main" val="3042231915"/>
+        <p14:creationId xmlns:p14="http://schemas.microsoft.com/office/powerpoint/2010/main" val="1396169938"/>
       </p:ext>
     </p:extLst>
   </p:cSld>
@@ -1095,53 +1126,13 @@
           <a:p>
             <a:r>
               <a:rPr lang="en-US" dirty="0"/>
-              <a:t>We can see that the two strongest features are </a:t>
-            </a:r>
-            <a:r>
-              <a:rPr lang="en-US" dirty="0" err="1"/>
-              <a:t>genre_musical</a:t>
-            </a:r>
+              <a:t>Most words occur only a few times.</a:t>
+            </a:r>
+          </a:p>
+          <a:p>
             <a:r>
               <a:rPr lang="en-US" dirty="0"/>
-              <a:t> and </a:t>
-            </a:r>
-            <a:r>
-              <a:rPr lang="en-US" dirty="0" err="1"/>
-              <a:t>genre_music</a:t>
-            </a:r>
-            <a:r>
-              <a:rPr lang="en-US" dirty="0"/>
-              <a:t>. This is a contradiction, as these refer to the same kind of movie. We can also see that </a:t>
-            </a:r>
-            <a:r>
-              <a:rPr lang="en-US" dirty="0" err="1"/>
-              <a:t>genre_horror</a:t>
-            </a:r>
-            <a:r>
-              <a:rPr lang="en-US" dirty="0"/>
-              <a:t> has a strong negative influence on the linear regression, and </a:t>
-            </a:r>
-            <a:r>
-              <a:rPr lang="en-US" dirty="0" err="1"/>
-              <a:t>genre_adventure</a:t>
-            </a:r>
-            <a:r>
-              <a:rPr lang="en-US" dirty="0"/>
-              <a:t> and </a:t>
-            </a:r>
-            <a:r>
-              <a:rPr lang="en-US" dirty="0" err="1"/>
-              <a:t>genre_western</a:t>
-            </a:r>
-            <a:r>
-              <a:rPr lang="en-US" dirty="0"/>
-              <a:t> have a strong positive influence. </a:t>
-            </a:r>
-          </a:p>
-          <a:p>
-            <a:r>
-              <a:rPr lang="en-US" dirty="0"/>
-              <a:t>To wrap up…</a:t>
+              <a:t>The number 13 occurs over 85,000 times</a:t>
             </a:r>
           </a:p>
         </p:txBody>
@@ -1163,100 +1154,7 @@
           <a:p>
             <a:fld id="{12BC638F-8A1D-834E-9657-78D7AC45DDEF}" type="slidenum">
               <a:rPr lang="en-US" smtClean="0"/>
-              <a:t>14</a:t>
-            </a:fld>
-            <a:endParaRPr lang="en-US" dirty="0"/>
-          </a:p>
-        </p:txBody>
-      </p:sp>
-    </p:spTree>
-    <p:extLst>
-      <p:ext uri="{BB962C8B-B14F-4D97-AF65-F5344CB8AC3E}">
-        <p14:creationId xmlns:p14="http://schemas.microsoft.com/office/powerpoint/2010/main" val="1396169938"/>
-      </p:ext>
-    </p:extLst>
-  </p:cSld>
-  <p:clrMapOvr>
-    <a:masterClrMapping/>
-  </p:clrMapOvr>
-</p:notes>
-</file>
-
-<file path=ppt/notesSlides/notesSlide8.xml><?xml version="1.0" encoding="utf-8"?>
-<p:notes xmlns:a="http://schemas.openxmlformats.org/drawingml/2006/main" xmlns:r="http://schemas.openxmlformats.org/officeDocument/2006/relationships" xmlns:p="http://schemas.openxmlformats.org/presentationml/2006/main">
-  <p:cSld>
-    <p:spTree>
-      <p:nvGrpSpPr>
-        <p:cNvPr id="1" name=""/>
-        <p:cNvGrpSpPr/>
-        <p:nvPr/>
-      </p:nvGrpSpPr>
-      <p:grpSpPr>
-        <a:xfrm>
-          <a:off x="0" y="0"/>
-          <a:ext cx="0" cy="0"/>
-          <a:chOff x="0" y="0"/>
-          <a:chExt cx="0" cy="0"/>
-        </a:xfrm>
-      </p:grpSpPr>
-      <p:sp>
-        <p:nvSpPr>
-          <p:cNvPr id="2" name="Slide Image Placeholder 1"/>
-          <p:cNvSpPr>
-            <a:spLocks noGrp="1" noRot="1" noChangeAspect="1"/>
-          </p:cNvSpPr>
-          <p:nvPr>
-            <p:ph type="sldImg"/>
-          </p:nvPr>
-        </p:nvSpPr>
-        <p:spPr/>
-      </p:sp>
-      <p:sp>
-        <p:nvSpPr>
-          <p:cNvPr id="3" name="Notes Placeholder 2"/>
-          <p:cNvSpPr>
-            <a:spLocks noGrp="1"/>
-          </p:cNvSpPr>
-          <p:nvPr>
-            <p:ph type="body" idx="1"/>
-          </p:nvPr>
-        </p:nvSpPr>
-        <p:spPr/>
-        <p:txBody>
-          <a:bodyPr/>
-          <a:lstStyle/>
-          <a:p>
-            <a:r>
-              <a:rPr lang="en-US" dirty="0"/>
-              <a:t>Most words occur only a few times.</a:t>
-            </a:r>
-          </a:p>
-          <a:p>
-            <a:r>
-              <a:rPr lang="en-US" dirty="0"/>
-              <a:t>The number 13 occurs over 85,000 times</a:t>
-            </a:r>
-          </a:p>
-        </p:txBody>
-      </p:sp>
-      <p:sp>
-        <p:nvSpPr>
-          <p:cNvPr id="4" name="Slide Number Placeholder 3"/>
-          <p:cNvSpPr>
-            <a:spLocks noGrp="1"/>
-          </p:cNvSpPr>
-          <p:nvPr>
-            <p:ph type="sldNum" sz="quarter" idx="5"/>
-          </p:nvPr>
-        </p:nvSpPr>
-        <p:spPr/>
-        <p:txBody>
-          <a:bodyPr/>
-          <a:lstStyle/>
-          <a:p>
-            <a:fld id="{12BC638F-8A1D-834E-9657-78D7AC45DDEF}" type="slidenum">
-              <a:rPr lang="en-US" smtClean="0"/>
-              <a:t>18</a:t>
+              <a:t>23</a:t>
             </a:fld>
             <a:endParaRPr lang="en-US" dirty="0"/>
           </a:p>
@@ -4607,7 +4505,7 @@
           <p:cNvPr id="2" name="Title 1">
             <a:extLst>
               <a:ext uri="{FF2B5EF4-FFF2-40B4-BE49-F238E27FC236}">
-                <a16:creationId xmlns:a16="http://schemas.microsoft.com/office/drawing/2014/main" id="{34583487-F626-6C49-B828-3FC32D389BA8}"/>
+                <a16:creationId xmlns:a16="http://schemas.microsoft.com/office/drawing/2014/main" id="{A094A972-16BD-C84C-B6C6-BCFF349DA198}"/>
               </a:ext>
             </a:extLst>
           </p:cNvPr>
@@ -4625,68 +4523,44 @@
           <a:p>
             <a:r>
               <a:rPr lang="en-US" dirty="0"/>
-              <a:t>Training the Recommender – Methods </a:t>
-            </a:r>
-          </a:p>
-        </p:txBody>
-      </p:sp>
-      <p:sp>
-        <p:nvSpPr>
-          <p:cNvPr id="3" name="Content Placeholder 2">
-            <a:extLst>
-              <a:ext uri="{FF2B5EF4-FFF2-40B4-BE49-F238E27FC236}">
-                <a16:creationId xmlns:a16="http://schemas.microsoft.com/office/drawing/2014/main" id="{1611AF74-C2E1-0744-B8A2-2A5824923ED8}"/>
-              </a:ext>
-            </a:extLst>
-          </p:cNvPr>
-          <p:cNvSpPr>
-            <a:spLocks noGrp="1"/>
-          </p:cNvSpPr>
+              <a:t>Ratings</a:t>
+            </a:r>
+          </a:p>
+        </p:txBody>
+      </p:sp>
+      <p:pic>
+        <p:nvPicPr>
+          <p:cNvPr id="5" name="Content Placeholder 4">
+            <a:extLst>
+              <a:ext uri="{FF2B5EF4-FFF2-40B4-BE49-F238E27FC236}">
+                <a16:creationId xmlns:a16="http://schemas.microsoft.com/office/drawing/2014/main" id="{7753F380-B4B8-3A43-A1B2-28207CE99E5D}"/>
+              </a:ext>
+            </a:extLst>
+          </p:cNvPr>
+          <p:cNvPicPr>
+            <a:picLocks noGrp="1" noChangeAspect="1"/>
+          </p:cNvPicPr>
           <p:nvPr>
             <p:ph idx="1"/>
           </p:nvPr>
-        </p:nvSpPr>
-        <p:spPr/>
-        <p:txBody>
-          <a:bodyPr/>
-          <a:lstStyle/>
-          <a:p>
-            <a:r>
-              <a:rPr lang="en-US" dirty="0"/>
-              <a:t>Simple </a:t>
-            </a:r>
-          </a:p>
-          <a:p>
-            <a:pPr lvl="1"/>
-            <a:r>
-              <a:rPr lang="en-US" dirty="0"/>
-              <a:t>Mean of ratings</a:t>
-            </a:r>
-          </a:p>
-          <a:p>
-            <a:r>
-              <a:rPr lang="en-US" dirty="0"/>
-              <a:t>Random forest</a:t>
-            </a:r>
-          </a:p>
-          <a:p>
-            <a:r>
-              <a:rPr lang="en-US" dirty="0"/>
-              <a:t>Gradient booster</a:t>
-            </a:r>
-          </a:p>
-          <a:p>
-            <a:r>
-              <a:rPr lang="en-US" dirty="0"/>
-              <a:t>Linear regression</a:t>
-            </a:r>
-          </a:p>
-        </p:txBody>
-      </p:sp>
+        </p:nvPicPr>
+        <p:blipFill>
+          <a:blip r:embed="rId3"/>
+          <a:stretch>
+            <a:fillRect/>
+          </a:stretch>
+        </p:blipFill>
+        <p:spPr>
+          <a:xfrm>
+            <a:off x="3486150" y="1931194"/>
+            <a:ext cx="5219700" cy="4140200"/>
+          </a:xfrm>
+        </p:spPr>
+      </p:pic>
     </p:spTree>
     <p:extLst>
       <p:ext uri="{BB962C8B-B14F-4D97-AF65-F5344CB8AC3E}">
-        <p14:creationId xmlns:p14="http://schemas.microsoft.com/office/powerpoint/2010/main" val="2500669997"/>
+        <p14:creationId xmlns:p14="http://schemas.microsoft.com/office/powerpoint/2010/main" val="2096770488"/>
       </p:ext>
     </p:extLst>
   </p:cSld>
@@ -4718,6 +4592,668 @@
           <p:cNvPr id="2" name="Title 1">
             <a:extLst>
               <a:ext uri="{FF2B5EF4-FFF2-40B4-BE49-F238E27FC236}">
+                <a16:creationId xmlns:a16="http://schemas.microsoft.com/office/drawing/2014/main" id="{CF63BFB0-8CC6-414E-95B8-E9B6E633E58A}"/>
+              </a:ext>
+            </a:extLst>
+          </p:cNvPr>
+          <p:cNvSpPr>
+            <a:spLocks noGrp="1"/>
+          </p:cNvSpPr>
+          <p:nvPr>
+            <p:ph type="title"/>
+          </p:nvPr>
+        </p:nvSpPr>
+        <p:spPr/>
+        <p:txBody>
+          <a:bodyPr/>
+          <a:lstStyle/>
+          <a:p>
+            <a:r>
+              <a:rPr lang="en-US" dirty="0"/>
+              <a:t>Rated Movies</a:t>
+            </a:r>
+          </a:p>
+        </p:txBody>
+      </p:sp>
+      <p:sp>
+        <p:nvSpPr>
+          <p:cNvPr id="3" name="Content Placeholder 2">
+            <a:extLst>
+              <a:ext uri="{FF2B5EF4-FFF2-40B4-BE49-F238E27FC236}">
+                <a16:creationId xmlns:a16="http://schemas.microsoft.com/office/drawing/2014/main" id="{97894189-9421-2B4D-B668-3D1B83AA75D0}"/>
+              </a:ext>
+            </a:extLst>
+          </p:cNvPr>
+          <p:cNvSpPr>
+            <a:spLocks noGrp="1"/>
+          </p:cNvSpPr>
+          <p:nvPr>
+            <p:ph idx="1"/>
+          </p:nvPr>
+        </p:nvSpPr>
+        <p:spPr/>
+        <p:txBody>
+          <a:bodyPr/>
+          <a:lstStyle/>
+          <a:p>
+            <a:r>
+              <a:rPr lang="en-US" dirty="0">
+                <a:solidFill>
+                  <a:schemeClr val="bg1">
+                    <a:lumMod val="65000"/>
+                  </a:schemeClr>
+                </a:solidFill>
+              </a:rPr>
+              <a:t>Use IMDB rating system</a:t>
+            </a:r>
+          </a:p>
+          <a:p>
+            <a:pPr lvl="1"/>
+            <a:r>
+              <a:rPr lang="en-US" dirty="0">
+                <a:solidFill>
+                  <a:schemeClr val="bg1">
+                    <a:lumMod val="65000"/>
+                  </a:schemeClr>
+                </a:solidFill>
+              </a:rPr>
+              <a:t>Out of ten stars</a:t>
+            </a:r>
+          </a:p>
+          <a:p>
+            <a:r>
+              <a:rPr lang="en-US" dirty="0"/>
+              <a:t>Data also included genre of the film</a:t>
+            </a:r>
+          </a:p>
+        </p:txBody>
+      </p:sp>
+      <p:pic>
+        <p:nvPicPr>
+          <p:cNvPr id="6" name="Picture 5">
+            <a:extLst>
+              <a:ext uri="{FF2B5EF4-FFF2-40B4-BE49-F238E27FC236}">
+                <a16:creationId xmlns:a16="http://schemas.microsoft.com/office/drawing/2014/main" id="{3DCC1BD6-32CC-E943-9A6E-41298E7032EA}"/>
+              </a:ext>
+            </a:extLst>
+          </p:cNvPr>
+          <p:cNvPicPr>
+            <a:picLocks noChangeAspect="1"/>
+          </p:cNvPicPr>
+          <p:nvPr/>
+        </p:nvPicPr>
+        <p:blipFill rotWithShape="1">
+          <a:blip r:embed="rId2"/>
+          <a:srcRect r="81662"/>
+          <a:stretch/>
+        </p:blipFill>
+        <p:spPr>
+          <a:xfrm>
+            <a:off x="8511583" y="497436"/>
+            <a:ext cx="3023679" cy="1060940"/>
+          </a:xfrm>
+          <a:prstGeom prst="rect">
+            <a:avLst/>
+          </a:prstGeom>
+        </p:spPr>
+      </p:pic>
+    </p:spTree>
+    <p:extLst>
+      <p:ext uri="{BB962C8B-B14F-4D97-AF65-F5344CB8AC3E}">
+        <p14:creationId xmlns:p14="http://schemas.microsoft.com/office/powerpoint/2010/main" val="3217089134"/>
+      </p:ext>
+    </p:extLst>
+  </p:cSld>
+  <p:clrMapOvr>
+    <a:masterClrMapping/>
+  </p:clrMapOvr>
+</p:sld>
+</file>
+
+<file path=ppt/slides/slide12.xml><?xml version="1.0" encoding="utf-8"?>
+<p:sld xmlns:a="http://schemas.openxmlformats.org/drawingml/2006/main" xmlns:r="http://schemas.openxmlformats.org/officeDocument/2006/relationships" xmlns:p="http://schemas.openxmlformats.org/presentationml/2006/main">
+  <p:cSld>
+    <p:spTree>
+      <p:nvGrpSpPr>
+        <p:cNvPr id="1" name=""/>
+        <p:cNvGrpSpPr/>
+        <p:nvPr/>
+      </p:nvGrpSpPr>
+      <p:grpSpPr>
+        <a:xfrm>
+          <a:off x="0" y="0"/>
+          <a:ext cx="0" cy="0"/>
+          <a:chOff x="0" y="0"/>
+          <a:chExt cx="0" cy="0"/>
+        </a:xfrm>
+      </p:grpSpPr>
+      <p:sp>
+        <p:nvSpPr>
+          <p:cNvPr id="2" name="Title 1">
+            <a:extLst>
+              <a:ext uri="{FF2B5EF4-FFF2-40B4-BE49-F238E27FC236}">
+                <a16:creationId xmlns:a16="http://schemas.microsoft.com/office/drawing/2014/main" id="{7D739360-247B-F14B-BD26-68255C67ACAB}"/>
+              </a:ext>
+            </a:extLst>
+          </p:cNvPr>
+          <p:cNvSpPr>
+            <a:spLocks noGrp="1"/>
+          </p:cNvSpPr>
+          <p:nvPr>
+            <p:ph type="title"/>
+          </p:nvPr>
+        </p:nvSpPr>
+        <p:spPr/>
+        <p:txBody>
+          <a:bodyPr/>
+          <a:lstStyle/>
+          <a:p>
+            <a:r>
+              <a:rPr lang="en-US" dirty="0"/>
+              <a:t>Ratings by Genre</a:t>
+            </a:r>
+          </a:p>
+        </p:txBody>
+      </p:sp>
+      <p:pic>
+        <p:nvPicPr>
+          <p:cNvPr id="5" name="Content Placeholder 4">
+            <a:extLst>
+              <a:ext uri="{FF2B5EF4-FFF2-40B4-BE49-F238E27FC236}">
+                <a16:creationId xmlns:a16="http://schemas.microsoft.com/office/drawing/2014/main" id="{234CA692-9235-0043-863C-5D1E65470C06}"/>
+              </a:ext>
+            </a:extLst>
+          </p:cNvPr>
+          <p:cNvPicPr>
+            <a:picLocks noGrp="1" noChangeAspect="1"/>
+          </p:cNvPicPr>
+          <p:nvPr>
+            <p:ph idx="1"/>
+          </p:nvPr>
+        </p:nvPicPr>
+        <p:blipFill>
+          <a:blip r:embed="rId2"/>
+          <a:stretch>
+            <a:fillRect/>
+          </a:stretch>
+        </p:blipFill>
+        <p:spPr>
+          <a:xfrm>
+            <a:off x="3187700" y="1931194"/>
+            <a:ext cx="5816600" cy="4140200"/>
+          </a:xfrm>
+        </p:spPr>
+      </p:pic>
+    </p:spTree>
+    <p:extLst>
+      <p:ext uri="{BB962C8B-B14F-4D97-AF65-F5344CB8AC3E}">
+        <p14:creationId xmlns:p14="http://schemas.microsoft.com/office/powerpoint/2010/main" val="2649599306"/>
+      </p:ext>
+    </p:extLst>
+  </p:cSld>
+  <p:clrMapOvr>
+    <a:masterClrMapping/>
+  </p:clrMapOvr>
+</p:sld>
+</file>
+
+<file path=ppt/slides/slide13.xml><?xml version="1.0" encoding="utf-8"?>
+<p:sld xmlns:a="http://schemas.openxmlformats.org/drawingml/2006/main" xmlns:r="http://schemas.openxmlformats.org/officeDocument/2006/relationships" xmlns:p="http://schemas.openxmlformats.org/presentationml/2006/main">
+  <p:cSld>
+    <p:spTree>
+      <p:nvGrpSpPr>
+        <p:cNvPr id="1" name=""/>
+        <p:cNvGrpSpPr/>
+        <p:nvPr/>
+      </p:nvGrpSpPr>
+      <p:grpSpPr>
+        <a:xfrm>
+          <a:off x="0" y="0"/>
+          <a:ext cx="0" cy="0"/>
+          <a:chOff x="0" y="0"/>
+          <a:chExt cx="0" cy="0"/>
+        </a:xfrm>
+      </p:grpSpPr>
+      <p:sp>
+        <p:nvSpPr>
+          <p:cNvPr id="2" name="Title 1">
+            <a:extLst>
+              <a:ext uri="{FF2B5EF4-FFF2-40B4-BE49-F238E27FC236}">
+                <a16:creationId xmlns:a16="http://schemas.microsoft.com/office/drawing/2014/main" id="{CF63BFB0-8CC6-414E-95B8-E9B6E633E58A}"/>
+              </a:ext>
+            </a:extLst>
+          </p:cNvPr>
+          <p:cNvSpPr>
+            <a:spLocks noGrp="1"/>
+          </p:cNvSpPr>
+          <p:nvPr>
+            <p:ph type="title"/>
+          </p:nvPr>
+        </p:nvSpPr>
+        <p:spPr/>
+        <p:txBody>
+          <a:bodyPr/>
+          <a:lstStyle/>
+          <a:p>
+            <a:r>
+              <a:rPr lang="en-US" dirty="0"/>
+              <a:t>Rated Movies</a:t>
+            </a:r>
+          </a:p>
+        </p:txBody>
+      </p:sp>
+      <p:sp>
+        <p:nvSpPr>
+          <p:cNvPr id="3" name="Content Placeholder 2">
+            <a:extLst>
+              <a:ext uri="{FF2B5EF4-FFF2-40B4-BE49-F238E27FC236}">
+                <a16:creationId xmlns:a16="http://schemas.microsoft.com/office/drawing/2014/main" id="{97894189-9421-2B4D-B668-3D1B83AA75D0}"/>
+              </a:ext>
+            </a:extLst>
+          </p:cNvPr>
+          <p:cNvSpPr>
+            <a:spLocks noGrp="1"/>
+          </p:cNvSpPr>
+          <p:nvPr>
+            <p:ph idx="1"/>
+          </p:nvPr>
+        </p:nvSpPr>
+        <p:spPr/>
+        <p:txBody>
+          <a:bodyPr/>
+          <a:lstStyle/>
+          <a:p>
+            <a:r>
+              <a:rPr lang="en-US" dirty="0">
+                <a:solidFill>
+                  <a:schemeClr val="bg1">
+                    <a:lumMod val="65000"/>
+                  </a:schemeClr>
+                </a:solidFill>
+              </a:rPr>
+              <a:t>Use IMDB rating system</a:t>
+            </a:r>
+          </a:p>
+          <a:p>
+            <a:pPr lvl="1"/>
+            <a:r>
+              <a:rPr lang="en-US" dirty="0">
+                <a:solidFill>
+                  <a:schemeClr val="bg1">
+                    <a:lumMod val="65000"/>
+                  </a:schemeClr>
+                </a:solidFill>
+              </a:rPr>
+              <a:t>Out of ten stars</a:t>
+            </a:r>
+          </a:p>
+          <a:p>
+            <a:r>
+              <a:rPr lang="en-US" dirty="0">
+                <a:solidFill>
+                  <a:schemeClr val="bg1">
+                    <a:lumMod val="65000"/>
+                  </a:schemeClr>
+                </a:solidFill>
+              </a:rPr>
+              <a:t>Data also included genre of the film</a:t>
+            </a:r>
+          </a:p>
+          <a:p>
+            <a:r>
+              <a:rPr lang="en-US" dirty="0"/>
+              <a:t>Came in multiple files </a:t>
+            </a:r>
+          </a:p>
+          <a:p>
+            <a:pPr lvl="1"/>
+            <a:r>
+              <a:rPr lang="en-US" dirty="0"/>
+              <a:t>Join files to get genre, movie name, and ratings</a:t>
+            </a:r>
+          </a:p>
+          <a:p>
+            <a:r>
+              <a:rPr lang="en-US" dirty="0"/>
+              <a:t>Convert genres into “bag-of-words”</a:t>
+            </a:r>
+          </a:p>
+          <a:p>
+            <a:pPr lvl="1"/>
+            <a:r>
+              <a:rPr lang="en-US" dirty="0"/>
+              <a:t>Add the genres to the “bag-of-words” from the scripts</a:t>
+            </a:r>
+          </a:p>
+        </p:txBody>
+      </p:sp>
+      <p:pic>
+        <p:nvPicPr>
+          <p:cNvPr id="6" name="Picture 5">
+            <a:extLst>
+              <a:ext uri="{FF2B5EF4-FFF2-40B4-BE49-F238E27FC236}">
+                <a16:creationId xmlns:a16="http://schemas.microsoft.com/office/drawing/2014/main" id="{3DCC1BD6-32CC-E943-9A6E-41298E7032EA}"/>
+              </a:ext>
+            </a:extLst>
+          </p:cNvPr>
+          <p:cNvPicPr>
+            <a:picLocks noChangeAspect="1"/>
+          </p:cNvPicPr>
+          <p:nvPr/>
+        </p:nvPicPr>
+        <p:blipFill rotWithShape="1">
+          <a:blip r:embed="rId2"/>
+          <a:srcRect r="81662"/>
+          <a:stretch/>
+        </p:blipFill>
+        <p:spPr>
+          <a:xfrm>
+            <a:off x="8511583" y="497436"/>
+            <a:ext cx="3023679" cy="1060940"/>
+          </a:xfrm>
+          <a:prstGeom prst="rect">
+            <a:avLst/>
+          </a:prstGeom>
+        </p:spPr>
+      </p:pic>
+    </p:spTree>
+    <p:extLst>
+      <p:ext uri="{BB962C8B-B14F-4D97-AF65-F5344CB8AC3E}">
+        <p14:creationId xmlns:p14="http://schemas.microsoft.com/office/powerpoint/2010/main" val="4254394377"/>
+      </p:ext>
+    </p:extLst>
+  </p:cSld>
+  <p:clrMapOvr>
+    <a:masterClrMapping/>
+  </p:clrMapOvr>
+</p:sld>
+</file>
+
+<file path=ppt/slides/slide14.xml><?xml version="1.0" encoding="utf-8"?>
+<p:sld xmlns:a="http://schemas.openxmlformats.org/drawingml/2006/main" xmlns:r="http://schemas.openxmlformats.org/officeDocument/2006/relationships" xmlns:p="http://schemas.openxmlformats.org/presentationml/2006/main">
+  <p:cSld>
+    <p:spTree>
+      <p:nvGrpSpPr>
+        <p:cNvPr id="1" name=""/>
+        <p:cNvGrpSpPr/>
+        <p:nvPr/>
+      </p:nvGrpSpPr>
+      <p:grpSpPr>
+        <a:xfrm>
+          <a:off x="0" y="0"/>
+          <a:ext cx="0" cy="0"/>
+          <a:chOff x="0" y="0"/>
+          <a:chExt cx="0" cy="0"/>
+        </a:xfrm>
+      </p:grpSpPr>
+      <p:sp>
+        <p:nvSpPr>
+          <p:cNvPr id="2" name="Title 1">
+            <a:extLst>
+              <a:ext uri="{FF2B5EF4-FFF2-40B4-BE49-F238E27FC236}">
+                <a16:creationId xmlns:a16="http://schemas.microsoft.com/office/drawing/2014/main" id="{16D01C5D-C789-4548-A676-B078EF0EFD25}"/>
+              </a:ext>
+            </a:extLst>
+          </p:cNvPr>
+          <p:cNvSpPr>
+            <a:spLocks noGrp="1"/>
+          </p:cNvSpPr>
+          <p:nvPr>
+            <p:ph type="title"/>
+          </p:nvPr>
+        </p:nvSpPr>
+        <p:spPr/>
+        <p:txBody>
+          <a:bodyPr/>
+          <a:lstStyle/>
+          <a:p>
+            <a:r>
+              <a:rPr lang="en-US" dirty="0"/>
+              <a:t>Data for the Recommender</a:t>
+            </a:r>
+          </a:p>
+        </p:txBody>
+      </p:sp>
+      <p:sp>
+        <p:nvSpPr>
+          <p:cNvPr id="3" name="Content Placeholder 2">
+            <a:extLst>
+              <a:ext uri="{FF2B5EF4-FFF2-40B4-BE49-F238E27FC236}">
+                <a16:creationId xmlns:a16="http://schemas.microsoft.com/office/drawing/2014/main" id="{4BB727B6-AC4F-3441-AB99-D0B4418F9219}"/>
+              </a:ext>
+            </a:extLst>
+          </p:cNvPr>
+          <p:cNvSpPr>
+            <a:spLocks noGrp="1"/>
+          </p:cNvSpPr>
+          <p:nvPr>
+            <p:ph idx="1"/>
+          </p:nvPr>
+        </p:nvSpPr>
+        <p:spPr/>
+        <p:txBody>
+          <a:bodyPr>
+            <a:normAutofit lnSpcReduction="10000"/>
+          </a:bodyPr>
+          <a:lstStyle/>
+          <a:p>
+            <a:r>
+              <a:rPr lang="en-US" dirty="0"/>
+              <a:t>Features</a:t>
+            </a:r>
+          </a:p>
+          <a:p>
+            <a:pPr lvl="1"/>
+            <a:r>
+              <a:rPr lang="en-US" dirty="0"/>
+              <a:t>Bag-of-words</a:t>
+            </a:r>
+          </a:p>
+          <a:p>
+            <a:pPr lvl="2"/>
+            <a:r>
+              <a:rPr lang="en-US" dirty="0"/>
+              <a:t>Over 6000 words, including genres</a:t>
+            </a:r>
+          </a:p>
+          <a:p>
+            <a:r>
+              <a:rPr lang="en-US" dirty="0"/>
+              <a:t>Cull features</a:t>
+            </a:r>
+          </a:p>
+          <a:p>
+            <a:pPr lvl="1"/>
+            <a:r>
+              <a:rPr lang="en-US" dirty="0"/>
+              <a:t>SVD </a:t>
+            </a:r>
+          </a:p>
+          <a:p>
+            <a:pPr lvl="1"/>
+            <a:r>
+              <a:rPr lang="en-US" dirty="0"/>
+              <a:t>27 features</a:t>
+            </a:r>
+          </a:p>
+          <a:p>
+            <a:pPr lvl="2"/>
+            <a:r>
+              <a:rPr lang="en-US" dirty="0"/>
+              <a:t>Have about 700 scripts; 27 is approximately the square root of 700</a:t>
+            </a:r>
+          </a:p>
+          <a:p>
+            <a:endParaRPr lang="en-US" dirty="0"/>
+          </a:p>
+          <a:p>
+            <a:r>
+              <a:rPr lang="en-US" dirty="0"/>
+              <a:t>Predicted variable</a:t>
+            </a:r>
+          </a:p>
+          <a:p>
+            <a:pPr lvl="1"/>
+            <a:r>
+              <a:rPr lang="en-US" dirty="0"/>
+              <a:t>Need integer ratings</a:t>
+            </a:r>
+          </a:p>
+          <a:p>
+            <a:pPr lvl="2"/>
+            <a:r>
+              <a:rPr lang="en-US" dirty="0"/>
+              <a:t>Multiply original ratings by 10 to get integers</a:t>
+            </a:r>
+          </a:p>
+        </p:txBody>
+      </p:sp>
+    </p:spTree>
+    <p:extLst>
+      <p:ext uri="{BB962C8B-B14F-4D97-AF65-F5344CB8AC3E}">
+        <p14:creationId xmlns:p14="http://schemas.microsoft.com/office/powerpoint/2010/main" val="469771953"/>
+      </p:ext>
+    </p:extLst>
+  </p:cSld>
+  <p:clrMapOvr>
+    <a:masterClrMapping/>
+  </p:clrMapOvr>
+</p:sld>
+</file>
+
+<file path=ppt/slides/slide15.xml><?xml version="1.0" encoding="utf-8"?>
+<p:sld xmlns:a="http://schemas.openxmlformats.org/drawingml/2006/main" xmlns:r="http://schemas.openxmlformats.org/officeDocument/2006/relationships" xmlns:p="http://schemas.openxmlformats.org/presentationml/2006/main">
+  <p:cSld>
+    <p:spTree>
+      <p:nvGrpSpPr>
+        <p:cNvPr id="1" name=""/>
+        <p:cNvGrpSpPr/>
+        <p:nvPr/>
+      </p:nvGrpSpPr>
+      <p:grpSpPr>
+        <a:xfrm>
+          <a:off x="0" y="0"/>
+          <a:ext cx="0" cy="0"/>
+          <a:chOff x="0" y="0"/>
+          <a:chExt cx="0" cy="0"/>
+        </a:xfrm>
+      </p:grpSpPr>
+      <p:sp>
+        <p:nvSpPr>
+          <p:cNvPr id="2" name="Title 1">
+            <a:extLst>
+              <a:ext uri="{FF2B5EF4-FFF2-40B4-BE49-F238E27FC236}">
+                <a16:creationId xmlns:a16="http://schemas.microsoft.com/office/drawing/2014/main" id="{34583487-F626-6C49-B828-3FC32D389BA8}"/>
+              </a:ext>
+            </a:extLst>
+          </p:cNvPr>
+          <p:cNvSpPr>
+            <a:spLocks noGrp="1"/>
+          </p:cNvSpPr>
+          <p:nvPr>
+            <p:ph type="title"/>
+          </p:nvPr>
+        </p:nvSpPr>
+        <p:spPr/>
+        <p:txBody>
+          <a:bodyPr/>
+          <a:lstStyle/>
+          <a:p>
+            <a:r>
+              <a:rPr lang="en-US" dirty="0"/>
+              <a:t>Training the Recommender – Methods </a:t>
+            </a:r>
+          </a:p>
+        </p:txBody>
+      </p:sp>
+      <p:sp>
+        <p:nvSpPr>
+          <p:cNvPr id="3" name="Content Placeholder 2">
+            <a:extLst>
+              <a:ext uri="{FF2B5EF4-FFF2-40B4-BE49-F238E27FC236}">
+                <a16:creationId xmlns:a16="http://schemas.microsoft.com/office/drawing/2014/main" id="{1611AF74-C2E1-0744-B8A2-2A5824923ED8}"/>
+              </a:ext>
+            </a:extLst>
+          </p:cNvPr>
+          <p:cNvSpPr>
+            <a:spLocks noGrp="1"/>
+          </p:cNvSpPr>
+          <p:nvPr>
+            <p:ph idx="1"/>
+          </p:nvPr>
+        </p:nvSpPr>
+        <p:spPr/>
+        <p:txBody>
+          <a:bodyPr/>
+          <a:lstStyle/>
+          <a:p>
+            <a:r>
+              <a:rPr lang="en-US" dirty="0"/>
+              <a:t>Simple </a:t>
+            </a:r>
+          </a:p>
+          <a:p>
+            <a:pPr lvl="1"/>
+            <a:r>
+              <a:rPr lang="en-US" dirty="0"/>
+              <a:t>Mean of ratings</a:t>
+            </a:r>
+          </a:p>
+          <a:p>
+            <a:r>
+              <a:rPr lang="en-US" dirty="0"/>
+              <a:t>Random forest</a:t>
+            </a:r>
+          </a:p>
+          <a:p>
+            <a:r>
+              <a:rPr lang="en-US" dirty="0"/>
+              <a:t>Gradient booster</a:t>
+            </a:r>
+          </a:p>
+          <a:p>
+            <a:r>
+              <a:rPr lang="en-US" dirty="0"/>
+              <a:t>Linear regression</a:t>
+            </a:r>
+          </a:p>
+        </p:txBody>
+      </p:sp>
+    </p:spTree>
+    <p:extLst>
+      <p:ext uri="{BB962C8B-B14F-4D97-AF65-F5344CB8AC3E}">
+        <p14:creationId xmlns:p14="http://schemas.microsoft.com/office/powerpoint/2010/main" val="2500669997"/>
+      </p:ext>
+    </p:extLst>
+  </p:cSld>
+  <p:clrMapOvr>
+    <a:masterClrMapping/>
+  </p:clrMapOvr>
+</p:sld>
+</file>
+
+<file path=ppt/slides/slide16.xml><?xml version="1.0" encoding="utf-8"?>
+<p:sld xmlns:a="http://schemas.openxmlformats.org/drawingml/2006/main" xmlns:r="http://schemas.openxmlformats.org/officeDocument/2006/relationships" xmlns:p="http://schemas.openxmlformats.org/presentationml/2006/main">
+  <p:cSld>
+    <p:spTree>
+      <p:nvGrpSpPr>
+        <p:cNvPr id="1" name=""/>
+        <p:cNvGrpSpPr/>
+        <p:nvPr/>
+      </p:nvGrpSpPr>
+      <p:grpSpPr>
+        <a:xfrm>
+          <a:off x="0" y="0"/>
+          <a:ext cx="0" cy="0"/>
+          <a:chOff x="0" y="0"/>
+          <a:chExt cx="0" cy="0"/>
+        </a:xfrm>
+      </p:grpSpPr>
+      <p:sp>
+        <p:nvSpPr>
+          <p:cNvPr id="2" name="Title 1">
+            <a:extLst>
+              <a:ext uri="{FF2B5EF4-FFF2-40B4-BE49-F238E27FC236}">
                 <a16:creationId xmlns:a16="http://schemas.microsoft.com/office/drawing/2014/main" id="{09AD6EE7-3BFB-D24E-BA9A-172C375DE344}"/>
               </a:ext>
             </a:extLst>
@@ -4789,7 +5325,7 @@
 </p:sld>
 </file>
 
-<file path=ppt/slides/slide12.xml><?xml version="1.0" encoding="utf-8"?>
+<file path=ppt/slides/slide17.xml><?xml version="1.0" encoding="utf-8"?>
 <p:sld xmlns:a="http://schemas.openxmlformats.org/drawingml/2006/main" xmlns:r="http://schemas.openxmlformats.org/officeDocument/2006/relationships" xmlns:p="http://schemas.openxmlformats.org/presentationml/2006/main">
   <p:cSld>
     <p:spTree>
@@ -4876,7 +5412,7 @@
 </p:sld>
 </file>
 
-<file path=ppt/slides/slide13.xml><?xml version="1.0" encoding="utf-8"?>
+<file path=ppt/slides/slide18.xml><?xml version="1.0" encoding="utf-8"?>
 <p:sld xmlns:a="http://schemas.openxmlformats.org/drawingml/2006/main" xmlns:r="http://schemas.openxmlformats.org/officeDocument/2006/relationships" xmlns:p="http://schemas.openxmlformats.org/presentationml/2006/main">
   <p:cSld>
     <p:spTree>
@@ -4916,7 +5452,7 @@
           <a:p>
             <a:r>
               <a:rPr lang="en-US" dirty="0"/>
-              <a:t>Limiting the Features</a:t>
+              <a:t>Limiting the Features Again</a:t>
             </a:r>
           </a:p>
         </p:txBody>
@@ -5042,7 +5578,7 @@
 </p:sld>
 </file>
 
-<file path=ppt/slides/slide14.xml><?xml version="1.0" encoding="utf-8"?>
+<file path=ppt/slides/slide19.xml><?xml version="1.0" encoding="utf-8"?>
 <p:sld xmlns:a="http://schemas.openxmlformats.org/drawingml/2006/main" xmlns:r="http://schemas.openxmlformats.org/officeDocument/2006/relationships" xmlns:p="http://schemas.openxmlformats.org/presentationml/2006/main">
   <p:cSld>
     <p:spTree>
@@ -5120,485 +5656,6 @@
     <p:extLst>
       <p:ext uri="{BB962C8B-B14F-4D97-AF65-F5344CB8AC3E}">
         <p14:creationId xmlns:p14="http://schemas.microsoft.com/office/powerpoint/2010/main" val="1023257774"/>
-      </p:ext>
-    </p:extLst>
-  </p:cSld>
-  <p:clrMapOvr>
-    <a:masterClrMapping/>
-  </p:clrMapOvr>
-</p:sld>
-</file>
-
-<file path=ppt/slides/slide15.xml><?xml version="1.0" encoding="utf-8"?>
-<p:sld xmlns:a="http://schemas.openxmlformats.org/drawingml/2006/main" xmlns:r="http://schemas.openxmlformats.org/officeDocument/2006/relationships" xmlns:p="http://schemas.openxmlformats.org/presentationml/2006/main">
-  <p:cSld>
-    <p:spTree>
-      <p:nvGrpSpPr>
-        <p:cNvPr id="1" name=""/>
-        <p:cNvGrpSpPr/>
-        <p:nvPr/>
-      </p:nvGrpSpPr>
-      <p:grpSpPr>
-        <a:xfrm>
-          <a:off x="0" y="0"/>
-          <a:ext cx="0" cy="0"/>
-          <a:chOff x="0" y="0"/>
-          <a:chExt cx="0" cy="0"/>
-        </a:xfrm>
-      </p:grpSpPr>
-      <p:sp>
-        <p:nvSpPr>
-          <p:cNvPr id="2" name="Title 1">
-            <a:extLst>
-              <a:ext uri="{FF2B5EF4-FFF2-40B4-BE49-F238E27FC236}">
-                <a16:creationId xmlns:a16="http://schemas.microsoft.com/office/drawing/2014/main" id="{590FCA8D-0E7E-9946-B228-F3DA7110BDFA}"/>
-              </a:ext>
-            </a:extLst>
-          </p:cNvPr>
-          <p:cNvSpPr>
-            <a:spLocks noGrp="1"/>
-          </p:cNvSpPr>
-          <p:nvPr>
-            <p:ph type="title"/>
-          </p:nvPr>
-        </p:nvSpPr>
-        <p:spPr/>
-        <p:txBody>
-          <a:bodyPr/>
-          <a:lstStyle/>
-          <a:p>
-            <a:r>
-              <a:rPr lang="en-US" dirty="0"/>
-              <a:t>Recommendations</a:t>
-            </a:r>
-          </a:p>
-        </p:txBody>
-      </p:sp>
-      <p:sp>
-        <p:nvSpPr>
-          <p:cNvPr id="3" name="Content Placeholder 2">
-            <a:extLst>
-              <a:ext uri="{FF2B5EF4-FFF2-40B4-BE49-F238E27FC236}">
-                <a16:creationId xmlns:a16="http://schemas.microsoft.com/office/drawing/2014/main" id="{BAC5B1DC-3B73-E24F-ACCE-BCC26E1ABE23}"/>
-              </a:ext>
-            </a:extLst>
-          </p:cNvPr>
-          <p:cNvSpPr>
-            <a:spLocks noGrp="1"/>
-          </p:cNvSpPr>
-          <p:nvPr>
-            <p:ph idx="1"/>
-          </p:nvPr>
-        </p:nvSpPr>
-        <p:spPr/>
-        <p:txBody>
-          <a:bodyPr/>
-          <a:lstStyle/>
-          <a:p>
-            <a:r>
-              <a:rPr lang="en-US" dirty="0"/>
-              <a:t>Don’t make a horror movie</a:t>
-            </a:r>
-          </a:p>
-          <a:p>
-            <a:r>
-              <a:rPr lang="en-US" dirty="0"/>
-              <a:t>Consider adventure movies or westerns</a:t>
-            </a:r>
-          </a:p>
-          <a:p>
-            <a:r>
-              <a:rPr lang="en-US" dirty="0"/>
-              <a:t>Don’t make a musical until we figure out the difference between “music” and “musical” as a genre</a:t>
-            </a:r>
-          </a:p>
-        </p:txBody>
-      </p:sp>
-    </p:spTree>
-    <p:extLst>
-      <p:ext uri="{BB962C8B-B14F-4D97-AF65-F5344CB8AC3E}">
-        <p14:creationId xmlns:p14="http://schemas.microsoft.com/office/powerpoint/2010/main" val="29825846"/>
-      </p:ext>
-    </p:extLst>
-  </p:cSld>
-  <p:clrMapOvr>
-    <a:masterClrMapping/>
-  </p:clrMapOvr>
-</p:sld>
-</file>
-
-<file path=ppt/slides/slide16.xml><?xml version="1.0" encoding="utf-8"?>
-<p:sld xmlns:a="http://schemas.openxmlformats.org/drawingml/2006/main" xmlns:r="http://schemas.openxmlformats.org/officeDocument/2006/relationships" xmlns:p="http://schemas.openxmlformats.org/presentationml/2006/main">
-  <p:cSld>
-    <p:spTree>
-      <p:nvGrpSpPr>
-        <p:cNvPr id="1" name=""/>
-        <p:cNvGrpSpPr/>
-        <p:nvPr/>
-      </p:nvGrpSpPr>
-      <p:grpSpPr>
-        <a:xfrm>
-          <a:off x="0" y="0"/>
-          <a:ext cx="0" cy="0"/>
-          <a:chOff x="0" y="0"/>
-          <a:chExt cx="0" cy="0"/>
-        </a:xfrm>
-      </p:grpSpPr>
-      <p:sp>
-        <p:nvSpPr>
-          <p:cNvPr id="2" name="Title 1">
-            <a:extLst>
-              <a:ext uri="{FF2B5EF4-FFF2-40B4-BE49-F238E27FC236}">
-                <a16:creationId xmlns:a16="http://schemas.microsoft.com/office/drawing/2014/main" id="{2DD4E854-6E07-4C4A-8CE0-2FF8979A0FF9}"/>
-              </a:ext>
-            </a:extLst>
-          </p:cNvPr>
-          <p:cNvSpPr>
-            <a:spLocks noGrp="1"/>
-          </p:cNvSpPr>
-          <p:nvPr>
-            <p:ph type="title"/>
-          </p:nvPr>
-        </p:nvSpPr>
-        <p:spPr/>
-        <p:txBody>
-          <a:bodyPr/>
-          <a:lstStyle/>
-          <a:p>
-            <a:r>
-              <a:rPr lang="en-US" dirty="0"/>
-              <a:t>Future Work</a:t>
-            </a:r>
-          </a:p>
-        </p:txBody>
-      </p:sp>
-      <p:sp>
-        <p:nvSpPr>
-          <p:cNvPr id="3" name="Content Placeholder 2">
-            <a:extLst>
-              <a:ext uri="{FF2B5EF4-FFF2-40B4-BE49-F238E27FC236}">
-                <a16:creationId xmlns:a16="http://schemas.microsoft.com/office/drawing/2014/main" id="{001D9037-CDAB-FB49-93FD-23A6B4ADF8B0}"/>
-              </a:ext>
-            </a:extLst>
-          </p:cNvPr>
-          <p:cNvSpPr>
-            <a:spLocks noGrp="1"/>
-          </p:cNvSpPr>
-          <p:nvPr>
-            <p:ph idx="1"/>
-          </p:nvPr>
-        </p:nvSpPr>
-        <p:spPr/>
-        <p:txBody>
-          <a:bodyPr/>
-          <a:lstStyle/>
-          <a:p>
-            <a:r>
-              <a:rPr lang="en-US" dirty="0"/>
-              <a:t>More scripts</a:t>
-            </a:r>
-          </a:p>
-          <a:p>
-            <a:pPr lvl="1"/>
-            <a:r>
-              <a:rPr lang="en-US" dirty="0"/>
-              <a:t>Only through 2009</a:t>
-            </a:r>
-          </a:p>
-          <a:p>
-            <a:r>
-              <a:rPr lang="en-US" dirty="0"/>
-              <a:t>Determine difference between “music” and “musical” as genres</a:t>
-            </a:r>
-          </a:p>
-          <a:p>
-            <a:r>
-              <a:rPr lang="en-US" dirty="0"/>
-              <a:t>Other rating systems</a:t>
-            </a:r>
-          </a:p>
-          <a:p>
-            <a:pPr lvl="1"/>
-            <a:r>
-              <a:rPr lang="en-US" dirty="0"/>
-              <a:t>Rotten Tomatoes</a:t>
-            </a:r>
-          </a:p>
-          <a:p>
-            <a:pPr lvl="1"/>
-            <a:r>
-              <a:rPr lang="en-US" dirty="0"/>
-              <a:t>Amazon</a:t>
-            </a:r>
-          </a:p>
-        </p:txBody>
-      </p:sp>
-    </p:spTree>
-    <p:extLst>
-      <p:ext uri="{BB962C8B-B14F-4D97-AF65-F5344CB8AC3E}">
-        <p14:creationId xmlns:p14="http://schemas.microsoft.com/office/powerpoint/2010/main" val="2102919503"/>
-      </p:ext>
-    </p:extLst>
-  </p:cSld>
-  <p:clrMapOvr>
-    <a:masterClrMapping/>
-  </p:clrMapOvr>
-</p:sld>
-</file>
-
-<file path=ppt/slides/slide17.xml><?xml version="1.0" encoding="utf-8"?>
-<p:sld xmlns:a="http://schemas.openxmlformats.org/drawingml/2006/main" xmlns:r="http://schemas.openxmlformats.org/officeDocument/2006/relationships" xmlns:p="http://schemas.openxmlformats.org/presentationml/2006/main">
-  <p:cSld>
-    <p:spTree>
-      <p:nvGrpSpPr>
-        <p:cNvPr id="1" name=""/>
-        <p:cNvGrpSpPr/>
-        <p:nvPr/>
-      </p:nvGrpSpPr>
-      <p:grpSpPr>
-        <a:xfrm>
-          <a:off x="0" y="0"/>
-          <a:ext cx="0" cy="0"/>
-          <a:chOff x="0" y="0"/>
-          <a:chExt cx="0" cy="0"/>
-        </a:xfrm>
-      </p:grpSpPr>
-      <p:sp>
-        <p:nvSpPr>
-          <p:cNvPr id="4" name="Title 3">
-            <a:extLst>
-              <a:ext uri="{FF2B5EF4-FFF2-40B4-BE49-F238E27FC236}">
-                <a16:creationId xmlns:a16="http://schemas.microsoft.com/office/drawing/2014/main" id="{9B73AF21-F287-AE41-8891-1FB58036045F}"/>
-              </a:ext>
-            </a:extLst>
-          </p:cNvPr>
-          <p:cNvSpPr>
-            <a:spLocks noGrp="1"/>
-          </p:cNvSpPr>
-          <p:nvPr>
-            <p:ph type="ctrTitle"/>
-          </p:nvPr>
-        </p:nvSpPr>
-        <p:spPr/>
-        <p:txBody>
-          <a:bodyPr/>
-          <a:lstStyle/>
-          <a:p>
-            <a:r>
-              <a:rPr lang="en-US" dirty="0"/>
-              <a:t>Any Questions?</a:t>
-            </a:r>
-          </a:p>
-        </p:txBody>
-      </p:sp>
-      <p:sp>
-        <p:nvSpPr>
-          <p:cNvPr id="5" name="Subtitle 4">
-            <a:extLst>
-              <a:ext uri="{FF2B5EF4-FFF2-40B4-BE49-F238E27FC236}">
-                <a16:creationId xmlns:a16="http://schemas.microsoft.com/office/drawing/2014/main" id="{C65A8301-556D-594B-B180-5AB7408F0A09}"/>
-              </a:ext>
-            </a:extLst>
-          </p:cNvPr>
-          <p:cNvSpPr>
-            <a:spLocks noGrp="1"/>
-          </p:cNvSpPr>
-          <p:nvPr>
-            <p:ph type="subTitle" idx="1"/>
-          </p:nvPr>
-        </p:nvSpPr>
-        <p:spPr/>
-        <p:txBody>
-          <a:bodyPr/>
-          <a:lstStyle/>
-          <a:p>
-            <a:endParaRPr lang="en-US"/>
-          </a:p>
-        </p:txBody>
-      </p:sp>
-    </p:spTree>
-    <p:extLst>
-      <p:ext uri="{BB962C8B-B14F-4D97-AF65-F5344CB8AC3E}">
-        <p14:creationId xmlns:p14="http://schemas.microsoft.com/office/powerpoint/2010/main" val="99585284"/>
-      </p:ext>
-    </p:extLst>
-  </p:cSld>
-  <p:clrMapOvr>
-    <a:masterClrMapping/>
-  </p:clrMapOvr>
-</p:sld>
-</file>
-
-<file path=ppt/slides/slide18.xml><?xml version="1.0" encoding="utf-8"?>
-<p:sld xmlns:a="http://schemas.openxmlformats.org/drawingml/2006/main" xmlns:r="http://schemas.openxmlformats.org/officeDocument/2006/relationships" xmlns:p="http://schemas.openxmlformats.org/presentationml/2006/main">
-  <p:cSld>
-    <p:spTree>
-      <p:nvGrpSpPr>
-        <p:cNvPr id="1" name=""/>
-        <p:cNvGrpSpPr/>
-        <p:nvPr/>
-      </p:nvGrpSpPr>
-      <p:grpSpPr>
-        <a:xfrm>
-          <a:off x="0" y="0"/>
-          <a:ext cx="0" cy="0"/>
-          <a:chOff x="0" y="0"/>
-          <a:chExt cx="0" cy="0"/>
-        </a:xfrm>
-      </p:grpSpPr>
-      <p:sp>
-        <p:nvSpPr>
-          <p:cNvPr id="2" name="Title 1">
-            <a:extLst>
-              <a:ext uri="{FF2B5EF4-FFF2-40B4-BE49-F238E27FC236}">
-                <a16:creationId xmlns:a16="http://schemas.microsoft.com/office/drawing/2014/main" id="{56544FBA-6F32-1C49-AD63-798FA75BCA5E}"/>
-              </a:ext>
-            </a:extLst>
-          </p:cNvPr>
-          <p:cNvSpPr>
-            <a:spLocks noGrp="1"/>
-          </p:cNvSpPr>
-          <p:nvPr>
-            <p:ph type="title"/>
-          </p:nvPr>
-        </p:nvSpPr>
-        <p:spPr/>
-        <p:txBody>
-          <a:bodyPr/>
-          <a:lstStyle/>
-          <a:p>
-            <a:r>
-              <a:rPr lang="en-US" dirty="0"/>
-              <a:t>Word Recurrences Across Scripts</a:t>
-            </a:r>
-          </a:p>
-        </p:txBody>
-      </p:sp>
-      <p:pic>
-        <p:nvPicPr>
-          <p:cNvPr id="5" name="Content Placeholder 4">
-            <a:extLst>
-              <a:ext uri="{FF2B5EF4-FFF2-40B4-BE49-F238E27FC236}">
-                <a16:creationId xmlns:a16="http://schemas.microsoft.com/office/drawing/2014/main" id="{5DE3B4E1-467A-8548-B913-7C084B95E12A}"/>
-              </a:ext>
-            </a:extLst>
-          </p:cNvPr>
-          <p:cNvPicPr>
-            <a:picLocks noGrp="1" noChangeAspect="1"/>
-          </p:cNvPicPr>
-          <p:nvPr>
-            <p:ph idx="1"/>
-          </p:nvPr>
-        </p:nvPicPr>
-        <p:blipFill>
-          <a:blip r:embed="rId3"/>
-          <a:stretch>
-            <a:fillRect/>
-          </a:stretch>
-        </p:blipFill>
-        <p:spPr>
-          <a:xfrm>
-            <a:off x="3448050" y="1931194"/>
-            <a:ext cx="5295900" cy="4140200"/>
-          </a:xfrm>
-        </p:spPr>
-      </p:pic>
-    </p:spTree>
-    <p:extLst>
-      <p:ext uri="{BB962C8B-B14F-4D97-AF65-F5344CB8AC3E}">
-        <p14:creationId xmlns:p14="http://schemas.microsoft.com/office/powerpoint/2010/main" val="2502537469"/>
-      </p:ext>
-    </p:extLst>
-  </p:cSld>
-  <p:clrMapOvr>
-    <a:masterClrMapping/>
-  </p:clrMapOvr>
-</p:sld>
-</file>
-
-<file path=ppt/slides/slide19.xml><?xml version="1.0" encoding="utf-8"?>
-<p:sld xmlns:a="http://schemas.openxmlformats.org/drawingml/2006/main" xmlns:r="http://schemas.openxmlformats.org/officeDocument/2006/relationships" xmlns:p="http://schemas.openxmlformats.org/presentationml/2006/main">
-  <p:cSld>
-    <p:spTree>
-      <p:nvGrpSpPr>
-        <p:cNvPr id="1" name=""/>
-        <p:cNvGrpSpPr/>
-        <p:nvPr/>
-      </p:nvGrpSpPr>
-      <p:grpSpPr>
-        <a:xfrm>
-          <a:off x="0" y="0"/>
-          <a:ext cx="0" cy="0"/>
-          <a:chOff x="0" y="0"/>
-          <a:chExt cx="0" cy="0"/>
-        </a:xfrm>
-      </p:grpSpPr>
-      <p:sp>
-        <p:nvSpPr>
-          <p:cNvPr id="2" name="Title 1">
-            <a:extLst>
-              <a:ext uri="{FF2B5EF4-FFF2-40B4-BE49-F238E27FC236}">
-                <a16:creationId xmlns:a16="http://schemas.microsoft.com/office/drawing/2014/main" id="{AA3306EC-BD9D-AE4A-BB2B-632681034638}"/>
-              </a:ext>
-            </a:extLst>
-          </p:cNvPr>
-          <p:cNvSpPr>
-            <a:spLocks noGrp="1"/>
-          </p:cNvSpPr>
-          <p:nvPr>
-            <p:ph type="title"/>
-          </p:nvPr>
-        </p:nvSpPr>
-        <p:spPr/>
-        <p:txBody>
-          <a:bodyPr/>
-          <a:lstStyle/>
-          <a:p>
-            <a:r>
-              <a:rPr lang="en-US" dirty="0"/>
-              <a:t>Word Recurrences </a:t>
-            </a:r>
-            <a:r>
-              <a:rPr lang="en-US"/>
-              <a:t>Without Outliers</a:t>
-            </a:r>
-            <a:endParaRPr lang="en-US" dirty="0"/>
-          </a:p>
-        </p:txBody>
-      </p:sp>
-      <p:pic>
-        <p:nvPicPr>
-          <p:cNvPr id="5" name="Content Placeholder 4">
-            <a:extLst>
-              <a:ext uri="{FF2B5EF4-FFF2-40B4-BE49-F238E27FC236}">
-                <a16:creationId xmlns:a16="http://schemas.microsoft.com/office/drawing/2014/main" id="{FB0CA512-B710-FF4A-B79E-91EED9FB3D18}"/>
-              </a:ext>
-            </a:extLst>
-          </p:cNvPr>
-          <p:cNvPicPr>
-            <a:picLocks noGrp="1" noChangeAspect="1"/>
-          </p:cNvPicPr>
-          <p:nvPr>
-            <p:ph idx="1"/>
-          </p:nvPr>
-        </p:nvPicPr>
-        <p:blipFill>
-          <a:blip r:embed="rId2"/>
-          <a:stretch>
-            <a:fillRect/>
-          </a:stretch>
-        </p:blipFill>
-        <p:spPr>
-          <a:xfrm>
-            <a:off x="3448050" y="1931194"/>
-            <a:ext cx="5295900" cy="4140200"/>
-          </a:xfrm>
-        </p:spPr>
-      </p:pic>
-    </p:spTree>
-    <p:extLst>
-      <p:ext uri="{BB962C8B-B14F-4D97-AF65-F5344CB8AC3E}">
-        <p14:creationId xmlns:p14="http://schemas.microsoft.com/office/powerpoint/2010/main" val="2693286496"/>
       </p:ext>
     </p:extLst>
   </p:cSld>
@@ -5731,6 +5788,485 @@
 </file>
 
 <file path=ppt/slides/slide20.xml><?xml version="1.0" encoding="utf-8"?>
+<p:sld xmlns:a="http://schemas.openxmlformats.org/drawingml/2006/main" xmlns:r="http://schemas.openxmlformats.org/officeDocument/2006/relationships" xmlns:p="http://schemas.openxmlformats.org/presentationml/2006/main">
+  <p:cSld>
+    <p:spTree>
+      <p:nvGrpSpPr>
+        <p:cNvPr id="1" name=""/>
+        <p:cNvGrpSpPr/>
+        <p:nvPr/>
+      </p:nvGrpSpPr>
+      <p:grpSpPr>
+        <a:xfrm>
+          <a:off x="0" y="0"/>
+          <a:ext cx="0" cy="0"/>
+          <a:chOff x="0" y="0"/>
+          <a:chExt cx="0" cy="0"/>
+        </a:xfrm>
+      </p:grpSpPr>
+      <p:sp>
+        <p:nvSpPr>
+          <p:cNvPr id="2" name="Title 1">
+            <a:extLst>
+              <a:ext uri="{FF2B5EF4-FFF2-40B4-BE49-F238E27FC236}">
+                <a16:creationId xmlns:a16="http://schemas.microsoft.com/office/drawing/2014/main" id="{590FCA8D-0E7E-9946-B228-F3DA7110BDFA}"/>
+              </a:ext>
+            </a:extLst>
+          </p:cNvPr>
+          <p:cNvSpPr>
+            <a:spLocks noGrp="1"/>
+          </p:cNvSpPr>
+          <p:nvPr>
+            <p:ph type="title"/>
+          </p:nvPr>
+        </p:nvSpPr>
+        <p:spPr/>
+        <p:txBody>
+          <a:bodyPr/>
+          <a:lstStyle/>
+          <a:p>
+            <a:r>
+              <a:rPr lang="en-US" dirty="0"/>
+              <a:t>Recommendations</a:t>
+            </a:r>
+          </a:p>
+        </p:txBody>
+      </p:sp>
+      <p:sp>
+        <p:nvSpPr>
+          <p:cNvPr id="3" name="Content Placeholder 2">
+            <a:extLst>
+              <a:ext uri="{FF2B5EF4-FFF2-40B4-BE49-F238E27FC236}">
+                <a16:creationId xmlns:a16="http://schemas.microsoft.com/office/drawing/2014/main" id="{BAC5B1DC-3B73-E24F-ACCE-BCC26E1ABE23}"/>
+              </a:ext>
+            </a:extLst>
+          </p:cNvPr>
+          <p:cNvSpPr>
+            <a:spLocks noGrp="1"/>
+          </p:cNvSpPr>
+          <p:nvPr>
+            <p:ph idx="1"/>
+          </p:nvPr>
+        </p:nvSpPr>
+        <p:spPr/>
+        <p:txBody>
+          <a:bodyPr/>
+          <a:lstStyle/>
+          <a:p>
+            <a:r>
+              <a:rPr lang="en-US" dirty="0"/>
+              <a:t>Don’t publish a horror movie</a:t>
+            </a:r>
+          </a:p>
+          <a:p>
+            <a:r>
+              <a:rPr lang="en-US" dirty="0"/>
+              <a:t>Consider adventure movies or westerns</a:t>
+            </a:r>
+          </a:p>
+          <a:p>
+            <a:r>
+              <a:rPr lang="en-US" dirty="0"/>
+              <a:t>Don’t publish a musical until we figure out the difference between “music” and “musical” as a genre</a:t>
+            </a:r>
+          </a:p>
+        </p:txBody>
+      </p:sp>
+    </p:spTree>
+    <p:extLst>
+      <p:ext uri="{BB962C8B-B14F-4D97-AF65-F5344CB8AC3E}">
+        <p14:creationId xmlns:p14="http://schemas.microsoft.com/office/powerpoint/2010/main" val="29825846"/>
+      </p:ext>
+    </p:extLst>
+  </p:cSld>
+  <p:clrMapOvr>
+    <a:masterClrMapping/>
+  </p:clrMapOvr>
+</p:sld>
+</file>
+
+<file path=ppt/slides/slide21.xml><?xml version="1.0" encoding="utf-8"?>
+<p:sld xmlns:a="http://schemas.openxmlformats.org/drawingml/2006/main" xmlns:r="http://schemas.openxmlformats.org/officeDocument/2006/relationships" xmlns:p="http://schemas.openxmlformats.org/presentationml/2006/main">
+  <p:cSld>
+    <p:spTree>
+      <p:nvGrpSpPr>
+        <p:cNvPr id="1" name=""/>
+        <p:cNvGrpSpPr/>
+        <p:nvPr/>
+      </p:nvGrpSpPr>
+      <p:grpSpPr>
+        <a:xfrm>
+          <a:off x="0" y="0"/>
+          <a:ext cx="0" cy="0"/>
+          <a:chOff x="0" y="0"/>
+          <a:chExt cx="0" cy="0"/>
+        </a:xfrm>
+      </p:grpSpPr>
+      <p:sp>
+        <p:nvSpPr>
+          <p:cNvPr id="2" name="Title 1">
+            <a:extLst>
+              <a:ext uri="{FF2B5EF4-FFF2-40B4-BE49-F238E27FC236}">
+                <a16:creationId xmlns:a16="http://schemas.microsoft.com/office/drawing/2014/main" id="{2DD4E854-6E07-4C4A-8CE0-2FF8979A0FF9}"/>
+              </a:ext>
+            </a:extLst>
+          </p:cNvPr>
+          <p:cNvSpPr>
+            <a:spLocks noGrp="1"/>
+          </p:cNvSpPr>
+          <p:nvPr>
+            <p:ph type="title"/>
+          </p:nvPr>
+        </p:nvSpPr>
+        <p:spPr/>
+        <p:txBody>
+          <a:bodyPr/>
+          <a:lstStyle/>
+          <a:p>
+            <a:r>
+              <a:rPr lang="en-US" dirty="0"/>
+              <a:t>Future Work</a:t>
+            </a:r>
+          </a:p>
+        </p:txBody>
+      </p:sp>
+      <p:sp>
+        <p:nvSpPr>
+          <p:cNvPr id="3" name="Content Placeholder 2">
+            <a:extLst>
+              <a:ext uri="{FF2B5EF4-FFF2-40B4-BE49-F238E27FC236}">
+                <a16:creationId xmlns:a16="http://schemas.microsoft.com/office/drawing/2014/main" id="{001D9037-CDAB-FB49-93FD-23A6B4ADF8B0}"/>
+              </a:ext>
+            </a:extLst>
+          </p:cNvPr>
+          <p:cNvSpPr>
+            <a:spLocks noGrp="1"/>
+          </p:cNvSpPr>
+          <p:nvPr>
+            <p:ph idx="1"/>
+          </p:nvPr>
+        </p:nvSpPr>
+        <p:spPr/>
+        <p:txBody>
+          <a:bodyPr/>
+          <a:lstStyle/>
+          <a:p>
+            <a:r>
+              <a:rPr lang="en-US" dirty="0"/>
+              <a:t>More scripts</a:t>
+            </a:r>
+          </a:p>
+          <a:p>
+            <a:pPr lvl="1"/>
+            <a:r>
+              <a:rPr lang="en-US" dirty="0"/>
+              <a:t>Only through 2009</a:t>
+            </a:r>
+          </a:p>
+          <a:p>
+            <a:r>
+              <a:rPr lang="en-US" dirty="0"/>
+              <a:t>Determine difference between “music” and “musical” as genres</a:t>
+            </a:r>
+          </a:p>
+          <a:p>
+            <a:r>
+              <a:rPr lang="en-US" dirty="0"/>
+              <a:t>Other rating systems</a:t>
+            </a:r>
+          </a:p>
+          <a:p>
+            <a:pPr lvl="1"/>
+            <a:r>
+              <a:rPr lang="en-US" dirty="0"/>
+              <a:t>Rotten Tomatoes</a:t>
+            </a:r>
+          </a:p>
+          <a:p>
+            <a:pPr lvl="1"/>
+            <a:r>
+              <a:rPr lang="en-US" dirty="0"/>
+              <a:t>Amazon</a:t>
+            </a:r>
+          </a:p>
+        </p:txBody>
+      </p:sp>
+    </p:spTree>
+    <p:extLst>
+      <p:ext uri="{BB962C8B-B14F-4D97-AF65-F5344CB8AC3E}">
+        <p14:creationId xmlns:p14="http://schemas.microsoft.com/office/powerpoint/2010/main" val="2102919503"/>
+      </p:ext>
+    </p:extLst>
+  </p:cSld>
+  <p:clrMapOvr>
+    <a:masterClrMapping/>
+  </p:clrMapOvr>
+</p:sld>
+</file>
+
+<file path=ppt/slides/slide22.xml><?xml version="1.0" encoding="utf-8"?>
+<p:sld xmlns:a="http://schemas.openxmlformats.org/drawingml/2006/main" xmlns:r="http://schemas.openxmlformats.org/officeDocument/2006/relationships" xmlns:p="http://schemas.openxmlformats.org/presentationml/2006/main">
+  <p:cSld>
+    <p:spTree>
+      <p:nvGrpSpPr>
+        <p:cNvPr id="1" name=""/>
+        <p:cNvGrpSpPr/>
+        <p:nvPr/>
+      </p:nvGrpSpPr>
+      <p:grpSpPr>
+        <a:xfrm>
+          <a:off x="0" y="0"/>
+          <a:ext cx="0" cy="0"/>
+          <a:chOff x="0" y="0"/>
+          <a:chExt cx="0" cy="0"/>
+        </a:xfrm>
+      </p:grpSpPr>
+      <p:sp>
+        <p:nvSpPr>
+          <p:cNvPr id="4" name="Title 3">
+            <a:extLst>
+              <a:ext uri="{FF2B5EF4-FFF2-40B4-BE49-F238E27FC236}">
+                <a16:creationId xmlns:a16="http://schemas.microsoft.com/office/drawing/2014/main" id="{9B73AF21-F287-AE41-8891-1FB58036045F}"/>
+              </a:ext>
+            </a:extLst>
+          </p:cNvPr>
+          <p:cNvSpPr>
+            <a:spLocks noGrp="1"/>
+          </p:cNvSpPr>
+          <p:nvPr>
+            <p:ph type="ctrTitle"/>
+          </p:nvPr>
+        </p:nvSpPr>
+        <p:spPr/>
+        <p:txBody>
+          <a:bodyPr/>
+          <a:lstStyle/>
+          <a:p>
+            <a:r>
+              <a:rPr lang="en-US" dirty="0"/>
+              <a:t>Any Questions?</a:t>
+            </a:r>
+          </a:p>
+        </p:txBody>
+      </p:sp>
+      <p:sp>
+        <p:nvSpPr>
+          <p:cNvPr id="5" name="Subtitle 4">
+            <a:extLst>
+              <a:ext uri="{FF2B5EF4-FFF2-40B4-BE49-F238E27FC236}">
+                <a16:creationId xmlns:a16="http://schemas.microsoft.com/office/drawing/2014/main" id="{C65A8301-556D-594B-B180-5AB7408F0A09}"/>
+              </a:ext>
+            </a:extLst>
+          </p:cNvPr>
+          <p:cNvSpPr>
+            <a:spLocks noGrp="1"/>
+          </p:cNvSpPr>
+          <p:nvPr>
+            <p:ph type="subTitle" idx="1"/>
+          </p:nvPr>
+        </p:nvSpPr>
+        <p:spPr/>
+        <p:txBody>
+          <a:bodyPr/>
+          <a:lstStyle/>
+          <a:p>
+            <a:endParaRPr lang="en-US"/>
+          </a:p>
+        </p:txBody>
+      </p:sp>
+    </p:spTree>
+    <p:extLst>
+      <p:ext uri="{BB962C8B-B14F-4D97-AF65-F5344CB8AC3E}">
+        <p14:creationId xmlns:p14="http://schemas.microsoft.com/office/powerpoint/2010/main" val="99585284"/>
+      </p:ext>
+    </p:extLst>
+  </p:cSld>
+  <p:clrMapOvr>
+    <a:masterClrMapping/>
+  </p:clrMapOvr>
+</p:sld>
+</file>
+
+<file path=ppt/slides/slide23.xml><?xml version="1.0" encoding="utf-8"?>
+<p:sld xmlns:a="http://schemas.openxmlformats.org/drawingml/2006/main" xmlns:r="http://schemas.openxmlformats.org/officeDocument/2006/relationships" xmlns:p="http://schemas.openxmlformats.org/presentationml/2006/main">
+  <p:cSld>
+    <p:spTree>
+      <p:nvGrpSpPr>
+        <p:cNvPr id="1" name=""/>
+        <p:cNvGrpSpPr/>
+        <p:nvPr/>
+      </p:nvGrpSpPr>
+      <p:grpSpPr>
+        <a:xfrm>
+          <a:off x="0" y="0"/>
+          <a:ext cx="0" cy="0"/>
+          <a:chOff x="0" y="0"/>
+          <a:chExt cx="0" cy="0"/>
+        </a:xfrm>
+      </p:grpSpPr>
+      <p:sp>
+        <p:nvSpPr>
+          <p:cNvPr id="2" name="Title 1">
+            <a:extLst>
+              <a:ext uri="{FF2B5EF4-FFF2-40B4-BE49-F238E27FC236}">
+                <a16:creationId xmlns:a16="http://schemas.microsoft.com/office/drawing/2014/main" id="{56544FBA-6F32-1C49-AD63-798FA75BCA5E}"/>
+              </a:ext>
+            </a:extLst>
+          </p:cNvPr>
+          <p:cNvSpPr>
+            <a:spLocks noGrp="1"/>
+          </p:cNvSpPr>
+          <p:nvPr>
+            <p:ph type="title"/>
+          </p:nvPr>
+        </p:nvSpPr>
+        <p:spPr/>
+        <p:txBody>
+          <a:bodyPr/>
+          <a:lstStyle/>
+          <a:p>
+            <a:r>
+              <a:rPr lang="en-US" dirty="0"/>
+              <a:t>Word Recurrences Across Scripts</a:t>
+            </a:r>
+          </a:p>
+        </p:txBody>
+      </p:sp>
+      <p:pic>
+        <p:nvPicPr>
+          <p:cNvPr id="5" name="Content Placeholder 4">
+            <a:extLst>
+              <a:ext uri="{FF2B5EF4-FFF2-40B4-BE49-F238E27FC236}">
+                <a16:creationId xmlns:a16="http://schemas.microsoft.com/office/drawing/2014/main" id="{5DE3B4E1-467A-8548-B913-7C084B95E12A}"/>
+              </a:ext>
+            </a:extLst>
+          </p:cNvPr>
+          <p:cNvPicPr>
+            <a:picLocks noGrp="1" noChangeAspect="1"/>
+          </p:cNvPicPr>
+          <p:nvPr>
+            <p:ph idx="1"/>
+          </p:nvPr>
+        </p:nvPicPr>
+        <p:blipFill>
+          <a:blip r:embed="rId3"/>
+          <a:stretch>
+            <a:fillRect/>
+          </a:stretch>
+        </p:blipFill>
+        <p:spPr>
+          <a:xfrm>
+            <a:off x="3448050" y="1931194"/>
+            <a:ext cx="5295900" cy="4140200"/>
+          </a:xfrm>
+        </p:spPr>
+      </p:pic>
+    </p:spTree>
+    <p:extLst>
+      <p:ext uri="{BB962C8B-B14F-4D97-AF65-F5344CB8AC3E}">
+        <p14:creationId xmlns:p14="http://schemas.microsoft.com/office/powerpoint/2010/main" val="2502537469"/>
+      </p:ext>
+    </p:extLst>
+  </p:cSld>
+  <p:clrMapOvr>
+    <a:masterClrMapping/>
+  </p:clrMapOvr>
+</p:sld>
+</file>
+
+<file path=ppt/slides/slide24.xml><?xml version="1.0" encoding="utf-8"?>
+<p:sld xmlns:a="http://schemas.openxmlformats.org/drawingml/2006/main" xmlns:r="http://schemas.openxmlformats.org/officeDocument/2006/relationships" xmlns:p="http://schemas.openxmlformats.org/presentationml/2006/main">
+  <p:cSld>
+    <p:spTree>
+      <p:nvGrpSpPr>
+        <p:cNvPr id="1" name=""/>
+        <p:cNvGrpSpPr/>
+        <p:nvPr/>
+      </p:nvGrpSpPr>
+      <p:grpSpPr>
+        <a:xfrm>
+          <a:off x="0" y="0"/>
+          <a:ext cx="0" cy="0"/>
+          <a:chOff x="0" y="0"/>
+          <a:chExt cx="0" cy="0"/>
+        </a:xfrm>
+      </p:grpSpPr>
+      <p:sp>
+        <p:nvSpPr>
+          <p:cNvPr id="2" name="Title 1">
+            <a:extLst>
+              <a:ext uri="{FF2B5EF4-FFF2-40B4-BE49-F238E27FC236}">
+                <a16:creationId xmlns:a16="http://schemas.microsoft.com/office/drawing/2014/main" id="{AA3306EC-BD9D-AE4A-BB2B-632681034638}"/>
+              </a:ext>
+            </a:extLst>
+          </p:cNvPr>
+          <p:cNvSpPr>
+            <a:spLocks noGrp="1"/>
+          </p:cNvSpPr>
+          <p:nvPr>
+            <p:ph type="title"/>
+          </p:nvPr>
+        </p:nvSpPr>
+        <p:spPr/>
+        <p:txBody>
+          <a:bodyPr/>
+          <a:lstStyle/>
+          <a:p>
+            <a:r>
+              <a:rPr lang="en-US" dirty="0"/>
+              <a:t>Word Recurrences </a:t>
+            </a:r>
+            <a:r>
+              <a:rPr lang="en-US"/>
+              <a:t>Without Outliers</a:t>
+            </a:r>
+            <a:endParaRPr lang="en-US" dirty="0"/>
+          </a:p>
+        </p:txBody>
+      </p:sp>
+      <p:pic>
+        <p:nvPicPr>
+          <p:cNvPr id="5" name="Content Placeholder 4">
+            <a:extLst>
+              <a:ext uri="{FF2B5EF4-FFF2-40B4-BE49-F238E27FC236}">
+                <a16:creationId xmlns:a16="http://schemas.microsoft.com/office/drawing/2014/main" id="{FB0CA512-B710-FF4A-B79E-91EED9FB3D18}"/>
+              </a:ext>
+            </a:extLst>
+          </p:cNvPr>
+          <p:cNvPicPr>
+            <a:picLocks noGrp="1" noChangeAspect="1"/>
+          </p:cNvPicPr>
+          <p:nvPr>
+            <p:ph idx="1"/>
+          </p:nvPr>
+        </p:nvPicPr>
+        <p:blipFill>
+          <a:blip r:embed="rId2"/>
+          <a:stretch>
+            <a:fillRect/>
+          </a:stretch>
+        </p:blipFill>
+        <p:spPr>
+          <a:xfrm>
+            <a:off x="3448050" y="1931194"/>
+            <a:ext cx="5295900" cy="4140200"/>
+          </a:xfrm>
+        </p:spPr>
+      </p:pic>
+    </p:spTree>
+    <p:extLst>
+      <p:ext uri="{BB962C8B-B14F-4D97-AF65-F5344CB8AC3E}">
+        <p14:creationId xmlns:p14="http://schemas.microsoft.com/office/powerpoint/2010/main" val="2693286496"/>
+      </p:ext>
+    </p:extLst>
+  </p:cSld>
+  <p:clrMapOvr>
+    <a:masterClrMapping/>
+  </p:clrMapOvr>
+</p:sld>
+</file>
+
+<file path=ppt/slides/slide25.xml><?xml version="1.0" encoding="utf-8"?>
 <p:sld xmlns:a="http://schemas.openxmlformats.org/drawingml/2006/main" xmlns:r="http://schemas.openxmlformats.org/officeDocument/2006/relationships" xmlns:p="http://schemas.openxmlformats.org/presentationml/2006/main">
   <p:cSld>
     <p:spTree>
@@ -6202,7 +6738,7 @@
 </p:sld>
 </file>
 
-<file path=ppt/slides/slide21.xml><?xml version="1.0" encoding="utf-8"?>
+<file path=ppt/slides/slide26.xml><?xml version="1.0" encoding="utf-8"?>
 <p:sld xmlns:a="http://schemas.openxmlformats.org/drawingml/2006/main" xmlns:r="http://schemas.openxmlformats.org/officeDocument/2006/relationships" xmlns:p="http://schemas.openxmlformats.org/presentationml/2006/main">
   <p:cSld>
     <p:spTree>
@@ -6706,6 +7242,15 @@
               <a:t>We can create a script analyzer that will read the script and predict how the new script will be rated</a:t>
             </a:r>
           </a:p>
+          <a:p>
+            <a:endParaRPr lang="en-US" dirty="0"/>
+          </a:p>
+          <a:p>
+            <a:r>
+              <a:rPr lang="en-US" dirty="0"/>
+              <a:t>Need scripts and ratings as training data</a:t>
+            </a:r>
+          </a:p>
         </p:txBody>
       </p:sp>
     </p:spTree>
@@ -6743,15 +7288,15 @@
           <p:cNvPr id="2" name="Title 1">
             <a:extLst>
               <a:ext uri="{FF2B5EF4-FFF2-40B4-BE49-F238E27FC236}">
-                <a16:creationId xmlns:a16="http://schemas.microsoft.com/office/drawing/2014/main" id="{D77469C9-742D-8B48-80C0-C8DCF58EB5CA}"/>
-              </a:ext>
-            </a:extLst>
-          </p:cNvPr>
-          <p:cNvSpPr>
-            <a:spLocks noGrp="1"/>
-          </p:cNvSpPr>
-          <p:nvPr>
-            <p:ph type="title"/>
+                <a16:creationId xmlns:a16="http://schemas.microsoft.com/office/drawing/2014/main" id="{28502D38-E3E1-EE48-A875-5F29181B1652}"/>
+              </a:ext>
+            </a:extLst>
+          </p:cNvPr>
+          <p:cNvSpPr>
+            <a:spLocks noGrp="1"/>
+          </p:cNvSpPr>
+          <p:nvPr>
+            <p:ph type="ctrTitle"/>
           </p:nvPr>
         </p:nvSpPr>
         <p:spPr/>
@@ -6761,147 +7306,40 @@
           <a:p>
             <a:r>
               <a:rPr lang="en-US" dirty="0"/>
-              <a:t>Scripts</a:t>
-            </a:r>
-          </a:p>
-        </p:txBody>
-      </p:sp>
-      <p:sp>
-        <p:nvSpPr>
-          <p:cNvPr id="3" name="Content Placeholder 2">
-            <a:extLst>
-              <a:ext uri="{FF2B5EF4-FFF2-40B4-BE49-F238E27FC236}">
-                <a16:creationId xmlns:a16="http://schemas.microsoft.com/office/drawing/2014/main" id="{D9DF7BBA-EE68-FE42-8BF5-B415A758BF56}"/>
-              </a:ext>
-            </a:extLst>
-          </p:cNvPr>
-          <p:cNvSpPr>
-            <a:spLocks noGrp="1"/>
-          </p:cNvSpPr>
-          <p:nvPr>
-            <p:ph idx="1"/>
+              <a:t>Finding Scripts</a:t>
+            </a:r>
+          </a:p>
+        </p:txBody>
+      </p:sp>
+      <p:sp>
+        <p:nvSpPr>
+          <p:cNvPr id="4" name="Subtitle 3">
+            <a:extLst>
+              <a:ext uri="{FF2B5EF4-FFF2-40B4-BE49-F238E27FC236}">
+                <a16:creationId xmlns:a16="http://schemas.microsoft.com/office/drawing/2014/main" id="{401BD177-15E2-3946-BE8D-89A0C1112F1B}"/>
+              </a:ext>
+            </a:extLst>
+          </p:cNvPr>
+          <p:cNvSpPr>
+            <a:spLocks noGrp="1"/>
+          </p:cNvSpPr>
+          <p:nvPr>
+            <p:ph type="subTitle" idx="1"/>
           </p:nvPr>
         </p:nvSpPr>
         <p:spPr/>
         <p:txBody>
-          <a:bodyPr>
-            <a:normAutofit lnSpcReduction="10000"/>
-          </a:bodyPr>
-          <a:lstStyle/>
-          <a:p>
-            <a:r>
-              <a:rPr lang="en-US" dirty="0"/>
-              <a:t>Use published scripts to create analyzer</a:t>
-            </a:r>
-          </a:p>
-          <a:p>
-            <a:r>
-              <a:rPr lang="en-US" dirty="0"/>
-              <a:t>Scrape from </a:t>
-            </a:r>
-            <a:r>
-              <a:rPr lang="en-US" dirty="0" err="1"/>
-              <a:t>simplescripts.com</a:t>
-            </a:r>
-            <a:r>
-              <a:rPr lang="en-US" dirty="0"/>
-              <a:t> using Beautiful Soup</a:t>
-            </a:r>
-          </a:p>
-          <a:p>
-            <a:pPr lvl="1"/>
-            <a:r>
-              <a:rPr lang="en-US" dirty="0"/>
-              <a:t>Original website has links to scripts, not the actual scripts</a:t>
-            </a:r>
-          </a:p>
-          <a:p>
-            <a:pPr lvl="1"/>
-            <a:r>
-              <a:rPr lang="en-US" dirty="0"/>
-              <a:t>Some links are broken</a:t>
-            </a:r>
-          </a:p>
-          <a:p>
-            <a:pPr lvl="1"/>
-            <a:r>
-              <a:rPr lang="en-US" dirty="0"/>
-              <a:t>Some links are to files that just notifications that the script isn’t there</a:t>
-            </a:r>
-          </a:p>
-          <a:p>
-            <a:pPr lvl="2"/>
-            <a:r>
-              <a:rPr lang="en-US" dirty="0"/>
-              <a:t>Manual scrubbing of these files</a:t>
-            </a:r>
-          </a:p>
-          <a:p>
-            <a:r>
-              <a:rPr lang="en-US" dirty="0"/>
-              <a:t>Multiple file formats</a:t>
-            </a:r>
-          </a:p>
-          <a:p>
-            <a:pPr lvl="1"/>
-            <a:r>
-              <a:rPr lang="en-US" dirty="0"/>
-              <a:t>Converted all to .txt files</a:t>
-            </a:r>
-          </a:p>
-          <a:p>
-            <a:r>
-              <a:rPr lang="en-US" dirty="0"/>
-              <a:t>Convert files to “bag of words”</a:t>
-            </a:r>
-          </a:p>
-          <a:p>
-            <a:pPr lvl="1"/>
-            <a:r>
-              <a:rPr lang="en-US" dirty="0"/>
-              <a:t>Take the text and represent it as individual words out of context, with a count as to how many times it appears in the individual text</a:t>
-            </a:r>
-          </a:p>
-          <a:p>
-            <a:pPr lvl="1"/>
-            <a:endParaRPr lang="en-US" dirty="0"/>
-          </a:p>
-        </p:txBody>
-      </p:sp>
-      <p:pic>
-        <p:nvPicPr>
-          <p:cNvPr id="5" name="Picture 4">
-            <a:extLst>
-              <a:ext uri="{FF2B5EF4-FFF2-40B4-BE49-F238E27FC236}">
-                <a16:creationId xmlns:a16="http://schemas.microsoft.com/office/drawing/2014/main" id="{81398B7A-B1EF-F14B-91CE-E6F95EC559DB}"/>
-              </a:ext>
-            </a:extLst>
-          </p:cNvPr>
-          <p:cNvPicPr>
-            <a:picLocks noChangeAspect="1"/>
-          </p:cNvPicPr>
-          <p:nvPr/>
-        </p:nvPicPr>
-        <p:blipFill>
-          <a:blip r:embed="rId3"/>
-          <a:stretch>
-            <a:fillRect/>
-          </a:stretch>
-        </p:blipFill>
-        <p:spPr>
-          <a:xfrm>
-            <a:off x="4887191" y="365125"/>
-            <a:ext cx="6466609" cy="996006"/>
-          </a:xfrm>
-          <a:prstGeom prst="rect">
-            <a:avLst/>
-          </a:prstGeom>
-        </p:spPr>
-      </p:pic>
+          <a:bodyPr/>
+          <a:lstStyle/>
+          <a:p>
+            <a:endParaRPr lang="en-US"/>
+          </a:p>
+        </p:txBody>
+      </p:sp>
     </p:spTree>
     <p:extLst>
       <p:ext uri="{BB962C8B-B14F-4D97-AF65-F5344CB8AC3E}">
-        <p14:creationId xmlns:p14="http://schemas.microsoft.com/office/powerpoint/2010/main" val="2484247502"/>
+        <p14:creationId xmlns:p14="http://schemas.microsoft.com/office/powerpoint/2010/main" val="2150809611"/>
       </p:ext>
     </p:extLst>
   </p:cSld>
@@ -6930,83 +7368,1122 @@
       </p:grpSpPr>
       <p:sp>
         <p:nvSpPr>
-          <p:cNvPr id="2" name="Title 1">
-            <a:extLst>
-              <a:ext uri="{FF2B5EF4-FFF2-40B4-BE49-F238E27FC236}">
-                <a16:creationId xmlns:a16="http://schemas.microsoft.com/office/drawing/2014/main" id="{CF63BFB0-8CC6-414E-95B8-E9B6E633E58A}"/>
-              </a:ext>
-            </a:extLst>
-          </p:cNvPr>
-          <p:cNvSpPr>
-            <a:spLocks noGrp="1"/>
-          </p:cNvSpPr>
-          <p:nvPr>
-            <p:ph type="title"/>
-          </p:nvPr>
-        </p:nvSpPr>
-        <p:spPr/>
-        <p:txBody>
-          <a:bodyPr/>
+          <p:cNvPr id="5" name="Oval 4">
+            <a:extLst>
+              <a:ext uri="{FF2B5EF4-FFF2-40B4-BE49-F238E27FC236}">
+                <a16:creationId xmlns:a16="http://schemas.microsoft.com/office/drawing/2014/main" id="{1002C402-889D-A244-AAC9-B4653C867967}"/>
+              </a:ext>
+            </a:extLst>
+          </p:cNvPr>
+          <p:cNvSpPr/>
+          <p:nvPr/>
+        </p:nvSpPr>
+        <p:spPr>
+          <a:xfrm>
+            <a:off x="515745" y="772139"/>
+            <a:ext cx="2180358" cy="1600200"/>
+          </a:xfrm>
+          <a:prstGeom prst="ellipse">
+            <a:avLst/>
+          </a:prstGeom>
+          <a:noFill/>
+          <a:ln w="38100"/>
+        </p:spPr>
+        <p:style>
+          <a:lnRef idx="2">
+            <a:schemeClr val="accent1">
+              <a:shade val="50000"/>
+            </a:schemeClr>
+          </a:lnRef>
+          <a:fillRef idx="1">
+            <a:schemeClr val="accent1"/>
+          </a:fillRef>
+          <a:effectRef idx="0">
+            <a:schemeClr val="accent1"/>
+          </a:effectRef>
+          <a:fontRef idx="minor">
+            <a:schemeClr val="lt1"/>
+          </a:fontRef>
+        </p:style>
+        <p:txBody>
+          <a:bodyPr rtlCol="0" anchor="ctr"/>
+          <a:lstStyle/>
+          <a:p>
+            <a:pPr algn="ctr"/>
+            <a:endParaRPr lang="en-US"/>
+          </a:p>
+        </p:txBody>
+      </p:sp>
+      <p:sp>
+        <p:nvSpPr>
+          <p:cNvPr id="6" name="TextBox 5">
+            <a:extLst>
+              <a:ext uri="{FF2B5EF4-FFF2-40B4-BE49-F238E27FC236}">
+                <a16:creationId xmlns:a16="http://schemas.microsoft.com/office/drawing/2014/main" id="{D06FDD99-0BCF-B94A-82D5-35444FC25FD6}"/>
+              </a:ext>
+            </a:extLst>
+          </p:cNvPr>
+          <p:cNvSpPr txBox="1"/>
+          <p:nvPr/>
+        </p:nvSpPr>
+        <p:spPr>
+          <a:xfrm>
+            <a:off x="774983" y="1110574"/>
+            <a:ext cx="1861900" cy="923330"/>
+          </a:xfrm>
+          <a:prstGeom prst="rect">
+            <a:avLst/>
+          </a:prstGeom>
+          <a:noFill/>
+        </p:spPr>
+        <p:txBody>
+          <a:bodyPr wrap="square" rtlCol="0">
+            <a:spAutoFit/>
+          </a:bodyPr>
           <a:lstStyle/>
           <a:p>
             <a:r>
               <a:rPr lang="en-US" dirty="0"/>
-              <a:t>Rated Movies</a:t>
-            </a:r>
-          </a:p>
-        </p:txBody>
-      </p:sp>
-      <p:sp>
-        <p:nvSpPr>
-          <p:cNvPr id="3" name="Content Placeholder 2">
-            <a:extLst>
-              <a:ext uri="{FF2B5EF4-FFF2-40B4-BE49-F238E27FC236}">
-                <a16:creationId xmlns:a16="http://schemas.microsoft.com/office/drawing/2014/main" id="{97894189-9421-2B4D-B668-3D1B83AA75D0}"/>
-              </a:ext>
-            </a:extLst>
-          </p:cNvPr>
-          <p:cNvSpPr>
-            <a:spLocks noGrp="1"/>
-          </p:cNvSpPr>
-          <p:nvPr>
-            <p:ph idx="1"/>
-          </p:nvPr>
-        </p:nvSpPr>
-        <p:spPr/>
-        <p:txBody>
-          <a:bodyPr/>
+              <a:t>Find published scripts on </a:t>
+            </a:r>
+            <a:r>
+              <a:rPr lang="en-US" dirty="0" err="1"/>
+              <a:t>simplyscripts.com</a:t>
+            </a:r>
+            <a:endParaRPr lang="en-US" dirty="0"/>
+          </a:p>
+        </p:txBody>
+      </p:sp>
+      <p:sp>
+        <p:nvSpPr>
+          <p:cNvPr id="7" name="Rectangle 6">
+            <a:extLst>
+              <a:ext uri="{FF2B5EF4-FFF2-40B4-BE49-F238E27FC236}">
+                <a16:creationId xmlns:a16="http://schemas.microsoft.com/office/drawing/2014/main" id="{BB930BB7-D7F7-AF4E-9F58-160D1DAE0E23}"/>
+              </a:ext>
+            </a:extLst>
+          </p:cNvPr>
+          <p:cNvSpPr/>
+          <p:nvPr/>
+        </p:nvSpPr>
+        <p:spPr>
+          <a:xfrm>
+            <a:off x="3318363" y="816100"/>
+            <a:ext cx="2579876" cy="1512277"/>
+          </a:xfrm>
+          <a:prstGeom prst="rect">
+            <a:avLst/>
+          </a:prstGeom>
+          <a:noFill/>
+          <a:ln w="38100"/>
+        </p:spPr>
+        <p:style>
+          <a:lnRef idx="2">
+            <a:schemeClr val="accent1">
+              <a:shade val="50000"/>
+            </a:schemeClr>
+          </a:lnRef>
+          <a:fillRef idx="1">
+            <a:schemeClr val="accent1"/>
+          </a:fillRef>
+          <a:effectRef idx="0">
+            <a:schemeClr val="accent1"/>
+          </a:effectRef>
+          <a:fontRef idx="minor">
+            <a:schemeClr val="lt1"/>
+          </a:fontRef>
+        </p:style>
+        <p:txBody>
+          <a:bodyPr rtlCol="0" anchor="ctr"/>
+          <a:lstStyle/>
+          <a:p>
+            <a:pPr algn="ctr"/>
+            <a:endParaRPr lang="en-US"/>
+          </a:p>
+        </p:txBody>
+      </p:sp>
+      <p:sp>
+        <p:nvSpPr>
+          <p:cNvPr id="8" name="TextBox 7">
+            <a:extLst>
+              <a:ext uri="{FF2B5EF4-FFF2-40B4-BE49-F238E27FC236}">
+                <a16:creationId xmlns:a16="http://schemas.microsoft.com/office/drawing/2014/main" id="{F7AF3FEE-83F5-B44D-A25B-E952DB322F52}"/>
+              </a:ext>
+            </a:extLst>
+          </p:cNvPr>
+          <p:cNvSpPr txBox="1"/>
+          <p:nvPr/>
+        </p:nvSpPr>
+        <p:spPr>
+          <a:xfrm>
+            <a:off x="3696732" y="1016035"/>
+            <a:ext cx="1683328" cy="1200329"/>
+          </a:xfrm>
+          <a:prstGeom prst="rect">
+            <a:avLst/>
+          </a:prstGeom>
+          <a:noFill/>
+        </p:spPr>
+        <p:txBody>
+          <a:bodyPr wrap="square" rtlCol="0">
+            <a:spAutoFit/>
+          </a:bodyPr>
           <a:lstStyle/>
           <a:p>
             <a:r>
               <a:rPr lang="en-US" dirty="0"/>
-              <a:t>Use IMDB rating system</a:t>
-            </a:r>
-          </a:p>
-          <a:p>
-            <a:pPr lvl="1"/>
+              <a:t>Write function using Beautiful Soup to open links on website</a:t>
+            </a:r>
+          </a:p>
+        </p:txBody>
+      </p:sp>
+      <p:sp>
+        <p:nvSpPr>
+          <p:cNvPr id="10" name="TextBox 9">
+            <a:extLst>
+              <a:ext uri="{FF2B5EF4-FFF2-40B4-BE49-F238E27FC236}">
+                <a16:creationId xmlns:a16="http://schemas.microsoft.com/office/drawing/2014/main" id="{A81F951C-28CB-274A-9C4C-26CBAA29B5C4}"/>
+              </a:ext>
+            </a:extLst>
+          </p:cNvPr>
+          <p:cNvSpPr txBox="1"/>
+          <p:nvPr/>
+        </p:nvSpPr>
+        <p:spPr>
+          <a:xfrm>
+            <a:off x="937399" y="3363734"/>
+            <a:ext cx="1487010" cy="369332"/>
+          </a:xfrm>
+          <a:prstGeom prst="rect">
+            <a:avLst/>
+          </a:prstGeom>
+          <a:noFill/>
+        </p:spPr>
+        <p:txBody>
+          <a:bodyPr wrap="none" rtlCol="0">
+            <a:spAutoFit/>
+          </a:bodyPr>
+          <a:lstStyle/>
+          <a:p>
             <a:r>
               <a:rPr lang="en-US" dirty="0"/>
-              <a:t>Out of ten stars</a:t>
-            </a:r>
-          </a:p>
+              <a:t>Download file</a:t>
+            </a:r>
+          </a:p>
+        </p:txBody>
+      </p:sp>
+      <p:cxnSp>
+        <p:nvCxnSpPr>
+          <p:cNvPr id="15" name="Straight Arrow Connector 14">
+            <a:extLst>
+              <a:ext uri="{FF2B5EF4-FFF2-40B4-BE49-F238E27FC236}">
+                <a16:creationId xmlns:a16="http://schemas.microsoft.com/office/drawing/2014/main" id="{6A9A2DC3-FD86-184F-9438-09AC993396E2}"/>
+              </a:ext>
+            </a:extLst>
+          </p:cNvPr>
+          <p:cNvCxnSpPr>
+            <a:cxnSpLocks/>
+            <a:stCxn id="5" idx="6"/>
+            <a:endCxn id="7" idx="1"/>
+          </p:cNvCxnSpPr>
+          <p:nvPr/>
+        </p:nvCxnSpPr>
+        <p:spPr>
+          <a:xfrm>
+            <a:off x="2696103" y="1572239"/>
+            <a:ext cx="622260" cy="0"/>
+          </a:xfrm>
+          <a:prstGeom prst="straightConnector1">
+            <a:avLst/>
+          </a:prstGeom>
+          <a:ln w="25400">
+            <a:tailEnd type="triangle"/>
+          </a:ln>
+        </p:spPr>
+        <p:style>
+          <a:lnRef idx="1">
+            <a:schemeClr val="accent1"/>
+          </a:lnRef>
+          <a:fillRef idx="0">
+            <a:schemeClr val="accent1"/>
+          </a:fillRef>
+          <a:effectRef idx="0">
+            <a:schemeClr val="accent1"/>
+          </a:effectRef>
+          <a:fontRef idx="minor">
+            <a:schemeClr val="tx1"/>
+          </a:fontRef>
+        </p:style>
+      </p:cxnSp>
+      <p:sp>
+        <p:nvSpPr>
+          <p:cNvPr id="16" name="Diamond 15">
+            <a:extLst>
+              <a:ext uri="{FF2B5EF4-FFF2-40B4-BE49-F238E27FC236}">
+                <a16:creationId xmlns:a16="http://schemas.microsoft.com/office/drawing/2014/main" id="{A55EC25B-8972-DB44-95FF-A88B86CEBCF6}"/>
+              </a:ext>
+            </a:extLst>
+          </p:cNvPr>
+          <p:cNvSpPr/>
+          <p:nvPr/>
+        </p:nvSpPr>
+        <p:spPr>
+          <a:xfrm>
+            <a:off x="6439759" y="772139"/>
+            <a:ext cx="2834399" cy="1600200"/>
+          </a:xfrm>
+          <a:prstGeom prst="diamond">
+            <a:avLst/>
+          </a:prstGeom>
+          <a:noFill/>
+          <a:ln w="38100"/>
+        </p:spPr>
+        <p:style>
+          <a:lnRef idx="2">
+            <a:schemeClr val="accent1">
+              <a:shade val="50000"/>
+            </a:schemeClr>
+          </a:lnRef>
+          <a:fillRef idx="1">
+            <a:schemeClr val="accent1"/>
+          </a:fillRef>
+          <a:effectRef idx="0">
+            <a:schemeClr val="accent1"/>
+          </a:effectRef>
+          <a:fontRef idx="minor">
+            <a:schemeClr val="lt1"/>
+          </a:fontRef>
+        </p:style>
+        <p:txBody>
+          <a:bodyPr rtlCol="0" anchor="ctr"/>
+          <a:lstStyle/>
+          <a:p>
+            <a:pPr algn="ctr"/>
+            <a:endParaRPr lang="en-US"/>
+          </a:p>
+        </p:txBody>
+      </p:sp>
+      <p:sp>
+        <p:nvSpPr>
+          <p:cNvPr id="17" name="TextBox 16">
+            <a:extLst>
+              <a:ext uri="{FF2B5EF4-FFF2-40B4-BE49-F238E27FC236}">
+                <a16:creationId xmlns:a16="http://schemas.microsoft.com/office/drawing/2014/main" id="{A73F3024-8047-164E-96F0-521F68959C35}"/>
+              </a:ext>
+            </a:extLst>
+          </p:cNvPr>
+          <p:cNvSpPr txBox="1"/>
+          <p:nvPr/>
+        </p:nvSpPr>
+        <p:spPr>
+          <a:xfrm>
+            <a:off x="7311577" y="1387573"/>
+            <a:ext cx="1350050" cy="369332"/>
+          </a:xfrm>
+          <a:prstGeom prst="rect">
+            <a:avLst/>
+          </a:prstGeom>
+          <a:noFill/>
+        </p:spPr>
+        <p:txBody>
+          <a:bodyPr wrap="none" rtlCol="0">
+            <a:spAutoFit/>
+          </a:bodyPr>
+          <a:lstStyle/>
           <a:p>
             <a:r>
               <a:rPr lang="en-US" dirty="0"/>
-              <a:t>Data also included genre of the film</a:t>
-            </a:r>
-          </a:p>
-          <a:p>
-            <a:pPr lvl="2"/>
-            <a:endParaRPr lang="en-US" dirty="0"/>
+              <a:t>Is link good?</a:t>
+            </a:r>
+          </a:p>
+        </p:txBody>
+      </p:sp>
+      <p:cxnSp>
+        <p:nvCxnSpPr>
+          <p:cNvPr id="24" name="Straight Arrow Connector 23">
+            <a:extLst>
+              <a:ext uri="{FF2B5EF4-FFF2-40B4-BE49-F238E27FC236}">
+                <a16:creationId xmlns:a16="http://schemas.microsoft.com/office/drawing/2014/main" id="{4C014CFD-F0F5-E446-B777-0F44C4800437}"/>
+              </a:ext>
+            </a:extLst>
+          </p:cNvPr>
+          <p:cNvCxnSpPr>
+            <a:stCxn id="7" idx="3"/>
+            <a:endCxn id="16" idx="1"/>
+          </p:cNvCxnSpPr>
+          <p:nvPr/>
+        </p:nvCxnSpPr>
+        <p:spPr>
+          <a:xfrm>
+            <a:off x="5898239" y="1572239"/>
+            <a:ext cx="541520" cy="0"/>
+          </a:xfrm>
+          <a:prstGeom prst="straightConnector1">
+            <a:avLst/>
+          </a:prstGeom>
+          <a:ln w="25400">
+            <a:tailEnd type="triangle"/>
+          </a:ln>
+        </p:spPr>
+        <p:style>
+          <a:lnRef idx="1">
+            <a:schemeClr val="accent1"/>
+          </a:lnRef>
+          <a:fillRef idx="0">
+            <a:schemeClr val="accent1"/>
+          </a:fillRef>
+          <a:effectRef idx="0">
+            <a:schemeClr val="accent1"/>
+          </a:effectRef>
+          <a:fontRef idx="minor">
+            <a:schemeClr val="tx1"/>
+          </a:fontRef>
+        </p:style>
+      </p:cxnSp>
+      <p:cxnSp>
+        <p:nvCxnSpPr>
+          <p:cNvPr id="26" name="Straight Arrow Connector 25">
+            <a:extLst>
+              <a:ext uri="{FF2B5EF4-FFF2-40B4-BE49-F238E27FC236}">
+                <a16:creationId xmlns:a16="http://schemas.microsoft.com/office/drawing/2014/main" id="{51AE79A5-71BE-1A46-8B5C-FC20A606087B}"/>
+              </a:ext>
+            </a:extLst>
+          </p:cNvPr>
+          <p:cNvCxnSpPr>
+            <a:cxnSpLocks/>
+            <a:stCxn id="16" idx="3"/>
+          </p:cNvCxnSpPr>
+          <p:nvPr/>
+        </p:nvCxnSpPr>
+        <p:spPr>
+          <a:xfrm>
+            <a:off x="9274158" y="1572239"/>
+            <a:ext cx="622318" cy="0"/>
+          </a:xfrm>
+          <a:prstGeom prst="straightConnector1">
+            <a:avLst/>
+          </a:prstGeom>
+          <a:ln>
+            <a:tailEnd type="triangle"/>
+          </a:ln>
+        </p:spPr>
+        <p:style>
+          <a:lnRef idx="1">
+            <a:schemeClr val="accent1"/>
+          </a:lnRef>
+          <a:fillRef idx="0">
+            <a:schemeClr val="accent1"/>
+          </a:fillRef>
+          <a:effectRef idx="0">
+            <a:schemeClr val="accent1"/>
+          </a:effectRef>
+          <a:fontRef idx="minor">
+            <a:schemeClr val="tx1"/>
+          </a:fontRef>
+        </p:style>
+      </p:cxnSp>
+      <p:sp>
+        <p:nvSpPr>
+          <p:cNvPr id="27" name="Oval 26">
+            <a:extLst>
+              <a:ext uri="{FF2B5EF4-FFF2-40B4-BE49-F238E27FC236}">
+                <a16:creationId xmlns:a16="http://schemas.microsoft.com/office/drawing/2014/main" id="{97945A58-515D-BD4D-8702-00972F9A5766}"/>
+              </a:ext>
+            </a:extLst>
+          </p:cNvPr>
+          <p:cNvSpPr/>
+          <p:nvPr/>
+        </p:nvSpPr>
+        <p:spPr>
+          <a:xfrm>
+            <a:off x="9896476" y="720984"/>
+            <a:ext cx="2180358" cy="1600200"/>
+          </a:xfrm>
+          <a:prstGeom prst="ellipse">
+            <a:avLst/>
+          </a:prstGeom>
+          <a:noFill/>
+          <a:ln w="38100"/>
+        </p:spPr>
+        <p:style>
+          <a:lnRef idx="2">
+            <a:schemeClr val="accent1">
+              <a:shade val="50000"/>
+            </a:schemeClr>
+          </a:lnRef>
+          <a:fillRef idx="1">
+            <a:schemeClr val="accent1"/>
+          </a:fillRef>
+          <a:effectRef idx="0">
+            <a:schemeClr val="accent1"/>
+          </a:effectRef>
+          <a:fontRef idx="minor">
+            <a:schemeClr val="lt1"/>
+          </a:fontRef>
+        </p:style>
+        <p:txBody>
+          <a:bodyPr rtlCol="0" anchor="ctr"/>
+          <a:lstStyle/>
+          <a:p>
+            <a:pPr algn="ctr"/>
+            <a:endParaRPr lang="en-US"/>
+          </a:p>
+        </p:txBody>
+      </p:sp>
+      <p:sp>
+        <p:nvSpPr>
+          <p:cNvPr id="29" name="TextBox 28">
+            <a:extLst>
+              <a:ext uri="{FF2B5EF4-FFF2-40B4-BE49-F238E27FC236}">
+                <a16:creationId xmlns:a16="http://schemas.microsoft.com/office/drawing/2014/main" id="{F1114CEB-4C24-CC42-8CD0-42C37889C948}"/>
+              </a:ext>
+            </a:extLst>
+          </p:cNvPr>
+          <p:cNvSpPr txBox="1"/>
+          <p:nvPr/>
+        </p:nvSpPr>
+        <p:spPr>
+          <a:xfrm>
+            <a:off x="10462911" y="1387573"/>
+            <a:ext cx="954107" cy="369332"/>
+          </a:xfrm>
+          <a:prstGeom prst="rect">
+            <a:avLst/>
+          </a:prstGeom>
+          <a:noFill/>
+        </p:spPr>
+        <p:txBody>
+          <a:bodyPr wrap="none" rtlCol="0">
+            <a:spAutoFit/>
+          </a:bodyPr>
+          <a:lstStyle/>
+          <a:p>
+            <a:r>
+              <a:rPr lang="en-US" dirty="0"/>
+              <a:t>Skip link</a:t>
+            </a:r>
+          </a:p>
+        </p:txBody>
+      </p:sp>
+      <p:sp>
+        <p:nvSpPr>
+          <p:cNvPr id="30" name="TextBox 29">
+            <a:extLst>
+              <a:ext uri="{FF2B5EF4-FFF2-40B4-BE49-F238E27FC236}">
+                <a16:creationId xmlns:a16="http://schemas.microsoft.com/office/drawing/2014/main" id="{FE03793E-CF33-0248-ACAE-55E3A44007E3}"/>
+              </a:ext>
+            </a:extLst>
+          </p:cNvPr>
+          <p:cNvSpPr txBox="1"/>
+          <p:nvPr/>
+        </p:nvSpPr>
+        <p:spPr>
+          <a:xfrm>
+            <a:off x="9351226" y="1387573"/>
+            <a:ext cx="486030" cy="369332"/>
+          </a:xfrm>
+          <a:prstGeom prst="rect">
+            <a:avLst/>
+          </a:prstGeom>
+          <a:solidFill>
+            <a:schemeClr val="bg1"/>
+          </a:solidFill>
+        </p:spPr>
+        <p:txBody>
+          <a:bodyPr wrap="none" rtlCol="0">
+            <a:spAutoFit/>
+          </a:bodyPr>
+          <a:lstStyle/>
+          <a:p>
+            <a:r>
+              <a:rPr lang="en-US" dirty="0"/>
+              <a:t>NO</a:t>
+            </a:r>
+          </a:p>
+        </p:txBody>
+      </p:sp>
+      <p:cxnSp>
+        <p:nvCxnSpPr>
+          <p:cNvPr id="32" name="Elbow Connector 31">
+            <a:extLst>
+              <a:ext uri="{FF2B5EF4-FFF2-40B4-BE49-F238E27FC236}">
+                <a16:creationId xmlns:a16="http://schemas.microsoft.com/office/drawing/2014/main" id="{2534062B-4FB0-254D-B218-2C42F5BC4C41}"/>
+              </a:ext>
+            </a:extLst>
+          </p:cNvPr>
+          <p:cNvCxnSpPr>
+            <a:cxnSpLocks/>
+            <a:stCxn id="16" idx="2"/>
+            <a:endCxn id="35" idx="0"/>
+          </p:cNvCxnSpPr>
+          <p:nvPr/>
+        </p:nvCxnSpPr>
+        <p:spPr>
+          <a:xfrm rot="5400000">
+            <a:off x="4569891" y="-354103"/>
+            <a:ext cx="560627" cy="6013510"/>
+          </a:xfrm>
+          <a:prstGeom prst="bentConnector3">
+            <a:avLst/>
+          </a:prstGeom>
+          <a:ln w="25400">
+            <a:tailEnd type="triangle"/>
+          </a:ln>
+        </p:spPr>
+        <p:style>
+          <a:lnRef idx="1">
+            <a:schemeClr val="accent1"/>
+          </a:lnRef>
+          <a:fillRef idx="0">
+            <a:schemeClr val="accent1"/>
+          </a:fillRef>
+          <a:effectRef idx="0">
+            <a:schemeClr val="accent1"/>
+          </a:effectRef>
+          <a:fontRef idx="minor">
+            <a:schemeClr val="tx1"/>
+          </a:fontRef>
+        </p:style>
+      </p:cxnSp>
+      <p:sp>
+        <p:nvSpPr>
+          <p:cNvPr id="33" name="TextBox 32">
+            <a:extLst>
+              <a:ext uri="{FF2B5EF4-FFF2-40B4-BE49-F238E27FC236}">
+                <a16:creationId xmlns:a16="http://schemas.microsoft.com/office/drawing/2014/main" id="{40617F38-08FF-AF4B-BA9E-0B44D2F1B6E8}"/>
+              </a:ext>
+            </a:extLst>
+          </p:cNvPr>
+          <p:cNvSpPr txBox="1"/>
+          <p:nvPr/>
+        </p:nvSpPr>
+        <p:spPr>
+          <a:xfrm>
+            <a:off x="4850204" y="2472732"/>
+            <a:ext cx="512641" cy="369332"/>
+          </a:xfrm>
+          <a:prstGeom prst="rect">
+            <a:avLst/>
+          </a:prstGeom>
+          <a:solidFill>
+            <a:schemeClr val="bg1"/>
+          </a:solidFill>
+        </p:spPr>
+        <p:txBody>
+          <a:bodyPr wrap="none" rtlCol="0">
+            <a:spAutoFit/>
+          </a:bodyPr>
+          <a:lstStyle/>
+          <a:p>
+            <a:r>
+              <a:rPr lang="en-US" dirty="0"/>
+              <a:t>YES</a:t>
+            </a:r>
+          </a:p>
+        </p:txBody>
+      </p:sp>
+      <p:sp>
+        <p:nvSpPr>
+          <p:cNvPr id="35" name="Rectangle 34">
+            <a:extLst>
+              <a:ext uri="{FF2B5EF4-FFF2-40B4-BE49-F238E27FC236}">
+                <a16:creationId xmlns:a16="http://schemas.microsoft.com/office/drawing/2014/main" id="{5D8A72A3-99A8-FF42-8347-6A6ADAEBA718}"/>
+              </a:ext>
+            </a:extLst>
+          </p:cNvPr>
+          <p:cNvSpPr/>
+          <p:nvPr/>
+        </p:nvSpPr>
+        <p:spPr>
+          <a:xfrm>
+            <a:off x="553511" y="2932966"/>
+            <a:ext cx="2579876" cy="1512277"/>
+          </a:xfrm>
+          <a:prstGeom prst="rect">
+            <a:avLst/>
+          </a:prstGeom>
+          <a:noFill/>
+          <a:ln w="38100"/>
+        </p:spPr>
+        <p:style>
+          <a:lnRef idx="2">
+            <a:schemeClr val="accent1">
+              <a:shade val="50000"/>
+            </a:schemeClr>
+          </a:lnRef>
+          <a:fillRef idx="1">
+            <a:schemeClr val="accent1"/>
+          </a:fillRef>
+          <a:effectRef idx="0">
+            <a:schemeClr val="accent1"/>
+          </a:effectRef>
+          <a:fontRef idx="minor">
+            <a:schemeClr val="lt1"/>
+          </a:fontRef>
+        </p:style>
+        <p:txBody>
+          <a:bodyPr rtlCol="0" anchor="ctr"/>
+          <a:lstStyle/>
+          <a:p>
+            <a:pPr algn="ctr"/>
+            <a:endParaRPr lang="en-US"/>
+          </a:p>
+        </p:txBody>
+      </p:sp>
+      <p:sp>
+        <p:nvSpPr>
+          <p:cNvPr id="36" name="Diamond 35">
+            <a:extLst>
+              <a:ext uri="{FF2B5EF4-FFF2-40B4-BE49-F238E27FC236}">
+                <a16:creationId xmlns:a16="http://schemas.microsoft.com/office/drawing/2014/main" id="{E4B88E52-FDC9-F543-ADE3-A7E12A56D018}"/>
+              </a:ext>
+            </a:extLst>
+          </p:cNvPr>
+          <p:cNvSpPr/>
+          <p:nvPr/>
+        </p:nvSpPr>
+        <p:spPr>
+          <a:xfrm>
+            <a:off x="3636423" y="2909950"/>
+            <a:ext cx="2834399" cy="1600200"/>
+          </a:xfrm>
+          <a:prstGeom prst="diamond">
+            <a:avLst/>
+          </a:prstGeom>
+          <a:noFill/>
+          <a:ln w="38100"/>
+        </p:spPr>
+        <p:style>
+          <a:lnRef idx="2">
+            <a:schemeClr val="accent1">
+              <a:shade val="50000"/>
+            </a:schemeClr>
+          </a:lnRef>
+          <a:fillRef idx="1">
+            <a:schemeClr val="accent1"/>
+          </a:fillRef>
+          <a:effectRef idx="0">
+            <a:schemeClr val="accent1"/>
+          </a:effectRef>
+          <a:fontRef idx="minor">
+            <a:schemeClr val="lt1"/>
+          </a:fontRef>
+        </p:style>
+        <p:txBody>
+          <a:bodyPr rtlCol="0" anchor="ctr"/>
+          <a:lstStyle/>
+          <a:p>
+            <a:pPr algn="ctr"/>
+            <a:endParaRPr lang="en-US"/>
+          </a:p>
+        </p:txBody>
+      </p:sp>
+      <p:sp>
+        <p:nvSpPr>
+          <p:cNvPr id="37" name="TextBox 36">
+            <a:extLst>
+              <a:ext uri="{FF2B5EF4-FFF2-40B4-BE49-F238E27FC236}">
+                <a16:creationId xmlns:a16="http://schemas.microsoft.com/office/drawing/2014/main" id="{2BDFFA84-FA8B-074A-A392-6A9295411B7C}"/>
+              </a:ext>
+            </a:extLst>
+          </p:cNvPr>
+          <p:cNvSpPr txBox="1"/>
+          <p:nvPr/>
+        </p:nvSpPr>
+        <p:spPr>
+          <a:xfrm>
+            <a:off x="4221742" y="3504438"/>
+            <a:ext cx="1518942" cy="369332"/>
+          </a:xfrm>
+          <a:prstGeom prst="rect">
+            <a:avLst/>
+          </a:prstGeom>
+          <a:noFill/>
+        </p:spPr>
+        <p:txBody>
+          <a:bodyPr wrap="none" rtlCol="0">
+            <a:spAutoFit/>
+          </a:bodyPr>
+          <a:lstStyle/>
+          <a:p>
+            <a:r>
+              <a:rPr lang="en-US" dirty="0"/>
+              <a:t>Is file a script?</a:t>
+            </a:r>
+          </a:p>
+        </p:txBody>
+      </p:sp>
+      <p:cxnSp>
+        <p:nvCxnSpPr>
+          <p:cNvPr id="39" name="Straight Arrow Connector 38">
+            <a:extLst>
+              <a:ext uri="{FF2B5EF4-FFF2-40B4-BE49-F238E27FC236}">
+                <a16:creationId xmlns:a16="http://schemas.microsoft.com/office/drawing/2014/main" id="{29039E5C-2984-B147-B664-CFC24E0C82A6}"/>
+              </a:ext>
+            </a:extLst>
+          </p:cNvPr>
+          <p:cNvCxnSpPr>
+            <a:stCxn id="35" idx="3"/>
+          </p:cNvCxnSpPr>
+          <p:nvPr/>
+        </p:nvCxnSpPr>
+        <p:spPr>
+          <a:xfrm flipV="1">
+            <a:off x="3133387" y="3689104"/>
+            <a:ext cx="503036" cy="1"/>
+          </a:xfrm>
+          <a:prstGeom prst="straightConnector1">
+            <a:avLst/>
+          </a:prstGeom>
+          <a:ln w="25400">
+            <a:tailEnd type="triangle"/>
+          </a:ln>
+        </p:spPr>
+        <p:style>
+          <a:lnRef idx="1">
+            <a:schemeClr val="accent1"/>
+          </a:lnRef>
+          <a:fillRef idx="0">
+            <a:schemeClr val="accent1"/>
+          </a:fillRef>
+          <a:effectRef idx="0">
+            <a:schemeClr val="accent1"/>
+          </a:effectRef>
+          <a:fontRef idx="minor">
+            <a:schemeClr val="tx1"/>
+          </a:fontRef>
+        </p:style>
+      </p:cxnSp>
+      <p:sp>
+        <p:nvSpPr>
+          <p:cNvPr id="40" name="Oval 39">
+            <a:extLst>
+              <a:ext uri="{FF2B5EF4-FFF2-40B4-BE49-F238E27FC236}">
+                <a16:creationId xmlns:a16="http://schemas.microsoft.com/office/drawing/2014/main" id="{01441A55-4C00-224E-BBBF-9335EC4CBFEB}"/>
+              </a:ext>
+            </a:extLst>
+          </p:cNvPr>
+          <p:cNvSpPr/>
+          <p:nvPr/>
+        </p:nvSpPr>
+        <p:spPr>
+          <a:xfrm>
+            <a:off x="7447032" y="2912182"/>
+            <a:ext cx="2180358" cy="1600200"/>
+          </a:xfrm>
+          <a:prstGeom prst="ellipse">
+            <a:avLst/>
+          </a:prstGeom>
+          <a:noFill/>
+          <a:ln w="38100"/>
+        </p:spPr>
+        <p:style>
+          <a:lnRef idx="2">
+            <a:schemeClr val="accent1">
+              <a:shade val="50000"/>
+            </a:schemeClr>
+          </a:lnRef>
+          <a:fillRef idx="1">
+            <a:schemeClr val="accent1"/>
+          </a:fillRef>
+          <a:effectRef idx="0">
+            <a:schemeClr val="accent1"/>
+          </a:effectRef>
+          <a:fontRef idx="minor">
+            <a:schemeClr val="lt1"/>
+          </a:fontRef>
+        </p:style>
+        <p:txBody>
+          <a:bodyPr rtlCol="0" anchor="ctr"/>
+          <a:lstStyle/>
+          <a:p>
+            <a:pPr algn="ctr"/>
+            <a:endParaRPr lang="en-US"/>
+          </a:p>
+        </p:txBody>
+      </p:sp>
+      <p:sp>
+        <p:nvSpPr>
+          <p:cNvPr id="41" name="TextBox 40">
+            <a:extLst>
+              <a:ext uri="{FF2B5EF4-FFF2-40B4-BE49-F238E27FC236}">
+                <a16:creationId xmlns:a16="http://schemas.microsoft.com/office/drawing/2014/main" id="{8BC029D5-CAE8-6649-9B72-40D25E6FEE2E}"/>
+              </a:ext>
+            </a:extLst>
+          </p:cNvPr>
+          <p:cNvSpPr txBox="1"/>
+          <p:nvPr/>
+        </p:nvSpPr>
+        <p:spPr>
+          <a:xfrm>
+            <a:off x="8113379" y="3281740"/>
+            <a:ext cx="1098857" cy="646331"/>
+          </a:xfrm>
+          <a:prstGeom prst="rect">
+            <a:avLst/>
+          </a:prstGeom>
+          <a:noFill/>
+        </p:spPr>
+        <p:txBody>
+          <a:bodyPr wrap="square" rtlCol="0">
+            <a:spAutoFit/>
+          </a:bodyPr>
+          <a:lstStyle/>
+          <a:p>
+            <a:r>
+              <a:rPr lang="en-US" dirty="0"/>
+              <a:t>Manually delete</a:t>
+            </a:r>
+          </a:p>
+        </p:txBody>
+      </p:sp>
+      <p:cxnSp>
+        <p:nvCxnSpPr>
+          <p:cNvPr id="43" name="Straight Arrow Connector 42">
+            <a:extLst>
+              <a:ext uri="{FF2B5EF4-FFF2-40B4-BE49-F238E27FC236}">
+                <a16:creationId xmlns:a16="http://schemas.microsoft.com/office/drawing/2014/main" id="{3E5872EE-C0F0-DB41-A46E-9B88D703212B}"/>
+              </a:ext>
+            </a:extLst>
+          </p:cNvPr>
+          <p:cNvCxnSpPr>
+            <a:stCxn id="36" idx="3"/>
+            <a:endCxn id="40" idx="2"/>
+          </p:cNvCxnSpPr>
+          <p:nvPr/>
+        </p:nvCxnSpPr>
+        <p:spPr>
+          <a:xfrm>
+            <a:off x="6470822" y="3710050"/>
+            <a:ext cx="976210" cy="2232"/>
+          </a:xfrm>
+          <a:prstGeom prst="straightConnector1">
+            <a:avLst/>
+          </a:prstGeom>
+          <a:ln>
+            <a:tailEnd type="triangle"/>
+          </a:ln>
+        </p:spPr>
+        <p:style>
+          <a:lnRef idx="1">
+            <a:schemeClr val="accent1"/>
+          </a:lnRef>
+          <a:fillRef idx="0">
+            <a:schemeClr val="accent1"/>
+          </a:fillRef>
+          <a:effectRef idx="0">
+            <a:schemeClr val="accent1"/>
+          </a:effectRef>
+          <a:fontRef idx="minor">
+            <a:schemeClr val="tx1"/>
+          </a:fontRef>
+        </p:style>
+      </p:cxnSp>
+      <p:sp>
+        <p:nvSpPr>
+          <p:cNvPr id="45" name="TextBox 44">
+            <a:extLst>
+              <a:ext uri="{FF2B5EF4-FFF2-40B4-BE49-F238E27FC236}">
+                <a16:creationId xmlns:a16="http://schemas.microsoft.com/office/drawing/2014/main" id="{E46F52EF-AD64-4E4E-9697-FBE83A7D8CF0}"/>
+              </a:ext>
+            </a:extLst>
+          </p:cNvPr>
+          <p:cNvSpPr txBox="1"/>
+          <p:nvPr/>
+        </p:nvSpPr>
+        <p:spPr>
+          <a:xfrm>
+            <a:off x="6685049" y="3559047"/>
+            <a:ext cx="486030" cy="369332"/>
+          </a:xfrm>
+          <a:prstGeom prst="rect">
+            <a:avLst/>
+          </a:prstGeom>
+          <a:solidFill>
+            <a:schemeClr val="bg1"/>
+          </a:solidFill>
+        </p:spPr>
+        <p:txBody>
+          <a:bodyPr wrap="none" rtlCol="0">
+            <a:spAutoFit/>
+          </a:bodyPr>
+          <a:lstStyle/>
+          <a:p>
+            <a:r>
+              <a:rPr lang="en-US" dirty="0"/>
+              <a:t>NO</a:t>
+            </a:r>
+          </a:p>
+        </p:txBody>
+      </p:sp>
+      <p:cxnSp>
+        <p:nvCxnSpPr>
+          <p:cNvPr id="48" name="Elbow Connector 47">
+            <a:extLst>
+              <a:ext uri="{FF2B5EF4-FFF2-40B4-BE49-F238E27FC236}">
+                <a16:creationId xmlns:a16="http://schemas.microsoft.com/office/drawing/2014/main" id="{FF306A10-F313-6849-9B20-84E07234795F}"/>
+              </a:ext>
+            </a:extLst>
+          </p:cNvPr>
+          <p:cNvCxnSpPr>
+            <a:cxnSpLocks/>
+            <a:stCxn id="36" idx="2"/>
+          </p:cNvCxnSpPr>
+          <p:nvPr/>
+        </p:nvCxnSpPr>
+        <p:spPr>
+          <a:xfrm rot="5400000">
+            <a:off x="3112472" y="3205705"/>
+            <a:ext cx="636706" cy="3245596"/>
+          </a:xfrm>
+          <a:prstGeom prst="bentConnector3">
+            <a:avLst/>
+          </a:prstGeom>
+          <a:ln>
+            <a:tailEnd type="triangle"/>
+          </a:ln>
+        </p:spPr>
+        <p:style>
+          <a:lnRef idx="1">
+            <a:schemeClr val="accent1"/>
+          </a:lnRef>
+          <a:fillRef idx="0">
+            <a:schemeClr val="accent1"/>
+          </a:fillRef>
+          <a:effectRef idx="0">
+            <a:schemeClr val="accent1"/>
+          </a:effectRef>
+          <a:fontRef idx="minor">
+            <a:schemeClr val="tx1"/>
+          </a:fontRef>
+        </p:style>
+      </p:cxnSp>
+      <p:sp>
+        <p:nvSpPr>
+          <p:cNvPr id="49" name="TextBox 48">
+            <a:extLst>
+              <a:ext uri="{FF2B5EF4-FFF2-40B4-BE49-F238E27FC236}">
+                <a16:creationId xmlns:a16="http://schemas.microsoft.com/office/drawing/2014/main" id="{0A08600A-ECE5-1341-9A57-0670BD7E7F44}"/>
+              </a:ext>
+            </a:extLst>
+          </p:cNvPr>
+          <p:cNvSpPr txBox="1"/>
+          <p:nvPr/>
+        </p:nvSpPr>
+        <p:spPr>
+          <a:xfrm>
+            <a:off x="3039062" y="4638646"/>
+            <a:ext cx="512641" cy="369332"/>
+          </a:xfrm>
+          <a:prstGeom prst="rect">
+            <a:avLst/>
+          </a:prstGeom>
+          <a:solidFill>
+            <a:schemeClr val="bg1"/>
+          </a:solidFill>
+        </p:spPr>
+        <p:txBody>
+          <a:bodyPr wrap="none" rtlCol="0">
+            <a:spAutoFit/>
+          </a:bodyPr>
+          <a:lstStyle/>
+          <a:p>
+            <a:r>
+              <a:rPr lang="en-US" dirty="0"/>
+              <a:t>YES</a:t>
+            </a:r>
+          </a:p>
+        </p:txBody>
+      </p:sp>
+      <p:sp>
+        <p:nvSpPr>
+          <p:cNvPr id="50" name="TextBox 49">
+            <a:extLst>
+              <a:ext uri="{FF2B5EF4-FFF2-40B4-BE49-F238E27FC236}">
+                <a16:creationId xmlns:a16="http://schemas.microsoft.com/office/drawing/2014/main" id="{B2B7AF2B-897E-E94D-90BC-F995531899F8}"/>
+              </a:ext>
+            </a:extLst>
+          </p:cNvPr>
+          <p:cNvSpPr txBox="1"/>
+          <p:nvPr/>
+        </p:nvSpPr>
+        <p:spPr>
+          <a:xfrm>
+            <a:off x="1082874" y="5310250"/>
+            <a:ext cx="1487010" cy="1200329"/>
+          </a:xfrm>
+          <a:prstGeom prst="rect">
+            <a:avLst/>
+          </a:prstGeom>
+          <a:noFill/>
+        </p:spPr>
+        <p:txBody>
+          <a:bodyPr wrap="square" rtlCol="0">
+            <a:spAutoFit/>
+          </a:bodyPr>
+          <a:lstStyle/>
+          <a:p>
+            <a:r>
+              <a:rPr lang="en-US" dirty="0"/>
+              <a:t>Leave alone to be converted and cleaned</a:t>
+            </a:r>
+          </a:p>
+        </p:txBody>
+      </p:sp>
+      <p:sp>
+        <p:nvSpPr>
+          <p:cNvPr id="51" name="Oval 50">
+            <a:extLst>
+              <a:ext uri="{FF2B5EF4-FFF2-40B4-BE49-F238E27FC236}">
+                <a16:creationId xmlns:a16="http://schemas.microsoft.com/office/drawing/2014/main" id="{A075FA1C-7F52-7C4C-8BE9-9C978BB7E6FA}"/>
+              </a:ext>
+            </a:extLst>
+          </p:cNvPr>
+          <p:cNvSpPr/>
+          <p:nvPr/>
+        </p:nvSpPr>
+        <p:spPr>
+          <a:xfrm>
+            <a:off x="717848" y="5146856"/>
+            <a:ext cx="2180358" cy="1600200"/>
+          </a:xfrm>
+          <a:prstGeom prst="ellipse">
+            <a:avLst/>
+          </a:prstGeom>
+          <a:noFill/>
+          <a:ln w="38100"/>
+        </p:spPr>
+        <p:style>
+          <a:lnRef idx="2">
+            <a:schemeClr val="accent1">
+              <a:shade val="50000"/>
+            </a:schemeClr>
+          </a:lnRef>
+          <a:fillRef idx="1">
+            <a:schemeClr val="accent1"/>
+          </a:fillRef>
+          <a:effectRef idx="0">
+            <a:schemeClr val="accent1"/>
+          </a:effectRef>
+          <a:fontRef idx="minor">
+            <a:schemeClr val="lt1"/>
+          </a:fontRef>
+        </p:style>
+        <p:txBody>
+          <a:bodyPr rtlCol="0" anchor="ctr"/>
+          <a:lstStyle/>
+          <a:p>
+            <a:pPr algn="ctr"/>
+            <a:endParaRPr lang="en-US"/>
           </a:p>
         </p:txBody>
       </p:sp>
       <p:pic>
         <p:nvPicPr>
-          <p:cNvPr id="6" name="Picture 5">
-            <a:extLst>
-              <a:ext uri="{FF2B5EF4-FFF2-40B4-BE49-F238E27FC236}">
-                <a16:creationId xmlns:a16="http://schemas.microsoft.com/office/drawing/2014/main" id="{3DCC1BD6-32CC-E943-9A6E-41298E7032EA}"/>
+          <p:cNvPr id="52" name="Picture 51">
+            <a:extLst>
+              <a:ext uri="{FF2B5EF4-FFF2-40B4-BE49-F238E27FC236}">
+                <a16:creationId xmlns:a16="http://schemas.microsoft.com/office/drawing/2014/main" id="{B02DFCF7-65D7-9147-A884-491BA01B19BE}"/>
               </a:ext>
             </a:extLst>
           </p:cNvPr>
@@ -7015,15 +8492,16 @@
           </p:cNvPicPr>
           <p:nvPr/>
         </p:nvPicPr>
-        <p:blipFill rotWithShape="1">
+        <p:blipFill>
           <a:blip r:embed="rId2"/>
-          <a:srcRect r="81662"/>
-          <a:stretch/>
+          <a:stretch>
+            <a:fillRect/>
+          </a:stretch>
         </p:blipFill>
         <p:spPr>
           <a:xfrm>
-            <a:off x="8511583" y="497436"/>
-            <a:ext cx="3023679" cy="1060940"/>
+            <a:off x="4981213" y="5505255"/>
+            <a:ext cx="6466609" cy="996006"/>
           </a:xfrm>
           <a:prstGeom prst="rect">
             <a:avLst/>
@@ -7033,7 +8511,7 @@
     </p:spTree>
     <p:extLst>
       <p:ext uri="{BB962C8B-B14F-4D97-AF65-F5344CB8AC3E}">
-        <p14:creationId xmlns:p14="http://schemas.microsoft.com/office/powerpoint/2010/main" val="3744304401"/>
+        <p14:creationId xmlns:p14="http://schemas.microsoft.com/office/powerpoint/2010/main" val="530208754"/>
       </p:ext>
     </p:extLst>
   </p:cSld>
@@ -7062,65 +8540,607 @@
       </p:grpSpPr>
       <p:sp>
         <p:nvSpPr>
-          <p:cNvPr id="2" name="Title 1">
-            <a:extLst>
-              <a:ext uri="{FF2B5EF4-FFF2-40B4-BE49-F238E27FC236}">
-                <a16:creationId xmlns:a16="http://schemas.microsoft.com/office/drawing/2014/main" id="{A094A972-16BD-C84C-B6C6-BCFF349DA198}"/>
-              </a:ext>
-            </a:extLst>
-          </p:cNvPr>
-          <p:cNvSpPr>
-            <a:spLocks noGrp="1"/>
-          </p:cNvSpPr>
-          <p:nvPr>
-            <p:ph type="title"/>
-          </p:nvPr>
-        </p:nvSpPr>
-        <p:spPr/>
-        <p:txBody>
-          <a:bodyPr/>
-          <a:lstStyle/>
-          <a:p>
-            <a:r>
-              <a:rPr lang="en-US" dirty="0"/>
-              <a:t>Ratings</a:t>
-            </a:r>
-          </a:p>
-        </p:txBody>
-      </p:sp>
-      <p:pic>
-        <p:nvPicPr>
-          <p:cNvPr id="5" name="Content Placeholder 4">
-            <a:extLst>
-              <a:ext uri="{FF2B5EF4-FFF2-40B4-BE49-F238E27FC236}">
-                <a16:creationId xmlns:a16="http://schemas.microsoft.com/office/drawing/2014/main" id="{7753F380-B4B8-3A43-A1B2-28207CE99E5D}"/>
-              </a:ext>
-            </a:extLst>
-          </p:cNvPr>
-          <p:cNvPicPr>
-            <a:picLocks noGrp="1" noChangeAspect="1"/>
-          </p:cNvPicPr>
-          <p:nvPr>
-            <p:ph idx="1"/>
-          </p:nvPr>
-        </p:nvPicPr>
-        <p:blipFill>
-          <a:blip r:embed="rId3"/>
-          <a:stretch>
-            <a:fillRect/>
-          </a:stretch>
-        </p:blipFill>
+          <p:cNvPr id="5" name="Oval 4">
+            <a:extLst>
+              <a:ext uri="{FF2B5EF4-FFF2-40B4-BE49-F238E27FC236}">
+                <a16:creationId xmlns:a16="http://schemas.microsoft.com/office/drawing/2014/main" id="{1002C402-889D-A244-AAC9-B4653C867967}"/>
+              </a:ext>
+            </a:extLst>
+          </p:cNvPr>
+          <p:cNvSpPr/>
+          <p:nvPr/>
+        </p:nvSpPr>
         <p:spPr>
           <a:xfrm>
-            <a:off x="3486150" y="1931194"/>
-            <a:ext cx="5219700" cy="4140200"/>
+            <a:off x="515745" y="772139"/>
+            <a:ext cx="2180358" cy="1600200"/>
           </a:xfrm>
+          <a:prstGeom prst="ellipse">
+            <a:avLst/>
+          </a:prstGeom>
+          <a:noFill/>
+          <a:ln w="38100"/>
         </p:spPr>
-      </p:pic>
+        <p:style>
+          <a:lnRef idx="2">
+            <a:schemeClr val="accent1">
+              <a:shade val="50000"/>
+            </a:schemeClr>
+          </a:lnRef>
+          <a:fillRef idx="1">
+            <a:schemeClr val="accent1"/>
+          </a:fillRef>
+          <a:effectRef idx="0">
+            <a:schemeClr val="accent1"/>
+          </a:effectRef>
+          <a:fontRef idx="minor">
+            <a:schemeClr val="lt1"/>
+          </a:fontRef>
+        </p:style>
+        <p:txBody>
+          <a:bodyPr rtlCol="0" anchor="ctr"/>
+          <a:lstStyle/>
+          <a:p>
+            <a:pPr algn="ctr"/>
+            <a:endParaRPr lang="en-US"/>
+          </a:p>
+        </p:txBody>
+      </p:sp>
+      <p:sp>
+        <p:nvSpPr>
+          <p:cNvPr id="6" name="TextBox 5">
+            <a:extLst>
+              <a:ext uri="{FF2B5EF4-FFF2-40B4-BE49-F238E27FC236}">
+                <a16:creationId xmlns:a16="http://schemas.microsoft.com/office/drawing/2014/main" id="{D06FDD99-0BCF-B94A-82D5-35444FC25FD6}"/>
+              </a:ext>
+            </a:extLst>
+          </p:cNvPr>
+          <p:cNvSpPr txBox="1"/>
+          <p:nvPr/>
+        </p:nvSpPr>
+        <p:spPr>
+          <a:xfrm>
+            <a:off x="1024707" y="1130655"/>
+            <a:ext cx="1330037" cy="923330"/>
+          </a:xfrm>
+          <a:prstGeom prst="rect">
+            <a:avLst/>
+          </a:prstGeom>
+          <a:noFill/>
+        </p:spPr>
+        <p:txBody>
+          <a:bodyPr wrap="square" rtlCol="0">
+            <a:spAutoFit/>
+          </a:bodyPr>
+          <a:lstStyle/>
+          <a:p>
+            <a:r>
+              <a:rPr lang="en-US" dirty="0"/>
+              <a:t>Scripts as files on computer</a:t>
+            </a:r>
+          </a:p>
+        </p:txBody>
+      </p:sp>
+      <p:sp>
+        <p:nvSpPr>
+          <p:cNvPr id="7" name="Rectangle 6">
+            <a:extLst>
+              <a:ext uri="{FF2B5EF4-FFF2-40B4-BE49-F238E27FC236}">
+                <a16:creationId xmlns:a16="http://schemas.microsoft.com/office/drawing/2014/main" id="{BB930BB7-D7F7-AF4E-9F58-160D1DAE0E23}"/>
+              </a:ext>
+            </a:extLst>
+          </p:cNvPr>
+          <p:cNvSpPr/>
+          <p:nvPr/>
+        </p:nvSpPr>
+        <p:spPr>
+          <a:xfrm>
+            <a:off x="3318363" y="816100"/>
+            <a:ext cx="2579876" cy="1512277"/>
+          </a:xfrm>
+          <a:prstGeom prst="rect">
+            <a:avLst/>
+          </a:prstGeom>
+          <a:noFill/>
+          <a:ln w="38100"/>
+        </p:spPr>
+        <p:style>
+          <a:lnRef idx="2">
+            <a:schemeClr val="accent1">
+              <a:shade val="50000"/>
+            </a:schemeClr>
+          </a:lnRef>
+          <a:fillRef idx="1">
+            <a:schemeClr val="accent1"/>
+          </a:fillRef>
+          <a:effectRef idx="0">
+            <a:schemeClr val="accent1"/>
+          </a:effectRef>
+          <a:fontRef idx="minor">
+            <a:schemeClr val="lt1"/>
+          </a:fontRef>
+        </p:style>
+        <p:txBody>
+          <a:bodyPr rtlCol="0" anchor="ctr"/>
+          <a:lstStyle/>
+          <a:p>
+            <a:pPr algn="ctr"/>
+            <a:endParaRPr lang="en-US"/>
+          </a:p>
+        </p:txBody>
+      </p:sp>
+      <p:sp>
+        <p:nvSpPr>
+          <p:cNvPr id="8" name="TextBox 7">
+            <a:extLst>
+              <a:ext uri="{FF2B5EF4-FFF2-40B4-BE49-F238E27FC236}">
+                <a16:creationId xmlns:a16="http://schemas.microsoft.com/office/drawing/2014/main" id="{F7AF3FEE-83F5-B44D-A25B-E952DB322F52}"/>
+              </a:ext>
+            </a:extLst>
+          </p:cNvPr>
+          <p:cNvSpPr txBox="1"/>
+          <p:nvPr/>
+        </p:nvSpPr>
+        <p:spPr>
+          <a:xfrm>
+            <a:off x="3689643" y="972073"/>
+            <a:ext cx="1860763" cy="1200329"/>
+          </a:xfrm>
+          <a:prstGeom prst="rect">
+            <a:avLst/>
+          </a:prstGeom>
+          <a:noFill/>
+        </p:spPr>
+        <p:txBody>
+          <a:bodyPr wrap="square" rtlCol="0">
+            <a:spAutoFit/>
+          </a:bodyPr>
+          <a:lstStyle/>
+          <a:p>
+            <a:r>
+              <a:rPr lang="en-US" dirty="0"/>
+              <a:t>Write functions that convert other file types to .txt format</a:t>
+            </a:r>
+          </a:p>
+        </p:txBody>
+      </p:sp>
+      <p:sp>
+        <p:nvSpPr>
+          <p:cNvPr id="10" name="TextBox 9">
+            <a:extLst>
+              <a:ext uri="{FF2B5EF4-FFF2-40B4-BE49-F238E27FC236}">
+                <a16:creationId xmlns:a16="http://schemas.microsoft.com/office/drawing/2014/main" id="{A81F951C-28CB-274A-9C4C-26CBAA29B5C4}"/>
+              </a:ext>
+            </a:extLst>
+          </p:cNvPr>
+          <p:cNvSpPr txBox="1"/>
+          <p:nvPr/>
+        </p:nvSpPr>
+        <p:spPr>
+          <a:xfrm>
+            <a:off x="2914493" y="3557537"/>
+            <a:ext cx="1780834" cy="923330"/>
+          </a:xfrm>
+          <a:prstGeom prst="rect">
+            <a:avLst/>
+          </a:prstGeom>
+          <a:noFill/>
+        </p:spPr>
+        <p:txBody>
+          <a:bodyPr wrap="square" rtlCol="0">
+            <a:spAutoFit/>
+          </a:bodyPr>
+          <a:lstStyle/>
+          <a:p>
+            <a:r>
+              <a:rPr lang="en-US" dirty="0"/>
+              <a:t>Convert script text into bag-of-words</a:t>
+            </a:r>
+          </a:p>
+        </p:txBody>
+      </p:sp>
+      <p:cxnSp>
+        <p:nvCxnSpPr>
+          <p:cNvPr id="15" name="Straight Arrow Connector 14">
+            <a:extLst>
+              <a:ext uri="{FF2B5EF4-FFF2-40B4-BE49-F238E27FC236}">
+                <a16:creationId xmlns:a16="http://schemas.microsoft.com/office/drawing/2014/main" id="{6A9A2DC3-FD86-184F-9438-09AC993396E2}"/>
+              </a:ext>
+            </a:extLst>
+          </p:cNvPr>
+          <p:cNvCxnSpPr>
+            <a:cxnSpLocks/>
+            <a:stCxn id="5" idx="6"/>
+            <a:endCxn id="7" idx="1"/>
+          </p:cNvCxnSpPr>
+          <p:nvPr/>
+        </p:nvCxnSpPr>
+        <p:spPr>
+          <a:xfrm>
+            <a:off x="2696103" y="1572239"/>
+            <a:ext cx="622260" cy="0"/>
+          </a:xfrm>
+          <a:prstGeom prst="straightConnector1">
+            <a:avLst/>
+          </a:prstGeom>
+          <a:ln w="25400">
+            <a:tailEnd type="triangle"/>
+          </a:ln>
+        </p:spPr>
+        <p:style>
+          <a:lnRef idx="1">
+            <a:schemeClr val="accent1"/>
+          </a:lnRef>
+          <a:fillRef idx="0">
+            <a:schemeClr val="accent1"/>
+          </a:fillRef>
+          <a:effectRef idx="0">
+            <a:schemeClr val="accent1"/>
+          </a:effectRef>
+          <a:fontRef idx="minor">
+            <a:schemeClr val="tx1"/>
+          </a:fontRef>
+        </p:style>
+      </p:cxnSp>
+      <p:sp>
+        <p:nvSpPr>
+          <p:cNvPr id="17" name="TextBox 16">
+            <a:extLst>
+              <a:ext uri="{FF2B5EF4-FFF2-40B4-BE49-F238E27FC236}">
+                <a16:creationId xmlns:a16="http://schemas.microsoft.com/office/drawing/2014/main" id="{A73F3024-8047-164E-96F0-521F68959C35}"/>
+              </a:ext>
+            </a:extLst>
+          </p:cNvPr>
+          <p:cNvSpPr txBox="1"/>
+          <p:nvPr/>
+        </p:nvSpPr>
+        <p:spPr>
+          <a:xfrm>
+            <a:off x="6813872" y="1166090"/>
+            <a:ext cx="1836216" cy="923330"/>
+          </a:xfrm>
+          <a:prstGeom prst="rect">
+            <a:avLst/>
+          </a:prstGeom>
+          <a:noFill/>
+        </p:spPr>
+        <p:txBody>
+          <a:bodyPr wrap="square" rtlCol="0">
+            <a:spAutoFit/>
+          </a:bodyPr>
+          <a:lstStyle/>
+          <a:p>
+            <a:r>
+              <a:rPr lang="en-US" dirty="0"/>
+              <a:t>Read converted files into Pandas </a:t>
+            </a:r>
+            <a:r>
+              <a:rPr lang="en-US" dirty="0" err="1"/>
+              <a:t>dataframe</a:t>
+            </a:r>
+            <a:r>
+              <a:rPr lang="en-US" dirty="0"/>
+              <a:t> </a:t>
+            </a:r>
+          </a:p>
+        </p:txBody>
+      </p:sp>
+      <p:cxnSp>
+        <p:nvCxnSpPr>
+          <p:cNvPr id="24" name="Straight Arrow Connector 23">
+            <a:extLst>
+              <a:ext uri="{FF2B5EF4-FFF2-40B4-BE49-F238E27FC236}">
+                <a16:creationId xmlns:a16="http://schemas.microsoft.com/office/drawing/2014/main" id="{4C014CFD-F0F5-E446-B777-0F44C4800437}"/>
+              </a:ext>
+            </a:extLst>
+          </p:cNvPr>
+          <p:cNvCxnSpPr>
+            <a:cxnSpLocks/>
+            <a:stCxn id="7" idx="3"/>
+          </p:cNvCxnSpPr>
+          <p:nvPr/>
+        </p:nvCxnSpPr>
+        <p:spPr>
+          <a:xfrm>
+            <a:off x="5898239" y="1572239"/>
+            <a:ext cx="541520" cy="0"/>
+          </a:xfrm>
+          <a:prstGeom prst="straightConnector1">
+            <a:avLst/>
+          </a:prstGeom>
+          <a:ln w="25400">
+            <a:tailEnd type="triangle"/>
+          </a:ln>
+        </p:spPr>
+        <p:style>
+          <a:lnRef idx="1">
+            <a:schemeClr val="accent1"/>
+          </a:lnRef>
+          <a:fillRef idx="0">
+            <a:schemeClr val="accent1"/>
+          </a:fillRef>
+          <a:effectRef idx="0">
+            <a:schemeClr val="accent1"/>
+          </a:effectRef>
+          <a:fontRef idx="minor">
+            <a:schemeClr val="tx1"/>
+          </a:fontRef>
+        </p:style>
+      </p:cxnSp>
+      <p:cxnSp>
+        <p:nvCxnSpPr>
+          <p:cNvPr id="32" name="Elbow Connector 31">
+            <a:extLst>
+              <a:ext uri="{FF2B5EF4-FFF2-40B4-BE49-F238E27FC236}">
+                <a16:creationId xmlns:a16="http://schemas.microsoft.com/office/drawing/2014/main" id="{2534062B-4FB0-254D-B218-2C42F5BC4C41}"/>
+              </a:ext>
+            </a:extLst>
+          </p:cNvPr>
+          <p:cNvCxnSpPr>
+            <a:cxnSpLocks/>
+            <a:stCxn id="38" idx="2"/>
+            <a:endCxn id="35" idx="0"/>
+          </p:cNvCxnSpPr>
+          <p:nvPr/>
+        </p:nvCxnSpPr>
+        <p:spPr>
+          <a:xfrm rot="5400000">
+            <a:off x="5284391" y="848980"/>
+            <a:ext cx="959010" cy="3937269"/>
+          </a:xfrm>
+          <a:prstGeom prst="bentConnector3">
+            <a:avLst/>
+          </a:prstGeom>
+          <a:ln w="25400">
+            <a:tailEnd type="triangle"/>
+          </a:ln>
+        </p:spPr>
+        <p:style>
+          <a:lnRef idx="1">
+            <a:schemeClr val="accent1"/>
+          </a:lnRef>
+          <a:fillRef idx="0">
+            <a:schemeClr val="accent1"/>
+          </a:fillRef>
+          <a:effectRef idx="0">
+            <a:schemeClr val="accent1"/>
+          </a:effectRef>
+          <a:fontRef idx="minor">
+            <a:schemeClr val="tx1"/>
+          </a:fontRef>
+        </p:style>
+      </p:cxnSp>
+      <p:sp>
+        <p:nvSpPr>
+          <p:cNvPr id="35" name="Rectangle 34">
+            <a:extLst>
+              <a:ext uri="{FF2B5EF4-FFF2-40B4-BE49-F238E27FC236}">
+                <a16:creationId xmlns:a16="http://schemas.microsoft.com/office/drawing/2014/main" id="{5D8A72A3-99A8-FF42-8347-6A6ADAEBA718}"/>
+              </a:ext>
+            </a:extLst>
+          </p:cNvPr>
+          <p:cNvSpPr/>
+          <p:nvPr/>
+        </p:nvSpPr>
+        <p:spPr>
+          <a:xfrm>
+            <a:off x="2505323" y="3297119"/>
+            <a:ext cx="2579876" cy="1512277"/>
+          </a:xfrm>
+          <a:prstGeom prst="rect">
+            <a:avLst/>
+          </a:prstGeom>
+          <a:noFill/>
+          <a:ln w="38100"/>
+        </p:spPr>
+        <p:style>
+          <a:lnRef idx="2">
+            <a:schemeClr val="accent1">
+              <a:shade val="50000"/>
+            </a:schemeClr>
+          </a:lnRef>
+          <a:fillRef idx="1">
+            <a:schemeClr val="accent1"/>
+          </a:fillRef>
+          <a:effectRef idx="0">
+            <a:schemeClr val="accent1"/>
+          </a:effectRef>
+          <a:fontRef idx="minor">
+            <a:schemeClr val="lt1"/>
+          </a:fontRef>
+        </p:style>
+        <p:txBody>
+          <a:bodyPr rtlCol="0" anchor="ctr"/>
+          <a:lstStyle/>
+          <a:p>
+            <a:pPr algn="ctr"/>
+            <a:endParaRPr lang="en-US"/>
+          </a:p>
+        </p:txBody>
+      </p:sp>
+      <p:cxnSp>
+        <p:nvCxnSpPr>
+          <p:cNvPr id="39" name="Straight Arrow Connector 38">
+            <a:extLst>
+              <a:ext uri="{FF2B5EF4-FFF2-40B4-BE49-F238E27FC236}">
+                <a16:creationId xmlns:a16="http://schemas.microsoft.com/office/drawing/2014/main" id="{29039E5C-2984-B147-B664-CFC24E0C82A6}"/>
+              </a:ext>
+            </a:extLst>
+          </p:cNvPr>
+          <p:cNvCxnSpPr>
+            <a:cxnSpLocks/>
+            <a:stCxn id="35" idx="3"/>
+            <a:endCxn id="34" idx="2"/>
+          </p:cNvCxnSpPr>
+          <p:nvPr/>
+        </p:nvCxnSpPr>
+        <p:spPr>
+          <a:xfrm flipV="1">
+            <a:off x="5085199" y="4053257"/>
+            <a:ext cx="584494" cy="1"/>
+          </a:xfrm>
+          <a:prstGeom prst="straightConnector1">
+            <a:avLst/>
+          </a:prstGeom>
+          <a:ln w="25400">
+            <a:tailEnd type="triangle"/>
+          </a:ln>
+        </p:spPr>
+        <p:style>
+          <a:lnRef idx="1">
+            <a:schemeClr val="accent1"/>
+          </a:lnRef>
+          <a:fillRef idx="0">
+            <a:schemeClr val="accent1"/>
+          </a:fillRef>
+          <a:effectRef idx="0">
+            <a:schemeClr val="accent1"/>
+          </a:effectRef>
+          <a:fontRef idx="minor">
+            <a:schemeClr val="tx1"/>
+          </a:fontRef>
+        </p:style>
+      </p:cxnSp>
+      <p:sp>
+        <p:nvSpPr>
+          <p:cNvPr id="50" name="TextBox 49">
+            <a:extLst>
+              <a:ext uri="{FF2B5EF4-FFF2-40B4-BE49-F238E27FC236}">
+                <a16:creationId xmlns:a16="http://schemas.microsoft.com/office/drawing/2014/main" id="{B2B7AF2B-897E-E94D-90BC-F995531899F8}"/>
+              </a:ext>
+            </a:extLst>
+          </p:cNvPr>
+          <p:cNvSpPr txBox="1"/>
+          <p:nvPr/>
+        </p:nvSpPr>
+        <p:spPr>
+          <a:xfrm>
+            <a:off x="6096000" y="3730092"/>
+            <a:ext cx="1782517" cy="646331"/>
+          </a:xfrm>
+          <a:prstGeom prst="rect">
+            <a:avLst/>
+          </a:prstGeom>
+          <a:noFill/>
+        </p:spPr>
+        <p:txBody>
+          <a:bodyPr wrap="square" rtlCol="0">
+            <a:spAutoFit/>
+          </a:bodyPr>
+          <a:lstStyle/>
+          <a:p>
+            <a:r>
+              <a:rPr lang="en-US" dirty="0"/>
+              <a:t>Save resulting </a:t>
+            </a:r>
+            <a:r>
+              <a:rPr lang="en-US" dirty="0" err="1"/>
+              <a:t>dataframe</a:t>
+            </a:r>
+            <a:endParaRPr lang="en-US" dirty="0"/>
+          </a:p>
+        </p:txBody>
+      </p:sp>
+      <p:sp>
+        <p:nvSpPr>
+          <p:cNvPr id="34" name="Oval 33">
+            <a:extLst>
+              <a:ext uri="{FF2B5EF4-FFF2-40B4-BE49-F238E27FC236}">
+                <a16:creationId xmlns:a16="http://schemas.microsoft.com/office/drawing/2014/main" id="{BBCD18AB-D313-DC40-BAC7-081DAC36C157}"/>
+              </a:ext>
+            </a:extLst>
+          </p:cNvPr>
+          <p:cNvSpPr/>
+          <p:nvPr/>
+        </p:nvSpPr>
+        <p:spPr>
+          <a:xfrm>
+            <a:off x="5669693" y="3253157"/>
+            <a:ext cx="2180358" cy="1600200"/>
+          </a:xfrm>
+          <a:prstGeom prst="ellipse">
+            <a:avLst/>
+          </a:prstGeom>
+          <a:noFill/>
+          <a:ln w="38100"/>
+        </p:spPr>
+        <p:style>
+          <a:lnRef idx="2">
+            <a:schemeClr val="accent1">
+              <a:shade val="50000"/>
+            </a:schemeClr>
+          </a:lnRef>
+          <a:fillRef idx="1">
+            <a:schemeClr val="accent1"/>
+          </a:fillRef>
+          <a:effectRef idx="0">
+            <a:schemeClr val="accent1"/>
+          </a:effectRef>
+          <a:fontRef idx="minor">
+            <a:schemeClr val="lt1"/>
+          </a:fontRef>
+        </p:style>
+        <p:txBody>
+          <a:bodyPr rtlCol="0" anchor="ctr"/>
+          <a:lstStyle/>
+          <a:p>
+            <a:pPr algn="ctr"/>
+            <a:endParaRPr lang="en-US"/>
+          </a:p>
+        </p:txBody>
+      </p:sp>
+      <p:sp>
+        <p:nvSpPr>
+          <p:cNvPr id="38" name="Rectangle 37">
+            <a:extLst>
+              <a:ext uri="{FF2B5EF4-FFF2-40B4-BE49-F238E27FC236}">
+                <a16:creationId xmlns:a16="http://schemas.microsoft.com/office/drawing/2014/main" id="{93A4BC71-75E4-AB41-B7BC-710EFE7C7212}"/>
+              </a:ext>
+            </a:extLst>
+          </p:cNvPr>
+          <p:cNvSpPr/>
+          <p:nvPr/>
+        </p:nvSpPr>
+        <p:spPr>
+          <a:xfrm>
+            <a:off x="6442592" y="825832"/>
+            <a:ext cx="2579876" cy="1512277"/>
+          </a:xfrm>
+          <a:prstGeom prst="rect">
+            <a:avLst/>
+          </a:prstGeom>
+          <a:noFill/>
+          <a:ln w="38100"/>
+        </p:spPr>
+        <p:style>
+          <a:lnRef idx="2">
+            <a:schemeClr val="accent1">
+              <a:shade val="50000"/>
+            </a:schemeClr>
+          </a:lnRef>
+          <a:fillRef idx="1">
+            <a:schemeClr val="accent1"/>
+          </a:fillRef>
+          <a:effectRef idx="0">
+            <a:schemeClr val="accent1"/>
+          </a:effectRef>
+          <a:fontRef idx="minor">
+            <a:schemeClr val="lt1"/>
+          </a:fontRef>
+        </p:style>
+        <p:txBody>
+          <a:bodyPr rtlCol="0" anchor="ctr"/>
+          <a:lstStyle/>
+          <a:p>
+            <a:pPr algn="ctr"/>
+            <a:endParaRPr lang="en-US"/>
+          </a:p>
+        </p:txBody>
+      </p:sp>
     </p:spTree>
     <p:extLst>
       <p:ext uri="{BB962C8B-B14F-4D97-AF65-F5344CB8AC3E}">
-        <p14:creationId xmlns:p14="http://schemas.microsoft.com/office/powerpoint/2010/main" val="2096770488"/>
+        <p14:creationId xmlns:p14="http://schemas.microsoft.com/office/powerpoint/2010/main" val="4291127849"/>
       </p:ext>
     </p:extLst>
   </p:cSld>
@@ -7152,7 +9172,7 @@
           <p:cNvPr id="2" name="Title 1">
             <a:extLst>
               <a:ext uri="{FF2B5EF4-FFF2-40B4-BE49-F238E27FC236}">
-                <a16:creationId xmlns:a16="http://schemas.microsoft.com/office/drawing/2014/main" id="{CF63BFB0-8CC6-414E-95B8-E9B6E633E58A}"/>
+                <a16:creationId xmlns:a16="http://schemas.microsoft.com/office/drawing/2014/main" id="{37992EE7-2656-DB48-9C8F-E479CA8452BA}"/>
               </a:ext>
             </a:extLst>
           </p:cNvPr>
@@ -7170,7 +9190,7 @@
           <a:p>
             <a:r>
               <a:rPr lang="en-US" dirty="0"/>
-              <a:t>Rated Movies</a:t>
+              <a:t>“Bag of words”</a:t>
             </a:r>
           </a:p>
         </p:txBody>
@@ -7180,7 +9200,7 @@
           <p:cNvPr id="3" name="Content Placeholder 2">
             <a:extLst>
               <a:ext uri="{FF2B5EF4-FFF2-40B4-BE49-F238E27FC236}">
-                <a16:creationId xmlns:a16="http://schemas.microsoft.com/office/drawing/2014/main" id="{97894189-9421-2B4D-B668-3D1B83AA75D0}"/>
+                <a16:creationId xmlns:a16="http://schemas.microsoft.com/office/drawing/2014/main" id="{9AC0ADC2-3503-1C43-ADC3-EF414A53A1C3}"/>
               </a:ext>
             </a:extLst>
           </p:cNvPr>
@@ -7197,102 +9217,34 @@
           <a:lstStyle/>
           <a:p>
             <a:r>
-              <a:rPr lang="en-US" dirty="0">
-                <a:solidFill>
-                  <a:schemeClr val="bg1">
-                    <a:lumMod val="65000"/>
-                  </a:schemeClr>
-                </a:solidFill>
-              </a:rPr>
-              <a:t>Use IMDB rating system</a:t>
-            </a:r>
-          </a:p>
-          <a:p>
-            <a:pPr lvl="1"/>
-            <a:r>
-              <a:rPr lang="en-US" dirty="0">
-                <a:solidFill>
-                  <a:schemeClr val="bg1">
-                    <a:lumMod val="65000"/>
-                  </a:schemeClr>
-                </a:solidFill>
-              </a:rPr>
-              <a:t>Out of ten stars</a:t>
-            </a:r>
-          </a:p>
-          <a:p>
-            <a:r>
-              <a:rPr lang="en-US" dirty="0">
-                <a:solidFill>
-                  <a:schemeClr val="bg1">
-                    <a:lumMod val="65000"/>
-                  </a:schemeClr>
-                </a:solidFill>
-              </a:rPr>
-              <a:t>Data also included genre of the film</a:t>
-            </a:r>
-          </a:p>
-          <a:p>
-            <a:r>
               <a:rPr lang="en-US" dirty="0"/>
-              <a:t>Came in multiple files </a:t>
-            </a:r>
-          </a:p>
-          <a:p>
-            <a:pPr lvl="1"/>
+              <a:t>Take the text and represent it as individual words out of context </a:t>
+            </a:r>
+          </a:p>
+          <a:p>
             <a:r>
               <a:rPr lang="en-US" dirty="0"/>
-              <a:t>Join files to get genre, movie name, and ratings</a:t>
-            </a:r>
+              <a:t>Count how many times a word appears in each individual text</a:t>
+            </a:r>
+          </a:p>
+          <a:p>
+            <a:endParaRPr lang="en-US" dirty="0"/>
           </a:p>
           <a:p>
             <a:r>
               <a:rPr lang="en-US" dirty="0"/>
-              <a:t>Convert genres into “bag-of-words”</a:t>
-            </a:r>
-          </a:p>
-          <a:p>
-            <a:pPr lvl="1"/>
-            <a:r>
-              <a:rPr lang="en-US" dirty="0"/>
-              <a:t>Add the genres to the ”bag-of-words” from the scripts</a:t>
-            </a:r>
-          </a:p>
-        </p:txBody>
-      </p:sp>
-      <p:pic>
-        <p:nvPicPr>
-          <p:cNvPr id="6" name="Picture 5">
-            <a:extLst>
-              <a:ext uri="{FF2B5EF4-FFF2-40B4-BE49-F238E27FC236}">
-                <a16:creationId xmlns:a16="http://schemas.microsoft.com/office/drawing/2014/main" id="{3DCC1BD6-32CC-E943-9A6E-41298E7032EA}"/>
-              </a:ext>
-            </a:extLst>
-          </p:cNvPr>
-          <p:cNvPicPr>
-            <a:picLocks noChangeAspect="1"/>
-          </p:cNvPicPr>
-          <p:nvPr/>
-        </p:nvPicPr>
-        <p:blipFill rotWithShape="1">
-          <a:blip r:embed="rId2"/>
-          <a:srcRect r="81662"/>
-          <a:stretch/>
-        </p:blipFill>
-        <p:spPr>
-          <a:xfrm>
-            <a:off x="8511583" y="497436"/>
-            <a:ext cx="3023679" cy="1060940"/>
-          </a:xfrm>
-          <a:prstGeom prst="rect">
-            <a:avLst/>
-          </a:prstGeom>
-        </p:spPr>
-      </p:pic>
+              <a:t>Words are the features; count of appearances is the data</a:t>
+            </a:r>
+          </a:p>
+          <a:p>
+            <a:endParaRPr lang="en-US" dirty="0"/>
+          </a:p>
+        </p:txBody>
+      </p:sp>
     </p:spTree>
     <p:extLst>
       <p:ext uri="{BB962C8B-B14F-4D97-AF65-F5344CB8AC3E}">
-        <p14:creationId xmlns:p14="http://schemas.microsoft.com/office/powerpoint/2010/main" val="3217089134"/>
+        <p14:creationId xmlns:p14="http://schemas.microsoft.com/office/powerpoint/2010/main" val="3450434851"/>
       </p:ext>
     </p:extLst>
   </p:cSld>
@@ -7324,15 +9276,15 @@
           <p:cNvPr id="2" name="Title 1">
             <a:extLst>
               <a:ext uri="{FF2B5EF4-FFF2-40B4-BE49-F238E27FC236}">
-                <a16:creationId xmlns:a16="http://schemas.microsoft.com/office/drawing/2014/main" id="{7D739360-247B-F14B-BD26-68255C67ACAB}"/>
-              </a:ext>
-            </a:extLst>
-          </p:cNvPr>
-          <p:cNvSpPr>
-            <a:spLocks noGrp="1"/>
-          </p:cNvSpPr>
-          <p:nvPr>
-            <p:ph type="title"/>
+                <a16:creationId xmlns:a16="http://schemas.microsoft.com/office/drawing/2014/main" id="{E679CFCD-05AF-6E41-98A7-4F75A17BD309}"/>
+              </a:ext>
+            </a:extLst>
+          </p:cNvPr>
+          <p:cNvSpPr>
+            <a:spLocks noGrp="1"/>
+          </p:cNvSpPr>
+          <p:nvPr>
+            <p:ph type="ctrTitle"/>
           </p:nvPr>
         </p:nvSpPr>
         <p:spPr/>
@@ -7342,44 +9294,40 @@
           <a:p>
             <a:r>
               <a:rPr lang="en-US" dirty="0"/>
-              <a:t>Ratings by Genre</a:t>
-            </a:r>
-          </a:p>
-        </p:txBody>
-      </p:sp>
-      <p:pic>
-        <p:nvPicPr>
-          <p:cNvPr id="5" name="Content Placeholder 4">
-            <a:extLst>
-              <a:ext uri="{FF2B5EF4-FFF2-40B4-BE49-F238E27FC236}">
-                <a16:creationId xmlns:a16="http://schemas.microsoft.com/office/drawing/2014/main" id="{234CA692-9235-0043-863C-5D1E65470C06}"/>
-              </a:ext>
-            </a:extLst>
-          </p:cNvPr>
-          <p:cNvPicPr>
-            <a:picLocks noGrp="1" noChangeAspect="1"/>
-          </p:cNvPicPr>
-          <p:nvPr>
-            <p:ph idx="1"/>
-          </p:nvPr>
-        </p:nvPicPr>
-        <p:blipFill>
-          <a:blip r:embed="rId2"/>
-          <a:stretch>
-            <a:fillRect/>
-          </a:stretch>
-        </p:blipFill>
-        <p:spPr>
-          <a:xfrm>
-            <a:off x="3187700" y="1931194"/>
-            <a:ext cx="5816600" cy="4140200"/>
-          </a:xfrm>
-        </p:spPr>
-      </p:pic>
+              <a:t>Finding Ratings</a:t>
+            </a:r>
+          </a:p>
+        </p:txBody>
+      </p:sp>
+      <p:sp>
+        <p:nvSpPr>
+          <p:cNvPr id="3" name="Subtitle 2">
+            <a:extLst>
+              <a:ext uri="{FF2B5EF4-FFF2-40B4-BE49-F238E27FC236}">
+                <a16:creationId xmlns:a16="http://schemas.microsoft.com/office/drawing/2014/main" id="{FE6B6AA1-DBC5-514A-9F86-8A4F4FCAA826}"/>
+              </a:ext>
+            </a:extLst>
+          </p:cNvPr>
+          <p:cNvSpPr>
+            <a:spLocks noGrp="1"/>
+          </p:cNvSpPr>
+          <p:nvPr>
+            <p:ph type="subTitle" idx="1"/>
+          </p:nvPr>
+        </p:nvSpPr>
+        <p:spPr/>
+        <p:txBody>
+          <a:bodyPr/>
+          <a:lstStyle/>
+          <a:p>
+            <a:endParaRPr lang="en-US"/>
+          </a:p>
+        </p:txBody>
+      </p:sp>
     </p:spTree>
     <p:extLst>
       <p:ext uri="{BB962C8B-B14F-4D97-AF65-F5344CB8AC3E}">
-        <p14:creationId xmlns:p14="http://schemas.microsoft.com/office/powerpoint/2010/main" val="2649599306"/>
+        <p14:creationId xmlns:p14="http://schemas.microsoft.com/office/powerpoint/2010/main" val="4193956004"/>
       </p:ext>
     </p:extLst>
   </p:cSld>
@@ -7411,7 +9359,7 @@
           <p:cNvPr id="2" name="Title 1">
             <a:extLst>
               <a:ext uri="{FF2B5EF4-FFF2-40B4-BE49-F238E27FC236}">
-                <a16:creationId xmlns:a16="http://schemas.microsoft.com/office/drawing/2014/main" id="{16D01C5D-C789-4548-A676-B078EF0EFD25}"/>
+                <a16:creationId xmlns:a16="http://schemas.microsoft.com/office/drawing/2014/main" id="{CF63BFB0-8CC6-414E-95B8-E9B6E633E58A}"/>
               </a:ext>
             </a:extLst>
           </p:cNvPr>
@@ -7429,7 +9377,7 @@
           <a:p>
             <a:r>
               <a:rPr lang="en-US" dirty="0"/>
-              <a:t>Making the Recommender</a:t>
+              <a:t>Rated Movies</a:t>
             </a:r>
           </a:p>
         </p:txBody>
@@ -7439,7 +9387,7 @@
           <p:cNvPr id="3" name="Content Placeholder 2">
             <a:extLst>
               <a:ext uri="{FF2B5EF4-FFF2-40B4-BE49-F238E27FC236}">
-                <a16:creationId xmlns:a16="http://schemas.microsoft.com/office/drawing/2014/main" id="{4BB727B6-AC4F-3441-AB99-D0B4418F9219}"/>
+                <a16:creationId xmlns:a16="http://schemas.microsoft.com/office/drawing/2014/main" id="{97894189-9421-2B4D-B668-3D1B83AA75D0}"/>
               </a:ext>
             </a:extLst>
           </p:cNvPr>
@@ -7452,86 +9400,56 @@
         </p:nvSpPr>
         <p:spPr/>
         <p:txBody>
-          <a:bodyPr>
-            <a:normAutofit lnSpcReduction="10000"/>
-          </a:bodyPr>
+          <a:bodyPr/>
           <a:lstStyle/>
           <a:p>
             <a:r>
               <a:rPr lang="en-US" dirty="0"/>
-              <a:t>Features</a:t>
+              <a:t>Use IMDB rating system</a:t>
             </a:r>
           </a:p>
           <a:p>
             <a:pPr lvl="1"/>
             <a:r>
               <a:rPr lang="en-US" dirty="0"/>
-              <a:t>Bag-of-words</a:t>
-            </a:r>
-          </a:p>
-          <a:p>
-            <a:pPr lvl="2"/>
-            <a:r>
-              <a:rPr lang="en-US" dirty="0"/>
-              <a:t>Over 6000 words, including genres</a:t>
-            </a:r>
-          </a:p>
-          <a:p>
-            <a:r>
-              <a:rPr lang="en-US" dirty="0"/>
-              <a:t>Cull features</a:t>
-            </a:r>
-          </a:p>
-          <a:p>
-            <a:pPr lvl="1"/>
-            <a:r>
-              <a:rPr lang="en-US" dirty="0"/>
-              <a:t>SVD </a:t>
-            </a:r>
-          </a:p>
-          <a:p>
-            <a:pPr lvl="1"/>
-            <a:r>
-              <a:rPr lang="en-US" dirty="0"/>
-              <a:t>27 features</a:t>
-            </a:r>
-          </a:p>
-          <a:p>
-            <a:pPr lvl="2"/>
-            <a:r>
-              <a:rPr lang="en-US" dirty="0"/>
-              <a:t>Have about 700 scripts; 27 is approximately the square root of 700</a:t>
-            </a:r>
-          </a:p>
-          <a:p>
-            <a:endParaRPr lang="en-US" dirty="0"/>
-          </a:p>
-          <a:p>
-            <a:r>
-              <a:rPr lang="en-US" dirty="0"/>
-              <a:t>Predicted variable</a:t>
-            </a:r>
-          </a:p>
-          <a:p>
-            <a:pPr lvl="1"/>
-            <a:r>
-              <a:rPr lang="en-US" dirty="0"/>
-              <a:t>Integer ratings</a:t>
-            </a:r>
-          </a:p>
-          <a:p>
-            <a:pPr lvl="2"/>
-            <a:r>
-              <a:rPr lang="en-US" dirty="0"/>
-              <a:t>Multiply original ratings by 10 to get integers</a:t>
-            </a:r>
-          </a:p>
-        </p:txBody>
-      </p:sp>
+              <a:t>Out of ten stars</a:t>
+            </a:r>
+          </a:p>
+        </p:txBody>
+      </p:sp>
+      <p:pic>
+        <p:nvPicPr>
+          <p:cNvPr id="6" name="Picture 5">
+            <a:extLst>
+              <a:ext uri="{FF2B5EF4-FFF2-40B4-BE49-F238E27FC236}">
+                <a16:creationId xmlns:a16="http://schemas.microsoft.com/office/drawing/2014/main" id="{3DCC1BD6-32CC-E943-9A6E-41298E7032EA}"/>
+              </a:ext>
+            </a:extLst>
+          </p:cNvPr>
+          <p:cNvPicPr>
+            <a:picLocks noChangeAspect="1"/>
+          </p:cNvPicPr>
+          <p:nvPr/>
+        </p:nvPicPr>
+        <p:blipFill rotWithShape="1">
+          <a:blip r:embed="rId2"/>
+          <a:srcRect r="81662"/>
+          <a:stretch/>
+        </p:blipFill>
+        <p:spPr>
+          <a:xfrm>
+            <a:off x="8511583" y="497436"/>
+            <a:ext cx="3023679" cy="1060940"/>
+          </a:xfrm>
+          <a:prstGeom prst="rect">
+            <a:avLst/>
+          </a:prstGeom>
+        </p:spPr>
+      </p:pic>
     </p:spTree>
     <p:extLst>
       <p:ext uri="{BB962C8B-B14F-4D97-AF65-F5344CB8AC3E}">
-        <p14:creationId xmlns:p14="http://schemas.microsoft.com/office/powerpoint/2010/main" val="469771953"/>
+        <p14:creationId xmlns:p14="http://schemas.microsoft.com/office/powerpoint/2010/main" val="3744304401"/>
       </p:ext>
     </p:extLst>
   </p:cSld>

--- a/AitkinCapstonePresentation.pptx
+++ b/AitkinCapstonePresentation.pptx
@@ -5,35 +5,33 @@
     <p:sldMasterId id="2147483648" r:id="rId1"/>
   </p:sldMasterIdLst>
   <p:notesMasterIdLst>
-    <p:notesMasterId r:id="rId28"/>
+    <p:notesMasterId r:id="rId26"/>
   </p:notesMasterIdLst>
   <p:sldIdLst>
     <p:sldId id="256" r:id="rId2"/>
     <p:sldId id="257" r:id="rId3"/>
     <p:sldId id="258" r:id="rId4"/>
-    <p:sldId id="282" r:id="rId5"/>
-    <p:sldId id="278" r:id="rId6"/>
-    <p:sldId id="279" r:id="rId7"/>
-    <p:sldId id="280" r:id="rId8"/>
-    <p:sldId id="283" r:id="rId9"/>
-    <p:sldId id="259" r:id="rId10"/>
-    <p:sldId id="261" r:id="rId11"/>
-    <p:sldId id="276" r:id="rId12"/>
-    <p:sldId id="275" r:id="rId13"/>
-    <p:sldId id="281" r:id="rId14"/>
-    <p:sldId id="263" r:id="rId15"/>
-    <p:sldId id="264" r:id="rId16"/>
-    <p:sldId id="265" r:id="rId17"/>
-    <p:sldId id="268" r:id="rId18"/>
-    <p:sldId id="269" r:id="rId19"/>
-    <p:sldId id="270" r:id="rId20"/>
-    <p:sldId id="271" r:id="rId21"/>
-    <p:sldId id="272" r:id="rId22"/>
-    <p:sldId id="274" r:id="rId23"/>
-    <p:sldId id="262" r:id="rId24"/>
-    <p:sldId id="273" r:id="rId25"/>
-    <p:sldId id="266" r:id="rId26"/>
-    <p:sldId id="267" r:id="rId27"/>
+    <p:sldId id="284" r:id="rId5"/>
+    <p:sldId id="285" r:id="rId6"/>
+    <p:sldId id="280" r:id="rId7"/>
+    <p:sldId id="259" r:id="rId8"/>
+    <p:sldId id="261" r:id="rId9"/>
+    <p:sldId id="281" r:id="rId10"/>
+    <p:sldId id="263" r:id="rId11"/>
+    <p:sldId id="264" r:id="rId12"/>
+    <p:sldId id="265" r:id="rId13"/>
+    <p:sldId id="268" r:id="rId14"/>
+    <p:sldId id="269" r:id="rId15"/>
+    <p:sldId id="270" r:id="rId16"/>
+    <p:sldId id="271" r:id="rId17"/>
+    <p:sldId id="272" r:id="rId18"/>
+    <p:sldId id="274" r:id="rId19"/>
+    <p:sldId id="286" r:id="rId20"/>
+    <p:sldId id="275" r:id="rId21"/>
+    <p:sldId id="262" r:id="rId22"/>
+    <p:sldId id="273" r:id="rId23"/>
+    <p:sldId id="266" r:id="rId24"/>
+    <p:sldId id="267" r:id="rId25"/>
   </p:sldIdLst>
   <p:sldSz cx="12192000" cy="6858000"/>
   <p:notesSz cx="6858000" cy="9144000"/>
@@ -138,6 +136,3396 @@
     </p:ext>
   </p:extLst>
 </p:presentation>
+</file>
+
+<file path=ppt/diagrams/colors1.xml><?xml version="1.0" encoding="utf-8"?>
+<dgm:colorsDef xmlns:dgm="http://schemas.openxmlformats.org/drawingml/2006/diagram" xmlns:a="http://schemas.openxmlformats.org/drawingml/2006/main" uniqueId="urn:microsoft.com/office/officeart/2005/8/colors/accent1_2">
+  <dgm:title val=""/>
+  <dgm:desc val=""/>
+  <dgm:catLst>
+    <dgm:cat type="accent1" pri="11200"/>
+  </dgm:catLst>
+  <dgm:styleLbl name="node0">
+    <dgm:fillClrLst meth="repeat">
+      <a:schemeClr val="accent1"/>
+    </dgm:fillClrLst>
+    <dgm:linClrLst meth="repeat">
+      <a:schemeClr val="lt1"/>
+    </dgm:linClrLst>
+    <dgm:effectClrLst/>
+    <dgm:txLinClrLst/>
+    <dgm:txFillClrLst/>
+    <dgm:txEffectClrLst/>
+  </dgm:styleLbl>
+  <dgm:styleLbl name="alignNode1">
+    <dgm:fillClrLst meth="repeat">
+      <a:schemeClr val="accent1"/>
+    </dgm:fillClrLst>
+    <dgm:linClrLst meth="repeat">
+      <a:schemeClr val="accent1"/>
+    </dgm:linClrLst>
+    <dgm:effectClrLst/>
+    <dgm:txLinClrLst/>
+    <dgm:txFillClrLst/>
+    <dgm:txEffectClrLst/>
+  </dgm:styleLbl>
+  <dgm:styleLbl name="node1">
+    <dgm:fillClrLst meth="repeat">
+      <a:schemeClr val="accent1"/>
+    </dgm:fillClrLst>
+    <dgm:linClrLst meth="repeat">
+      <a:schemeClr val="lt1"/>
+    </dgm:linClrLst>
+    <dgm:effectClrLst/>
+    <dgm:txLinClrLst/>
+    <dgm:txFillClrLst/>
+    <dgm:txEffectClrLst/>
+  </dgm:styleLbl>
+  <dgm:styleLbl name="lnNode1">
+    <dgm:fillClrLst meth="repeat">
+      <a:schemeClr val="accent1"/>
+    </dgm:fillClrLst>
+    <dgm:linClrLst meth="repeat">
+      <a:schemeClr val="lt1"/>
+    </dgm:linClrLst>
+    <dgm:effectClrLst/>
+    <dgm:txLinClrLst/>
+    <dgm:txFillClrLst/>
+    <dgm:txEffectClrLst/>
+  </dgm:styleLbl>
+  <dgm:styleLbl name="vennNode1">
+    <dgm:fillClrLst meth="repeat">
+      <a:schemeClr val="accent1">
+        <a:alpha val="50000"/>
+      </a:schemeClr>
+    </dgm:fillClrLst>
+    <dgm:linClrLst meth="repeat">
+      <a:schemeClr val="lt1"/>
+    </dgm:linClrLst>
+    <dgm:effectClrLst/>
+    <dgm:txLinClrLst/>
+    <dgm:txFillClrLst/>
+    <dgm:txEffectClrLst/>
+  </dgm:styleLbl>
+  <dgm:styleLbl name="node2">
+    <dgm:fillClrLst meth="repeat">
+      <a:schemeClr val="accent1"/>
+    </dgm:fillClrLst>
+    <dgm:linClrLst meth="repeat">
+      <a:schemeClr val="lt1"/>
+    </dgm:linClrLst>
+    <dgm:effectClrLst/>
+    <dgm:txLinClrLst/>
+    <dgm:txFillClrLst/>
+    <dgm:txEffectClrLst/>
+  </dgm:styleLbl>
+  <dgm:styleLbl name="node3">
+    <dgm:fillClrLst meth="repeat">
+      <a:schemeClr val="accent1"/>
+    </dgm:fillClrLst>
+    <dgm:linClrLst meth="repeat">
+      <a:schemeClr val="lt1"/>
+    </dgm:linClrLst>
+    <dgm:effectClrLst/>
+    <dgm:txLinClrLst/>
+    <dgm:txFillClrLst/>
+    <dgm:txEffectClrLst/>
+  </dgm:styleLbl>
+  <dgm:styleLbl name="node4">
+    <dgm:fillClrLst meth="repeat">
+      <a:schemeClr val="accent1"/>
+    </dgm:fillClrLst>
+    <dgm:linClrLst meth="repeat">
+      <a:schemeClr val="lt1"/>
+    </dgm:linClrLst>
+    <dgm:effectClrLst/>
+    <dgm:txLinClrLst/>
+    <dgm:txFillClrLst/>
+    <dgm:txEffectClrLst/>
+  </dgm:styleLbl>
+  <dgm:styleLbl name="fgImgPlace1">
+    <dgm:fillClrLst meth="repeat">
+      <a:schemeClr val="accent1">
+        <a:tint val="50000"/>
+      </a:schemeClr>
+    </dgm:fillClrLst>
+    <dgm:linClrLst meth="repeat">
+      <a:schemeClr val="lt1"/>
+    </dgm:linClrLst>
+    <dgm:effectClrLst/>
+    <dgm:txLinClrLst/>
+    <dgm:txFillClrLst meth="repeat">
+      <a:schemeClr val="lt1"/>
+    </dgm:txFillClrLst>
+    <dgm:txEffectClrLst/>
+  </dgm:styleLbl>
+  <dgm:styleLbl name="alignImgPlace1">
+    <dgm:fillClrLst meth="repeat">
+      <a:schemeClr val="accent1">
+        <a:tint val="50000"/>
+      </a:schemeClr>
+    </dgm:fillClrLst>
+    <dgm:linClrLst meth="repeat">
+      <a:schemeClr val="lt1"/>
+    </dgm:linClrLst>
+    <dgm:effectClrLst/>
+    <dgm:txLinClrLst/>
+    <dgm:txFillClrLst meth="repeat">
+      <a:schemeClr val="lt1"/>
+    </dgm:txFillClrLst>
+    <dgm:txEffectClrLst/>
+  </dgm:styleLbl>
+  <dgm:styleLbl name="bgImgPlace1">
+    <dgm:fillClrLst meth="repeat">
+      <a:schemeClr val="accent1">
+        <a:tint val="50000"/>
+      </a:schemeClr>
+    </dgm:fillClrLst>
+    <dgm:linClrLst meth="repeat">
+      <a:schemeClr val="lt1"/>
+    </dgm:linClrLst>
+    <dgm:effectClrLst/>
+    <dgm:txLinClrLst/>
+    <dgm:txFillClrLst meth="repeat">
+      <a:schemeClr val="lt1"/>
+    </dgm:txFillClrLst>
+    <dgm:txEffectClrLst/>
+  </dgm:styleLbl>
+  <dgm:styleLbl name="sibTrans2D1">
+    <dgm:fillClrLst meth="repeat">
+      <a:schemeClr val="accent1">
+        <a:tint val="60000"/>
+      </a:schemeClr>
+    </dgm:fillClrLst>
+    <dgm:linClrLst meth="repeat">
+      <a:schemeClr val="accent1">
+        <a:tint val="60000"/>
+      </a:schemeClr>
+    </dgm:linClrLst>
+    <dgm:effectClrLst/>
+    <dgm:txLinClrLst/>
+    <dgm:txFillClrLst/>
+    <dgm:txEffectClrLst/>
+  </dgm:styleLbl>
+  <dgm:styleLbl name="fgSibTrans2D1">
+    <dgm:fillClrLst meth="repeat">
+      <a:schemeClr val="accent1">
+        <a:tint val="60000"/>
+      </a:schemeClr>
+    </dgm:fillClrLst>
+    <dgm:linClrLst meth="repeat">
+      <a:schemeClr val="accent1">
+        <a:tint val="60000"/>
+      </a:schemeClr>
+    </dgm:linClrLst>
+    <dgm:effectClrLst/>
+    <dgm:txLinClrLst/>
+    <dgm:txFillClrLst/>
+    <dgm:txEffectClrLst/>
+  </dgm:styleLbl>
+  <dgm:styleLbl name="bgSibTrans2D1">
+    <dgm:fillClrLst meth="repeat">
+      <a:schemeClr val="accent1">
+        <a:tint val="60000"/>
+      </a:schemeClr>
+    </dgm:fillClrLst>
+    <dgm:linClrLst meth="repeat">
+      <a:schemeClr val="accent1">
+        <a:tint val="60000"/>
+      </a:schemeClr>
+    </dgm:linClrLst>
+    <dgm:effectClrLst/>
+    <dgm:txLinClrLst/>
+    <dgm:txFillClrLst/>
+    <dgm:txEffectClrLst/>
+  </dgm:styleLbl>
+  <dgm:styleLbl name="sibTrans1D1">
+    <dgm:fillClrLst meth="repeat">
+      <a:schemeClr val="accent1"/>
+    </dgm:fillClrLst>
+    <dgm:linClrLst meth="repeat">
+      <a:schemeClr val="accent1"/>
+    </dgm:linClrLst>
+    <dgm:effectClrLst/>
+    <dgm:txLinClrLst/>
+    <dgm:txFillClrLst meth="repeat">
+      <a:schemeClr val="tx1"/>
+    </dgm:txFillClrLst>
+    <dgm:txEffectClrLst/>
+  </dgm:styleLbl>
+  <dgm:styleLbl name="callout">
+    <dgm:fillClrLst meth="repeat">
+      <a:schemeClr val="accent1"/>
+    </dgm:fillClrLst>
+    <dgm:linClrLst meth="repeat">
+      <a:schemeClr val="accent1">
+        <a:tint val="50000"/>
+      </a:schemeClr>
+    </dgm:linClrLst>
+    <dgm:effectClrLst/>
+    <dgm:txLinClrLst/>
+    <dgm:txFillClrLst meth="repeat">
+      <a:schemeClr val="tx1"/>
+    </dgm:txFillClrLst>
+    <dgm:txEffectClrLst/>
+  </dgm:styleLbl>
+  <dgm:styleLbl name="asst0">
+    <dgm:fillClrLst meth="repeat">
+      <a:schemeClr val="accent1"/>
+    </dgm:fillClrLst>
+    <dgm:linClrLst meth="repeat">
+      <a:schemeClr val="lt1"/>
+    </dgm:linClrLst>
+    <dgm:effectClrLst/>
+    <dgm:txLinClrLst/>
+    <dgm:txFillClrLst/>
+    <dgm:txEffectClrLst/>
+  </dgm:styleLbl>
+  <dgm:styleLbl name="asst1">
+    <dgm:fillClrLst meth="repeat">
+      <a:schemeClr val="accent1"/>
+    </dgm:fillClrLst>
+    <dgm:linClrLst meth="repeat">
+      <a:schemeClr val="lt1"/>
+    </dgm:linClrLst>
+    <dgm:effectClrLst/>
+    <dgm:txLinClrLst/>
+    <dgm:txFillClrLst/>
+    <dgm:txEffectClrLst/>
+  </dgm:styleLbl>
+  <dgm:styleLbl name="asst2">
+    <dgm:fillClrLst meth="repeat">
+      <a:schemeClr val="accent1"/>
+    </dgm:fillClrLst>
+    <dgm:linClrLst meth="repeat">
+      <a:schemeClr val="lt1"/>
+    </dgm:linClrLst>
+    <dgm:effectClrLst/>
+    <dgm:txLinClrLst/>
+    <dgm:txFillClrLst/>
+    <dgm:txEffectClrLst/>
+  </dgm:styleLbl>
+  <dgm:styleLbl name="asst3">
+    <dgm:fillClrLst meth="repeat">
+      <a:schemeClr val="accent1"/>
+    </dgm:fillClrLst>
+    <dgm:linClrLst meth="repeat">
+      <a:schemeClr val="lt1"/>
+    </dgm:linClrLst>
+    <dgm:effectClrLst/>
+    <dgm:txLinClrLst/>
+    <dgm:txFillClrLst/>
+    <dgm:txEffectClrLst/>
+  </dgm:styleLbl>
+  <dgm:styleLbl name="asst4">
+    <dgm:fillClrLst meth="repeat">
+      <a:schemeClr val="accent1"/>
+    </dgm:fillClrLst>
+    <dgm:linClrLst meth="repeat">
+      <a:schemeClr val="lt1"/>
+    </dgm:linClrLst>
+    <dgm:effectClrLst/>
+    <dgm:txLinClrLst/>
+    <dgm:txFillClrLst/>
+    <dgm:txEffectClrLst/>
+  </dgm:styleLbl>
+  <dgm:styleLbl name="parChTrans2D1">
+    <dgm:fillClrLst meth="repeat">
+      <a:schemeClr val="accent1">
+        <a:tint val="60000"/>
+      </a:schemeClr>
+    </dgm:fillClrLst>
+    <dgm:linClrLst meth="repeat">
+      <a:schemeClr val="accent1">
+        <a:tint val="60000"/>
+      </a:schemeClr>
+    </dgm:linClrLst>
+    <dgm:effectClrLst/>
+    <dgm:txLinClrLst/>
+    <dgm:txFillClrLst meth="repeat">
+      <a:schemeClr val="lt1"/>
+    </dgm:txFillClrLst>
+    <dgm:txEffectClrLst/>
+  </dgm:styleLbl>
+  <dgm:styleLbl name="parChTrans2D2">
+    <dgm:fillClrLst meth="repeat">
+      <a:schemeClr val="accent1"/>
+    </dgm:fillClrLst>
+    <dgm:linClrLst meth="repeat">
+      <a:schemeClr val="accent1"/>
+    </dgm:linClrLst>
+    <dgm:effectClrLst/>
+    <dgm:txLinClrLst/>
+    <dgm:txFillClrLst meth="repeat">
+      <a:schemeClr val="lt1"/>
+    </dgm:txFillClrLst>
+    <dgm:txEffectClrLst/>
+  </dgm:styleLbl>
+  <dgm:styleLbl name="parChTrans2D3">
+    <dgm:fillClrLst meth="repeat">
+      <a:schemeClr val="accent1"/>
+    </dgm:fillClrLst>
+    <dgm:linClrLst meth="repeat">
+      <a:schemeClr val="accent1"/>
+    </dgm:linClrLst>
+    <dgm:effectClrLst/>
+    <dgm:txLinClrLst/>
+    <dgm:txFillClrLst meth="repeat">
+      <a:schemeClr val="lt1"/>
+    </dgm:txFillClrLst>
+    <dgm:txEffectClrLst/>
+  </dgm:styleLbl>
+  <dgm:styleLbl name="parChTrans2D4">
+    <dgm:fillClrLst meth="repeat">
+      <a:schemeClr val="accent1"/>
+    </dgm:fillClrLst>
+    <dgm:linClrLst meth="repeat">
+      <a:schemeClr val="accent1"/>
+    </dgm:linClrLst>
+    <dgm:effectClrLst/>
+    <dgm:txLinClrLst/>
+    <dgm:txFillClrLst meth="repeat">
+      <a:schemeClr val="lt1"/>
+    </dgm:txFillClrLst>
+    <dgm:txEffectClrLst/>
+  </dgm:styleLbl>
+  <dgm:styleLbl name="parChTrans1D1">
+    <dgm:fillClrLst meth="repeat">
+      <a:schemeClr val="accent1"/>
+    </dgm:fillClrLst>
+    <dgm:linClrLst meth="repeat">
+      <a:schemeClr val="accent1">
+        <a:shade val="60000"/>
+      </a:schemeClr>
+    </dgm:linClrLst>
+    <dgm:effectClrLst/>
+    <dgm:txLinClrLst/>
+    <dgm:txFillClrLst meth="repeat">
+      <a:schemeClr val="tx1"/>
+    </dgm:txFillClrLst>
+    <dgm:txEffectClrLst/>
+  </dgm:styleLbl>
+  <dgm:styleLbl name="parChTrans1D2">
+    <dgm:fillClrLst meth="repeat">
+      <a:schemeClr val="accent1"/>
+    </dgm:fillClrLst>
+    <dgm:linClrLst meth="repeat">
+      <a:schemeClr val="accent1">
+        <a:shade val="60000"/>
+      </a:schemeClr>
+    </dgm:linClrLst>
+    <dgm:effectClrLst/>
+    <dgm:txLinClrLst/>
+    <dgm:txFillClrLst meth="repeat">
+      <a:schemeClr val="tx1"/>
+    </dgm:txFillClrLst>
+    <dgm:txEffectClrLst/>
+  </dgm:styleLbl>
+  <dgm:styleLbl name="parChTrans1D3">
+    <dgm:fillClrLst meth="repeat">
+      <a:schemeClr val="accent1"/>
+    </dgm:fillClrLst>
+    <dgm:linClrLst meth="repeat">
+      <a:schemeClr val="accent1">
+        <a:shade val="80000"/>
+      </a:schemeClr>
+    </dgm:linClrLst>
+    <dgm:effectClrLst/>
+    <dgm:txLinClrLst/>
+    <dgm:txFillClrLst meth="repeat">
+      <a:schemeClr val="tx1"/>
+    </dgm:txFillClrLst>
+    <dgm:txEffectClrLst/>
+  </dgm:styleLbl>
+  <dgm:styleLbl name="parChTrans1D4">
+    <dgm:fillClrLst meth="repeat">
+      <a:schemeClr val="accent1"/>
+    </dgm:fillClrLst>
+    <dgm:linClrLst meth="repeat">
+      <a:schemeClr val="accent1">
+        <a:shade val="80000"/>
+      </a:schemeClr>
+    </dgm:linClrLst>
+    <dgm:effectClrLst/>
+    <dgm:txLinClrLst/>
+    <dgm:txFillClrLst meth="repeat">
+      <a:schemeClr val="tx1"/>
+    </dgm:txFillClrLst>
+    <dgm:txEffectClrLst/>
+  </dgm:styleLbl>
+  <dgm:styleLbl name="fgAcc1">
+    <dgm:fillClrLst meth="repeat">
+      <a:schemeClr val="lt1">
+        <a:alpha val="90000"/>
+      </a:schemeClr>
+    </dgm:fillClrLst>
+    <dgm:linClrLst meth="repeat">
+      <a:schemeClr val="accent1"/>
+    </dgm:linClrLst>
+    <dgm:effectClrLst/>
+    <dgm:txLinClrLst/>
+    <dgm:txFillClrLst meth="repeat">
+      <a:schemeClr val="dk1"/>
+    </dgm:txFillClrLst>
+    <dgm:txEffectClrLst/>
+  </dgm:styleLbl>
+  <dgm:styleLbl name="conFgAcc1">
+    <dgm:fillClrLst meth="repeat">
+      <a:schemeClr val="lt1">
+        <a:alpha val="90000"/>
+      </a:schemeClr>
+    </dgm:fillClrLst>
+    <dgm:linClrLst meth="repeat">
+      <a:schemeClr val="accent1"/>
+    </dgm:linClrLst>
+    <dgm:effectClrLst/>
+    <dgm:txLinClrLst/>
+    <dgm:txFillClrLst meth="repeat">
+      <a:schemeClr val="dk1"/>
+    </dgm:txFillClrLst>
+    <dgm:txEffectClrLst/>
+  </dgm:styleLbl>
+  <dgm:styleLbl name="alignAcc1">
+    <dgm:fillClrLst meth="repeat">
+      <a:schemeClr val="lt1">
+        <a:alpha val="90000"/>
+      </a:schemeClr>
+    </dgm:fillClrLst>
+    <dgm:linClrLst meth="repeat">
+      <a:schemeClr val="accent1"/>
+    </dgm:linClrLst>
+    <dgm:effectClrLst/>
+    <dgm:txLinClrLst/>
+    <dgm:txFillClrLst meth="repeat">
+      <a:schemeClr val="dk1"/>
+    </dgm:txFillClrLst>
+    <dgm:txEffectClrLst/>
+  </dgm:styleLbl>
+  <dgm:styleLbl name="trAlignAcc1">
+    <dgm:fillClrLst meth="repeat">
+      <a:schemeClr val="lt1">
+        <a:alpha val="40000"/>
+      </a:schemeClr>
+    </dgm:fillClrLst>
+    <dgm:linClrLst meth="repeat">
+      <a:schemeClr val="accent1"/>
+    </dgm:linClrLst>
+    <dgm:effectClrLst/>
+    <dgm:txLinClrLst/>
+    <dgm:txFillClrLst meth="repeat">
+      <a:schemeClr val="dk1"/>
+    </dgm:txFillClrLst>
+    <dgm:txEffectClrLst/>
+  </dgm:styleLbl>
+  <dgm:styleLbl name="bgAcc1">
+    <dgm:fillClrLst meth="repeat">
+      <a:schemeClr val="lt1">
+        <a:alpha val="90000"/>
+      </a:schemeClr>
+    </dgm:fillClrLst>
+    <dgm:linClrLst meth="repeat">
+      <a:schemeClr val="accent1"/>
+    </dgm:linClrLst>
+    <dgm:effectClrLst/>
+    <dgm:txLinClrLst/>
+    <dgm:txFillClrLst meth="repeat">
+      <a:schemeClr val="dk1"/>
+    </dgm:txFillClrLst>
+    <dgm:txEffectClrLst/>
+  </dgm:styleLbl>
+  <dgm:styleLbl name="solidFgAcc1">
+    <dgm:fillClrLst meth="repeat">
+      <a:schemeClr val="lt1"/>
+    </dgm:fillClrLst>
+    <dgm:linClrLst meth="repeat">
+      <a:schemeClr val="accent1"/>
+    </dgm:linClrLst>
+    <dgm:effectClrLst/>
+    <dgm:txLinClrLst/>
+    <dgm:txFillClrLst meth="repeat">
+      <a:schemeClr val="dk1"/>
+    </dgm:txFillClrLst>
+    <dgm:txEffectClrLst/>
+  </dgm:styleLbl>
+  <dgm:styleLbl name="solidAlignAcc1">
+    <dgm:fillClrLst meth="repeat">
+      <a:schemeClr val="lt1"/>
+    </dgm:fillClrLst>
+    <dgm:linClrLst meth="repeat">
+      <a:schemeClr val="accent1"/>
+    </dgm:linClrLst>
+    <dgm:effectClrLst/>
+    <dgm:txLinClrLst/>
+    <dgm:txFillClrLst meth="repeat">
+      <a:schemeClr val="dk1"/>
+    </dgm:txFillClrLst>
+    <dgm:txEffectClrLst/>
+  </dgm:styleLbl>
+  <dgm:styleLbl name="solidBgAcc1">
+    <dgm:fillClrLst meth="repeat">
+      <a:schemeClr val="lt1"/>
+    </dgm:fillClrLst>
+    <dgm:linClrLst meth="repeat">
+      <a:schemeClr val="accent1"/>
+    </dgm:linClrLst>
+    <dgm:effectClrLst/>
+    <dgm:txLinClrLst/>
+    <dgm:txFillClrLst meth="repeat">
+      <a:schemeClr val="dk1"/>
+    </dgm:txFillClrLst>
+    <dgm:txEffectClrLst/>
+  </dgm:styleLbl>
+  <dgm:styleLbl name="fgAccFollowNode1">
+    <dgm:fillClrLst meth="repeat">
+      <a:schemeClr val="accent1">
+        <a:alpha val="90000"/>
+        <a:tint val="40000"/>
+      </a:schemeClr>
+    </dgm:fillClrLst>
+    <dgm:linClrLst meth="repeat">
+      <a:schemeClr val="accent1">
+        <a:alpha val="90000"/>
+        <a:tint val="40000"/>
+      </a:schemeClr>
+    </dgm:linClrLst>
+    <dgm:effectClrLst/>
+    <dgm:txLinClrLst/>
+    <dgm:txFillClrLst meth="repeat">
+      <a:schemeClr val="dk1"/>
+    </dgm:txFillClrLst>
+    <dgm:txEffectClrLst/>
+  </dgm:styleLbl>
+  <dgm:styleLbl name="alignAccFollowNode1">
+    <dgm:fillClrLst meth="repeat">
+      <a:schemeClr val="accent1">
+        <a:alpha val="90000"/>
+        <a:tint val="40000"/>
+      </a:schemeClr>
+    </dgm:fillClrLst>
+    <dgm:linClrLst meth="repeat">
+      <a:schemeClr val="accent1">
+        <a:alpha val="90000"/>
+        <a:tint val="40000"/>
+      </a:schemeClr>
+    </dgm:linClrLst>
+    <dgm:effectClrLst/>
+    <dgm:txLinClrLst/>
+    <dgm:txFillClrLst meth="repeat">
+      <a:schemeClr val="dk1"/>
+    </dgm:txFillClrLst>
+    <dgm:txEffectClrLst/>
+  </dgm:styleLbl>
+  <dgm:styleLbl name="bgAccFollowNode1">
+    <dgm:fillClrLst meth="repeat">
+      <a:schemeClr val="accent1">
+        <a:alpha val="90000"/>
+        <a:tint val="40000"/>
+      </a:schemeClr>
+    </dgm:fillClrLst>
+    <dgm:linClrLst meth="repeat">
+      <a:schemeClr val="accent1">
+        <a:alpha val="90000"/>
+        <a:tint val="40000"/>
+      </a:schemeClr>
+    </dgm:linClrLst>
+    <dgm:effectClrLst/>
+    <dgm:txLinClrLst/>
+    <dgm:txFillClrLst meth="repeat">
+      <a:schemeClr val="dk1"/>
+    </dgm:txFillClrLst>
+    <dgm:txEffectClrLst/>
+  </dgm:styleLbl>
+  <dgm:styleLbl name="fgAcc0">
+    <dgm:fillClrLst meth="repeat">
+      <a:schemeClr val="lt1">
+        <a:alpha val="90000"/>
+      </a:schemeClr>
+    </dgm:fillClrLst>
+    <dgm:linClrLst meth="repeat">
+      <a:schemeClr val="accent1"/>
+    </dgm:linClrLst>
+    <dgm:effectClrLst/>
+    <dgm:txLinClrLst/>
+    <dgm:txFillClrLst meth="repeat">
+      <a:schemeClr val="dk1"/>
+    </dgm:txFillClrLst>
+    <dgm:txEffectClrLst/>
+  </dgm:styleLbl>
+  <dgm:styleLbl name="fgAcc2">
+    <dgm:fillClrLst meth="repeat">
+      <a:schemeClr val="lt1">
+        <a:alpha val="90000"/>
+      </a:schemeClr>
+    </dgm:fillClrLst>
+    <dgm:linClrLst meth="repeat">
+      <a:schemeClr val="accent1"/>
+    </dgm:linClrLst>
+    <dgm:effectClrLst/>
+    <dgm:txLinClrLst/>
+    <dgm:txFillClrLst meth="repeat">
+      <a:schemeClr val="dk1"/>
+    </dgm:txFillClrLst>
+    <dgm:txEffectClrLst/>
+  </dgm:styleLbl>
+  <dgm:styleLbl name="fgAcc3">
+    <dgm:fillClrLst meth="repeat">
+      <a:schemeClr val="lt1">
+        <a:alpha val="90000"/>
+      </a:schemeClr>
+    </dgm:fillClrLst>
+    <dgm:linClrLst meth="repeat">
+      <a:schemeClr val="accent1"/>
+    </dgm:linClrLst>
+    <dgm:effectClrLst/>
+    <dgm:txLinClrLst/>
+    <dgm:txFillClrLst meth="repeat">
+      <a:schemeClr val="dk1"/>
+    </dgm:txFillClrLst>
+    <dgm:txEffectClrLst/>
+  </dgm:styleLbl>
+  <dgm:styleLbl name="fgAcc4">
+    <dgm:fillClrLst meth="repeat">
+      <a:schemeClr val="lt1">
+        <a:alpha val="90000"/>
+      </a:schemeClr>
+    </dgm:fillClrLst>
+    <dgm:linClrLst meth="repeat">
+      <a:schemeClr val="accent1"/>
+    </dgm:linClrLst>
+    <dgm:effectClrLst/>
+    <dgm:txLinClrLst/>
+    <dgm:txFillClrLst meth="repeat">
+      <a:schemeClr val="dk1"/>
+    </dgm:txFillClrLst>
+    <dgm:txEffectClrLst/>
+  </dgm:styleLbl>
+  <dgm:styleLbl name="bgShp">
+    <dgm:fillClrLst meth="repeat">
+      <a:schemeClr val="accent1">
+        <a:tint val="40000"/>
+      </a:schemeClr>
+    </dgm:fillClrLst>
+    <dgm:linClrLst meth="repeat">
+      <a:schemeClr val="accent1"/>
+    </dgm:linClrLst>
+    <dgm:effectClrLst/>
+    <dgm:txLinClrLst/>
+    <dgm:txFillClrLst meth="repeat">
+      <a:schemeClr val="dk1"/>
+    </dgm:txFillClrLst>
+    <dgm:txEffectClrLst/>
+  </dgm:styleLbl>
+  <dgm:styleLbl name="dkBgShp">
+    <dgm:fillClrLst meth="repeat">
+      <a:schemeClr val="accent1">
+        <a:shade val="80000"/>
+      </a:schemeClr>
+    </dgm:fillClrLst>
+    <dgm:linClrLst meth="repeat">
+      <a:schemeClr val="accent1"/>
+    </dgm:linClrLst>
+    <dgm:effectClrLst/>
+    <dgm:txLinClrLst/>
+    <dgm:txFillClrLst meth="repeat">
+      <a:schemeClr val="lt1"/>
+    </dgm:txFillClrLst>
+    <dgm:txEffectClrLst/>
+  </dgm:styleLbl>
+  <dgm:styleLbl name="trBgShp">
+    <dgm:fillClrLst meth="repeat">
+      <a:schemeClr val="accent1">
+        <a:tint val="50000"/>
+        <a:alpha val="40000"/>
+      </a:schemeClr>
+    </dgm:fillClrLst>
+    <dgm:linClrLst meth="repeat">
+      <a:schemeClr val="accent1"/>
+    </dgm:linClrLst>
+    <dgm:effectClrLst/>
+    <dgm:txLinClrLst/>
+    <dgm:txFillClrLst meth="repeat">
+      <a:schemeClr val="lt1"/>
+    </dgm:txFillClrLst>
+    <dgm:txEffectClrLst/>
+  </dgm:styleLbl>
+  <dgm:styleLbl name="fgShp">
+    <dgm:fillClrLst meth="repeat">
+      <a:schemeClr val="accent1">
+        <a:tint val="60000"/>
+      </a:schemeClr>
+    </dgm:fillClrLst>
+    <dgm:linClrLst meth="repeat">
+      <a:schemeClr val="lt1"/>
+    </dgm:linClrLst>
+    <dgm:effectClrLst/>
+    <dgm:txLinClrLst/>
+    <dgm:txFillClrLst meth="repeat">
+      <a:schemeClr val="dk1"/>
+    </dgm:txFillClrLst>
+    <dgm:txEffectClrLst/>
+  </dgm:styleLbl>
+  <dgm:styleLbl name="revTx">
+    <dgm:fillClrLst meth="repeat">
+      <a:schemeClr val="lt1">
+        <a:alpha val="0"/>
+      </a:schemeClr>
+    </dgm:fillClrLst>
+    <dgm:linClrLst meth="repeat">
+      <a:schemeClr val="dk1">
+        <a:alpha val="0"/>
+      </a:schemeClr>
+    </dgm:linClrLst>
+    <dgm:effectClrLst/>
+    <dgm:txLinClrLst/>
+    <dgm:txFillClrLst meth="repeat">
+      <a:schemeClr val="tx1"/>
+    </dgm:txFillClrLst>
+    <dgm:txEffectClrLst/>
+  </dgm:styleLbl>
+</dgm:colorsDef>
+</file>
+
+<file path=ppt/diagrams/data1.xml><?xml version="1.0" encoding="utf-8"?>
+<dgm:dataModel xmlns:dgm="http://schemas.openxmlformats.org/drawingml/2006/diagram" xmlns:a="http://schemas.openxmlformats.org/drawingml/2006/main">
+  <dgm:ptLst>
+    <dgm:pt modelId="{90B3A9F3-E903-1D45-8895-6D95D8B3B2D3}" type="doc">
+      <dgm:prSet loTypeId="urn:microsoft.com/office/officeart/2005/8/layout/chevron2" loCatId="" qsTypeId="urn:microsoft.com/office/officeart/2005/8/quickstyle/simple1" qsCatId="simple" csTypeId="urn:microsoft.com/office/officeart/2005/8/colors/accent1_2" csCatId="accent1" phldr="1"/>
+      <dgm:spPr/>
+      <dgm:t>
+        <a:bodyPr/>
+        <a:lstStyle/>
+        <a:p>
+          <a:endParaRPr lang="en-US"/>
+        </a:p>
+      </dgm:t>
+    </dgm:pt>
+    <dgm:pt modelId="{4D6A53E1-64C2-5E43-8E0F-3A5C18081FB0}">
+      <dgm:prSet phldrT="[Text]"/>
+      <dgm:spPr/>
+      <dgm:t>
+        <a:bodyPr/>
+        <a:lstStyle/>
+        <a:p>
+          <a:r>
+            <a:rPr lang="en-US" dirty="0"/>
+            <a:t>Data Collection</a:t>
+          </a:r>
+        </a:p>
+      </dgm:t>
+    </dgm:pt>
+    <dgm:pt modelId="{41C51C03-BD16-454E-894D-CDDB84A4804B}" type="parTrans" cxnId="{CEE19C4E-2470-8C45-8653-9A93EB41927E}">
+      <dgm:prSet/>
+      <dgm:spPr/>
+      <dgm:t>
+        <a:bodyPr/>
+        <a:lstStyle/>
+        <a:p>
+          <a:endParaRPr lang="en-US"/>
+        </a:p>
+      </dgm:t>
+    </dgm:pt>
+    <dgm:pt modelId="{2E5C29FC-6E65-8E48-B7E5-55A04ECB03BE}" type="sibTrans" cxnId="{CEE19C4E-2470-8C45-8653-9A93EB41927E}">
+      <dgm:prSet/>
+      <dgm:spPr/>
+      <dgm:t>
+        <a:bodyPr/>
+        <a:lstStyle/>
+        <a:p>
+          <a:endParaRPr lang="en-US"/>
+        </a:p>
+      </dgm:t>
+    </dgm:pt>
+    <dgm:pt modelId="{F8F6FF03-08E7-4544-9926-EEBAF9EA07A5}">
+      <dgm:prSet phldrT="[Text]"/>
+      <dgm:spPr/>
+      <dgm:t>
+        <a:bodyPr/>
+        <a:lstStyle/>
+        <a:p>
+          <a:r>
+            <a:rPr lang="en-US" dirty="0"/>
+            <a:t>Ratings from IMDB via Kaggle</a:t>
+          </a:r>
+        </a:p>
+      </dgm:t>
+    </dgm:pt>
+    <dgm:pt modelId="{0EA7D40D-574B-174F-A711-C6CBF264E7AD}" type="parTrans" cxnId="{71A12ABA-48A5-154A-82EB-31209C5A07E7}">
+      <dgm:prSet/>
+      <dgm:spPr/>
+      <dgm:t>
+        <a:bodyPr/>
+        <a:lstStyle/>
+        <a:p>
+          <a:endParaRPr lang="en-US"/>
+        </a:p>
+      </dgm:t>
+    </dgm:pt>
+    <dgm:pt modelId="{7DBD6D19-2A51-3744-BB12-26D20CD9A824}" type="sibTrans" cxnId="{71A12ABA-48A5-154A-82EB-31209C5A07E7}">
+      <dgm:prSet/>
+      <dgm:spPr/>
+      <dgm:t>
+        <a:bodyPr/>
+        <a:lstStyle/>
+        <a:p>
+          <a:endParaRPr lang="en-US"/>
+        </a:p>
+      </dgm:t>
+    </dgm:pt>
+    <dgm:pt modelId="{1443104D-F963-A040-A9ED-D164D310BF3C}">
+      <dgm:prSet phldrT="[Text]"/>
+      <dgm:spPr/>
+      <dgm:t>
+        <a:bodyPr/>
+        <a:lstStyle/>
+        <a:p>
+          <a:r>
+            <a:rPr lang="en-US" dirty="0" err="1"/>
+            <a:t>simplyscripts.com</a:t>
+          </a:r>
+          <a:endParaRPr lang="en-US" dirty="0"/>
+        </a:p>
+      </dgm:t>
+    </dgm:pt>
+    <dgm:pt modelId="{42001C90-6416-9E40-9627-4682C82A3E23}" type="parTrans" cxnId="{114F62C2-FCA0-0E47-B36A-A03859A1822B}">
+      <dgm:prSet/>
+      <dgm:spPr/>
+      <dgm:t>
+        <a:bodyPr/>
+        <a:lstStyle/>
+        <a:p>
+          <a:endParaRPr lang="en-US"/>
+        </a:p>
+      </dgm:t>
+    </dgm:pt>
+    <dgm:pt modelId="{8557CEB4-63B8-624D-A1E4-9A9420900D67}" type="sibTrans" cxnId="{114F62C2-FCA0-0E47-B36A-A03859A1822B}">
+      <dgm:prSet/>
+      <dgm:spPr/>
+      <dgm:t>
+        <a:bodyPr/>
+        <a:lstStyle/>
+        <a:p>
+          <a:endParaRPr lang="en-US"/>
+        </a:p>
+      </dgm:t>
+    </dgm:pt>
+    <dgm:pt modelId="{33750FC9-FF76-F74F-ABA9-BB18BD631323}">
+      <dgm:prSet phldrT="[Text]"/>
+      <dgm:spPr/>
+      <dgm:t>
+        <a:bodyPr/>
+        <a:lstStyle/>
+        <a:p>
+          <a:r>
+            <a:rPr lang="en-US" dirty="0"/>
+            <a:t>Data Wrangling</a:t>
+          </a:r>
+        </a:p>
+      </dgm:t>
+    </dgm:pt>
+    <dgm:pt modelId="{E6FEFE29-6022-6742-A3A1-1508A271F25E}" type="parTrans" cxnId="{EE758DFD-9348-ED4C-9286-57D73F1C5D8F}">
+      <dgm:prSet/>
+      <dgm:spPr/>
+      <dgm:t>
+        <a:bodyPr/>
+        <a:lstStyle/>
+        <a:p>
+          <a:endParaRPr lang="en-US"/>
+        </a:p>
+      </dgm:t>
+    </dgm:pt>
+    <dgm:pt modelId="{CD42EFE9-044D-074C-B5A0-D33C353B1A11}" type="sibTrans" cxnId="{EE758DFD-9348-ED4C-9286-57D73F1C5D8F}">
+      <dgm:prSet/>
+      <dgm:spPr/>
+      <dgm:t>
+        <a:bodyPr/>
+        <a:lstStyle/>
+        <a:p>
+          <a:endParaRPr lang="en-US"/>
+        </a:p>
+      </dgm:t>
+    </dgm:pt>
+    <dgm:pt modelId="{C547BA8C-80EF-CE47-836B-4D8210724C68}">
+      <dgm:prSet phldrT="[Text]"/>
+      <dgm:spPr/>
+      <dgm:t>
+        <a:bodyPr/>
+        <a:lstStyle/>
+        <a:p>
+          <a:r>
+            <a:rPr lang="en-US" dirty="0"/>
+            <a:t>Concatenate ratings files to be just American fiction movies and their ratings and genres  </a:t>
+          </a:r>
+        </a:p>
+      </dgm:t>
+    </dgm:pt>
+    <dgm:pt modelId="{F057EF97-ECD2-5F44-95F0-D11981E4C603}" type="parTrans" cxnId="{347842B9-BAAD-D848-8D37-81E11B0DA3D2}">
+      <dgm:prSet/>
+      <dgm:spPr/>
+      <dgm:t>
+        <a:bodyPr/>
+        <a:lstStyle/>
+        <a:p>
+          <a:endParaRPr lang="en-US"/>
+        </a:p>
+      </dgm:t>
+    </dgm:pt>
+    <dgm:pt modelId="{0B821222-8BB7-A24C-8BA5-B19912C07830}" type="sibTrans" cxnId="{347842B9-BAAD-D848-8D37-81E11B0DA3D2}">
+      <dgm:prSet/>
+      <dgm:spPr/>
+      <dgm:t>
+        <a:bodyPr/>
+        <a:lstStyle/>
+        <a:p>
+          <a:endParaRPr lang="en-US"/>
+        </a:p>
+      </dgm:t>
+    </dgm:pt>
+    <dgm:pt modelId="{3CE7BBA6-7E03-2049-BEBD-91C3DE50F40F}">
+      <dgm:prSet phldrT="[Text]"/>
+      <dgm:spPr/>
+      <dgm:t>
+        <a:bodyPr/>
+        <a:lstStyle/>
+        <a:p>
+          <a:r>
+            <a:rPr lang="en-US" dirty="0"/>
+            <a:t>Scrape scripts from web and convert to text files</a:t>
+          </a:r>
+        </a:p>
+      </dgm:t>
+    </dgm:pt>
+    <dgm:pt modelId="{9451D209-0BF4-2642-B980-0901D9F29970}" type="parTrans" cxnId="{D9A96B33-7773-6940-8E34-23F119290872}">
+      <dgm:prSet/>
+      <dgm:spPr/>
+      <dgm:t>
+        <a:bodyPr/>
+        <a:lstStyle/>
+        <a:p>
+          <a:endParaRPr lang="en-US"/>
+        </a:p>
+      </dgm:t>
+    </dgm:pt>
+    <dgm:pt modelId="{F7605CF9-BA8B-734E-B21B-62C8B898AA2F}" type="sibTrans" cxnId="{D9A96B33-7773-6940-8E34-23F119290872}">
+      <dgm:prSet/>
+      <dgm:spPr/>
+      <dgm:t>
+        <a:bodyPr/>
+        <a:lstStyle/>
+        <a:p>
+          <a:endParaRPr lang="en-US"/>
+        </a:p>
+      </dgm:t>
+    </dgm:pt>
+    <dgm:pt modelId="{E5E099BA-C004-384E-AA3B-0399E4F4E5A1}">
+      <dgm:prSet phldrT="[Text]"/>
+      <dgm:spPr/>
+      <dgm:t>
+        <a:bodyPr/>
+        <a:lstStyle/>
+        <a:p>
+          <a:r>
+            <a:rPr lang="en-US" dirty="0"/>
+            <a:t>EDA</a:t>
+          </a:r>
+        </a:p>
+      </dgm:t>
+    </dgm:pt>
+    <dgm:pt modelId="{73994E47-8683-4D48-A5A7-382AC0747948}" type="parTrans" cxnId="{AA90D6B2-462B-A64B-9D93-7F5240CB867F}">
+      <dgm:prSet/>
+      <dgm:spPr/>
+      <dgm:t>
+        <a:bodyPr/>
+        <a:lstStyle/>
+        <a:p>
+          <a:endParaRPr lang="en-US"/>
+        </a:p>
+      </dgm:t>
+    </dgm:pt>
+    <dgm:pt modelId="{C9AFEBEA-43E0-7B4F-A979-F3083D0C55D0}" type="sibTrans" cxnId="{AA90D6B2-462B-A64B-9D93-7F5240CB867F}">
+      <dgm:prSet/>
+      <dgm:spPr/>
+      <dgm:t>
+        <a:bodyPr/>
+        <a:lstStyle/>
+        <a:p>
+          <a:endParaRPr lang="en-US"/>
+        </a:p>
+      </dgm:t>
+    </dgm:pt>
+    <dgm:pt modelId="{3719CF17-D772-3148-9BC0-A2BA922B79D2}">
+      <dgm:prSet phldrT="[Text]"/>
+      <dgm:spPr/>
+      <dgm:t>
+        <a:bodyPr/>
+        <a:lstStyle/>
+        <a:p>
+          <a:r>
+            <a:rPr lang="en-US" dirty="0"/>
+            <a:t>Ratings range from 2.0 to 9.0 </a:t>
+          </a:r>
+        </a:p>
+      </dgm:t>
+    </dgm:pt>
+    <dgm:pt modelId="{72EE2834-56BB-A54E-9A6C-2548EB612936}" type="parTrans" cxnId="{2C8E9DE2-B88A-0A44-B359-21B3312C6A30}">
+      <dgm:prSet/>
+      <dgm:spPr/>
+      <dgm:t>
+        <a:bodyPr/>
+        <a:lstStyle/>
+        <a:p>
+          <a:endParaRPr lang="en-US"/>
+        </a:p>
+      </dgm:t>
+    </dgm:pt>
+    <dgm:pt modelId="{4B4D5453-D8CC-7947-9147-69978D69CFB5}" type="sibTrans" cxnId="{2C8E9DE2-B88A-0A44-B359-21B3312C6A30}">
+      <dgm:prSet/>
+      <dgm:spPr/>
+      <dgm:t>
+        <a:bodyPr/>
+        <a:lstStyle/>
+        <a:p>
+          <a:endParaRPr lang="en-US"/>
+        </a:p>
+      </dgm:t>
+    </dgm:pt>
+    <dgm:pt modelId="{27722A0E-2112-904A-A68E-1C4A79BD2B0D}">
+      <dgm:prSet phldrT="[Text]"/>
+      <dgm:spPr/>
+      <dgm:t>
+        <a:bodyPr/>
+        <a:lstStyle/>
+        <a:p>
+          <a:r>
+            <a:rPr lang="en-US" dirty="0"/>
+            <a:t>Words not highly correlated with ratings</a:t>
+          </a:r>
+        </a:p>
+      </dgm:t>
+    </dgm:pt>
+    <dgm:pt modelId="{9846CA1C-FA16-F84A-BD42-BB485288587F}" type="parTrans" cxnId="{21FC0484-C660-6045-A938-AB223B6AE762}">
+      <dgm:prSet/>
+      <dgm:spPr/>
+      <dgm:t>
+        <a:bodyPr/>
+        <a:lstStyle/>
+        <a:p>
+          <a:endParaRPr lang="en-US"/>
+        </a:p>
+      </dgm:t>
+    </dgm:pt>
+    <dgm:pt modelId="{2FCDC5BF-1040-614B-B8BF-4D8DB9B04BD0}" type="sibTrans" cxnId="{21FC0484-C660-6045-A938-AB223B6AE762}">
+      <dgm:prSet/>
+      <dgm:spPr/>
+      <dgm:t>
+        <a:bodyPr/>
+        <a:lstStyle/>
+        <a:p>
+          <a:endParaRPr lang="en-US"/>
+        </a:p>
+      </dgm:t>
+    </dgm:pt>
+    <dgm:pt modelId="{F3DD2196-E2CB-5944-9A66-17A1E8E9A3E6}">
+      <dgm:prSet/>
+      <dgm:spPr/>
+      <dgm:t>
+        <a:bodyPr/>
+        <a:lstStyle/>
+        <a:p>
+          <a:r>
+            <a:rPr lang="en-US" dirty="0"/>
+            <a:t>Modeling</a:t>
+          </a:r>
+        </a:p>
+      </dgm:t>
+    </dgm:pt>
+    <dgm:pt modelId="{ADDB03CB-DEAD-4D43-BEC7-23BA94BD62A5}" type="parTrans" cxnId="{F22D475A-1FE7-CE47-ACA5-31D966C89687}">
+      <dgm:prSet/>
+      <dgm:spPr/>
+    </dgm:pt>
+    <dgm:pt modelId="{DF364C20-A226-1A49-A358-3508C17A79E5}" type="sibTrans" cxnId="{F22D475A-1FE7-CE47-ACA5-31D966C89687}">
+      <dgm:prSet/>
+      <dgm:spPr/>
+    </dgm:pt>
+    <dgm:pt modelId="{618AC653-031A-6D40-AD9C-8505FF134370}">
+      <dgm:prSet/>
+      <dgm:spPr/>
+      <dgm:t>
+        <a:bodyPr/>
+        <a:lstStyle/>
+        <a:p>
+          <a:r>
+            <a:rPr lang="en-US" dirty="0"/>
+            <a:t>Three model formats</a:t>
+          </a:r>
+        </a:p>
+      </dgm:t>
+    </dgm:pt>
+    <dgm:pt modelId="{24DB3110-EC7F-ED4F-A8B8-B607A74615E3}" type="parTrans" cxnId="{FA0B1638-92AF-E446-BC04-B0B2CEB5E10C}">
+      <dgm:prSet/>
+      <dgm:spPr/>
+    </dgm:pt>
+    <dgm:pt modelId="{6A5B264E-C037-E04F-883D-B503CDC8365A}" type="sibTrans" cxnId="{FA0B1638-92AF-E446-BC04-B0B2CEB5E10C}">
+      <dgm:prSet/>
+      <dgm:spPr/>
+    </dgm:pt>
+    <dgm:pt modelId="{E855EBCB-E8F3-9C42-B387-962BDA409E19}">
+      <dgm:prSet/>
+      <dgm:spPr/>
+      <dgm:t>
+        <a:bodyPr/>
+        <a:lstStyle/>
+        <a:p>
+          <a:r>
+            <a:rPr lang="en-US" dirty="0"/>
+            <a:t>Merge ratings and scripts</a:t>
+          </a:r>
+        </a:p>
+      </dgm:t>
+    </dgm:pt>
+    <dgm:pt modelId="{32D2603A-C7C4-E147-B5A6-7672E32FEA37}" type="parTrans" cxnId="{2BF18096-2CC8-6A4E-9FD7-1FA58B60A2E5}">
+      <dgm:prSet/>
+      <dgm:spPr/>
+    </dgm:pt>
+    <dgm:pt modelId="{653EA839-5DAF-8E40-8776-06445B5BA636}" type="sibTrans" cxnId="{2BF18096-2CC8-6A4E-9FD7-1FA58B60A2E5}">
+      <dgm:prSet/>
+      <dgm:spPr/>
+    </dgm:pt>
+    <dgm:pt modelId="{3E95D626-9629-CC44-AB25-6A9352408CC1}">
+      <dgm:prSet/>
+      <dgm:spPr/>
+      <dgm:t>
+        <a:bodyPr/>
+        <a:lstStyle/>
+        <a:p>
+          <a:r>
+            <a:rPr lang="en-US" dirty="0"/>
+            <a:t>Feature reduction</a:t>
+          </a:r>
+        </a:p>
+      </dgm:t>
+    </dgm:pt>
+    <dgm:pt modelId="{96403B31-DF85-0C43-8C6E-F6DB2860F34D}" type="parTrans" cxnId="{B516B99F-427D-E149-A5DF-8FB5A4E67FD8}">
+      <dgm:prSet/>
+      <dgm:spPr/>
+    </dgm:pt>
+    <dgm:pt modelId="{B672169B-2A62-474D-A716-2F45267045A2}" type="sibTrans" cxnId="{B516B99F-427D-E149-A5DF-8FB5A4E67FD8}">
+      <dgm:prSet/>
+      <dgm:spPr/>
+    </dgm:pt>
+    <dgm:pt modelId="{82C04685-E51F-B744-A4EA-DF74147BF303}">
+      <dgm:prSet/>
+      <dgm:spPr/>
+      <dgm:t>
+        <a:bodyPr/>
+        <a:lstStyle/>
+        <a:p>
+          <a:r>
+            <a:rPr lang="en-US" dirty="0"/>
+            <a:t>RMSE as accuracy</a:t>
+          </a:r>
+        </a:p>
+      </dgm:t>
+    </dgm:pt>
+    <dgm:pt modelId="{E806843C-55FC-3A47-A15D-BD856B2C12E5}" type="parTrans" cxnId="{493007FA-F37E-8C41-9C1C-A718B33944A9}">
+      <dgm:prSet/>
+      <dgm:spPr/>
+    </dgm:pt>
+    <dgm:pt modelId="{611AADA1-803B-6040-B8ED-F5C1616E5A13}" type="sibTrans" cxnId="{493007FA-F37E-8C41-9C1C-A718B33944A9}">
+      <dgm:prSet/>
+      <dgm:spPr/>
+    </dgm:pt>
+    <dgm:pt modelId="{FB693BBB-0993-F143-9A9C-5C27E44DEBCF}" type="pres">
+      <dgm:prSet presAssocID="{90B3A9F3-E903-1D45-8895-6D95D8B3B2D3}" presName="linearFlow" presStyleCnt="0">
+        <dgm:presLayoutVars>
+          <dgm:dir/>
+          <dgm:animLvl val="lvl"/>
+          <dgm:resizeHandles val="exact"/>
+        </dgm:presLayoutVars>
+      </dgm:prSet>
+      <dgm:spPr/>
+    </dgm:pt>
+    <dgm:pt modelId="{43968FBE-02F5-4743-90E0-24D4AFA8C61F}" type="pres">
+      <dgm:prSet presAssocID="{4D6A53E1-64C2-5E43-8E0F-3A5C18081FB0}" presName="composite" presStyleCnt="0"/>
+      <dgm:spPr/>
+    </dgm:pt>
+    <dgm:pt modelId="{FDA10D68-CCBC-CA46-A5FA-48A8A543C781}" type="pres">
+      <dgm:prSet presAssocID="{4D6A53E1-64C2-5E43-8E0F-3A5C18081FB0}" presName="parentText" presStyleLbl="alignNode1" presStyleIdx="0" presStyleCnt="4">
+        <dgm:presLayoutVars>
+          <dgm:chMax val="1"/>
+          <dgm:bulletEnabled val="1"/>
+        </dgm:presLayoutVars>
+      </dgm:prSet>
+      <dgm:spPr/>
+    </dgm:pt>
+    <dgm:pt modelId="{AE0B1F16-2BBE-5F46-BCDF-1A1C4C1A53F0}" type="pres">
+      <dgm:prSet presAssocID="{4D6A53E1-64C2-5E43-8E0F-3A5C18081FB0}" presName="descendantText" presStyleLbl="alignAcc1" presStyleIdx="0" presStyleCnt="4">
+        <dgm:presLayoutVars>
+          <dgm:bulletEnabled val="1"/>
+        </dgm:presLayoutVars>
+      </dgm:prSet>
+      <dgm:spPr/>
+    </dgm:pt>
+    <dgm:pt modelId="{AA252EDA-6F74-8347-AC18-FCB1B2364A95}" type="pres">
+      <dgm:prSet presAssocID="{2E5C29FC-6E65-8E48-B7E5-55A04ECB03BE}" presName="sp" presStyleCnt="0"/>
+      <dgm:spPr/>
+    </dgm:pt>
+    <dgm:pt modelId="{AC8365C6-FD24-804B-972C-F429F756E6EA}" type="pres">
+      <dgm:prSet presAssocID="{33750FC9-FF76-F74F-ABA9-BB18BD631323}" presName="composite" presStyleCnt="0"/>
+      <dgm:spPr/>
+    </dgm:pt>
+    <dgm:pt modelId="{AAB8A1BC-D98E-F04B-BE31-2D32D7842D7B}" type="pres">
+      <dgm:prSet presAssocID="{33750FC9-FF76-F74F-ABA9-BB18BD631323}" presName="parentText" presStyleLbl="alignNode1" presStyleIdx="1" presStyleCnt="4">
+        <dgm:presLayoutVars>
+          <dgm:chMax val="1"/>
+          <dgm:bulletEnabled val="1"/>
+        </dgm:presLayoutVars>
+      </dgm:prSet>
+      <dgm:spPr/>
+    </dgm:pt>
+    <dgm:pt modelId="{418A59DD-9F6E-B949-8977-50BCD1E5F17C}" type="pres">
+      <dgm:prSet presAssocID="{33750FC9-FF76-F74F-ABA9-BB18BD631323}" presName="descendantText" presStyleLbl="alignAcc1" presStyleIdx="1" presStyleCnt="4">
+        <dgm:presLayoutVars>
+          <dgm:bulletEnabled val="1"/>
+        </dgm:presLayoutVars>
+      </dgm:prSet>
+      <dgm:spPr/>
+    </dgm:pt>
+    <dgm:pt modelId="{6C02B817-A823-9B48-9B56-49F993FE9767}" type="pres">
+      <dgm:prSet presAssocID="{CD42EFE9-044D-074C-B5A0-D33C353B1A11}" presName="sp" presStyleCnt="0"/>
+      <dgm:spPr/>
+    </dgm:pt>
+    <dgm:pt modelId="{2BD93FC2-A04F-3A4B-8446-24EC581E177B}" type="pres">
+      <dgm:prSet presAssocID="{E5E099BA-C004-384E-AA3B-0399E4F4E5A1}" presName="composite" presStyleCnt="0"/>
+      <dgm:spPr/>
+    </dgm:pt>
+    <dgm:pt modelId="{09F06B34-E97F-CF40-A640-A394BA0C4532}" type="pres">
+      <dgm:prSet presAssocID="{E5E099BA-C004-384E-AA3B-0399E4F4E5A1}" presName="parentText" presStyleLbl="alignNode1" presStyleIdx="2" presStyleCnt="4">
+        <dgm:presLayoutVars>
+          <dgm:chMax val="1"/>
+          <dgm:bulletEnabled val="1"/>
+        </dgm:presLayoutVars>
+      </dgm:prSet>
+      <dgm:spPr/>
+    </dgm:pt>
+    <dgm:pt modelId="{CF5C6FB7-68D5-A74A-A43F-5285A6521FE6}" type="pres">
+      <dgm:prSet presAssocID="{E5E099BA-C004-384E-AA3B-0399E4F4E5A1}" presName="descendantText" presStyleLbl="alignAcc1" presStyleIdx="2" presStyleCnt="4">
+        <dgm:presLayoutVars>
+          <dgm:bulletEnabled val="1"/>
+        </dgm:presLayoutVars>
+      </dgm:prSet>
+      <dgm:spPr/>
+    </dgm:pt>
+    <dgm:pt modelId="{BDFD5A4A-1318-A644-AA47-6D8CA56C9BDD}" type="pres">
+      <dgm:prSet presAssocID="{C9AFEBEA-43E0-7B4F-A979-F3083D0C55D0}" presName="sp" presStyleCnt="0"/>
+      <dgm:spPr/>
+    </dgm:pt>
+    <dgm:pt modelId="{59B5D683-64F1-F44D-9832-86C8B59D1B03}" type="pres">
+      <dgm:prSet presAssocID="{F3DD2196-E2CB-5944-9A66-17A1E8E9A3E6}" presName="composite" presStyleCnt="0"/>
+      <dgm:spPr/>
+    </dgm:pt>
+    <dgm:pt modelId="{D95DE9B7-2A02-6E4D-9BDE-F89A5FE64FAE}" type="pres">
+      <dgm:prSet presAssocID="{F3DD2196-E2CB-5944-9A66-17A1E8E9A3E6}" presName="parentText" presStyleLbl="alignNode1" presStyleIdx="3" presStyleCnt="4">
+        <dgm:presLayoutVars>
+          <dgm:chMax val="1"/>
+          <dgm:bulletEnabled val="1"/>
+        </dgm:presLayoutVars>
+      </dgm:prSet>
+      <dgm:spPr/>
+    </dgm:pt>
+    <dgm:pt modelId="{F571BE7A-85A2-1648-899B-B1508A126E25}" type="pres">
+      <dgm:prSet presAssocID="{F3DD2196-E2CB-5944-9A66-17A1E8E9A3E6}" presName="descendantText" presStyleLbl="alignAcc1" presStyleIdx="3" presStyleCnt="4">
+        <dgm:presLayoutVars>
+          <dgm:bulletEnabled val="1"/>
+        </dgm:presLayoutVars>
+      </dgm:prSet>
+      <dgm:spPr/>
+    </dgm:pt>
+  </dgm:ptLst>
+  <dgm:cxnLst>
+    <dgm:cxn modelId="{08760D14-26AE-A64E-A89A-85C3BB8D4805}" type="presOf" srcId="{F8F6FF03-08E7-4544-9926-EEBAF9EA07A5}" destId="{AE0B1F16-2BBE-5F46-BCDF-1A1C4C1A53F0}" srcOrd="0" destOrd="1" presId="urn:microsoft.com/office/officeart/2005/8/layout/chevron2"/>
+    <dgm:cxn modelId="{A9B3B41A-0D21-0241-8448-6221CA0C34AF}" type="presOf" srcId="{4D6A53E1-64C2-5E43-8E0F-3A5C18081FB0}" destId="{FDA10D68-CCBC-CA46-A5FA-48A8A543C781}" srcOrd="0" destOrd="0" presId="urn:microsoft.com/office/officeart/2005/8/layout/chevron2"/>
+    <dgm:cxn modelId="{8A81EE1A-1CC1-D64A-A197-0B687F7DF34D}" type="presOf" srcId="{82C04685-E51F-B744-A4EA-DF74147BF303}" destId="{F571BE7A-85A2-1648-899B-B1508A126E25}" srcOrd="0" destOrd="2" presId="urn:microsoft.com/office/officeart/2005/8/layout/chevron2"/>
+    <dgm:cxn modelId="{C33A4A1C-F51F-5D40-B637-8AD218D01F3A}" type="presOf" srcId="{F3DD2196-E2CB-5944-9A66-17A1E8E9A3E6}" destId="{D95DE9B7-2A02-6E4D-9BDE-F89A5FE64FAE}" srcOrd="0" destOrd="0" presId="urn:microsoft.com/office/officeart/2005/8/layout/chevron2"/>
+    <dgm:cxn modelId="{20A63D2C-66ED-3A4E-A588-6EF69EAE3267}" type="presOf" srcId="{C547BA8C-80EF-CE47-836B-4D8210724C68}" destId="{418A59DD-9F6E-B949-8977-50BCD1E5F17C}" srcOrd="0" destOrd="0" presId="urn:microsoft.com/office/officeart/2005/8/layout/chevron2"/>
+    <dgm:cxn modelId="{D9A96B33-7773-6940-8E34-23F119290872}" srcId="{33750FC9-FF76-F74F-ABA9-BB18BD631323}" destId="{3CE7BBA6-7E03-2049-BEBD-91C3DE50F40F}" srcOrd="1" destOrd="0" parTransId="{9451D209-0BF4-2642-B980-0901D9F29970}" sibTransId="{F7605CF9-BA8B-734E-B21B-62C8B898AA2F}"/>
+    <dgm:cxn modelId="{FA0B1638-92AF-E446-BC04-B0B2CEB5E10C}" srcId="{F3DD2196-E2CB-5944-9A66-17A1E8E9A3E6}" destId="{618AC653-031A-6D40-AD9C-8505FF134370}" srcOrd="1" destOrd="0" parTransId="{24DB3110-EC7F-ED4F-A8B8-B607A74615E3}" sibTransId="{6A5B264E-C037-E04F-883D-B503CDC8365A}"/>
+    <dgm:cxn modelId="{CEE19C4E-2470-8C45-8653-9A93EB41927E}" srcId="{90B3A9F3-E903-1D45-8895-6D95D8B3B2D3}" destId="{4D6A53E1-64C2-5E43-8E0F-3A5C18081FB0}" srcOrd="0" destOrd="0" parTransId="{41C51C03-BD16-454E-894D-CDDB84A4804B}" sibTransId="{2E5C29FC-6E65-8E48-B7E5-55A04ECB03BE}"/>
+    <dgm:cxn modelId="{F22D475A-1FE7-CE47-ACA5-31D966C89687}" srcId="{90B3A9F3-E903-1D45-8895-6D95D8B3B2D3}" destId="{F3DD2196-E2CB-5944-9A66-17A1E8E9A3E6}" srcOrd="3" destOrd="0" parTransId="{ADDB03CB-DEAD-4D43-BEC7-23BA94BD62A5}" sibTransId="{DF364C20-A226-1A49-A358-3508C17A79E5}"/>
+    <dgm:cxn modelId="{78E3556C-BF4E-2148-8D01-A421847778BB}" type="presOf" srcId="{E5E099BA-C004-384E-AA3B-0399E4F4E5A1}" destId="{09F06B34-E97F-CF40-A640-A394BA0C4532}" srcOrd="0" destOrd="0" presId="urn:microsoft.com/office/officeart/2005/8/layout/chevron2"/>
+    <dgm:cxn modelId="{3C1C6777-3008-3240-97DD-037347553888}" type="presOf" srcId="{1443104D-F963-A040-A9ED-D164D310BF3C}" destId="{AE0B1F16-2BBE-5F46-BCDF-1A1C4C1A53F0}" srcOrd="0" destOrd="0" presId="urn:microsoft.com/office/officeart/2005/8/layout/chevron2"/>
+    <dgm:cxn modelId="{32551A83-E62D-2A40-9B97-8F4A568E9A41}" type="presOf" srcId="{33750FC9-FF76-F74F-ABA9-BB18BD631323}" destId="{AAB8A1BC-D98E-F04B-BE31-2D32D7842D7B}" srcOrd="0" destOrd="0" presId="urn:microsoft.com/office/officeart/2005/8/layout/chevron2"/>
+    <dgm:cxn modelId="{21FC0484-C660-6045-A938-AB223B6AE762}" srcId="{E5E099BA-C004-384E-AA3B-0399E4F4E5A1}" destId="{27722A0E-2112-904A-A68E-1C4A79BD2B0D}" srcOrd="1" destOrd="0" parTransId="{9846CA1C-FA16-F84A-BD42-BB485288587F}" sibTransId="{2FCDC5BF-1040-614B-B8BF-4D8DB9B04BD0}"/>
+    <dgm:cxn modelId="{2BF18096-2CC8-6A4E-9FD7-1FA58B60A2E5}" srcId="{33750FC9-FF76-F74F-ABA9-BB18BD631323}" destId="{E855EBCB-E8F3-9C42-B387-962BDA409E19}" srcOrd="2" destOrd="0" parTransId="{32D2603A-C7C4-E147-B5A6-7672E32FEA37}" sibTransId="{653EA839-5DAF-8E40-8776-06445B5BA636}"/>
+    <dgm:cxn modelId="{B516B99F-427D-E149-A5DF-8FB5A4E67FD8}" srcId="{F3DD2196-E2CB-5944-9A66-17A1E8E9A3E6}" destId="{3E95D626-9629-CC44-AB25-6A9352408CC1}" srcOrd="0" destOrd="0" parTransId="{96403B31-DF85-0C43-8C6E-F6DB2860F34D}" sibTransId="{B672169B-2A62-474D-A716-2F45267045A2}"/>
+    <dgm:cxn modelId="{D34CCFA9-175F-1E4F-ADC5-A4CABAAD1D80}" type="presOf" srcId="{27722A0E-2112-904A-A68E-1C4A79BD2B0D}" destId="{CF5C6FB7-68D5-A74A-A43F-5285A6521FE6}" srcOrd="0" destOrd="1" presId="urn:microsoft.com/office/officeart/2005/8/layout/chevron2"/>
+    <dgm:cxn modelId="{A84510AA-2EF7-0340-BCDF-11721B63BE03}" type="presOf" srcId="{3CE7BBA6-7E03-2049-BEBD-91C3DE50F40F}" destId="{418A59DD-9F6E-B949-8977-50BCD1E5F17C}" srcOrd="0" destOrd="1" presId="urn:microsoft.com/office/officeart/2005/8/layout/chevron2"/>
+    <dgm:cxn modelId="{AA90D6B2-462B-A64B-9D93-7F5240CB867F}" srcId="{90B3A9F3-E903-1D45-8895-6D95D8B3B2D3}" destId="{E5E099BA-C004-384E-AA3B-0399E4F4E5A1}" srcOrd="2" destOrd="0" parTransId="{73994E47-8683-4D48-A5A7-382AC0747948}" sibTransId="{C9AFEBEA-43E0-7B4F-A979-F3083D0C55D0}"/>
+    <dgm:cxn modelId="{347842B9-BAAD-D848-8D37-81E11B0DA3D2}" srcId="{33750FC9-FF76-F74F-ABA9-BB18BD631323}" destId="{C547BA8C-80EF-CE47-836B-4D8210724C68}" srcOrd="0" destOrd="0" parTransId="{F057EF97-ECD2-5F44-95F0-D11981E4C603}" sibTransId="{0B821222-8BB7-A24C-8BA5-B19912C07830}"/>
+    <dgm:cxn modelId="{71A12ABA-48A5-154A-82EB-31209C5A07E7}" srcId="{4D6A53E1-64C2-5E43-8E0F-3A5C18081FB0}" destId="{F8F6FF03-08E7-4544-9926-EEBAF9EA07A5}" srcOrd="1" destOrd="0" parTransId="{0EA7D40D-574B-174F-A711-C6CBF264E7AD}" sibTransId="{7DBD6D19-2A51-3744-BB12-26D20CD9A824}"/>
+    <dgm:cxn modelId="{114F62C2-FCA0-0E47-B36A-A03859A1822B}" srcId="{4D6A53E1-64C2-5E43-8E0F-3A5C18081FB0}" destId="{1443104D-F963-A040-A9ED-D164D310BF3C}" srcOrd="0" destOrd="0" parTransId="{42001C90-6416-9E40-9627-4682C82A3E23}" sibTransId="{8557CEB4-63B8-624D-A1E4-9A9420900D67}"/>
+    <dgm:cxn modelId="{07F1B6C4-72B4-3146-9450-FCAAF6B69F18}" type="presOf" srcId="{E855EBCB-E8F3-9C42-B387-962BDA409E19}" destId="{418A59DD-9F6E-B949-8977-50BCD1E5F17C}" srcOrd="0" destOrd="2" presId="urn:microsoft.com/office/officeart/2005/8/layout/chevron2"/>
+    <dgm:cxn modelId="{B2BA8BCA-028C-1F48-847F-301587634FDE}" type="presOf" srcId="{3719CF17-D772-3148-9BC0-A2BA922B79D2}" destId="{CF5C6FB7-68D5-A74A-A43F-5285A6521FE6}" srcOrd="0" destOrd="0" presId="urn:microsoft.com/office/officeart/2005/8/layout/chevron2"/>
+    <dgm:cxn modelId="{5FBDD2CC-FE04-6F45-B28E-1CD8080D70EE}" type="presOf" srcId="{90B3A9F3-E903-1D45-8895-6D95D8B3B2D3}" destId="{FB693BBB-0993-F143-9A9C-5C27E44DEBCF}" srcOrd="0" destOrd="0" presId="urn:microsoft.com/office/officeart/2005/8/layout/chevron2"/>
+    <dgm:cxn modelId="{C762D7E1-05E9-C24A-84FC-C6B6A595EC26}" type="presOf" srcId="{3E95D626-9629-CC44-AB25-6A9352408CC1}" destId="{F571BE7A-85A2-1648-899B-B1508A126E25}" srcOrd="0" destOrd="0" presId="urn:microsoft.com/office/officeart/2005/8/layout/chevron2"/>
+    <dgm:cxn modelId="{2C8E9DE2-B88A-0A44-B359-21B3312C6A30}" srcId="{E5E099BA-C004-384E-AA3B-0399E4F4E5A1}" destId="{3719CF17-D772-3148-9BC0-A2BA922B79D2}" srcOrd="0" destOrd="0" parTransId="{72EE2834-56BB-A54E-9A6C-2548EB612936}" sibTransId="{4B4D5453-D8CC-7947-9147-69978D69CFB5}"/>
+    <dgm:cxn modelId="{493007FA-F37E-8C41-9C1C-A718B33944A9}" srcId="{F3DD2196-E2CB-5944-9A66-17A1E8E9A3E6}" destId="{82C04685-E51F-B744-A4EA-DF74147BF303}" srcOrd="2" destOrd="0" parTransId="{E806843C-55FC-3A47-A15D-BD856B2C12E5}" sibTransId="{611AADA1-803B-6040-B8ED-F5C1616E5A13}"/>
+    <dgm:cxn modelId="{EE758DFD-9348-ED4C-9286-57D73F1C5D8F}" srcId="{90B3A9F3-E903-1D45-8895-6D95D8B3B2D3}" destId="{33750FC9-FF76-F74F-ABA9-BB18BD631323}" srcOrd="1" destOrd="0" parTransId="{E6FEFE29-6022-6742-A3A1-1508A271F25E}" sibTransId="{CD42EFE9-044D-074C-B5A0-D33C353B1A11}"/>
+    <dgm:cxn modelId="{AD87EEFE-4017-5A46-BEAA-D7FE03BC0258}" type="presOf" srcId="{618AC653-031A-6D40-AD9C-8505FF134370}" destId="{F571BE7A-85A2-1648-899B-B1508A126E25}" srcOrd="0" destOrd="1" presId="urn:microsoft.com/office/officeart/2005/8/layout/chevron2"/>
+    <dgm:cxn modelId="{3B9E4780-E584-5B49-AA69-E0A69687D399}" type="presParOf" srcId="{FB693BBB-0993-F143-9A9C-5C27E44DEBCF}" destId="{43968FBE-02F5-4743-90E0-24D4AFA8C61F}" srcOrd="0" destOrd="0" presId="urn:microsoft.com/office/officeart/2005/8/layout/chevron2"/>
+    <dgm:cxn modelId="{E2D48D58-5F89-3C4E-8178-B0DD14BE2B8F}" type="presParOf" srcId="{43968FBE-02F5-4743-90E0-24D4AFA8C61F}" destId="{FDA10D68-CCBC-CA46-A5FA-48A8A543C781}" srcOrd="0" destOrd="0" presId="urn:microsoft.com/office/officeart/2005/8/layout/chevron2"/>
+    <dgm:cxn modelId="{4ACF4869-1170-3C4D-BE49-59D3909BEDA5}" type="presParOf" srcId="{43968FBE-02F5-4743-90E0-24D4AFA8C61F}" destId="{AE0B1F16-2BBE-5F46-BCDF-1A1C4C1A53F0}" srcOrd="1" destOrd="0" presId="urn:microsoft.com/office/officeart/2005/8/layout/chevron2"/>
+    <dgm:cxn modelId="{7DE2B962-4CB0-8B40-8545-1744E76E24EE}" type="presParOf" srcId="{FB693BBB-0993-F143-9A9C-5C27E44DEBCF}" destId="{AA252EDA-6F74-8347-AC18-FCB1B2364A95}" srcOrd="1" destOrd="0" presId="urn:microsoft.com/office/officeart/2005/8/layout/chevron2"/>
+    <dgm:cxn modelId="{FB4A3143-F2F0-454C-A795-803ED83CE981}" type="presParOf" srcId="{FB693BBB-0993-F143-9A9C-5C27E44DEBCF}" destId="{AC8365C6-FD24-804B-972C-F429F756E6EA}" srcOrd="2" destOrd="0" presId="urn:microsoft.com/office/officeart/2005/8/layout/chevron2"/>
+    <dgm:cxn modelId="{E0652FDF-1FAD-784B-A322-B6FD064AE184}" type="presParOf" srcId="{AC8365C6-FD24-804B-972C-F429F756E6EA}" destId="{AAB8A1BC-D98E-F04B-BE31-2D32D7842D7B}" srcOrd="0" destOrd="0" presId="urn:microsoft.com/office/officeart/2005/8/layout/chevron2"/>
+    <dgm:cxn modelId="{CCD06154-ED23-D84E-9780-E29AF6A09C1E}" type="presParOf" srcId="{AC8365C6-FD24-804B-972C-F429F756E6EA}" destId="{418A59DD-9F6E-B949-8977-50BCD1E5F17C}" srcOrd="1" destOrd="0" presId="urn:microsoft.com/office/officeart/2005/8/layout/chevron2"/>
+    <dgm:cxn modelId="{C588F60E-CC9A-9441-AC39-90134389DDC6}" type="presParOf" srcId="{FB693BBB-0993-F143-9A9C-5C27E44DEBCF}" destId="{6C02B817-A823-9B48-9B56-49F993FE9767}" srcOrd="3" destOrd="0" presId="urn:microsoft.com/office/officeart/2005/8/layout/chevron2"/>
+    <dgm:cxn modelId="{73AC08E6-7C78-6348-939F-379A8C97FA26}" type="presParOf" srcId="{FB693BBB-0993-F143-9A9C-5C27E44DEBCF}" destId="{2BD93FC2-A04F-3A4B-8446-24EC581E177B}" srcOrd="4" destOrd="0" presId="urn:microsoft.com/office/officeart/2005/8/layout/chevron2"/>
+    <dgm:cxn modelId="{6F7DE5EA-DDBD-984B-8B74-1C5AD42AB425}" type="presParOf" srcId="{2BD93FC2-A04F-3A4B-8446-24EC581E177B}" destId="{09F06B34-E97F-CF40-A640-A394BA0C4532}" srcOrd="0" destOrd="0" presId="urn:microsoft.com/office/officeart/2005/8/layout/chevron2"/>
+    <dgm:cxn modelId="{039F1076-F01B-B649-A2B6-47D9207CDB62}" type="presParOf" srcId="{2BD93FC2-A04F-3A4B-8446-24EC581E177B}" destId="{CF5C6FB7-68D5-A74A-A43F-5285A6521FE6}" srcOrd="1" destOrd="0" presId="urn:microsoft.com/office/officeart/2005/8/layout/chevron2"/>
+    <dgm:cxn modelId="{1366F342-2424-BC4A-BDBB-61506EC77E6F}" type="presParOf" srcId="{FB693BBB-0993-F143-9A9C-5C27E44DEBCF}" destId="{BDFD5A4A-1318-A644-AA47-6D8CA56C9BDD}" srcOrd="5" destOrd="0" presId="urn:microsoft.com/office/officeart/2005/8/layout/chevron2"/>
+    <dgm:cxn modelId="{A9C2AA16-5E02-FA45-B385-2924E125AD6E}" type="presParOf" srcId="{FB693BBB-0993-F143-9A9C-5C27E44DEBCF}" destId="{59B5D683-64F1-F44D-9832-86C8B59D1B03}" srcOrd="6" destOrd="0" presId="urn:microsoft.com/office/officeart/2005/8/layout/chevron2"/>
+    <dgm:cxn modelId="{537866E1-836D-9143-A6A2-17D66E364BDA}" type="presParOf" srcId="{59B5D683-64F1-F44D-9832-86C8B59D1B03}" destId="{D95DE9B7-2A02-6E4D-9BDE-F89A5FE64FAE}" srcOrd="0" destOrd="0" presId="urn:microsoft.com/office/officeart/2005/8/layout/chevron2"/>
+    <dgm:cxn modelId="{496678CE-5AB3-0B47-B197-D2C24D53A2D7}" type="presParOf" srcId="{59B5D683-64F1-F44D-9832-86C8B59D1B03}" destId="{F571BE7A-85A2-1648-899B-B1508A126E25}" srcOrd="1" destOrd="0" presId="urn:microsoft.com/office/officeart/2005/8/layout/chevron2"/>
+  </dgm:cxnLst>
+  <dgm:bg/>
+  <dgm:whole/>
+  <dgm:extLst>
+    <a:ext uri="http://schemas.microsoft.com/office/drawing/2008/diagram">
+      <dsp:dataModelExt xmlns:dsp="http://schemas.microsoft.com/office/drawing/2008/diagram" relId="rId6" minVer="http://schemas.openxmlformats.org/drawingml/2006/diagram"/>
+    </a:ext>
+  </dgm:extLst>
+</dgm:dataModel>
+</file>
+
+<file path=ppt/diagrams/drawing1.xml><?xml version="1.0" encoding="utf-8"?>
+<dsp:drawing xmlns:dgm="http://schemas.openxmlformats.org/drawingml/2006/diagram" xmlns:dsp="http://schemas.microsoft.com/office/drawing/2008/diagram" xmlns:a="http://schemas.openxmlformats.org/drawingml/2006/main">
+  <dsp:spTree>
+    <dsp:nvGrpSpPr>
+      <dsp:cNvPr id="0" name=""/>
+      <dsp:cNvGrpSpPr/>
+    </dsp:nvGrpSpPr>
+    <dsp:grpSpPr/>
+    <dsp:sp modelId="{FDA10D68-CCBC-CA46-A5FA-48A8A543C781}">
+      <dsp:nvSpPr>
+        <dsp:cNvPr id="0" name=""/>
+        <dsp:cNvSpPr/>
+      </dsp:nvSpPr>
+      <dsp:spPr>
+        <a:xfrm rot="5400000">
+          <a:off x="-219471" y="219479"/>
+          <a:ext cx="1463145" cy="1024202"/>
+        </a:xfrm>
+        <a:prstGeom prst="chevron">
+          <a:avLst/>
+        </a:prstGeom>
+        <a:solidFill>
+          <a:schemeClr val="accent1">
+            <a:hueOff val="0"/>
+            <a:satOff val="0"/>
+            <a:lumOff val="0"/>
+            <a:alphaOff val="0"/>
+          </a:schemeClr>
+        </a:solidFill>
+        <a:ln w="12700" cap="flat" cmpd="sng" algn="ctr">
+          <a:solidFill>
+            <a:schemeClr val="accent1">
+              <a:hueOff val="0"/>
+              <a:satOff val="0"/>
+              <a:lumOff val="0"/>
+              <a:alphaOff val="0"/>
+            </a:schemeClr>
+          </a:solidFill>
+          <a:prstDash val="solid"/>
+          <a:miter lim="800000"/>
+        </a:ln>
+        <a:effectLst/>
+      </dsp:spPr>
+      <dsp:style>
+        <a:lnRef idx="2">
+          <a:scrgbClr r="0" g="0" b="0"/>
+        </a:lnRef>
+        <a:fillRef idx="1">
+          <a:scrgbClr r="0" g="0" b="0"/>
+        </a:fillRef>
+        <a:effectRef idx="0">
+          <a:scrgbClr r="0" g="0" b="0"/>
+        </a:effectRef>
+        <a:fontRef idx="minor">
+          <a:schemeClr val="lt1"/>
+        </a:fontRef>
+      </dsp:style>
+      <dsp:txBody>
+        <a:bodyPr spcFirstLastPara="0" vert="horz" wrap="square" lIns="9525" tIns="9525" rIns="9525" bIns="9525" numCol="1" spcCol="1270" anchor="ctr" anchorCtr="0">
+          <a:noAutofit/>
+        </a:bodyPr>
+        <a:lstStyle/>
+        <a:p>
+          <a:pPr marL="0" lvl="0" indent="0" algn="ctr" defTabSz="666750">
+            <a:lnSpc>
+              <a:spcPct val="90000"/>
+            </a:lnSpc>
+            <a:spcBef>
+              <a:spcPct val="0"/>
+            </a:spcBef>
+            <a:spcAft>
+              <a:spcPct val="35000"/>
+            </a:spcAft>
+            <a:buNone/>
+          </a:pPr>
+          <a:r>
+            <a:rPr lang="en-US" sz="1500" kern="1200" dirty="0"/>
+            <a:t>Data Collection</a:t>
+          </a:r>
+        </a:p>
+      </dsp:txBody>
+      <dsp:txXfrm rot="-5400000">
+        <a:off x="1" y="512108"/>
+        <a:ext cx="1024202" cy="438943"/>
+      </dsp:txXfrm>
+    </dsp:sp>
+    <dsp:sp modelId="{AE0B1F16-2BBE-5F46-BCDF-1A1C4C1A53F0}">
+      <dsp:nvSpPr>
+        <dsp:cNvPr id="0" name=""/>
+        <dsp:cNvSpPr/>
+      </dsp:nvSpPr>
+      <dsp:spPr>
+        <a:xfrm rot="5400000">
+          <a:off x="4100578" y="-3076368"/>
+          <a:ext cx="951044" cy="7103797"/>
+        </a:xfrm>
+        <a:prstGeom prst="round2SameRect">
+          <a:avLst/>
+        </a:prstGeom>
+        <a:solidFill>
+          <a:schemeClr val="lt1">
+            <a:alpha val="90000"/>
+            <a:hueOff val="0"/>
+            <a:satOff val="0"/>
+            <a:lumOff val="0"/>
+            <a:alphaOff val="0"/>
+          </a:schemeClr>
+        </a:solidFill>
+        <a:ln w="12700" cap="flat" cmpd="sng" algn="ctr">
+          <a:solidFill>
+            <a:schemeClr val="accent1">
+              <a:hueOff val="0"/>
+              <a:satOff val="0"/>
+              <a:lumOff val="0"/>
+              <a:alphaOff val="0"/>
+            </a:schemeClr>
+          </a:solidFill>
+          <a:prstDash val="solid"/>
+          <a:miter lim="800000"/>
+        </a:ln>
+        <a:effectLst/>
+      </dsp:spPr>
+      <dsp:style>
+        <a:lnRef idx="2">
+          <a:scrgbClr r="0" g="0" b="0"/>
+        </a:lnRef>
+        <a:fillRef idx="1">
+          <a:scrgbClr r="0" g="0" b="0"/>
+        </a:fillRef>
+        <a:effectRef idx="0">
+          <a:scrgbClr r="0" g="0" b="0"/>
+        </a:effectRef>
+        <a:fontRef idx="minor"/>
+      </dsp:style>
+      <dsp:txBody>
+        <a:bodyPr spcFirstLastPara="0" vert="horz" wrap="square" lIns="106680" tIns="9525" rIns="9525" bIns="9525" numCol="1" spcCol="1270" anchor="ctr" anchorCtr="0">
+          <a:noAutofit/>
+        </a:bodyPr>
+        <a:lstStyle/>
+        <a:p>
+          <a:pPr marL="114300" lvl="1" indent="-114300" algn="l" defTabSz="666750">
+            <a:lnSpc>
+              <a:spcPct val="90000"/>
+            </a:lnSpc>
+            <a:spcBef>
+              <a:spcPct val="0"/>
+            </a:spcBef>
+            <a:spcAft>
+              <a:spcPct val="15000"/>
+            </a:spcAft>
+            <a:buChar char="•"/>
+          </a:pPr>
+          <a:r>
+            <a:rPr lang="en-US" sz="1500" kern="1200" dirty="0" err="1"/>
+            <a:t>simplyscripts.com</a:t>
+          </a:r>
+          <a:endParaRPr lang="en-US" sz="1500" kern="1200" dirty="0"/>
+        </a:p>
+        <a:p>
+          <a:pPr marL="114300" lvl="1" indent="-114300" algn="l" defTabSz="666750">
+            <a:lnSpc>
+              <a:spcPct val="90000"/>
+            </a:lnSpc>
+            <a:spcBef>
+              <a:spcPct val="0"/>
+            </a:spcBef>
+            <a:spcAft>
+              <a:spcPct val="15000"/>
+            </a:spcAft>
+            <a:buChar char="•"/>
+          </a:pPr>
+          <a:r>
+            <a:rPr lang="en-US" sz="1500" kern="1200" dirty="0"/>
+            <a:t>Ratings from IMDB via Kaggle</a:t>
+          </a:r>
+        </a:p>
+      </dsp:txBody>
+      <dsp:txXfrm rot="-5400000">
+        <a:off x="1024202" y="46434"/>
+        <a:ext cx="7057371" cy="858192"/>
+      </dsp:txXfrm>
+    </dsp:sp>
+    <dsp:sp modelId="{AAB8A1BC-D98E-F04B-BE31-2D32D7842D7B}">
+      <dsp:nvSpPr>
+        <dsp:cNvPr id="0" name=""/>
+        <dsp:cNvSpPr/>
+      </dsp:nvSpPr>
+      <dsp:spPr>
+        <a:xfrm rot="5400000">
+          <a:off x="-219471" y="1537981"/>
+          <a:ext cx="1463145" cy="1024202"/>
+        </a:xfrm>
+        <a:prstGeom prst="chevron">
+          <a:avLst/>
+        </a:prstGeom>
+        <a:solidFill>
+          <a:schemeClr val="accent1">
+            <a:hueOff val="0"/>
+            <a:satOff val="0"/>
+            <a:lumOff val="0"/>
+            <a:alphaOff val="0"/>
+          </a:schemeClr>
+        </a:solidFill>
+        <a:ln w="12700" cap="flat" cmpd="sng" algn="ctr">
+          <a:solidFill>
+            <a:schemeClr val="accent1">
+              <a:hueOff val="0"/>
+              <a:satOff val="0"/>
+              <a:lumOff val="0"/>
+              <a:alphaOff val="0"/>
+            </a:schemeClr>
+          </a:solidFill>
+          <a:prstDash val="solid"/>
+          <a:miter lim="800000"/>
+        </a:ln>
+        <a:effectLst/>
+      </dsp:spPr>
+      <dsp:style>
+        <a:lnRef idx="2">
+          <a:scrgbClr r="0" g="0" b="0"/>
+        </a:lnRef>
+        <a:fillRef idx="1">
+          <a:scrgbClr r="0" g="0" b="0"/>
+        </a:fillRef>
+        <a:effectRef idx="0">
+          <a:scrgbClr r="0" g="0" b="0"/>
+        </a:effectRef>
+        <a:fontRef idx="minor">
+          <a:schemeClr val="lt1"/>
+        </a:fontRef>
+      </dsp:style>
+      <dsp:txBody>
+        <a:bodyPr spcFirstLastPara="0" vert="horz" wrap="square" lIns="9525" tIns="9525" rIns="9525" bIns="9525" numCol="1" spcCol="1270" anchor="ctr" anchorCtr="0">
+          <a:noAutofit/>
+        </a:bodyPr>
+        <a:lstStyle/>
+        <a:p>
+          <a:pPr marL="0" lvl="0" indent="0" algn="ctr" defTabSz="666750">
+            <a:lnSpc>
+              <a:spcPct val="90000"/>
+            </a:lnSpc>
+            <a:spcBef>
+              <a:spcPct val="0"/>
+            </a:spcBef>
+            <a:spcAft>
+              <a:spcPct val="35000"/>
+            </a:spcAft>
+            <a:buNone/>
+          </a:pPr>
+          <a:r>
+            <a:rPr lang="en-US" sz="1500" kern="1200" dirty="0"/>
+            <a:t>Data Wrangling</a:t>
+          </a:r>
+        </a:p>
+      </dsp:txBody>
+      <dsp:txXfrm rot="-5400000">
+        <a:off x="1" y="1830610"/>
+        <a:ext cx="1024202" cy="438943"/>
+      </dsp:txXfrm>
+    </dsp:sp>
+    <dsp:sp modelId="{418A59DD-9F6E-B949-8977-50BCD1E5F17C}">
+      <dsp:nvSpPr>
+        <dsp:cNvPr id="0" name=""/>
+        <dsp:cNvSpPr/>
+      </dsp:nvSpPr>
+      <dsp:spPr>
+        <a:xfrm rot="5400000">
+          <a:off x="4100578" y="-1757866"/>
+          <a:ext cx="951044" cy="7103797"/>
+        </a:xfrm>
+        <a:prstGeom prst="round2SameRect">
+          <a:avLst/>
+        </a:prstGeom>
+        <a:solidFill>
+          <a:schemeClr val="lt1">
+            <a:alpha val="90000"/>
+            <a:hueOff val="0"/>
+            <a:satOff val="0"/>
+            <a:lumOff val="0"/>
+            <a:alphaOff val="0"/>
+          </a:schemeClr>
+        </a:solidFill>
+        <a:ln w="12700" cap="flat" cmpd="sng" algn="ctr">
+          <a:solidFill>
+            <a:schemeClr val="accent1">
+              <a:hueOff val="0"/>
+              <a:satOff val="0"/>
+              <a:lumOff val="0"/>
+              <a:alphaOff val="0"/>
+            </a:schemeClr>
+          </a:solidFill>
+          <a:prstDash val="solid"/>
+          <a:miter lim="800000"/>
+        </a:ln>
+        <a:effectLst/>
+      </dsp:spPr>
+      <dsp:style>
+        <a:lnRef idx="2">
+          <a:scrgbClr r="0" g="0" b="0"/>
+        </a:lnRef>
+        <a:fillRef idx="1">
+          <a:scrgbClr r="0" g="0" b="0"/>
+        </a:fillRef>
+        <a:effectRef idx="0">
+          <a:scrgbClr r="0" g="0" b="0"/>
+        </a:effectRef>
+        <a:fontRef idx="minor"/>
+      </dsp:style>
+      <dsp:txBody>
+        <a:bodyPr spcFirstLastPara="0" vert="horz" wrap="square" lIns="106680" tIns="9525" rIns="9525" bIns="9525" numCol="1" spcCol="1270" anchor="ctr" anchorCtr="0">
+          <a:noAutofit/>
+        </a:bodyPr>
+        <a:lstStyle/>
+        <a:p>
+          <a:pPr marL="114300" lvl="1" indent="-114300" algn="l" defTabSz="666750">
+            <a:lnSpc>
+              <a:spcPct val="90000"/>
+            </a:lnSpc>
+            <a:spcBef>
+              <a:spcPct val="0"/>
+            </a:spcBef>
+            <a:spcAft>
+              <a:spcPct val="15000"/>
+            </a:spcAft>
+            <a:buChar char="•"/>
+          </a:pPr>
+          <a:r>
+            <a:rPr lang="en-US" sz="1500" kern="1200" dirty="0"/>
+            <a:t>Concatenate ratings files to be just American fiction movies and their ratings and genres  </a:t>
+          </a:r>
+        </a:p>
+        <a:p>
+          <a:pPr marL="114300" lvl="1" indent="-114300" algn="l" defTabSz="666750">
+            <a:lnSpc>
+              <a:spcPct val="90000"/>
+            </a:lnSpc>
+            <a:spcBef>
+              <a:spcPct val="0"/>
+            </a:spcBef>
+            <a:spcAft>
+              <a:spcPct val="15000"/>
+            </a:spcAft>
+            <a:buChar char="•"/>
+          </a:pPr>
+          <a:r>
+            <a:rPr lang="en-US" sz="1500" kern="1200" dirty="0"/>
+            <a:t>Scrape scripts from web and convert to text files</a:t>
+          </a:r>
+        </a:p>
+        <a:p>
+          <a:pPr marL="114300" lvl="1" indent="-114300" algn="l" defTabSz="666750">
+            <a:lnSpc>
+              <a:spcPct val="90000"/>
+            </a:lnSpc>
+            <a:spcBef>
+              <a:spcPct val="0"/>
+            </a:spcBef>
+            <a:spcAft>
+              <a:spcPct val="15000"/>
+            </a:spcAft>
+            <a:buChar char="•"/>
+          </a:pPr>
+          <a:r>
+            <a:rPr lang="en-US" sz="1500" kern="1200" dirty="0"/>
+            <a:t>Merge ratings and scripts</a:t>
+          </a:r>
+        </a:p>
+      </dsp:txBody>
+      <dsp:txXfrm rot="-5400000">
+        <a:off x="1024202" y="1364936"/>
+        <a:ext cx="7057371" cy="858192"/>
+      </dsp:txXfrm>
+    </dsp:sp>
+    <dsp:sp modelId="{09F06B34-E97F-CF40-A640-A394BA0C4532}">
+      <dsp:nvSpPr>
+        <dsp:cNvPr id="0" name=""/>
+        <dsp:cNvSpPr/>
+      </dsp:nvSpPr>
+      <dsp:spPr>
+        <a:xfrm rot="5400000">
+          <a:off x="-219471" y="2856483"/>
+          <a:ext cx="1463145" cy="1024202"/>
+        </a:xfrm>
+        <a:prstGeom prst="chevron">
+          <a:avLst/>
+        </a:prstGeom>
+        <a:solidFill>
+          <a:schemeClr val="accent1">
+            <a:hueOff val="0"/>
+            <a:satOff val="0"/>
+            <a:lumOff val="0"/>
+            <a:alphaOff val="0"/>
+          </a:schemeClr>
+        </a:solidFill>
+        <a:ln w="12700" cap="flat" cmpd="sng" algn="ctr">
+          <a:solidFill>
+            <a:schemeClr val="accent1">
+              <a:hueOff val="0"/>
+              <a:satOff val="0"/>
+              <a:lumOff val="0"/>
+              <a:alphaOff val="0"/>
+            </a:schemeClr>
+          </a:solidFill>
+          <a:prstDash val="solid"/>
+          <a:miter lim="800000"/>
+        </a:ln>
+        <a:effectLst/>
+      </dsp:spPr>
+      <dsp:style>
+        <a:lnRef idx="2">
+          <a:scrgbClr r="0" g="0" b="0"/>
+        </a:lnRef>
+        <a:fillRef idx="1">
+          <a:scrgbClr r="0" g="0" b="0"/>
+        </a:fillRef>
+        <a:effectRef idx="0">
+          <a:scrgbClr r="0" g="0" b="0"/>
+        </a:effectRef>
+        <a:fontRef idx="minor">
+          <a:schemeClr val="lt1"/>
+        </a:fontRef>
+      </dsp:style>
+      <dsp:txBody>
+        <a:bodyPr spcFirstLastPara="0" vert="horz" wrap="square" lIns="9525" tIns="9525" rIns="9525" bIns="9525" numCol="1" spcCol="1270" anchor="ctr" anchorCtr="0">
+          <a:noAutofit/>
+        </a:bodyPr>
+        <a:lstStyle/>
+        <a:p>
+          <a:pPr marL="0" lvl="0" indent="0" algn="ctr" defTabSz="666750">
+            <a:lnSpc>
+              <a:spcPct val="90000"/>
+            </a:lnSpc>
+            <a:spcBef>
+              <a:spcPct val="0"/>
+            </a:spcBef>
+            <a:spcAft>
+              <a:spcPct val="35000"/>
+            </a:spcAft>
+            <a:buNone/>
+          </a:pPr>
+          <a:r>
+            <a:rPr lang="en-US" sz="1500" kern="1200" dirty="0"/>
+            <a:t>EDA</a:t>
+          </a:r>
+        </a:p>
+      </dsp:txBody>
+      <dsp:txXfrm rot="-5400000">
+        <a:off x="1" y="3149112"/>
+        <a:ext cx="1024202" cy="438943"/>
+      </dsp:txXfrm>
+    </dsp:sp>
+    <dsp:sp modelId="{CF5C6FB7-68D5-A74A-A43F-5285A6521FE6}">
+      <dsp:nvSpPr>
+        <dsp:cNvPr id="0" name=""/>
+        <dsp:cNvSpPr/>
+      </dsp:nvSpPr>
+      <dsp:spPr>
+        <a:xfrm rot="5400000">
+          <a:off x="4100578" y="-439365"/>
+          <a:ext cx="951044" cy="7103797"/>
+        </a:xfrm>
+        <a:prstGeom prst="round2SameRect">
+          <a:avLst/>
+        </a:prstGeom>
+        <a:solidFill>
+          <a:schemeClr val="lt1">
+            <a:alpha val="90000"/>
+            <a:hueOff val="0"/>
+            <a:satOff val="0"/>
+            <a:lumOff val="0"/>
+            <a:alphaOff val="0"/>
+          </a:schemeClr>
+        </a:solidFill>
+        <a:ln w="12700" cap="flat" cmpd="sng" algn="ctr">
+          <a:solidFill>
+            <a:schemeClr val="accent1">
+              <a:hueOff val="0"/>
+              <a:satOff val="0"/>
+              <a:lumOff val="0"/>
+              <a:alphaOff val="0"/>
+            </a:schemeClr>
+          </a:solidFill>
+          <a:prstDash val="solid"/>
+          <a:miter lim="800000"/>
+        </a:ln>
+        <a:effectLst/>
+      </dsp:spPr>
+      <dsp:style>
+        <a:lnRef idx="2">
+          <a:scrgbClr r="0" g="0" b="0"/>
+        </a:lnRef>
+        <a:fillRef idx="1">
+          <a:scrgbClr r="0" g="0" b="0"/>
+        </a:fillRef>
+        <a:effectRef idx="0">
+          <a:scrgbClr r="0" g="0" b="0"/>
+        </a:effectRef>
+        <a:fontRef idx="minor"/>
+      </dsp:style>
+      <dsp:txBody>
+        <a:bodyPr spcFirstLastPara="0" vert="horz" wrap="square" lIns="106680" tIns="9525" rIns="9525" bIns="9525" numCol="1" spcCol="1270" anchor="ctr" anchorCtr="0">
+          <a:noAutofit/>
+        </a:bodyPr>
+        <a:lstStyle/>
+        <a:p>
+          <a:pPr marL="114300" lvl="1" indent="-114300" algn="l" defTabSz="666750">
+            <a:lnSpc>
+              <a:spcPct val="90000"/>
+            </a:lnSpc>
+            <a:spcBef>
+              <a:spcPct val="0"/>
+            </a:spcBef>
+            <a:spcAft>
+              <a:spcPct val="15000"/>
+            </a:spcAft>
+            <a:buChar char="•"/>
+          </a:pPr>
+          <a:r>
+            <a:rPr lang="en-US" sz="1500" kern="1200" dirty="0"/>
+            <a:t>Ratings range from 2.0 to 9.0 </a:t>
+          </a:r>
+        </a:p>
+        <a:p>
+          <a:pPr marL="114300" lvl="1" indent="-114300" algn="l" defTabSz="666750">
+            <a:lnSpc>
+              <a:spcPct val="90000"/>
+            </a:lnSpc>
+            <a:spcBef>
+              <a:spcPct val="0"/>
+            </a:spcBef>
+            <a:spcAft>
+              <a:spcPct val="15000"/>
+            </a:spcAft>
+            <a:buChar char="•"/>
+          </a:pPr>
+          <a:r>
+            <a:rPr lang="en-US" sz="1500" kern="1200" dirty="0"/>
+            <a:t>Words not highly correlated with ratings</a:t>
+          </a:r>
+        </a:p>
+      </dsp:txBody>
+      <dsp:txXfrm rot="-5400000">
+        <a:off x="1024202" y="2683437"/>
+        <a:ext cx="7057371" cy="858192"/>
+      </dsp:txXfrm>
+    </dsp:sp>
+    <dsp:sp modelId="{D95DE9B7-2A02-6E4D-9BDE-F89A5FE64FAE}">
+      <dsp:nvSpPr>
+        <dsp:cNvPr id="0" name=""/>
+        <dsp:cNvSpPr/>
+      </dsp:nvSpPr>
+      <dsp:spPr>
+        <a:xfrm rot="5400000">
+          <a:off x="-219471" y="4174985"/>
+          <a:ext cx="1463145" cy="1024202"/>
+        </a:xfrm>
+        <a:prstGeom prst="chevron">
+          <a:avLst/>
+        </a:prstGeom>
+        <a:solidFill>
+          <a:schemeClr val="accent1">
+            <a:hueOff val="0"/>
+            <a:satOff val="0"/>
+            <a:lumOff val="0"/>
+            <a:alphaOff val="0"/>
+          </a:schemeClr>
+        </a:solidFill>
+        <a:ln w="12700" cap="flat" cmpd="sng" algn="ctr">
+          <a:solidFill>
+            <a:schemeClr val="accent1">
+              <a:hueOff val="0"/>
+              <a:satOff val="0"/>
+              <a:lumOff val="0"/>
+              <a:alphaOff val="0"/>
+            </a:schemeClr>
+          </a:solidFill>
+          <a:prstDash val="solid"/>
+          <a:miter lim="800000"/>
+        </a:ln>
+        <a:effectLst/>
+      </dsp:spPr>
+      <dsp:style>
+        <a:lnRef idx="2">
+          <a:scrgbClr r="0" g="0" b="0"/>
+        </a:lnRef>
+        <a:fillRef idx="1">
+          <a:scrgbClr r="0" g="0" b="0"/>
+        </a:fillRef>
+        <a:effectRef idx="0">
+          <a:scrgbClr r="0" g="0" b="0"/>
+        </a:effectRef>
+        <a:fontRef idx="minor">
+          <a:schemeClr val="lt1"/>
+        </a:fontRef>
+      </dsp:style>
+      <dsp:txBody>
+        <a:bodyPr spcFirstLastPara="0" vert="horz" wrap="square" lIns="9525" tIns="9525" rIns="9525" bIns="9525" numCol="1" spcCol="1270" anchor="ctr" anchorCtr="0">
+          <a:noAutofit/>
+        </a:bodyPr>
+        <a:lstStyle/>
+        <a:p>
+          <a:pPr marL="0" lvl="0" indent="0" algn="ctr" defTabSz="666750">
+            <a:lnSpc>
+              <a:spcPct val="90000"/>
+            </a:lnSpc>
+            <a:spcBef>
+              <a:spcPct val="0"/>
+            </a:spcBef>
+            <a:spcAft>
+              <a:spcPct val="35000"/>
+            </a:spcAft>
+            <a:buNone/>
+          </a:pPr>
+          <a:r>
+            <a:rPr lang="en-US" sz="1500" kern="1200" dirty="0"/>
+            <a:t>Modeling</a:t>
+          </a:r>
+        </a:p>
+      </dsp:txBody>
+      <dsp:txXfrm rot="-5400000">
+        <a:off x="1" y="4467614"/>
+        <a:ext cx="1024202" cy="438943"/>
+      </dsp:txXfrm>
+    </dsp:sp>
+    <dsp:sp modelId="{F571BE7A-85A2-1648-899B-B1508A126E25}">
+      <dsp:nvSpPr>
+        <dsp:cNvPr id="0" name=""/>
+        <dsp:cNvSpPr/>
+      </dsp:nvSpPr>
+      <dsp:spPr>
+        <a:xfrm rot="5400000">
+          <a:off x="4100578" y="879136"/>
+          <a:ext cx="951044" cy="7103797"/>
+        </a:xfrm>
+        <a:prstGeom prst="round2SameRect">
+          <a:avLst/>
+        </a:prstGeom>
+        <a:solidFill>
+          <a:schemeClr val="lt1">
+            <a:alpha val="90000"/>
+            <a:hueOff val="0"/>
+            <a:satOff val="0"/>
+            <a:lumOff val="0"/>
+            <a:alphaOff val="0"/>
+          </a:schemeClr>
+        </a:solidFill>
+        <a:ln w="12700" cap="flat" cmpd="sng" algn="ctr">
+          <a:solidFill>
+            <a:schemeClr val="accent1">
+              <a:hueOff val="0"/>
+              <a:satOff val="0"/>
+              <a:lumOff val="0"/>
+              <a:alphaOff val="0"/>
+            </a:schemeClr>
+          </a:solidFill>
+          <a:prstDash val="solid"/>
+          <a:miter lim="800000"/>
+        </a:ln>
+        <a:effectLst/>
+      </dsp:spPr>
+      <dsp:style>
+        <a:lnRef idx="2">
+          <a:scrgbClr r="0" g="0" b="0"/>
+        </a:lnRef>
+        <a:fillRef idx="1">
+          <a:scrgbClr r="0" g="0" b="0"/>
+        </a:fillRef>
+        <a:effectRef idx="0">
+          <a:scrgbClr r="0" g="0" b="0"/>
+        </a:effectRef>
+        <a:fontRef idx="minor"/>
+      </dsp:style>
+      <dsp:txBody>
+        <a:bodyPr spcFirstLastPara="0" vert="horz" wrap="square" lIns="106680" tIns="9525" rIns="9525" bIns="9525" numCol="1" spcCol="1270" anchor="ctr" anchorCtr="0">
+          <a:noAutofit/>
+        </a:bodyPr>
+        <a:lstStyle/>
+        <a:p>
+          <a:pPr marL="114300" lvl="1" indent="-114300" algn="l" defTabSz="666750">
+            <a:lnSpc>
+              <a:spcPct val="90000"/>
+            </a:lnSpc>
+            <a:spcBef>
+              <a:spcPct val="0"/>
+            </a:spcBef>
+            <a:spcAft>
+              <a:spcPct val="15000"/>
+            </a:spcAft>
+            <a:buChar char="•"/>
+          </a:pPr>
+          <a:r>
+            <a:rPr lang="en-US" sz="1500" kern="1200" dirty="0"/>
+            <a:t>Feature reduction</a:t>
+          </a:r>
+        </a:p>
+        <a:p>
+          <a:pPr marL="114300" lvl="1" indent="-114300" algn="l" defTabSz="666750">
+            <a:lnSpc>
+              <a:spcPct val="90000"/>
+            </a:lnSpc>
+            <a:spcBef>
+              <a:spcPct val="0"/>
+            </a:spcBef>
+            <a:spcAft>
+              <a:spcPct val="15000"/>
+            </a:spcAft>
+            <a:buChar char="•"/>
+          </a:pPr>
+          <a:r>
+            <a:rPr lang="en-US" sz="1500" kern="1200" dirty="0"/>
+            <a:t>Three model formats</a:t>
+          </a:r>
+        </a:p>
+        <a:p>
+          <a:pPr marL="114300" lvl="1" indent="-114300" algn="l" defTabSz="666750">
+            <a:lnSpc>
+              <a:spcPct val="90000"/>
+            </a:lnSpc>
+            <a:spcBef>
+              <a:spcPct val="0"/>
+            </a:spcBef>
+            <a:spcAft>
+              <a:spcPct val="15000"/>
+            </a:spcAft>
+            <a:buChar char="•"/>
+          </a:pPr>
+          <a:r>
+            <a:rPr lang="en-US" sz="1500" kern="1200" dirty="0"/>
+            <a:t>RMSE as accuracy</a:t>
+          </a:r>
+        </a:p>
+      </dsp:txBody>
+      <dsp:txXfrm rot="-5400000">
+        <a:off x="1024202" y="4001938"/>
+        <a:ext cx="7057371" cy="858192"/>
+      </dsp:txXfrm>
+    </dsp:sp>
+  </dsp:spTree>
+</dsp:drawing>
+</file>
+
+<file path=ppt/diagrams/layout1.xml><?xml version="1.0" encoding="utf-8"?>
+<dgm:layoutDef xmlns:dgm="http://schemas.openxmlformats.org/drawingml/2006/diagram" xmlns:a="http://schemas.openxmlformats.org/drawingml/2006/main" uniqueId="urn:microsoft.com/office/officeart/2005/8/layout/chevron2">
+  <dgm:title val=""/>
+  <dgm:desc val=""/>
+  <dgm:catLst>
+    <dgm:cat type="process" pri="12000"/>
+    <dgm:cat type="list" pri="16000"/>
+    <dgm:cat type="convert" pri="11000"/>
+  </dgm:catLst>
+  <dgm:sampData>
+    <dgm:dataModel>
+      <dgm:ptLst>
+        <dgm:pt modelId="0" type="doc"/>
+        <dgm:pt modelId="1">
+          <dgm:prSet phldr="1"/>
+        </dgm:pt>
+        <dgm:pt modelId="11">
+          <dgm:prSet phldr="1"/>
+        </dgm:pt>
+        <dgm:pt modelId="12">
+          <dgm:prSet phldr="1"/>
+        </dgm:pt>
+        <dgm:pt modelId="2">
+          <dgm:prSet phldr="1"/>
+        </dgm:pt>
+        <dgm:pt modelId="21">
+          <dgm:prSet phldr="1"/>
+        </dgm:pt>
+        <dgm:pt modelId="22">
+          <dgm:prSet phldr="1"/>
+        </dgm:pt>
+        <dgm:pt modelId="3">
+          <dgm:prSet phldr="1"/>
+        </dgm:pt>
+        <dgm:pt modelId="31">
+          <dgm:prSet phldr="1"/>
+        </dgm:pt>
+        <dgm:pt modelId="32">
+          <dgm:prSet phldr="1"/>
+        </dgm:pt>
+      </dgm:ptLst>
+      <dgm:cxnLst>
+        <dgm:cxn modelId="4" srcId="0" destId="1" srcOrd="0" destOrd="0"/>
+        <dgm:cxn modelId="5" srcId="0" destId="2" srcOrd="1" destOrd="0"/>
+        <dgm:cxn modelId="6" srcId="0" destId="3" srcOrd="2" destOrd="0"/>
+        <dgm:cxn modelId="13" srcId="1" destId="11" srcOrd="0" destOrd="0"/>
+        <dgm:cxn modelId="14" srcId="1" destId="12" srcOrd="1" destOrd="0"/>
+        <dgm:cxn modelId="23" srcId="2" destId="21" srcOrd="0" destOrd="0"/>
+        <dgm:cxn modelId="24" srcId="2" destId="22" srcOrd="1" destOrd="0"/>
+        <dgm:cxn modelId="33" srcId="3" destId="31" srcOrd="0" destOrd="0"/>
+        <dgm:cxn modelId="34" srcId="3" destId="32" srcOrd="1" destOrd="0"/>
+      </dgm:cxnLst>
+      <dgm:bg/>
+      <dgm:whole/>
+    </dgm:dataModel>
+  </dgm:sampData>
+  <dgm:styleData>
+    <dgm:dataModel>
+      <dgm:ptLst>
+        <dgm:pt modelId="0" type="doc"/>
+        <dgm:pt modelId="1"/>
+      </dgm:ptLst>
+      <dgm:cxnLst>
+        <dgm:cxn modelId="4" srcId="0" destId="1" srcOrd="0" destOrd="0"/>
+      </dgm:cxnLst>
+      <dgm:bg/>
+      <dgm:whole/>
+    </dgm:dataModel>
+  </dgm:styleData>
+  <dgm:clrData>
+    <dgm:dataModel>
+      <dgm:ptLst>
+        <dgm:pt modelId="0" type="doc"/>
+        <dgm:pt modelId="1"/>
+        <dgm:pt modelId="11"/>
+        <dgm:pt modelId="2"/>
+        <dgm:pt modelId="21"/>
+        <dgm:pt modelId="3"/>
+        <dgm:pt modelId="31"/>
+        <dgm:pt modelId="4"/>
+        <dgm:pt modelId="41"/>
+      </dgm:ptLst>
+      <dgm:cxnLst>
+        <dgm:cxn modelId="5" srcId="0" destId="1" srcOrd="0" destOrd="0"/>
+        <dgm:cxn modelId="6" srcId="0" destId="2" srcOrd="1" destOrd="0"/>
+        <dgm:cxn modelId="7" srcId="0" destId="3" srcOrd="2" destOrd="0"/>
+        <dgm:cxn modelId="8" srcId="0" destId="4" srcOrd="3" destOrd="0"/>
+        <dgm:cxn modelId="13" srcId="1" destId="11" srcOrd="0" destOrd="0"/>
+        <dgm:cxn modelId="23" srcId="2" destId="21" srcOrd="0" destOrd="0"/>
+        <dgm:cxn modelId="33" srcId="3" destId="31" srcOrd="0" destOrd="0"/>
+        <dgm:cxn modelId="43" srcId="4" destId="41" srcOrd="0" destOrd="0"/>
+      </dgm:cxnLst>
+      <dgm:bg/>
+      <dgm:whole/>
+    </dgm:dataModel>
+  </dgm:clrData>
+  <dgm:layoutNode name="linearFlow">
+    <dgm:varLst>
+      <dgm:dir/>
+      <dgm:animLvl val="lvl"/>
+      <dgm:resizeHandles val="exact"/>
+    </dgm:varLst>
+    <dgm:alg type="lin">
+      <dgm:param type="linDir" val="fromT"/>
+      <dgm:param type="nodeHorzAlign" val="l"/>
+    </dgm:alg>
+    <dgm:shape xmlns:r="http://schemas.openxmlformats.org/officeDocument/2006/relationships" r:blip="">
+      <dgm:adjLst/>
+    </dgm:shape>
+    <dgm:presOf/>
+    <dgm:constrLst>
+      <dgm:constr type="h" for="ch" forName="composite" refType="h"/>
+      <dgm:constr type="w" for="ch" forName="composite" refType="w"/>
+      <dgm:constr type="h" for="des" forName="parentText" op="equ"/>
+      <dgm:constr type="h" for="ch" forName="sp" val="-14.88"/>
+      <dgm:constr type="h" for="ch" forName="sp" refType="w" refFor="des" refForName="parentText" op="gte" fact="-0.3"/>
+      <dgm:constr type="primFontSz" for="des" forName="parentText" op="equ" val="65"/>
+      <dgm:constr type="primFontSz" for="des" forName="descendantText" op="equ" val="65"/>
+    </dgm:constrLst>
+    <dgm:ruleLst/>
+    <dgm:forEach name="Name0" axis="ch" ptType="node">
+      <dgm:layoutNode name="composite">
+        <dgm:alg type="composite"/>
+        <dgm:shape xmlns:r="http://schemas.openxmlformats.org/officeDocument/2006/relationships" r:blip="">
+          <dgm:adjLst/>
+        </dgm:shape>
+        <dgm:presOf/>
+        <dgm:choose name="Name1">
+          <dgm:if name="Name2" func="var" arg="dir" op="equ" val="norm">
+            <dgm:constrLst>
+              <dgm:constr type="t" for="ch" forName="parentText"/>
+              <dgm:constr type="l" for="ch" forName="parentText"/>
+              <dgm:constr type="w" for="ch" forName="parentText" refType="w" fact="0.4"/>
+              <dgm:constr type="h" for="ch" forName="parentText" refType="h"/>
+              <dgm:constr type="w" for="ch" forName="parentText" refType="w" op="lte" fact="0.5"/>
+              <dgm:constr type="w" for="ch" forName="parentText" refType="h" refFor="ch" refForName="parentText" op="lte" fact="0.7"/>
+              <dgm:constr type="h" for="ch" forName="parentText" refType="w" refFor="ch" refForName="parentText" op="lte" fact="3"/>
+              <dgm:constr type="l" for="ch" forName="descendantText" refType="w" refFor="ch" refForName="parentText"/>
+              <dgm:constr type="w" for="ch" forName="descendantText" refType="w"/>
+              <dgm:constr type="wOff" for="ch" forName="descendantText" refType="w" refFor="ch" refForName="parentText" fact="-1"/>
+              <dgm:constr type="t" for="ch" forName="descendantText"/>
+              <dgm:constr type="b" for="ch" forName="descendantText" refType="h" refFor="ch" refForName="parentText"/>
+              <dgm:constr type="bOff" for="ch" forName="descendantText" refType="w" refFor="ch" refForName="parentText" fact="-0.5"/>
+            </dgm:constrLst>
+          </dgm:if>
+          <dgm:else name="Name3">
+            <dgm:constrLst>
+              <dgm:constr type="t" for="ch" forName="parentText"/>
+              <dgm:constr type="r" for="ch" forName="parentText" refType="w"/>
+              <dgm:constr type="w" for="ch" forName="parentText" refType="w" fact="0.4"/>
+              <dgm:constr type="h" for="ch" forName="parentText" refType="h"/>
+              <dgm:constr type="w" for="ch" forName="parentText" refType="w" op="lte" fact="0.5"/>
+              <dgm:constr type="w" for="ch" forName="parentText" refType="h" refFor="ch" refForName="parentText" op="lte" fact="0.7"/>
+              <dgm:constr type="h" for="ch" forName="parentText" refType="w" refFor="ch" refForName="parentText" op="lte" fact="3"/>
+              <dgm:constr type="l" for="ch" forName="descendantText"/>
+              <dgm:constr type="w" for="ch" forName="descendantText" refType="w"/>
+              <dgm:constr type="wOff" for="ch" forName="descendantText" refType="w" refFor="ch" refForName="parentText" fact="-1"/>
+              <dgm:constr type="t" for="ch" forName="descendantText"/>
+              <dgm:constr type="b" for="ch" forName="descendantText" refType="h" refFor="ch" refForName="parentText"/>
+              <dgm:constr type="bOff" for="ch" forName="descendantText" refType="w" refFor="ch" refForName="parentText" fact="-0.5"/>
+            </dgm:constrLst>
+          </dgm:else>
+        </dgm:choose>
+        <dgm:ruleLst/>
+        <dgm:layoutNode name="parentText" styleLbl="alignNode1">
+          <dgm:varLst>
+            <dgm:chMax val="1"/>
+            <dgm:bulletEnabled val="1"/>
+          </dgm:varLst>
+          <dgm:alg type="tx"/>
+          <dgm:shape xmlns:r="http://schemas.openxmlformats.org/officeDocument/2006/relationships" rot="90" type="chevron" r:blip="">
+            <dgm:adjLst/>
+          </dgm:shape>
+          <dgm:presOf axis="self" ptType="node"/>
+          <dgm:constrLst>
+            <dgm:constr type="lMarg" refType="primFontSz" fact="0.05"/>
+            <dgm:constr type="rMarg" refType="primFontSz" fact="0.05"/>
+            <dgm:constr type="tMarg" refType="primFontSz" fact="0.05"/>
+            <dgm:constr type="bMarg" refType="primFontSz" fact="0.05"/>
+          </dgm:constrLst>
+          <dgm:ruleLst>
+            <dgm:rule type="h" val="100" fact="NaN" max="NaN"/>
+            <dgm:rule type="primFontSz" val="24" fact="NaN" max="NaN"/>
+            <dgm:rule type="h" val="110" fact="NaN" max="NaN"/>
+            <dgm:rule type="primFontSz" val="18" fact="NaN" max="NaN"/>
+            <dgm:rule type="h" val="INF" fact="NaN" max="NaN"/>
+            <dgm:rule type="primFontSz" val="5" fact="NaN" max="NaN"/>
+          </dgm:ruleLst>
+        </dgm:layoutNode>
+        <dgm:layoutNode name="descendantText" styleLbl="alignAcc1">
+          <dgm:varLst>
+            <dgm:bulletEnabled val="1"/>
+          </dgm:varLst>
+          <dgm:choose name="Name4">
+            <dgm:if name="Name5" func="var" arg="dir" op="equ" val="norm">
+              <dgm:alg type="tx">
+                <dgm:param type="stBulletLvl" val="1"/>
+                <dgm:param type="txAnchorVertCh" val="mid"/>
+              </dgm:alg>
+              <dgm:shape xmlns:r="http://schemas.openxmlformats.org/officeDocument/2006/relationships" rot="90" type="round2SameRect" r:blip="">
+                <dgm:adjLst/>
+              </dgm:shape>
+            </dgm:if>
+            <dgm:else name="Name6">
+              <dgm:alg type="tx">
+                <dgm:param type="stBulletLvl" val="1"/>
+                <dgm:param type="txAnchorVertCh" val="mid"/>
+              </dgm:alg>
+              <dgm:shape xmlns:r="http://schemas.openxmlformats.org/officeDocument/2006/relationships" rot="-90" type="round2SameRect" r:blip="">
+                <dgm:adjLst/>
+              </dgm:shape>
+            </dgm:else>
+          </dgm:choose>
+          <dgm:presOf axis="des" ptType="node"/>
+          <dgm:choose name="Name7">
+            <dgm:if name="Name8" func="var" arg="dir" op="equ" val="norm">
+              <dgm:constrLst>
+                <dgm:constr type="secFontSz" refType="primFontSz"/>
+                <dgm:constr type="tMarg" refType="primFontSz" fact="0.05"/>
+                <dgm:constr type="bMarg" refType="primFontSz" fact="0.05"/>
+                <dgm:constr type="rMarg" refType="primFontSz" fact="0.05"/>
+              </dgm:constrLst>
+            </dgm:if>
+            <dgm:else name="Name9">
+              <dgm:constrLst>
+                <dgm:constr type="secFontSz" refType="primFontSz"/>
+                <dgm:constr type="tMarg" refType="primFontSz" fact="0.05"/>
+                <dgm:constr type="bMarg" refType="primFontSz" fact="0.05"/>
+                <dgm:constr type="lMarg" refType="primFontSz" fact="0.05"/>
+              </dgm:constrLst>
+            </dgm:else>
+          </dgm:choose>
+          <dgm:ruleLst>
+            <dgm:rule type="primFontSz" val="5" fact="NaN" max="NaN"/>
+          </dgm:ruleLst>
+        </dgm:layoutNode>
+      </dgm:layoutNode>
+      <dgm:forEach name="Name10" axis="followSib" ptType="sibTrans" cnt="1">
+        <dgm:layoutNode name="sp">
+          <dgm:alg type="sp"/>
+          <dgm:shape xmlns:r="http://schemas.openxmlformats.org/officeDocument/2006/relationships" r:blip="">
+            <dgm:adjLst/>
+          </dgm:shape>
+          <dgm:presOf axis="self"/>
+          <dgm:constrLst>
+            <dgm:constr type="w" val="1"/>
+            <dgm:constr type="h" val="37.5"/>
+          </dgm:constrLst>
+          <dgm:ruleLst/>
+        </dgm:layoutNode>
+      </dgm:forEach>
+    </dgm:forEach>
+  </dgm:layoutNode>
+</dgm:layoutDef>
+</file>
+
+<file path=ppt/diagrams/quickStyle1.xml><?xml version="1.0" encoding="utf-8"?>
+<dgm:styleDef xmlns:dgm="http://schemas.openxmlformats.org/drawingml/2006/diagram" xmlns:a="http://schemas.openxmlformats.org/drawingml/2006/main" uniqueId="urn:microsoft.com/office/officeart/2005/8/quickstyle/simple1">
+  <dgm:title val=""/>
+  <dgm:desc val=""/>
+  <dgm:catLst>
+    <dgm:cat type="simple" pri="10100"/>
+  </dgm:catLst>
+  <dgm:scene3d>
+    <a:camera prst="orthographicFront"/>
+    <a:lightRig rig="threePt" dir="t"/>
+  </dgm:scene3d>
+  <dgm:styleLbl name="node0">
+    <dgm:scene3d>
+      <a:camera prst="orthographicFront"/>
+      <a:lightRig rig="threePt" dir="t"/>
+    </dgm:scene3d>
+    <dgm:sp3d/>
+    <dgm:txPr/>
+    <dgm:style>
+      <a:lnRef idx="2">
+        <a:scrgbClr r="0" g="0" b="0"/>
+      </a:lnRef>
+      <a:fillRef idx="1">
+        <a:scrgbClr r="0" g="0" b="0"/>
+      </a:fillRef>
+      <a:effectRef idx="0">
+        <a:scrgbClr r="0" g="0" b="0"/>
+      </a:effectRef>
+      <a:fontRef idx="minor">
+        <a:schemeClr val="lt1"/>
+      </a:fontRef>
+    </dgm:style>
+  </dgm:styleLbl>
+  <dgm:styleLbl name="lnNode1">
+    <dgm:scene3d>
+      <a:camera prst="orthographicFront"/>
+      <a:lightRig rig="threePt" dir="t"/>
+    </dgm:scene3d>
+    <dgm:sp3d/>
+    <dgm:txPr/>
+    <dgm:style>
+      <a:lnRef idx="2">
+        <a:scrgbClr r="0" g="0" b="0"/>
+      </a:lnRef>
+      <a:fillRef idx="1">
+        <a:scrgbClr r="0" g="0" b="0"/>
+      </a:fillRef>
+      <a:effectRef idx="0">
+        <a:scrgbClr r="0" g="0" b="0"/>
+      </a:effectRef>
+      <a:fontRef idx="minor">
+        <a:schemeClr val="lt1"/>
+      </a:fontRef>
+    </dgm:style>
+  </dgm:styleLbl>
+  <dgm:styleLbl name="vennNode1">
+    <dgm:scene3d>
+      <a:camera prst="orthographicFront"/>
+      <a:lightRig rig="threePt" dir="t"/>
+    </dgm:scene3d>
+    <dgm:sp3d/>
+    <dgm:txPr/>
+    <dgm:style>
+      <a:lnRef idx="2">
+        <a:scrgbClr r="0" g="0" b="0"/>
+      </a:lnRef>
+      <a:fillRef idx="1">
+        <a:scrgbClr r="0" g="0" b="0"/>
+      </a:fillRef>
+      <a:effectRef idx="0">
+        <a:scrgbClr r="0" g="0" b="0"/>
+      </a:effectRef>
+      <a:fontRef idx="minor">
+        <a:schemeClr val="tx1"/>
+      </a:fontRef>
+    </dgm:style>
+  </dgm:styleLbl>
+  <dgm:styleLbl name="alignNode1">
+    <dgm:scene3d>
+      <a:camera prst="orthographicFront"/>
+      <a:lightRig rig="threePt" dir="t"/>
+    </dgm:scene3d>
+    <dgm:sp3d/>
+    <dgm:txPr/>
+    <dgm:style>
+      <a:lnRef idx="2">
+        <a:scrgbClr r="0" g="0" b="0"/>
+      </a:lnRef>
+      <a:fillRef idx="1">
+        <a:scrgbClr r="0" g="0" b="0"/>
+      </a:fillRef>
+      <a:effectRef idx="0">
+        <a:scrgbClr r="0" g="0" b="0"/>
+      </a:effectRef>
+      <a:fontRef idx="minor">
+        <a:schemeClr val="lt1"/>
+      </a:fontRef>
+    </dgm:style>
+  </dgm:styleLbl>
+  <dgm:styleLbl name="node1">
+    <dgm:scene3d>
+      <a:camera prst="orthographicFront"/>
+      <a:lightRig rig="threePt" dir="t"/>
+    </dgm:scene3d>
+    <dgm:sp3d/>
+    <dgm:txPr/>
+    <dgm:style>
+      <a:lnRef idx="2">
+        <a:scrgbClr r="0" g="0" b="0"/>
+      </a:lnRef>
+      <a:fillRef idx="1">
+        <a:scrgbClr r="0" g="0" b="0"/>
+      </a:fillRef>
+      <a:effectRef idx="0">
+        <a:scrgbClr r="0" g="0" b="0"/>
+      </a:effectRef>
+      <a:fontRef idx="minor">
+        <a:schemeClr val="lt1"/>
+      </a:fontRef>
+    </dgm:style>
+  </dgm:styleLbl>
+  <dgm:styleLbl name="node2">
+    <dgm:scene3d>
+      <a:camera prst="orthographicFront"/>
+      <a:lightRig rig="threePt" dir="t"/>
+    </dgm:scene3d>
+    <dgm:sp3d/>
+    <dgm:txPr/>
+    <dgm:style>
+      <a:lnRef idx="2">
+        <a:scrgbClr r="0" g="0" b="0"/>
+      </a:lnRef>
+      <a:fillRef idx="1">
+        <a:scrgbClr r="0" g="0" b="0"/>
+      </a:fillRef>
+      <a:effectRef idx="0">
+        <a:scrgbClr r="0" g="0" b="0"/>
+      </a:effectRef>
+      <a:fontRef idx="minor">
+        <a:schemeClr val="lt1"/>
+      </a:fontRef>
+    </dgm:style>
+  </dgm:styleLbl>
+  <dgm:styleLbl name="node3">
+    <dgm:scene3d>
+      <a:camera prst="orthographicFront"/>
+      <a:lightRig rig="threePt" dir="t"/>
+    </dgm:scene3d>
+    <dgm:sp3d/>
+    <dgm:txPr/>
+    <dgm:style>
+      <a:lnRef idx="2">
+        <a:scrgbClr r="0" g="0" b="0"/>
+      </a:lnRef>
+      <a:fillRef idx="1">
+        <a:scrgbClr r="0" g="0" b="0"/>
+      </a:fillRef>
+      <a:effectRef idx="0">
+        <a:scrgbClr r="0" g="0" b="0"/>
+      </a:effectRef>
+      <a:fontRef idx="minor">
+        <a:schemeClr val="lt1"/>
+      </a:fontRef>
+    </dgm:style>
+  </dgm:styleLbl>
+  <dgm:styleLbl name="node4">
+    <dgm:scene3d>
+      <a:camera prst="orthographicFront"/>
+      <a:lightRig rig="threePt" dir="t"/>
+    </dgm:scene3d>
+    <dgm:sp3d/>
+    <dgm:txPr/>
+    <dgm:style>
+      <a:lnRef idx="2">
+        <a:scrgbClr r="0" g="0" b="0"/>
+      </a:lnRef>
+      <a:fillRef idx="1">
+        <a:scrgbClr r="0" g="0" b="0"/>
+      </a:fillRef>
+      <a:effectRef idx="0">
+        <a:scrgbClr r="0" g="0" b="0"/>
+      </a:effectRef>
+      <a:fontRef idx="minor">
+        <a:schemeClr val="lt1"/>
+      </a:fontRef>
+    </dgm:style>
+  </dgm:styleLbl>
+  <dgm:styleLbl name="fgImgPlace1">
+    <dgm:scene3d>
+      <a:camera prst="orthographicFront"/>
+      <a:lightRig rig="threePt" dir="t"/>
+    </dgm:scene3d>
+    <dgm:sp3d/>
+    <dgm:txPr/>
+    <dgm:style>
+      <a:lnRef idx="2">
+        <a:scrgbClr r="0" g="0" b="0"/>
+      </a:lnRef>
+      <a:fillRef idx="1">
+        <a:scrgbClr r="0" g="0" b="0"/>
+      </a:fillRef>
+      <a:effectRef idx="0">
+        <a:scrgbClr r="0" g="0" b="0"/>
+      </a:effectRef>
+      <a:fontRef idx="minor"/>
+    </dgm:style>
+  </dgm:styleLbl>
+  <dgm:styleLbl name="alignImgPlace1">
+    <dgm:scene3d>
+      <a:camera prst="orthographicFront"/>
+      <a:lightRig rig="threePt" dir="t"/>
+    </dgm:scene3d>
+    <dgm:sp3d/>
+    <dgm:txPr/>
+    <dgm:style>
+      <a:lnRef idx="2">
+        <a:scrgbClr r="0" g="0" b="0"/>
+      </a:lnRef>
+      <a:fillRef idx="1">
+        <a:scrgbClr r="0" g="0" b="0"/>
+      </a:fillRef>
+      <a:effectRef idx="0">
+        <a:scrgbClr r="0" g="0" b="0"/>
+      </a:effectRef>
+      <a:fontRef idx="minor"/>
+    </dgm:style>
+  </dgm:styleLbl>
+  <dgm:styleLbl name="bgImgPlace1">
+    <dgm:scene3d>
+      <a:camera prst="orthographicFront"/>
+      <a:lightRig rig="threePt" dir="t"/>
+    </dgm:scene3d>
+    <dgm:sp3d/>
+    <dgm:txPr/>
+    <dgm:style>
+      <a:lnRef idx="2">
+        <a:scrgbClr r="0" g="0" b="0"/>
+      </a:lnRef>
+      <a:fillRef idx="1">
+        <a:scrgbClr r="0" g="0" b="0"/>
+      </a:fillRef>
+      <a:effectRef idx="0">
+        <a:scrgbClr r="0" g="0" b="0"/>
+      </a:effectRef>
+      <a:fontRef idx="minor"/>
+    </dgm:style>
+  </dgm:styleLbl>
+  <dgm:styleLbl name="sibTrans2D1">
+    <dgm:scene3d>
+      <a:camera prst="orthographicFront"/>
+      <a:lightRig rig="threePt" dir="t"/>
+    </dgm:scene3d>
+    <dgm:sp3d/>
+    <dgm:txPr/>
+    <dgm:style>
+      <a:lnRef idx="0">
+        <a:scrgbClr r="0" g="0" b="0"/>
+      </a:lnRef>
+      <a:fillRef idx="1">
+        <a:scrgbClr r="0" g="0" b="0"/>
+      </a:fillRef>
+      <a:effectRef idx="0">
+        <a:scrgbClr r="0" g="0" b="0"/>
+      </a:effectRef>
+      <a:fontRef idx="minor">
+        <a:schemeClr val="lt1"/>
+      </a:fontRef>
+    </dgm:style>
+  </dgm:styleLbl>
+  <dgm:styleLbl name="fgSibTrans2D1">
+    <dgm:scene3d>
+      <a:camera prst="orthographicFront"/>
+      <a:lightRig rig="threePt" dir="t"/>
+    </dgm:scene3d>
+    <dgm:sp3d/>
+    <dgm:txPr/>
+    <dgm:style>
+      <a:lnRef idx="0">
+        <a:scrgbClr r="0" g="0" b="0"/>
+      </a:lnRef>
+      <a:fillRef idx="1">
+        <a:scrgbClr r="0" g="0" b="0"/>
+      </a:fillRef>
+      <a:effectRef idx="0">
+        <a:scrgbClr r="0" g="0" b="0"/>
+      </a:effectRef>
+      <a:fontRef idx="minor">
+        <a:schemeClr val="lt1"/>
+      </a:fontRef>
+    </dgm:style>
+  </dgm:styleLbl>
+  <dgm:styleLbl name="bgSibTrans2D1">
+    <dgm:scene3d>
+      <a:camera prst="orthographicFront"/>
+      <a:lightRig rig="threePt" dir="t"/>
+    </dgm:scene3d>
+    <dgm:sp3d/>
+    <dgm:txPr/>
+    <dgm:style>
+      <a:lnRef idx="0">
+        <a:scrgbClr r="0" g="0" b="0"/>
+      </a:lnRef>
+      <a:fillRef idx="1">
+        <a:scrgbClr r="0" g="0" b="0"/>
+      </a:fillRef>
+      <a:effectRef idx="0">
+        <a:scrgbClr r="0" g="0" b="0"/>
+      </a:effectRef>
+      <a:fontRef idx="minor">
+        <a:schemeClr val="lt1"/>
+      </a:fontRef>
+    </dgm:style>
+  </dgm:styleLbl>
+  <dgm:styleLbl name="sibTrans1D1">
+    <dgm:scene3d>
+      <a:camera prst="orthographicFront"/>
+      <a:lightRig rig="threePt" dir="t"/>
+    </dgm:scene3d>
+    <dgm:sp3d/>
+    <dgm:txPr/>
+    <dgm:style>
+      <a:lnRef idx="1">
+        <a:scrgbClr r="0" g="0" b="0"/>
+      </a:lnRef>
+      <a:fillRef idx="0">
+        <a:scrgbClr r="0" g="0" b="0"/>
+      </a:fillRef>
+      <a:effectRef idx="0">
+        <a:scrgbClr r="0" g="0" b="0"/>
+      </a:effectRef>
+      <a:fontRef idx="minor"/>
+    </dgm:style>
+  </dgm:styleLbl>
+  <dgm:styleLbl name="callout">
+    <dgm:scene3d>
+      <a:camera prst="orthographicFront"/>
+      <a:lightRig rig="threePt" dir="t"/>
+    </dgm:scene3d>
+    <dgm:sp3d/>
+    <dgm:txPr/>
+    <dgm:style>
+      <a:lnRef idx="2">
+        <a:scrgbClr r="0" g="0" b="0"/>
+      </a:lnRef>
+      <a:fillRef idx="1">
+        <a:scrgbClr r="0" g="0" b="0"/>
+      </a:fillRef>
+      <a:effectRef idx="0">
+        <a:scrgbClr r="0" g="0" b="0"/>
+      </a:effectRef>
+      <a:fontRef idx="minor"/>
+    </dgm:style>
+  </dgm:styleLbl>
+  <dgm:styleLbl name="asst0">
+    <dgm:scene3d>
+      <a:camera prst="orthographicFront"/>
+      <a:lightRig rig="threePt" dir="t"/>
+    </dgm:scene3d>
+    <dgm:sp3d/>
+    <dgm:txPr/>
+    <dgm:style>
+      <a:lnRef idx="2">
+        <a:scrgbClr r="0" g="0" b="0"/>
+      </a:lnRef>
+      <a:fillRef idx="1">
+        <a:scrgbClr r="0" g="0" b="0"/>
+      </a:fillRef>
+      <a:effectRef idx="0">
+        <a:scrgbClr r="0" g="0" b="0"/>
+      </a:effectRef>
+      <a:fontRef idx="minor">
+        <a:schemeClr val="lt1"/>
+      </a:fontRef>
+    </dgm:style>
+  </dgm:styleLbl>
+  <dgm:styleLbl name="asst1">
+    <dgm:scene3d>
+      <a:camera prst="orthographicFront"/>
+      <a:lightRig rig="threePt" dir="t"/>
+    </dgm:scene3d>
+    <dgm:sp3d/>
+    <dgm:txPr/>
+    <dgm:style>
+      <a:lnRef idx="2">
+        <a:scrgbClr r="0" g="0" b="0"/>
+      </a:lnRef>
+      <a:fillRef idx="1">
+        <a:scrgbClr r="0" g="0" b="0"/>
+      </a:fillRef>
+      <a:effectRef idx="0">
+        <a:scrgbClr r="0" g="0" b="0"/>
+      </a:effectRef>
+      <a:fontRef idx="minor">
+        <a:schemeClr val="lt1"/>
+      </a:fontRef>
+    </dgm:style>
+  </dgm:styleLbl>
+  <dgm:styleLbl name="asst2">
+    <dgm:scene3d>
+      <a:camera prst="orthographicFront"/>
+      <a:lightRig rig="threePt" dir="t"/>
+    </dgm:scene3d>
+    <dgm:sp3d/>
+    <dgm:txPr/>
+    <dgm:style>
+      <a:lnRef idx="2">
+        <a:scrgbClr r="0" g="0" b="0"/>
+      </a:lnRef>
+      <a:fillRef idx="1">
+        <a:scrgbClr r="0" g="0" b="0"/>
+      </a:fillRef>
+      <a:effectRef idx="0">
+        <a:scrgbClr r="0" g="0" b="0"/>
+      </a:effectRef>
+      <a:fontRef idx="minor">
+        <a:schemeClr val="lt1"/>
+      </a:fontRef>
+    </dgm:style>
+  </dgm:styleLbl>
+  <dgm:styleLbl name="asst3">
+    <dgm:scene3d>
+      <a:camera prst="orthographicFront"/>
+      <a:lightRig rig="threePt" dir="t"/>
+    </dgm:scene3d>
+    <dgm:sp3d/>
+    <dgm:txPr/>
+    <dgm:style>
+      <a:lnRef idx="2">
+        <a:scrgbClr r="0" g="0" b="0"/>
+      </a:lnRef>
+      <a:fillRef idx="1">
+        <a:scrgbClr r="0" g="0" b="0"/>
+      </a:fillRef>
+      <a:effectRef idx="0">
+        <a:scrgbClr r="0" g="0" b="0"/>
+      </a:effectRef>
+      <a:fontRef idx="minor">
+        <a:schemeClr val="lt1"/>
+      </a:fontRef>
+    </dgm:style>
+  </dgm:styleLbl>
+  <dgm:styleLbl name="asst4">
+    <dgm:scene3d>
+      <a:camera prst="orthographicFront"/>
+      <a:lightRig rig="threePt" dir="t"/>
+    </dgm:scene3d>
+    <dgm:sp3d/>
+    <dgm:txPr/>
+    <dgm:style>
+      <a:lnRef idx="2">
+        <a:scrgbClr r="0" g="0" b="0"/>
+      </a:lnRef>
+      <a:fillRef idx="1">
+        <a:scrgbClr r="0" g="0" b="0"/>
+      </a:fillRef>
+      <a:effectRef idx="0">
+        <a:scrgbClr r="0" g="0" b="0"/>
+      </a:effectRef>
+      <a:fontRef idx="minor">
+        <a:schemeClr val="lt1"/>
+      </a:fontRef>
+    </dgm:style>
+  </dgm:styleLbl>
+  <dgm:styleLbl name="parChTrans2D1">
+    <dgm:scene3d>
+      <a:camera prst="orthographicFront"/>
+      <a:lightRig rig="threePt" dir="t"/>
+    </dgm:scene3d>
+    <dgm:sp3d/>
+    <dgm:txPr/>
+    <dgm:style>
+      <a:lnRef idx="2">
+        <a:scrgbClr r="0" g="0" b="0"/>
+      </a:lnRef>
+      <a:fillRef idx="1">
+        <a:scrgbClr r="0" g="0" b="0"/>
+      </a:fillRef>
+      <a:effectRef idx="0">
+        <a:scrgbClr r="0" g="0" b="0"/>
+      </a:effectRef>
+      <a:fontRef idx="minor">
+        <a:schemeClr val="lt1"/>
+      </a:fontRef>
+    </dgm:style>
+  </dgm:styleLbl>
+  <dgm:styleLbl name="parChTrans2D2">
+    <dgm:scene3d>
+      <a:camera prst="orthographicFront"/>
+      <a:lightRig rig="threePt" dir="t"/>
+    </dgm:scene3d>
+    <dgm:sp3d/>
+    <dgm:txPr/>
+    <dgm:style>
+      <a:lnRef idx="2">
+        <a:scrgbClr r="0" g="0" b="0"/>
+      </a:lnRef>
+      <a:fillRef idx="1">
+        <a:scrgbClr r="0" g="0" b="0"/>
+      </a:fillRef>
+      <a:effectRef idx="0">
+        <a:scrgbClr r="0" g="0" b="0"/>
+      </a:effectRef>
+      <a:fontRef idx="minor">
+        <a:schemeClr val="lt1"/>
+      </a:fontRef>
+    </dgm:style>
+  </dgm:styleLbl>
+  <dgm:styleLbl name="parChTrans2D3">
+    <dgm:scene3d>
+      <a:camera prst="orthographicFront"/>
+      <a:lightRig rig="threePt" dir="t"/>
+    </dgm:scene3d>
+    <dgm:sp3d/>
+    <dgm:txPr/>
+    <dgm:style>
+      <a:lnRef idx="2">
+        <a:scrgbClr r="0" g="0" b="0"/>
+      </a:lnRef>
+      <a:fillRef idx="1">
+        <a:scrgbClr r="0" g="0" b="0"/>
+      </a:fillRef>
+      <a:effectRef idx="0">
+        <a:scrgbClr r="0" g="0" b="0"/>
+      </a:effectRef>
+      <a:fontRef idx="minor">
+        <a:schemeClr val="lt1"/>
+      </a:fontRef>
+    </dgm:style>
+  </dgm:styleLbl>
+  <dgm:styleLbl name="parChTrans2D4">
+    <dgm:scene3d>
+      <a:camera prst="orthographicFront"/>
+      <a:lightRig rig="threePt" dir="t"/>
+    </dgm:scene3d>
+    <dgm:sp3d/>
+    <dgm:txPr/>
+    <dgm:style>
+      <a:lnRef idx="2">
+        <a:scrgbClr r="0" g="0" b="0"/>
+      </a:lnRef>
+      <a:fillRef idx="1">
+        <a:scrgbClr r="0" g="0" b="0"/>
+      </a:fillRef>
+      <a:effectRef idx="0">
+        <a:scrgbClr r="0" g="0" b="0"/>
+      </a:effectRef>
+      <a:fontRef idx="minor">
+        <a:schemeClr val="lt1"/>
+      </a:fontRef>
+    </dgm:style>
+  </dgm:styleLbl>
+  <dgm:styleLbl name="parChTrans1D1">
+    <dgm:scene3d>
+      <a:camera prst="orthographicFront"/>
+      <a:lightRig rig="threePt" dir="t"/>
+    </dgm:scene3d>
+    <dgm:sp3d/>
+    <dgm:txPr/>
+    <dgm:style>
+      <a:lnRef idx="2">
+        <a:scrgbClr r="0" g="0" b="0"/>
+      </a:lnRef>
+      <a:fillRef idx="0">
+        <a:scrgbClr r="0" g="0" b="0"/>
+      </a:fillRef>
+      <a:effectRef idx="0">
+        <a:scrgbClr r="0" g="0" b="0"/>
+      </a:effectRef>
+      <a:fontRef idx="minor"/>
+    </dgm:style>
+  </dgm:styleLbl>
+  <dgm:styleLbl name="parChTrans1D2">
+    <dgm:scene3d>
+      <a:camera prst="orthographicFront"/>
+      <a:lightRig rig="threePt" dir="t"/>
+    </dgm:scene3d>
+    <dgm:sp3d/>
+    <dgm:txPr/>
+    <dgm:style>
+      <a:lnRef idx="2">
+        <a:scrgbClr r="0" g="0" b="0"/>
+      </a:lnRef>
+      <a:fillRef idx="0">
+        <a:scrgbClr r="0" g="0" b="0"/>
+      </a:fillRef>
+      <a:effectRef idx="0">
+        <a:scrgbClr r="0" g="0" b="0"/>
+      </a:effectRef>
+      <a:fontRef idx="minor"/>
+    </dgm:style>
+  </dgm:styleLbl>
+  <dgm:styleLbl name="parChTrans1D3">
+    <dgm:scene3d>
+      <a:camera prst="orthographicFront"/>
+      <a:lightRig rig="threePt" dir="t"/>
+    </dgm:scene3d>
+    <dgm:sp3d/>
+    <dgm:txPr/>
+    <dgm:style>
+      <a:lnRef idx="2">
+        <a:scrgbClr r="0" g="0" b="0"/>
+      </a:lnRef>
+      <a:fillRef idx="0">
+        <a:scrgbClr r="0" g="0" b="0"/>
+      </a:fillRef>
+      <a:effectRef idx="0">
+        <a:scrgbClr r="0" g="0" b="0"/>
+      </a:effectRef>
+      <a:fontRef idx="minor"/>
+    </dgm:style>
+  </dgm:styleLbl>
+  <dgm:styleLbl name="parChTrans1D4">
+    <dgm:scene3d>
+      <a:camera prst="orthographicFront"/>
+      <a:lightRig rig="threePt" dir="t"/>
+    </dgm:scene3d>
+    <dgm:sp3d/>
+    <dgm:txPr/>
+    <dgm:style>
+      <a:lnRef idx="2">
+        <a:scrgbClr r="0" g="0" b="0"/>
+      </a:lnRef>
+      <a:fillRef idx="0">
+        <a:scrgbClr r="0" g="0" b="0"/>
+      </a:fillRef>
+      <a:effectRef idx="0">
+        <a:scrgbClr r="0" g="0" b="0"/>
+      </a:effectRef>
+      <a:fontRef idx="minor"/>
+    </dgm:style>
+  </dgm:styleLbl>
+  <dgm:styleLbl name="fgAcc1">
+    <dgm:scene3d>
+      <a:camera prst="orthographicFront"/>
+      <a:lightRig rig="threePt" dir="t"/>
+    </dgm:scene3d>
+    <dgm:sp3d/>
+    <dgm:txPr/>
+    <dgm:style>
+      <a:lnRef idx="2">
+        <a:scrgbClr r="0" g="0" b="0"/>
+      </a:lnRef>
+      <a:fillRef idx="1">
+        <a:scrgbClr r="0" g="0" b="0"/>
+      </a:fillRef>
+      <a:effectRef idx="0">
+        <a:scrgbClr r="0" g="0" b="0"/>
+      </a:effectRef>
+      <a:fontRef idx="minor"/>
+    </dgm:style>
+  </dgm:styleLbl>
+  <dgm:styleLbl name="conFgAcc1">
+    <dgm:scene3d>
+      <a:camera prst="orthographicFront"/>
+      <a:lightRig rig="threePt" dir="t"/>
+    </dgm:scene3d>
+    <dgm:sp3d/>
+    <dgm:txPr/>
+    <dgm:style>
+      <a:lnRef idx="2">
+        <a:scrgbClr r="0" g="0" b="0"/>
+      </a:lnRef>
+      <a:fillRef idx="1">
+        <a:scrgbClr r="0" g="0" b="0"/>
+      </a:fillRef>
+      <a:effectRef idx="0">
+        <a:scrgbClr r="0" g="0" b="0"/>
+      </a:effectRef>
+      <a:fontRef idx="minor"/>
+    </dgm:style>
+  </dgm:styleLbl>
+  <dgm:styleLbl name="alignAcc1">
+    <dgm:scene3d>
+      <a:camera prst="orthographicFront"/>
+      <a:lightRig rig="threePt" dir="t"/>
+    </dgm:scene3d>
+    <dgm:sp3d/>
+    <dgm:txPr/>
+    <dgm:style>
+      <a:lnRef idx="2">
+        <a:scrgbClr r="0" g="0" b="0"/>
+      </a:lnRef>
+      <a:fillRef idx="1">
+        <a:scrgbClr r="0" g="0" b="0"/>
+      </a:fillRef>
+      <a:effectRef idx="0">
+        <a:scrgbClr r="0" g="0" b="0"/>
+      </a:effectRef>
+      <a:fontRef idx="minor"/>
+    </dgm:style>
+  </dgm:styleLbl>
+  <dgm:styleLbl name="trAlignAcc1">
+    <dgm:scene3d>
+      <a:camera prst="orthographicFront"/>
+      <a:lightRig rig="threePt" dir="t"/>
+    </dgm:scene3d>
+    <dgm:sp3d/>
+    <dgm:txPr/>
+    <dgm:style>
+      <a:lnRef idx="1">
+        <a:scrgbClr r="0" g="0" b="0"/>
+      </a:lnRef>
+      <a:fillRef idx="1">
+        <a:scrgbClr r="0" g="0" b="0"/>
+      </a:fillRef>
+      <a:effectRef idx="0">
+        <a:scrgbClr r="0" g="0" b="0"/>
+      </a:effectRef>
+      <a:fontRef idx="minor"/>
+    </dgm:style>
+  </dgm:styleLbl>
+  <dgm:styleLbl name="bgAcc1">
+    <dgm:scene3d>
+      <a:camera prst="orthographicFront"/>
+      <a:lightRig rig="threePt" dir="t"/>
+    </dgm:scene3d>
+    <dgm:sp3d/>
+    <dgm:txPr/>
+    <dgm:style>
+      <a:lnRef idx="2">
+        <a:scrgbClr r="0" g="0" b="0"/>
+      </a:lnRef>
+      <a:fillRef idx="1">
+        <a:scrgbClr r="0" g="0" b="0"/>
+      </a:fillRef>
+      <a:effectRef idx="0">
+        <a:scrgbClr r="0" g="0" b="0"/>
+      </a:effectRef>
+      <a:fontRef idx="minor"/>
+    </dgm:style>
+  </dgm:styleLbl>
+  <dgm:styleLbl name="solidFgAcc1">
+    <dgm:scene3d>
+      <a:camera prst="orthographicFront"/>
+      <a:lightRig rig="threePt" dir="t"/>
+    </dgm:scene3d>
+    <dgm:sp3d/>
+    <dgm:txPr/>
+    <dgm:style>
+      <a:lnRef idx="2">
+        <a:scrgbClr r="0" g="0" b="0"/>
+      </a:lnRef>
+      <a:fillRef idx="1">
+        <a:scrgbClr r="0" g="0" b="0"/>
+      </a:fillRef>
+      <a:effectRef idx="0">
+        <a:scrgbClr r="0" g="0" b="0"/>
+      </a:effectRef>
+      <a:fontRef idx="minor"/>
+    </dgm:style>
+  </dgm:styleLbl>
+  <dgm:styleLbl name="solidAlignAcc1">
+    <dgm:scene3d>
+      <a:camera prst="orthographicFront"/>
+      <a:lightRig rig="threePt" dir="t"/>
+    </dgm:scene3d>
+    <dgm:sp3d/>
+    <dgm:txPr/>
+    <dgm:style>
+      <a:lnRef idx="2">
+        <a:scrgbClr r="0" g="0" b="0"/>
+      </a:lnRef>
+      <a:fillRef idx="1">
+        <a:scrgbClr r="0" g="0" b="0"/>
+      </a:fillRef>
+      <a:effectRef idx="0">
+        <a:scrgbClr r="0" g="0" b="0"/>
+      </a:effectRef>
+      <a:fontRef idx="minor"/>
+    </dgm:style>
+  </dgm:styleLbl>
+  <dgm:styleLbl name="solidBgAcc1">
+    <dgm:scene3d>
+      <a:camera prst="orthographicFront"/>
+      <a:lightRig rig="threePt" dir="t"/>
+    </dgm:scene3d>
+    <dgm:sp3d/>
+    <dgm:txPr/>
+    <dgm:style>
+      <a:lnRef idx="2">
+        <a:scrgbClr r="0" g="0" b="0"/>
+      </a:lnRef>
+      <a:fillRef idx="1">
+        <a:scrgbClr r="0" g="0" b="0"/>
+      </a:fillRef>
+      <a:effectRef idx="0">
+        <a:scrgbClr r="0" g="0" b="0"/>
+      </a:effectRef>
+      <a:fontRef idx="minor"/>
+    </dgm:style>
+  </dgm:styleLbl>
+  <dgm:styleLbl name="fgAccFollowNode1">
+    <dgm:scene3d>
+      <a:camera prst="orthographicFront"/>
+      <a:lightRig rig="threePt" dir="t"/>
+    </dgm:scene3d>
+    <dgm:sp3d/>
+    <dgm:txPr/>
+    <dgm:style>
+      <a:lnRef idx="2">
+        <a:scrgbClr r="0" g="0" b="0"/>
+      </a:lnRef>
+      <a:fillRef idx="1">
+        <a:scrgbClr r="0" g="0" b="0"/>
+      </a:fillRef>
+      <a:effectRef idx="0">
+        <a:scrgbClr r="0" g="0" b="0"/>
+      </a:effectRef>
+      <a:fontRef idx="minor"/>
+    </dgm:style>
+  </dgm:styleLbl>
+  <dgm:styleLbl name="alignAccFollowNode1">
+    <dgm:scene3d>
+      <a:camera prst="orthographicFront"/>
+      <a:lightRig rig="threePt" dir="t"/>
+    </dgm:scene3d>
+    <dgm:sp3d/>
+    <dgm:txPr/>
+    <dgm:style>
+      <a:lnRef idx="2">
+        <a:scrgbClr r="0" g="0" b="0"/>
+      </a:lnRef>
+      <a:fillRef idx="1">
+        <a:scrgbClr r="0" g="0" b="0"/>
+      </a:fillRef>
+      <a:effectRef idx="0">
+        <a:scrgbClr r="0" g="0" b="0"/>
+      </a:effectRef>
+      <a:fontRef idx="minor"/>
+    </dgm:style>
+  </dgm:styleLbl>
+  <dgm:styleLbl name="bgAccFollowNode1">
+    <dgm:scene3d>
+      <a:camera prst="orthographicFront"/>
+      <a:lightRig rig="threePt" dir="t"/>
+    </dgm:scene3d>
+    <dgm:sp3d/>
+    <dgm:txPr/>
+    <dgm:style>
+      <a:lnRef idx="2">
+        <a:scrgbClr r="0" g="0" b="0"/>
+      </a:lnRef>
+      <a:fillRef idx="1">
+        <a:scrgbClr r="0" g="0" b="0"/>
+      </a:fillRef>
+      <a:effectRef idx="0">
+        <a:scrgbClr r="0" g="0" b="0"/>
+      </a:effectRef>
+      <a:fontRef idx="minor"/>
+    </dgm:style>
+  </dgm:styleLbl>
+  <dgm:styleLbl name="fgAcc0">
+    <dgm:scene3d>
+      <a:camera prst="orthographicFront"/>
+      <a:lightRig rig="threePt" dir="t"/>
+    </dgm:scene3d>
+    <dgm:sp3d/>
+    <dgm:txPr/>
+    <dgm:style>
+      <a:lnRef idx="2">
+        <a:scrgbClr r="0" g="0" b="0"/>
+      </a:lnRef>
+      <a:fillRef idx="1">
+        <a:scrgbClr r="0" g="0" b="0"/>
+      </a:fillRef>
+      <a:effectRef idx="0">
+        <a:scrgbClr r="0" g="0" b="0"/>
+      </a:effectRef>
+      <a:fontRef idx="minor"/>
+    </dgm:style>
+  </dgm:styleLbl>
+  <dgm:styleLbl name="fgAcc2">
+    <dgm:scene3d>
+      <a:camera prst="orthographicFront"/>
+      <a:lightRig rig="threePt" dir="t"/>
+    </dgm:scene3d>
+    <dgm:sp3d/>
+    <dgm:txPr/>
+    <dgm:style>
+      <a:lnRef idx="2">
+        <a:scrgbClr r="0" g="0" b="0"/>
+      </a:lnRef>
+      <a:fillRef idx="1">
+        <a:scrgbClr r="0" g="0" b="0"/>
+      </a:fillRef>
+      <a:effectRef idx="0">
+        <a:scrgbClr r="0" g="0" b="0"/>
+      </a:effectRef>
+      <a:fontRef idx="minor"/>
+    </dgm:style>
+  </dgm:styleLbl>
+  <dgm:styleLbl name="fgAcc3">
+    <dgm:scene3d>
+      <a:camera prst="orthographicFront"/>
+      <a:lightRig rig="threePt" dir="t"/>
+    </dgm:scene3d>
+    <dgm:sp3d/>
+    <dgm:txPr/>
+    <dgm:style>
+      <a:lnRef idx="2">
+        <a:scrgbClr r="0" g="0" b="0"/>
+      </a:lnRef>
+      <a:fillRef idx="1">
+        <a:scrgbClr r="0" g="0" b="0"/>
+      </a:fillRef>
+      <a:effectRef idx="0">
+        <a:scrgbClr r="0" g="0" b="0"/>
+      </a:effectRef>
+      <a:fontRef idx="minor"/>
+    </dgm:style>
+  </dgm:styleLbl>
+  <dgm:styleLbl name="fgAcc4">
+    <dgm:scene3d>
+      <a:camera prst="orthographicFront"/>
+      <a:lightRig rig="threePt" dir="t"/>
+    </dgm:scene3d>
+    <dgm:sp3d/>
+    <dgm:txPr/>
+    <dgm:style>
+      <a:lnRef idx="2">
+        <a:scrgbClr r="0" g="0" b="0"/>
+      </a:lnRef>
+      <a:fillRef idx="1">
+        <a:scrgbClr r="0" g="0" b="0"/>
+      </a:fillRef>
+      <a:effectRef idx="0">
+        <a:scrgbClr r="0" g="0" b="0"/>
+      </a:effectRef>
+      <a:fontRef idx="minor"/>
+    </dgm:style>
+  </dgm:styleLbl>
+  <dgm:styleLbl name="bgShp">
+    <dgm:scene3d>
+      <a:camera prst="orthographicFront"/>
+      <a:lightRig rig="threePt" dir="t"/>
+    </dgm:scene3d>
+    <dgm:sp3d/>
+    <dgm:txPr/>
+    <dgm:style>
+      <a:lnRef idx="0">
+        <a:scrgbClr r="0" g="0" b="0"/>
+      </a:lnRef>
+      <a:fillRef idx="1">
+        <a:scrgbClr r="0" g="0" b="0"/>
+      </a:fillRef>
+      <a:effectRef idx="0">
+        <a:scrgbClr r="0" g="0" b="0"/>
+      </a:effectRef>
+      <a:fontRef idx="minor"/>
+    </dgm:style>
+  </dgm:styleLbl>
+  <dgm:styleLbl name="dkBgShp">
+    <dgm:scene3d>
+      <a:camera prst="orthographicFront"/>
+      <a:lightRig rig="threePt" dir="t"/>
+    </dgm:scene3d>
+    <dgm:sp3d/>
+    <dgm:txPr/>
+    <dgm:style>
+      <a:lnRef idx="0">
+        <a:scrgbClr r="0" g="0" b="0"/>
+      </a:lnRef>
+      <a:fillRef idx="1">
+        <a:scrgbClr r="0" g="0" b="0"/>
+      </a:fillRef>
+      <a:effectRef idx="0">
+        <a:scrgbClr r="0" g="0" b="0"/>
+      </a:effectRef>
+      <a:fontRef idx="minor"/>
+    </dgm:style>
+  </dgm:styleLbl>
+  <dgm:styleLbl name="trBgShp">
+    <dgm:scene3d>
+      <a:camera prst="orthographicFront"/>
+      <a:lightRig rig="threePt" dir="t"/>
+    </dgm:scene3d>
+    <dgm:sp3d/>
+    <dgm:txPr/>
+    <dgm:style>
+      <a:lnRef idx="0">
+        <a:scrgbClr r="0" g="0" b="0"/>
+      </a:lnRef>
+      <a:fillRef idx="1">
+        <a:scrgbClr r="0" g="0" b="0"/>
+      </a:fillRef>
+      <a:effectRef idx="0">
+        <a:scrgbClr r="0" g="0" b="0"/>
+      </a:effectRef>
+      <a:fontRef idx="minor"/>
+    </dgm:style>
+  </dgm:styleLbl>
+  <dgm:styleLbl name="fgShp">
+    <dgm:scene3d>
+      <a:camera prst="orthographicFront"/>
+      <a:lightRig rig="threePt" dir="t"/>
+    </dgm:scene3d>
+    <dgm:sp3d/>
+    <dgm:txPr/>
+    <dgm:style>
+      <a:lnRef idx="2">
+        <a:scrgbClr r="0" g="0" b="0"/>
+      </a:lnRef>
+      <a:fillRef idx="1">
+        <a:scrgbClr r="0" g="0" b="0"/>
+      </a:fillRef>
+      <a:effectRef idx="0">
+        <a:scrgbClr r="0" g="0" b="0"/>
+      </a:effectRef>
+      <a:fontRef idx="minor"/>
+    </dgm:style>
+  </dgm:styleLbl>
+  <dgm:styleLbl name="revTx">
+    <dgm:scene3d>
+      <a:camera prst="orthographicFront"/>
+      <a:lightRig rig="threePt" dir="t"/>
+    </dgm:scene3d>
+    <dgm:sp3d/>
+    <dgm:txPr/>
+    <dgm:style>
+      <a:lnRef idx="0">
+        <a:scrgbClr r="0" g="0" b="0"/>
+      </a:lnRef>
+      <a:fillRef idx="0">
+        <a:scrgbClr r="0" g="0" b="0"/>
+      </a:fillRef>
+      <a:effectRef idx="0">
+        <a:scrgbClr r="0" g="0" b="0"/>
+      </a:effectRef>
+      <a:fontRef idx="minor"/>
+    </dgm:style>
+  </dgm:styleLbl>
+</dgm:styleDef>
 </file>
 
 <file path=ppt/notesMasters/notesMaster1.xml><?xml version="1.0" encoding="utf-8"?>
@@ -563,7 +3951,7 @@
           <a:p>
             <a:fld id="{12BC638F-8A1D-834E-9657-78D7AC45DDEF}" type="slidenum">
               <a:rPr lang="en-US" smtClean="0"/>
-              <a:t>10</a:t>
+              <a:t>8</a:t>
             </a:fld>
             <a:endParaRPr lang="en-US" dirty="0"/>
           </a:p>
@@ -647,7 +4035,7 @@
           <a:p>
             <a:fld id="{12BC638F-8A1D-834E-9657-78D7AC45DDEF}" type="slidenum">
               <a:rPr lang="en-US" smtClean="0"/>
-              <a:t>14</a:t>
+              <a:t>10</a:t>
             </a:fld>
             <a:endParaRPr lang="en-US" dirty="0"/>
           </a:p>
@@ -740,7 +4128,7 @@
           <a:p>
             <a:fld id="{12BC638F-8A1D-834E-9657-78D7AC45DDEF}" type="slidenum">
               <a:rPr lang="en-US" smtClean="0"/>
-              <a:t>15</a:t>
+              <a:t>11</a:t>
             </a:fld>
             <a:endParaRPr lang="en-US" dirty="0"/>
           </a:p>
@@ -835,7 +4223,7 @@
           <a:p>
             <a:fld id="{12BC638F-8A1D-834E-9657-78D7AC45DDEF}" type="slidenum">
               <a:rPr lang="en-US" smtClean="0"/>
-              <a:t>17</a:t>
+              <a:t>13</a:t>
             </a:fld>
             <a:endParaRPr lang="en-US" dirty="0"/>
           </a:p>
@@ -900,7 +4288,7 @@
           <a:p>
             <a:r>
               <a:rPr lang="en-US" dirty="0"/>
-              <a:t>Tested various number of features and found that 20 features gave best result.</a:t>
+              <a:t>Tested various number of features and found that 20 features gave best result, which was also lower than the SVD model.</a:t>
             </a:r>
           </a:p>
           <a:p>
@@ -928,7 +4316,7 @@
           <a:p>
             <a:fld id="{12BC638F-8A1D-834E-9657-78D7AC45DDEF}" type="slidenum">
               <a:rPr lang="en-US" smtClean="0"/>
-              <a:t>18</a:t>
+              <a:t>14</a:t>
             </a:fld>
             <a:endParaRPr lang="en-US" dirty="0"/>
           </a:p>
@@ -1061,7 +4449,7 @@
           <a:p>
             <a:fld id="{12BC638F-8A1D-834E-9657-78D7AC45DDEF}" type="slidenum">
               <a:rPr lang="en-US" smtClean="0"/>
-              <a:t>19</a:t>
+              <a:t>15</a:t>
             </a:fld>
             <a:endParaRPr lang="en-US" dirty="0"/>
           </a:p>
@@ -1154,7 +4542,7 @@
           <a:p>
             <a:fld id="{12BC638F-8A1D-834E-9657-78D7AC45DDEF}" type="slidenum">
               <a:rPr lang="en-US" smtClean="0"/>
-              <a:t>23</a:t>
+              <a:t>21</a:t>
             </a:fld>
             <a:endParaRPr lang="en-US" dirty="0"/>
           </a:p>
@@ -4505,7 +7893,7 @@
           <p:cNvPr id="2" name="Title 1">
             <a:extLst>
               <a:ext uri="{FF2B5EF4-FFF2-40B4-BE49-F238E27FC236}">
-                <a16:creationId xmlns:a16="http://schemas.microsoft.com/office/drawing/2014/main" id="{A094A972-16BD-C84C-B6C6-BCFF349DA198}"/>
+                <a16:creationId xmlns:a16="http://schemas.microsoft.com/office/drawing/2014/main" id="{16D01C5D-C789-4548-A676-B078EF0EFD25}"/>
               </a:ext>
             </a:extLst>
           </p:cNvPr>
@@ -4523,44 +7911,109 @@
           <a:p>
             <a:r>
               <a:rPr lang="en-US" dirty="0"/>
-              <a:t>Ratings</a:t>
-            </a:r>
-          </a:p>
-        </p:txBody>
-      </p:sp>
-      <p:pic>
-        <p:nvPicPr>
-          <p:cNvPr id="5" name="Content Placeholder 4">
+              <a:t>Data for the Recommender</a:t>
+            </a:r>
+          </a:p>
+        </p:txBody>
+      </p:sp>
+      <p:sp>
+        <p:nvSpPr>
+          <p:cNvPr id="3" name="Content Placeholder 2">
             <a:extLst>
               <a:ext uri="{FF2B5EF4-FFF2-40B4-BE49-F238E27FC236}">
-                <a16:creationId xmlns:a16="http://schemas.microsoft.com/office/drawing/2014/main" id="{7753F380-B4B8-3A43-A1B2-28207CE99E5D}"/>
+                <a16:creationId xmlns:a16="http://schemas.microsoft.com/office/drawing/2014/main" id="{4BB727B6-AC4F-3441-AB99-D0B4418F9219}"/>
               </a:ext>
             </a:extLst>
           </p:cNvPr>
-          <p:cNvPicPr>
-            <a:picLocks noGrp="1" noChangeAspect="1"/>
-          </p:cNvPicPr>
+          <p:cNvSpPr>
+            <a:spLocks noGrp="1"/>
+          </p:cNvSpPr>
           <p:nvPr>
             <p:ph idx="1"/>
           </p:nvPr>
-        </p:nvPicPr>
-        <p:blipFill>
-          <a:blip r:embed="rId3"/>
-          <a:stretch>
-            <a:fillRect/>
-          </a:stretch>
-        </p:blipFill>
-        <p:spPr>
-          <a:xfrm>
-            <a:off x="3486150" y="1931194"/>
-            <a:ext cx="5219700" cy="4140200"/>
-          </a:xfrm>
-        </p:spPr>
-      </p:pic>
+        </p:nvSpPr>
+        <p:spPr/>
+        <p:txBody>
+          <a:bodyPr>
+            <a:normAutofit lnSpcReduction="10000"/>
+          </a:bodyPr>
+          <a:lstStyle/>
+          <a:p>
+            <a:r>
+              <a:rPr lang="en-US" dirty="0"/>
+              <a:t>Features</a:t>
+            </a:r>
+          </a:p>
+          <a:p>
+            <a:pPr lvl="1"/>
+            <a:r>
+              <a:rPr lang="en-US" dirty="0"/>
+              <a:t>Bag-of-words</a:t>
+            </a:r>
+          </a:p>
+          <a:p>
+            <a:pPr lvl="2"/>
+            <a:r>
+              <a:rPr lang="en-US" dirty="0"/>
+              <a:t>Over 6000 words, including genres</a:t>
+            </a:r>
+          </a:p>
+          <a:p>
+            <a:endParaRPr lang="en-US" dirty="0"/>
+          </a:p>
+          <a:p>
+            <a:r>
+              <a:rPr lang="en-US" dirty="0"/>
+              <a:t>Cull features</a:t>
+            </a:r>
+          </a:p>
+          <a:p>
+            <a:pPr lvl="1"/>
+            <a:r>
+              <a:rPr lang="en-US" dirty="0"/>
+              <a:t>SVD </a:t>
+            </a:r>
+          </a:p>
+          <a:p>
+            <a:pPr lvl="1"/>
+            <a:r>
+              <a:rPr lang="en-US" dirty="0"/>
+              <a:t>27 features</a:t>
+            </a:r>
+          </a:p>
+          <a:p>
+            <a:pPr lvl="2"/>
+            <a:r>
+              <a:rPr lang="en-US" dirty="0"/>
+              <a:t>Have about 700 scripts; 27 is approximately the square root of 700</a:t>
+            </a:r>
+          </a:p>
+          <a:p>
+            <a:r>
+              <a:rPr lang="en-US" dirty="0"/>
+              <a:t>Predicted variable</a:t>
+            </a:r>
+          </a:p>
+          <a:p>
+            <a:pPr lvl="1"/>
+            <a:r>
+              <a:rPr lang="en-US" dirty="0"/>
+              <a:t>Need integer ratings</a:t>
+            </a:r>
+          </a:p>
+          <a:p>
+            <a:pPr lvl="2"/>
+            <a:r>
+              <a:rPr lang="en-US" dirty="0"/>
+              <a:t>Multiply original ratings by 10 to get integers</a:t>
+            </a:r>
+          </a:p>
+        </p:txBody>
+      </p:sp>
     </p:spTree>
     <p:extLst>
       <p:ext uri="{BB962C8B-B14F-4D97-AF65-F5344CB8AC3E}">
-        <p14:creationId xmlns:p14="http://schemas.microsoft.com/office/powerpoint/2010/main" val="2096770488"/>
+        <p14:creationId xmlns:p14="http://schemas.microsoft.com/office/powerpoint/2010/main" val="469771953"/>
       </p:ext>
     </p:extLst>
   </p:cSld>
@@ -4592,7 +8045,7 @@
           <p:cNvPr id="2" name="Title 1">
             <a:extLst>
               <a:ext uri="{FF2B5EF4-FFF2-40B4-BE49-F238E27FC236}">
-                <a16:creationId xmlns:a16="http://schemas.microsoft.com/office/drawing/2014/main" id="{CF63BFB0-8CC6-414E-95B8-E9B6E633E58A}"/>
+                <a16:creationId xmlns:a16="http://schemas.microsoft.com/office/drawing/2014/main" id="{34583487-F626-6C49-B828-3FC32D389BA8}"/>
               </a:ext>
             </a:extLst>
           </p:cNvPr>
@@ -4610,7 +8063,7 @@
           <a:p>
             <a:r>
               <a:rPr lang="en-US" dirty="0"/>
-              <a:t>Rated Movies</a:t>
+              <a:t>Training the Recommender – Methods </a:t>
             </a:r>
           </a:p>
         </p:txBody>
@@ -4620,7 +8073,7 @@
           <p:cNvPr id="3" name="Content Placeholder 2">
             <a:extLst>
               <a:ext uri="{FF2B5EF4-FFF2-40B4-BE49-F238E27FC236}">
-                <a16:creationId xmlns:a16="http://schemas.microsoft.com/office/drawing/2014/main" id="{97894189-9421-2B4D-B668-3D1B83AA75D0}"/>
+                <a16:creationId xmlns:a16="http://schemas.microsoft.com/office/drawing/2014/main" id="{1611AF74-C2E1-0744-B8A2-2A5824923ED8}"/>
               </a:ext>
             </a:extLst>
           </p:cNvPr>
@@ -4637,70 +8090,41 @@
           <a:lstStyle/>
           <a:p>
             <a:r>
-              <a:rPr lang="en-US" dirty="0">
-                <a:solidFill>
-                  <a:schemeClr val="bg1">
-                    <a:lumMod val="65000"/>
-                  </a:schemeClr>
-                </a:solidFill>
-              </a:rPr>
-              <a:t>Use IMDB rating system</a:t>
+              <a:rPr lang="en-US" dirty="0"/>
+              <a:t>Simple </a:t>
             </a:r>
           </a:p>
           <a:p>
             <a:pPr lvl="1"/>
             <a:r>
-              <a:rPr lang="en-US" dirty="0">
-                <a:solidFill>
-                  <a:schemeClr val="bg1">
-                    <a:lumMod val="65000"/>
-                  </a:schemeClr>
-                </a:solidFill>
-              </a:rPr>
-              <a:t>Out of ten stars</a:t>
-            </a:r>
-          </a:p>
-          <a:p>
-            <a:r>
               <a:rPr lang="en-US" dirty="0"/>
-              <a:t>Data also included genre of the film</a:t>
-            </a:r>
-          </a:p>
-        </p:txBody>
-      </p:sp>
-      <p:pic>
-        <p:nvPicPr>
-          <p:cNvPr id="6" name="Picture 5">
-            <a:extLst>
-              <a:ext uri="{FF2B5EF4-FFF2-40B4-BE49-F238E27FC236}">
-                <a16:creationId xmlns:a16="http://schemas.microsoft.com/office/drawing/2014/main" id="{3DCC1BD6-32CC-E943-9A6E-41298E7032EA}"/>
-              </a:ext>
-            </a:extLst>
-          </p:cNvPr>
-          <p:cNvPicPr>
-            <a:picLocks noChangeAspect="1"/>
-          </p:cNvPicPr>
-          <p:nvPr/>
-        </p:nvPicPr>
-        <p:blipFill rotWithShape="1">
-          <a:blip r:embed="rId2"/>
-          <a:srcRect r="81662"/>
-          <a:stretch/>
-        </p:blipFill>
-        <p:spPr>
-          <a:xfrm>
-            <a:off x="8511583" y="497436"/>
-            <a:ext cx="3023679" cy="1060940"/>
-          </a:xfrm>
-          <a:prstGeom prst="rect">
-            <a:avLst/>
-          </a:prstGeom>
-        </p:spPr>
-      </p:pic>
+              <a:t>Mean of ratings</a:t>
+            </a:r>
+          </a:p>
+          <a:p>
+            <a:r>
+              <a:rPr lang="en-US" dirty="0"/>
+              <a:t>Random forest</a:t>
+            </a:r>
+          </a:p>
+          <a:p>
+            <a:r>
+              <a:rPr lang="en-US" dirty="0"/>
+              <a:t>Gradient booster</a:t>
+            </a:r>
+          </a:p>
+          <a:p>
+            <a:r>
+              <a:rPr lang="en-US" dirty="0"/>
+              <a:t>Linear regression</a:t>
+            </a:r>
+          </a:p>
+        </p:txBody>
+      </p:sp>
     </p:spTree>
     <p:extLst>
       <p:ext uri="{BB962C8B-B14F-4D97-AF65-F5344CB8AC3E}">
-        <p14:creationId xmlns:p14="http://schemas.microsoft.com/office/powerpoint/2010/main" val="3217089134"/>
+        <p14:creationId xmlns:p14="http://schemas.microsoft.com/office/powerpoint/2010/main" val="2500669997"/>
       </p:ext>
     </p:extLst>
   </p:cSld>
@@ -4732,528 +8156,6 @@
           <p:cNvPr id="2" name="Title 1">
             <a:extLst>
               <a:ext uri="{FF2B5EF4-FFF2-40B4-BE49-F238E27FC236}">
-                <a16:creationId xmlns:a16="http://schemas.microsoft.com/office/drawing/2014/main" id="{7D739360-247B-F14B-BD26-68255C67ACAB}"/>
-              </a:ext>
-            </a:extLst>
-          </p:cNvPr>
-          <p:cNvSpPr>
-            <a:spLocks noGrp="1"/>
-          </p:cNvSpPr>
-          <p:nvPr>
-            <p:ph type="title"/>
-          </p:nvPr>
-        </p:nvSpPr>
-        <p:spPr/>
-        <p:txBody>
-          <a:bodyPr/>
-          <a:lstStyle/>
-          <a:p>
-            <a:r>
-              <a:rPr lang="en-US" dirty="0"/>
-              <a:t>Ratings by Genre</a:t>
-            </a:r>
-          </a:p>
-        </p:txBody>
-      </p:sp>
-      <p:pic>
-        <p:nvPicPr>
-          <p:cNvPr id="5" name="Content Placeholder 4">
-            <a:extLst>
-              <a:ext uri="{FF2B5EF4-FFF2-40B4-BE49-F238E27FC236}">
-                <a16:creationId xmlns:a16="http://schemas.microsoft.com/office/drawing/2014/main" id="{234CA692-9235-0043-863C-5D1E65470C06}"/>
-              </a:ext>
-            </a:extLst>
-          </p:cNvPr>
-          <p:cNvPicPr>
-            <a:picLocks noGrp="1" noChangeAspect="1"/>
-          </p:cNvPicPr>
-          <p:nvPr>
-            <p:ph idx="1"/>
-          </p:nvPr>
-        </p:nvPicPr>
-        <p:blipFill>
-          <a:blip r:embed="rId2"/>
-          <a:stretch>
-            <a:fillRect/>
-          </a:stretch>
-        </p:blipFill>
-        <p:spPr>
-          <a:xfrm>
-            <a:off x="3187700" y="1931194"/>
-            <a:ext cx="5816600" cy="4140200"/>
-          </a:xfrm>
-        </p:spPr>
-      </p:pic>
-    </p:spTree>
-    <p:extLst>
-      <p:ext uri="{BB962C8B-B14F-4D97-AF65-F5344CB8AC3E}">
-        <p14:creationId xmlns:p14="http://schemas.microsoft.com/office/powerpoint/2010/main" val="2649599306"/>
-      </p:ext>
-    </p:extLst>
-  </p:cSld>
-  <p:clrMapOvr>
-    <a:masterClrMapping/>
-  </p:clrMapOvr>
-</p:sld>
-</file>
-
-<file path=ppt/slides/slide13.xml><?xml version="1.0" encoding="utf-8"?>
-<p:sld xmlns:a="http://schemas.openxmlformats.org/drawingml/2006/main" xmlns:r="http://schemas.openxmlformats.org/officeDocument/2006/relationships" xmlns:p="http://schemas.openxmlformats.org/presentationml/2006/main">
-  <p:cSld>
-    <p:spTree>
-      <p:nvGrpSpPr>
-        <p:cNvPr id="1" name=""/>
-        <p:cNvGrpSpPr/>
-        <p:nvPr/>
-      </p:nvGrpSpPr>
-      <p:grpSpPr>
-        <a:xfrm>
-          <a:off x="0" y="0"/>
-          <a:ext cx="0" cy="0"/>
-          <a:chOff x="0" y="0"/>
-          <a:chExt cx="0" cy="0"/>
-        </a:xfrm>
-      </p:grpSpPr>
-      <p:sp>
-        <p:nvSpPr>
-          <p:cNvPr id="2" name="Title 1">
-            <a:extLst>
-              <a:ext uri="{FF2B5EF4-FFF2-40B4-BE49-F238E27FC236}">
-                <a16:creationId xmlns:a16="http://schemas.microsoft.com/office/drawing/2014/main" id="{CF63BFB0-8CC6-414E-95B8-E9B6E633E58A}"/>
-              </a:ext>
-            </a:extLst>
-          </p:cNvPr>
-          <p:cNvSpPr>
-            <a:spLocks noGrp="1"/>
-          </p:cNvSpPr>
-          <p:nvPr>
-            <p:ph type="title"/>
-          </p:nvPr>
-        </p:nvSpPr>
-        <p:spPr/>
-        <p:txBody>
-          <a:bodyPr/>
-          <a:lstStyle/>
-          <a:p>
-            <a:r>
-              <a:rPr lang="en-US" dirty="0"/>
-              <a:t>Rated Movies</a:t>
-            </a:r>
-          </a:p>
-        </p:txBody>
-      </p:sp>
-      <p:sp>
-        <p:nvSpPr>
-          <p:cNvPr id="3" name="Content Placeholder 2">
-            <a:extLst>
-              <a:ext uri="{FF2B5EF4-FFF2-40B4-BE49-F238E27FC236}">
-                <a16:creationId xmlns:a16="http://schemas.microsoft.com/office/drawing/2014/main" id="{97894189-9421-2B4D-B668-3D1B83AA75D0}"/>
-              </a:ext>
-            </a:extLst>
-          </p:cNvPr>
-          <p:cNvSpPr>
-            <a:spLocks noGrp="1"/>
-          </p:cNvSpPr>
-          <p:nvPr>
-            <p:ph idx="1"/>
-          </p:nvPr>
-        </p:nvSpPr>
-        <p:spPr/>
-        <p:txBody>
-          <a:bodyPr/>
-          <a:lstStyle/>
-          <a:p>
-            <a:r>
-              <a:rPr lang="en-US" dirty="0">
-                <a:solidFill>
-                  <a:schemeClr val="bg1">
-                    <a:lumMod val="65000"/>
-                  </a:schemeClr>
-                </a:solidFill>
-              </a:rPr>
-              <a:t>Use IMDB rating system</a:t>
-            </a:r>
-          </a:p>
-          <a:p>
-            <a:pPr lvl="1"/>
-            <a:r>
-              <a:rPr lang="en-US" dirty="0">
-                <a:solidFill>
-                  <a:schemeClr val="bg1">
-                    <a:lumMod val="65000"/>
-                  </a:schemeClr>
-                </a:solidFill>
-              </a:rPr>
-              <a:t>Out of ten stars</a:t>
-            </a:r>
-          </a:p>
-          <a:p>
-            <a:r>
-              <a:rPr lang="en-US" dirty="0">
-                <a:solidFill>
-                  <a:schemeClr val="bg1">
-                    <a:lumMod val="65000"/>
-                  </a:schemeClr>
-                </a:solidFill>
-              </a:rPr>
-              <a:t>Data also included genre of the film</a:t>
-            </a:r>
-          </a:p>
-          <a:p>
-            <a:r>
-              <a:rPr lang="en-US" dirty="0"/>
-              <a:t>Came in multiple files </a:t>
-            </a:r>
-          </a:p>
-          <a:p>
-            <a:pPr lvl="1"/>
-            <a:r>
-              <a:rPr lang="en-US" dirty="0"/>
-              <a:t>Join files to get genre, movie name, and ratings</a:t>
-            </a:r>
-          </a:p>
-          <a:p>
-            <a:r>
-              <a:rPr lang="en-US" dirty="0"/>
-              <a:t>Convert genres into “bag-of-words”</a:t>
-            </a:r>
-          </a:p>
-          <a:p>
-            <a:pPr lvl="1"/>
-            <a:r>
-              <a:rPr lang="en-US" dirty="0"/>
-              <a:t>Add the genres to the “bag-of-words” from the scripts</a:t>
-            </a:r>
-          </a:p>
-        </p:txBody>
-      </p:sp>
-      <p:pic>
-        <p:nvPicPr>
-          <p:cNvPr id="6" name="Picture 5">
-            <a:extLst>
-              <a:ext uri="{FF2B5EF4-FFF2-40B4-BE49-F238E27FC236}">
-                <a16:creationId xmlns:a16="http://schemas.microsoft.com/office/drawing/2014/main" id="{3DCC1BD6-32CC-E943-9A6E-41298E7032EA}"/>
-              </a:ext>
-            </a:extLst>
-          </p:cNvPr>
-          <p:cNvPicPr>
-            <a:picLocks noChangeAspect="1"/>
-          </p:cNvPicPr>
-          <p:nvPr/>
-        </p:nvPicPr>
-        <p:blipFill rotWithShape="1">
-          <a:blip r:embed="rId2"/>
-          <a:srcRect r="81662"/>
-          <a:stretch/>
-        </p:blipFill>
-        <p:spPr>
-          <a:xfrm>
-            <a:off x="8511583" y="497436"/>
-            <a:ext cx="3023679" cy="1060940"/>
-          </a:xfrm>
-          <a:prstGeom prst="rect">
-            <a:avLst/>
-          </a:prstGeom>
-        </p:spPr>
-      </p:pic>
-    </p:spTree>
-    <p:extLst>
-      <p:ext uri="{BB962C8B-B14F-4D97-AF65-F5344CB8AC3E}">
-        <p14:creationId xmlns:p14="http://schemas.microsoft.com/office/powerpoint/2010/main" val="4254394377"/>
-      </p:ext>
-    </p:extLst>
-  </p:cSld>
-  <p:clrMapOvr>
-    <a:masterClrMapping/>
-  </p:clrMapOvr>
-</p:sld>
-</file>
-
-<file path=ppt/slides/slide14.xml><?xml version="1.0" encoding="utf-8"?>
-<p:sld xmlns:a="http://schemas.openxmlformats.org/drawingml/2006/main" xmlns:r="http://schemas.openxmlformats.org/officeDocument/2006/relationships" xmlns:p="http://schemas.openxmlformats.org/presentationml/2006/main">
-  <p:cSld>
-    <p:spTree>
-      <p:nvGrpSpPr>
-        <p:cNvPr id="1" name=""/>
-        <p:cNvGrpSpPr/>
-        <p:nvPr/>
-      </p:nvGrpSpPr>
-      <p:grpSpPr>
-        <a:xfrm>
-          <a:off x="0" y="0"/>
-          <a:ext cx="0" cy="0"/>
-          <a:chOff x="0" y="0"/>
-          <a:chExt cx="0" cy="0"/>
-        </a:xfrm>
-      </p:grpSpPr>
-      <p:sp>
-        <p:nvSpPr>
-          <p:cNvPr id="2" name="Title 1">
-            <a:extLst>
-              <a:ext uri="{FF2B5EF4-FFF2-40B4-BE49-F238E27FC236}">
-                <a16:creationId xmlns:a16="http://schemas.microsoft.com/office/drawing/2014/main" id="{16D01C5D-C789-4548-A676-B078EF0EFD25}"/>
-              </a:ext>
-            </a:extLst>
-          </p:cNvPr>
-          <p:cNvSpPr>
-            <a:spLocks noGrp="1"/>
-          </p:cNvSpPr>
-          <p:nvPr>
-            <p:ph type="title"/>
-          </p:nvPr>
-        </p:nvSpPr>
-        <p:spPr/>
-        <p:txBody>
-          <a:bodyPr/>
-          <a:lstStyle/>
-          <a:p>
-            <a:r>
-              <a:rPr lang="en-US" dirty="0"/>
-              <a:t>Data for the Recommender</a:t>
-            </a:r>
-          </a:p>
-        </p:txBody>
-      </p:sp>
-      <p:sp>
-        <p:nvSpPr>
-          <p:cNvPr id="3" name="Content Placeholder 2">
-            <a:extLst>
-              <a:ext uri="{FF2B5EF4-FFF2-40B4-BE49-F238E27FC236}">
-                <a16:creationId xmlns:a16="http://schemas.microsoft.com/office/drawing/2014/main" id="{4BB727B6-AC4F-3441-AB99-D0B4418F9219}"/>
-              </a:ext>
-            </a:extLst>
-          </p:cNvPr>
-          <p:cNvSpPr>
-            <a:spLocks noGrp="1"/>
-          </p:cNvSpPr>
-          <p:nvPr>
-            <p:ph idx="1"/>
-          </p:nvPr>
-        </p:nvSpPr>
-        <p:spPr/>
-        <p:txBody>
-          <a:bodyPr>
-            <a:normAutofit lnSpcReduction="10000"/>
-          </a:bodyPr>
-          <a:lstStyle/>
-          <a:p>
-            <a:r>
-              <a:rPr lang="en-US" dirty="0"/>
-              <a:t>Features</a:t>
-            </a:r>
-          </a:p>
-          <a:p>
-            <a:pPr lvl="1"/>
-            <a:r>
-              <a:rPr lang="en-US" dirty="0"/>
-              <a:t>Bag-of-words</a:t>
-            </a:r>
-          </a:p>
-          <a:p>
-            <a:pPr lvl="2"/>
-            <a:r>
-              <a:rPr lang="en-US" dirty="0"/>
-              <a:t>Over 6000 words, including genres</a:t>
-            </a:r>
-          </a:p>
-          <a:p>
-            <a:r>
-              <a:rPr lang="en-US" dirty="0"/>
-              <a:t>Cull features</a:t>
-            </a:r>
-          </a:p>
-          <a:p>
-            <a:pPr lvl="1"/>
-            <a:r>
-              <a:rPr lang="en-US" dirty="0"/>
-              <a:t>SVD </a:t>
-            </a:r>
-          </a:p>
-          <a:p>
-            <a:pPr lvl="1"/>
-            <a:r>
-              <a:rPr lang="en-US" dirty="0"/>
-              <a:t>27 features</a:t>
-            </a:r>
-          </a:p>
-          <a:p>
-            <a:pPr lvl="2"/>
-            <a:r>
-              <a:rPr lang="en-US" dirty="0"/>
-              <a:t>Have about 700 scripts; 27 is approximately the square root of 700</a:t>
-            </a:r>
-          </a:p>
-          <a:p>
-            <a:endParaRPr lang="en-US" dirty="0"/>
-          </a:p>
-          <a:p>
-            <a:r>
-              <a:rPr lang="en-US" dirty="0"/>
-              <a:t>Predicted variable</a:t>
-            </a:r>
-          </a:p>
-          <a:p>
-            <a:pPr lvl="1"/>
-            <a:r>
-              <a:rPr lang="en-US" dirty="0"/>
-              <a:t>Need integer ratings</a:t>
-            </a:r>
-          </a:p>
-          <a:p>
-            <a:pPr lvl="2"/>
-            <a:r>
-              <a:rPr lang="en-US" dirty="0"/>
-              <a:t>Multiply original ratings by 10 to get integers</a:t>
-            </a:r>
-          </a:p>
-        </p:txBody>
-      </p:sp>
-    </p:spTree>
-    <p:extLst>
-      <p:ext uri="{BB962C8B-B14F-4D97-AF65-F5344CB8AC3E}">
-        <p14:creationId xmlns:p14="http://schemas.microsoft.com/office/powerpoint/2010/main" val="469771953"/>
-      </p:ext>
-    </p:extLst>
-  </p:cSld>
-  <p:clrMapOvr>
-    <a:masterClrMapping/>
-  </p:clrMapOvr>
-</p:sld>
-</file>
-
-<file path=ppt/slides/slide15.xml><?xml version="1.0" encoding="utf-8"?>
-<p:sld xmlns:a="http://schemas.openxmlformats.org/drawingml/2006/main" xmlns:r="http://schemas.openxmlformats.org/officeDocument/2006/relationships" xmlns:p="http://schemas.openxmlformats.org/presentationml/2006/main">
-  <p:cSld>
-    <p:spTree>
-      <p:nvGrpSpPr>
-        <p:cNvPr id="1" name=""/>
-        <p:cNvGrpSpPr/>
-        <p:nvPr/>
-      </p:nvGrpSpPr>
-      <p:grpSpPr>
-        <a:xfrm>
-          <a:off x="0" y="0"/>
-          <a:ext cx="0" cy="0"/>
-          <a:chOff x="0" y="0"/>
-          <a:chExt cx="0" cy="0"/>
-        </a:xfrm>
-      </p:grpSpPr>
-      <p:sp>
-        <p:nvSpPr>
-          <p:cNvPr id="2" name="Title 1">
-            <a:extLst>
-              <a:ext uri="{FF2B5EF4-FFF2-40B4-BE49-F238E27FC236}">
-                <a16:creationId xmlns:a16="http://schemas.microsoft.com/office/drawing/2014/main" id="{34583487-F626-6C49-B828-3FC32D389BA8}"/>
-              </a:ext>
-            </a:extLst>
-          </p:cNvPr>
-          <p:cNvSpPr>
-            <a:spLocks noGrp="1"/>
-          </p:cNvSpPr>
-          <p:nvPr>
-            <p:ph type="title"/>
-          </p:nvPr>
-        </p:nvSpPr>
-        <p:spPr/>
-        <p:txBody>
-          <a:bodyPr/>
-          <a:lstStyle/>
-          <a:p>
-            <a:r>
-              <a:rPr lang="en-US" dirty="0"/>
-              <a:t>Training the Recommender – Methods </a:t>
-            </a:r>
-          </a:p>
-        </p:txBody>
-      </p:sp>
-      <p:sp>
-        <p:nvSpPr>
-          <p:cNvPr id="3" name="Content Placeholder 2">
-            <a:extLst>
-              <a:ext uri="{FF2B5EF4-FFF2-40B4-BE49-F238E27FC236}">
-                <a16:creationId xmlns:a16="http://schemas.microsoft.com/office/drawing/2014/main" id="{1611AF74-C2E1-0744-B8A2-2A5824923ED8}"/>
-              </a:ext>
-            </a:extLst>
-          </p:cNvPr>
-          <p:cNvSpPr>
-            <a:spLocks noGrp="1"/>
-          </p:cNvSpPr>
-          <p:nvPr>
-            <p:ph idx="1"/>
-          </p:nvPr>
-        </p:nvSpPr>
-        <p:spPr/>
-        <p:txBody>
-          <a:bodyPr/>
-          <a:lstStyle/>
-          <a:p>
-            <a:r>
-              <a:rPr lang="en-US" dirty="0"/>
-              <a:t>Simple </a:t>
-            </a:r>
-          </a:p>
-          <a:p>
-            <a:pPr lvl="1"/>
-            <a:r>
-              <a:rPr lang="en-US" dirty="0"/>
-              <a:t>Mean of ratings</a:t>
-            </a:r>
-          </a:p>
-          <a:p>
-            <a:r>
-              <a:rPr lang="en-US" dirty="0"/>
-              <a:t>Random forest</a:t>
-            </a:r>
-          </a:p>
-          <a:p>
-            <a:r>
-              <a:rPr lang="en-US" dirty="0"/>
-              <a:t>Gradient booster</a:t>
-            </a:r>
-          </a:p>
-          <a:p>
-            <a:r>
-              <a:rPr lang="en-US" dirty="0"/>
-              <a:t>Linear regression</a:t>
-            </a:r>
-          </a:p>
-        </p:txBody>
-      </p:sp>
-    </p:spTree>
-    <p:extLst>
-      <p:ext uri="{BB962C8B-B14F-4D97-AF65-F5344CB8AC3E}">
-        <p14:creationId xmlns:p14="http://schemas.microsoft.com/office/powerpoint/2010/main" val="2500669997"/>
-      </p:ext>
-    </p:extLst>
-  </p:cSld>
-  <p:clrMapOvr>
-    <a:masterClrMapping/>
-  </p:clrMapOvr>
-</p:sld>
-</file>
-
-<file path=ppt/slides/slide16.xml><?xml version="1.0" encoding="utf-8"?>
-<p:sld xmlns:a="http://schemas.openxmlformats.org/drawingml/2006/main" xmlns:r="http://schemas.openxmlformats.org/officeDocument/2006/relationships" xmlns:p="http://schemas.openxmlformats.org/presentationml/2006/main">
-  <p:cSld>
-    <p:spTree>
-      <p:nvGrpSpPr>
-        <p:cNvPr id="1" name=""/>
-        <p:cNvGrpSpPr/>
-        <p:nvPr/>
-      </p:nvGrpSpPr>
-      <p:grpSpPr>
-        <a:xfrm>
-          <a:off x="0" y="0"/>
-          <a:ext cx="0" cy="0"/>
-          <a:chOff x="0" y="0"/>
-          <a:chExt cx="0" cy="0"/>
-        </a:xfrm>
-      </p:grpSpPr>
-      <p:sp>
-        <p:nvSpPr>
-          <p:cNvPr id="2" name="Title 1">
-            <a:extLst>
-              <a:ext uri="{FF2B5EF4-FFF2-40B4-BE49-F238E27FC236}">
                 <a16:creationId xmlns:a16="http://schemas.microsoft.com/office/drawing/2014/main" id="{09AD6EE7-3BFB-D24E-BA9A-172C375DE344}"/>
               </a:ext>
             </a:extLst>
@@ -5325,7 +8227,7 @@
 </p:sld>
 </file>
 
-<file path=ppt/slides/slide17.xml><?xml version="1.0" encoding="utf-8"?>
+<file path=ppt/slides/slide13.xml><?xml version="1.0" encoding="utf-8"?>
 <p:sld xmlns:a="http://schemas.openxmlformats.org/drawingml/2006/main" xmlns:r="http://schemas.openxmlformats.org/officeDocument/2006/relationships" xmlns:p="http://schemas.openxmlformats.org/presentationml/2006/main">
   <p:cSld>
     <p:spTree>
@@ -5412,7 +8314,7 @@
 </p:sld>
 </file>
 
-<file path=ppt/slides/slide18.xml><?xml version="1.0" encoding="utf-8"?>
+<file path=ppt/slides/slide14.xml><?xml version="1.0" encoding="utf-8"?>
 <p:sld xmlns:a="http://schemas.openxmlformats.org/drawingml/2006/main" xmlns:r="http://schemas.openxmlformats.org/officeDocument/2006/relationships" xmlns:p="http://schemas.openxmlformats.org/presentationml/2006/main">
   <p:cSld>
     <p:spTree>
@@ -5578,7 +8480,7 @@
 </p:sld>
 </file>
 
-<file path=ppt/slides/slide19.xml><?xml version="1.0" encoding="utf-8"?>
+<file path=ppt/slides/slide15.xml><?xml version="1.0" encoding="utf-8"?>
 <p:sld xmlns:a="http://schemas.openxmlformats.org/drawingml/2006/main" xmlns:r="http://schemas.openxmlformats.org/officeDocument/2006/relationships" xmlns:p="http://schemas.openxmlformats.org/presentationml/2006/main">
   <p:cSld>
     <p:spTree>
@@ -5656,6 +8558,389 @@
     <p:extLst>
       <p:ext uri="{BB962C8B-B14F-4D97-AF65-F5344CB8AC3E}">
         <p14:creationId xmlns:p14="http://schemas.microsoft.com/office/powerpoint/2010/main" val="1023257774"/>
+      </p:ext>
+    </p:extLst>
+  </p:cSld>
+  <p:clrMapOvr>
+    <a:masterClrMapping/>
+  </p:clrMapOvr>
+</p:sld>
+</file>
+
+<file path=ppt/slides/slide16.xml><?xml version="1.0" encoding="utf-8"?>
+<p:sld xmlns:a="http://schemas.openxmlformats.org/drawingml/2006/main" xmlns:r="http://schemas.openxmlformats.org/officeDocument/2006/relationships" xmlns:p="http://schemas.openxmlformats.org/presentationml/2006/main">
+  <p:cSld>
+    <p:spTree>
+      <p:nvGrpSpPr>
+        <p:cNvPr id="1" name=""/>
+        <p:cNvGrpSpPr/>
+        <p:nvPr/>
+      </p:nvGrpSpPr>
+      <p:grpSpPr>
+        <a:xfrm>
+          <a:off x="0" y="0"/>
+          <a:ext cx="0" cy="0"/>
+          <a:chOff x="0" y="0"/>
+          <a:chExt cx="0" cy="0"/>
+        </a:xfrm>
+      </p:grpSpPr>
+      <p:sp>
+        <p:nvSpPr>
+          <p:cNvPr id="2" name="Title 1">
+            <a:extLst>
+              <a:ext uri="{FF2B5EF4-FFF2-40B4-BE49-F238E27FC236}">
+                <a16:creationId xmlns:a16="http://schemas.microsoft.com/office/drawing/2014/main" id="{590FCA8D-0E7E-9946-B228-F3DA7110BDFA}"/>
+              </a:ext>
+            </a:extLst>
+          </p:cNvPr>
+          <p:cNvSpPr>
+            <a:spLocks noGrp="1"/>
+          </p:cNvSpPr>
+          <p:nvPr>
+            <p:ph type="title"/>
+          </p:nvPr>
+        </p:nvSpPr>
+        <p:spPr/>
+        <p:txBody>
+          <a:bodyPr/>
+          <a:lstStyle/>
+          <a:p>
+            <a:r>
+              <a:rPr lang="en-US" dirty="0"/>
+              <a:t>Recommendations</a:t>
+            </a:r>
+          </a:p>
+        </p:txBody>
+      </p:sp>
+      <p:sp>
+        <p:nvSpPr>
+          <p:cNvPr id="3" name="Content Placeholder 2">
+            <a:extLst>
+              <a:ext uri="{FF2B5EF4-FFF2-40B4-BE49-F238E27FC236}">
+                <a16:creationId xmlns:a16="http://schemas.microsoft.com/office/drawing/2014/main" id="{BAC5B1DC-3B73-E24F-ACCE-BCC26E1ABE23}"/>
+              </a:ext>
+            </a:extLst>
+          </p:cNvPr>
+          <p:cNvSpPr>
+            <a:spLocks noGrp="1"/>
+          </p:cNvSpPr>
+          <p:nvPr>
+            <p:ph idx="1"/>
+          </p:nvPr>
+        </p:nvSpPr>
+        <p:spPr/>
+        <p:txBody>
+          <a:bodyPr/>
+          <a:lstStyle/>
+          <a:p>
+            <a:r>
+              <a:rPr lang="en-US" dirty="0"/>
+              <a:t>Don’t publish a horror movie</a:t>
+            </a:r>
+          </a:p>
+          <a:p>
+            <a:r>
+              <a:rPr lang="en-US" dirty="0"/>
+              <a:t>Consider adventure movies or westerns</a:t>
+            </a:r>
+          </a:p>
+          <a:p>
+            <a:r>
+              <a:rPr lang="en-US" dirty="0"/>
+              <a:t>Don’t publish a musical until we figure out the difference between “music” and “musical” as a genre</a:t>
+            </a:r>
+          </a:p>
+        </p:txBody>
+      </p:sp>
+    </p:spTree>
+    <p:extLst>
+      <p:ext uri="{BB962C8B-B14F-4D97-AF65-F5344CB8AC3E}">
+        <p14:creationId xmlns:p14="http://schemas.microsoft.com/office/powerpoint/2010/main" val="29825846"/>
+      </p:ext>
+    </p:extLst>
+  </p:cSld>
+  <p:clrMapOvr>
+    <a:masterClrMapping/>
+  </p:clrMapOvr>
+</p:sld>
+</file>
+
+<file path=ppt/slides/slide17.xml><?xml version="1.0" encoding="utf-8"?>
+<p:sld xmlns:a="http://schemas.openxmlformats.org/drawingml/2006/main" xmlns:r="http://schemas.openxmlformats.org/officeDocument/2006/relationships" xmlns:p="http://schemas.openxmlformats.org/presentationml/2006/main">
+  <p:cSld>
+    <p:spTree>
+      <p:nvGrpSpPr>
+        <p:cNvPr id="1" name=""/>
+        <p:cNvGrpSpPr/>
+        <p:nvPr/>
+      </p:nvGrpSpPr>
+      <p:grpSpPr>
+        <a:xfrm>
+          <a:off x="0" y="0"/>
+          <a:ext cx="0" cy="0"/>
+          <a:chOff x="0" y="0"/>
+          <a:chExt cx="0" cy="0"/>
+        </a:xfrm>
+      </p:grpSpPr>
+      <p:sp>
+        <p:nvSpPr>
+          <p:cNvPr id="2" name="Title 1">
+            <a:extLst>
+              <a:ext uri="{FF2B5EF4-FFF2-40B4-BE49-F238E27FC236}">
+                <a16:creationId xmlns:a16="http://schemas.microsoft.com/office/drawing/2014/main" id="{2DD4E854-6E07-4C4A-8CE0-2FF8979A0FF9}"/>
+              </a:ext>
+            </a:extLst>
+          </p:cNvPr>
+          <p:cNvSpPr>
+            <a:spLocks noGrp="1"/>
+          </p:cNvSpPr>
+          <p:nvPr>
+            <p:ph type="title"/>
+          </p:nvPr>
+        </p:nvSpPr>
+        <p:spPr/>
+        <p:txBody>
+          <a:bodyPr/>
+          <a:lstStyle/>
+          <a:p>
+            <a:r>
+              <a:rPr lang="en-US" dirty="0"/>
+              <a:t>Future Work</a:t>
+            </a:r>
+          </a:p>
+        </p:txBody>
+      </p:sp>
+      <p:sp>
+        <p:nvSpPr>
+          <p:cNvPr id="3" name="Content Placeholder 2">
+            <a:extLst>
+              <a:ext uri="{FF2B5EF4-FFF2-40B4-BE49-F238E27FC236}">
+                <a16:creationId xmlns:a16="http://schemas.microsoft.com/office/drawing/2014/main" id="{001D9037-CDAB-FB49-93FD-23A6B4ADF8B0}"/>
+              </a:ext>
+            </a:extLst>
+          </p:cNvPr>
+          <p:cNvSpPr>
+            <a:spLocks noGrp="1"/>
+          </p:cNvSpPr>
+          <p:nvPr>
+            <p:ph idx="1"/>
+          </p:nvPr>
+        </p:nvSpPr>
+        <p:spPr/>
+        <p:txBody>
+          <a:bodyPr/>
+          <a:lstStyle/>
+          <a:p>
+            <a:r>
+              <a:rPr lang="en-US" dirty="0"/>
+              <a:t>More scripts</a:t>
+            </a:r>
+          </a:p>
+          <a:p>
+            <a:pPr lvl="1"/>
+            <a:r>
+              <a:rPr lang="en-US" dirty="0"/>
+              <a:t>Only through 2009</a:t>
+            </a:r>
+          </a:p>
+          <a:p>
+            <a:r>
+              <a:rPr lang="en-US" dirty="0"/>
+              <a:t>Determine difference between “music” and “musical” as genres</a:t>
+            </a:r>
+          </a:p>
+          <a:p>
+            <a:r>
+              <a:rPr lang="en-US" dirty="0"/>
+              <a:t>Other rating systems</a:t>
+            </a:r>
+          </a:p>
+          <a:p>
+            <a:pPr lvl="1"/>
+            <a:r>
+              <a:rPr lang="en-US" dirty="0"/>
+              <a:t>Rotten Tomatoes</a:t>
+            </a:r>
+          </a:p>
+          <a:p>
+            <a:pPr lvl="1"/>
+            <a:r>
+              <a:rPr lang="en-US" dirty="0"/>
+              <a:t>Amazon</a:t>
+            </a:r>
+          </a:p>
+        </p:txBody>
+      </p:sp>
+    </p:spTree>
+    <p:extLst>
+      <p:ext uri="{BB962C8B-B14F-4D97-AF65-F5344CB8AC3E}">
+        <p14:creationId xmlns:p14="http://schemas.microsoft.com/office/powerpoint/2010/main" val="2102919503"/>
+      </p:ext>
+    </p:extLst>
+  </p:cSld>
+  <p:clrMapOvr>
+    <a:masterClrMapping/>
+  </p:clrMapOvr>
+</p:sld>
+</file>
+
+<file path=ppt/slides/slide18.xml><?xml version="1.0" encoding="utf-8"?>
+<p:sld xmlns:a="http://schemas.openxmlformats.org/drawingml/2006/main" xmlns:r="http://schemas.openxmlformats.org/officeDocument/2006/relationships" xmlns:p="http://schemas.openxmlformats.org/presentationml/2006/main">
+  <p:cSld>
+    <p:spTree>
+      <p:nvGrpSpPr>
+        <p:cNvPr id="1" name=""/>
+        <p:cNvGrpSpPr/>
+        <p:nvPr/>
+      </p:nvGrpSpPr>
+      <p:grpSpPr>
+        <a:xfrm>
+          <a:off x="0" y="0"/>
+          <a:ext cx="0" cy="0"/>
+          <a:chOff x="0" y="0"/>
+          <a:chExt cx="0" cy="0"/>
+        </a:xfrm>
+      </p:grpSpPr>
+      <p:sp>
+        <p:nvSpPr>
+          <p:cNvPr id="4" name="Title 3">
+            <a:extLst>
+              <a:ext uri="{FF2B5EF4-FFF2-40B4-BE49-F238E27FC236}">
+                <a16:creationId xmlns:a16="http://schemas.microsoft.com/office/drawing/2014/main" id="{9B73AF21-F287-AE41-8891-1FB58036045F}"/>
+              </a:ext>
+            </a:extLst>
+          </p:cNvPr>
+          <p:cNvSpPr>
+            <a:spLocks noGrp="1"/>
+          </p:cNvSpPr>
+          <p:nvPr>
+            <p:ph type="ctrTitle"/>
+          </p:nvPr>
+        </p:nvSpPr>
+        <p:spPr/>
+        <p:txBody>
+          <a:bodyPr/>
+          <a:lstStyle/>
+          <a:p>
+            <a:r>
+              <a:rPr lang="en-US" dirty="0"/>
+              <a:t>Any Questions?</a:t>
+            </a:r>
+          </a:p>
+        </p:txBody>
+      </p:sp>
+      <p:sp>
+        <p:nvSpPr>
+          <p:cNvPr id="5" name="Subtitle 4">
+            <a:extLst>
+              <a:ext uri="{FF2B5EF4-FFF2-40B4-BE49-F238E27FC236}">
+                <a16:creationId xmlns:a16="http://schemas.microsoft.com/office/drawing/2014/main" id="{C65A8301-556D-594B-B180-5AB7408F0A09}"/>
+              </a:ext>
+            </a:extLst>
+          </p:cNvPr>
+          <p:cNvSpPr>
+            <a:spLocks noGrp="1"/>
+          </p:cNvSpPr>
+          <p:nvPr>
+            <p:ph type="subTitle" idx="1"/>
+          </p:nvPr>
+        </p:nvSpPr>
+        <p:spPr/>
+        <p:txBody>
+          <a:bodyPr/>
+          <a:lstStyle/>
+          <a:p>
+            <a:endParaRPr lang="en-US"/>
+          </a:p>
+        </p:txBody>
+      </p:sp>
+    </p:spTree>
+    <p:extLst>
+      <p:ext uri="{BB962C8B-B14F-4D97-AF65-F5344CB8AC3E}">
+        <p14:creationId xmlns:p14="http://schemas.microsoft.com/office/powerpoint/2010/main" val="99585284"/>
+      </p:ext>
+    </p:extLst>
+  </p:cSld>
+  <p:clrMapOvr>
+    <a:masterClrMapping/>
+  </p:clrMapOvr>
+</p:sld>
+</file>
+
+<file path=ppt/slides/slide19.xml><?xml version="1.0" encoding="utf-8"?>
+<p:sld xmlns:a="http://schemas.openxmlformats.org/drawingml/2006/main" xmlns:r="http://schemas.openxmlformats.org/officeDocument/2006/relationships" xmlns:p="http://schemas.openxmlformats.org/presentationml/2006/main">
+  <p:cSld>
+    <p:spTree>
+      <p:nvGrpSpPr>
+        <p:cNvPr id="1" name=""/>
+        <p:cNvGrpSpPr/>
+        <p:nvPr/>
+      </p:nvGrpSpPr>
+      <p:grpSpPr>
+        <a:xfrm>
+          <a:off x="0" y="0"/>
+          <a:ext cx="0" cy="0"/>
+          <a:chOff x="0" y="0"/>
+          <a:chExt cx="0" cy="0"/>
+        </a:xfrm>
+      </p:grpSpPr>
+      <p:sp>
+        <p:nvSpPr>
+          <p:cNvPr id="2" name="Title 1">
+            <a:extLst>
+              <a:ext uri="{FF2B5EF4-FFF2-40B4-BE49-F238E27FC236}">
+                <a16:creationId xmlns:a16="http://schemas.microsoft.com/office/drawing/2014/main" id="{82EC20C2-AC66-0D48-AC7B-712FC5F52D00}"/>
+              </a:ext>
+            </a:extLst>
+          </p:cNvPr>
+          <p:cNvSpPr>
+            <a:spLocks noGrp="1"/>
+          </p:cNvSpPr>
+          <p:nvPr>
+            <p:ph type="ctrTitle"/>
+          </p:nvPr>
+        </p:nvSpPr>
+        <p:spPr/>
+        <p:txBody>
+          <a:bodyPr/>
+          <a:lstStyle/>
+          <a:p>
+            <a:r>
+              <a:rPr lang="en-US" dirty="0"/>
+              <a:t>Appendix</a:t>
+            </a:r>
+          </a:p>
+        </p:txBody>
+      </p:sp>
+      <p:sp>
+        <p:nvSpPr>
+          <p:cNvPr id="3" name="Subtitle 2">
+            <a:extLst>
+              <a:ext uri="{FF2B5EF4-FFF2-40B4-BE49-F238E27FC236}">
+                <a16:creationId xmlns:a16="http://schemas.microsoft.com/office/drawing/2014/main" id="{15493E21-5B3E-884E-9017-C13885C360C2}"/>
+              </a:ext>
+            </a:extLst>
+          </p:cNvPr>
+          <p:cNvSpPr>
+            <a:spLocks noGrp="1"/>
+          </p:cNvSpPr>
+          <p:nvPr>
+            <p:ph type="subTitle" idx="1"/>
+          </p:nvPr>
+        </p:nvSpPr>
+        <p:spPr/>
+        <p:txBody>
+          <a:bodyPr/>
+          <a:lstStyle/>
+          <a:p>
+            <a:endParaRPr lang="en-US"/>
+          </a:p>
+        </p:txBody>
+      </p:sp>
+    </p:spTree>
+    <p:extLst>
+      <p:ext uri="{BB962C8B-B14F-4D97-AF65-F5344CB8AC3E}">
+        <p14:creationId xmlns:p14="http://schemas.microsoft.com/office/powerpoint/2010/main" val="3629878757"/>
       </p:ext>
     </p:extLst>
   </p:cSld>
@@ -5809,7 +9094,7 @@
           <p:cNvPr id="2" name="Title 1">
             <a:extLst>
               <a:ext uri="{FF2B5EF4-FFF2-40B4-BE49-F238E27FC236}">
-                <a16:creationId xmlns:a16="http://schemas.microsoft.com/office/drawing/2014/main" id="{590FCA8D-0E7E-9946-B228-F3DA7110BDFA}"/>
+                <a16:creationId xmlns:a16="http://schemas.microsoft.com/office/drawing/2014/main" id="{7D739360-247B-F14B-BD26-68255C67ACAB}"/>
               </a:ext>
             </a:extLst>
           </p:cNvPr>
@@ -5827,55 +9112,44 @@
           <a:p>
             <a:r>
               <a:rPr lang="en-US" dirty="0"/>
-              <a:t>Recommendations</a:t>
-            </a:r>
-          </a:p>
-        </p:txBody>
-      </p:sp>
-      <p:sp>
-        <p:nvSpPr>
-          <p:cNvPr id="3" name="Content Placeholder 2">
+              <a:t>Ratings by Genre</a:t>
+            </a:r>
+          </a:p>
+        </p:txBody>
+      </p:sp>
+      <p:pic>
+        <p:nvPicPr>
+          <p:cNvPr id="5" name="Content Placeholder 4">
             <a:extLst>
               <a:ext uri="{FF2B5EF4-FFF2-40B4-BE49-F238E27FC236}">
-                <a16:creationId xmlns:a16="http://schemas.microsoft.com/office/drawing/2014/main" id="{BAC5B1DC-3B73-E24F-ACCE-BCC26E1ABE23}"/>
+                <a16:creationId xmlns:a16="http://schemas.microsoft.com/office/drawing/2014/main" id="{234CA692-9235-0043-863C-5D1E65470C06}"/>
               </a:ext>
             </a:extLst>
           </p:cNvPr>
-          <p:cNvSpPr>
-            <a:spLocks noGrp="1"/>
-          </p:cNvSpPr>
+          <p:cNvPicPr>
+            <a:picLocks noGrp="1" noChangeAspect="1"/>
+          </p:cNvPicPr>
           <p:nvPr>
             <p:ph idx="1"/>
           </p:nvPr>
-        </p:nvSpPr>
-        <p:spPr/>
-        <p:txBody>
-          <a:bodyPr/>
-          <a:lstStyle/>
-          <a:p>
-            <a:r>
-              <a:rPr lang="en-US" dirty="0"/>
-              <a:t>Don’t publish a horror movie</a:t>
-            </a:r>
-          </a:p>
-          <a:p>
-            <a:r>
-              <a:rPr lang="en-US" dirty="0"/>
-              <a:t>Consider adventure movies or westerns</a:t>
-            </a:r>
-          </a:p>
-          <a:p>
-            <a:r>
-              <a:rPr lang="en-US" dirty="0"/>
-              <a:t>Don’t publish a musical until we figure out the difference between “music” and “musical” as a genre</a:t>
-            </a:r>
-          </a:p>
-        </p:txBody>
-      </p:sp>
+        </p:nvPicPr>
+        <p:blipFill>
+          <a:blip r:embed="rId2"/>
+          <a:stretch>
+            <a:fillRect/>
+          </a:stretch>
+        </p:blipFill>
+        <p:spPr>
+          <a:xfrm>
+            <a:off x="3187700" y="1931194"/>
+            <a:ext cx="5816600" cy="4140200"/>
+          </a:xfrm>
+        </p:spPr>
+      </p:pic>
     </p:spTree>
     <p:extLst>
       <p:ext uri="{BB962C8B-B14F-4D97-AF65-F5344CB8AC3E}">
-        <p14:creationId xmlns:p14="http://schemas.microsoft.com/office/powerpoint/2010/main" val="29825846"/>
+        <p14:creationId xmlns:p14="http://schemas.microsoft.com/office/powerpoint/2010/main" val="2649599306"/>
       </p:ext>
     </p:extLst>
   </p:cSld>
@@ -5886,208 +9160,6 @@
 </file>
 
 <file path=ppt/slides/slide21.xml><?xml version="1.0" encoding="utf-8"?>
-<p:sld xmlns:a="http://schemas.openxmlformats.org/drawingml/2006/main" xmlns:r="http://schemas.openxmlformats.org/officeDocument/2006/relationships" xmlns:p="http://schemas.openxmlformats.org/presentationml/2006/main">
-  <p:cSld>
-    <p:spTree>
-      <p:nvGrpSpPr>
-        <p:cNvPr id="1" name=""/>
-        <p:cNvGrpSpPr/>
-        <p:nvPr/>
-      </p:nvGrpSpPr>
-      <p:grpSpPr>
-        <a:xfrm>
-          <a:off x="0" y="0"/>
-          <a:ext cx="0" cy="0"/>
-          <a:chOff x="0" y="0"/>
-          <a:chExt cx="0" cy="0"/>
-        </a:xfrm>
-      </p:grpSpPr>
-      <p:sp>
-        <p:nvSpPr>
-          <p:cNvPr id="2" name="Title 1">
-            <a:extLst>
-              <a:ext uri="{FF2B5EF4-FFF2-40B4-BE49-F238E27FC236}">
-                <a16:creationId xmlns:a16="http://schemas.microsoft.com/office/drawing/2014/main" id="{2DD4E854-6E07-4C4A-8CE0-2FF8979A0FF9}"/>
-              </a:ext>
-            </a:extLst>
-          </p:cNvPr>
-          <p:cNvSpPr>
-            <a:spLocks noGrp="1"/>
-          </p:cNvSpPr>
-          <p:nvPr>
-            <p:ph type="title"/>
-          </p:nvPr>
-        </p:nvSpPr>
-        <p:spPr/>
-        <p:txBody>
-          <a:bodyPr/>
-          <a:lstStyle/>
-          <a:p>
-            <a:r>
-              <a:rPr lang="en-US" dirty="0"/>
-              <a:t>Future Work</a:t>
-            </a:r>
-          </a:p>
-        </p:txBody>
-      </p:sp>
-      <p:sp>
-        <p:nvSpPr>
-          <p:cNvPr id="3" name="Content Placeholder 2">
-            <a:extLst>
-              <a:ext uri="{FF2B5EF4-FFF2-40B4-BE49-F238E27FC236}">
-                <a16:creationId xmlns:a16="http://schemas.microsoft.com/office/drawing/2014/main" id="{001D9037-CDAB-FB49-93FD-23A6B4ADF8B0}"/>
-              </a:ext>
-            </a:extLst>
-          </p:cNvPr>
-          <p:cNvSpPr>
-            <a:spLocks noGrp="1"/>
-          </p:cNvSpPr>
-          <p:nvPr>
-            <p:ph idx="1"/>
-          </p:nvPr>
-        </p:nvSpPr>
-        <p:spPr/>
-        <p:txBody>
-          <a:bodyPr/>
-          <a:lstStyle/>
-          <a:p>
-            <a:r>
-              <a:rPr lang="en-US" dirty="0"/>
-              <a:t>More scripts</a:t>
-            </a:r>
-          </a:p>
-          <a:p>
-            <a:pPr lvl="1"/>
-            <a:r>
-              <a:rPr lang="en-US" dirty="0"/>
-              <a:t>Only through 2009</a:t>
-            </a:r>
-          </a:p>
-          <a:p>
-            <a:r>
-              <a:rPr lang="en-US" dirty="0"/>
-              <a:t>Determine difference between “music” and “musical” as genres</a:t>
-            </a:r>
-          </a:p>
-          <a:p>
-            <a:r>
-              <a:rPr lang="en-US" dirty="0"/>
-              <a:t>Other rating systems</a:t>
-            </a:r>
-          </a:p>
-          <a:p>
-            <a:pPr lvl="1"/>
-            <a:r>
-              <a:rPr lang="en-US" dirty="0"/>
-              <a:t>Rotten Tomatoes</a:t>
-            </a:r>
-          </a:p>
-          <a:p>
-            <a:pPr lvl="1"/>
-            <a:r>
-              <a:rPr lang="en-US" dirty="0"/>
-              <a:t>Amazon</a:t>
-            </a:r>
-          </a:p>
-        </p:txBody>
-      </p:sp>
-    </p:spTree>
-    <p:extLst>
-      <p:ext uri="{BB962C8B-B14F-4D97-AF65-F5344CB8AC3E}">
-        <p14:creationId xmlns:p14="http://schemas.microsoft.com/office/powerpoint/2010/main" val="2102919503"/>
-      </p:ext>
-    </p:extLst>
-  </p:cSld>
-  <p:clrMapOvr>
-    <a:masterClrMapping/>
-  </p:clrMapOvr>
-</p:sld>
-</file>
-
-<file path=ppt/slides/slide22.xml><?xml version="1.0" encoding="utf-8"?>
-<p:sld xmlns:a="http://schemas.openxmlformats.org/drawingml/2006/main" xmlns:r="http://schemas.openxmlformats.org/officeDocument/2006/relationships" xmlns:p="http://schemas.openxmlformats.org/presentationml/2006/main">
-  <p:cSld>
-    <p:spTree>
-      <p:nvGrpSpPr>
-        <p:cNvPr id="1" name=""/>
-        <p:cNvGrpSpPr/>
-        <p:nvPr/>
-      </p:nvGrpSpPr>
-      <p:grpSpPr>
-        <a:xfrm>
-          <a:off x="0" y="0"/>
-          <a:ext cx="0" cy="0"/>
-          <a:chOff x="0" y="0"/>
-          <a:chExt cx="0" cy="0"/>
-        </a:xfrm>
-      </p:grpSpPr>
-      <p:sp>
-        <p:nvSpPr>
-          <p:cNvPr id="4" name="Title 3">
-            <a:extLst>
-              <a:ext uri="{FF2B5EF4-FFF2-40B4-BE49-F238E27FC236}">
-                <a16:creationId xmlns:a16="http://schemas.microsoft.com/office/drawing/2014/main" id="{9B73AF21-F287-AE41-8891-1FB58036045F}"/>
-              </a:ext>
-            </a:extLst>
-          </p:cNvPr>
-          <p:cNvSpPr>
-            <a:spLocks noGrp="1"/>
-          </p:cNvSpPr>
-          <p:nvPr>
-            <p:ph type="ctrTitle"/>
-          </p:nvPr>
-        </p:nvSpPr>
-        <p:spPr/>
-        <p:txBody>
-          <a:bodyPr/>
-          <a:lstStyle/>
-          <a:p>
-            <a:r>
-              <a:rPr lang="en-US" dirty="0"/>
-              <a:t>Any Questions?</a:t>
-            </a:r>
-          </a:p>
-        </p:txBody>
-      </p:sp>
-      <p:sp>
-        <p:nvSpPr>
-          <p:cNvPr id="5" name="Subtitle 4">
-            <a:extLst>
-              <a:ext uri="{FF2B5EF4-FFF2-40B4-BE49-F238E27FC236}">
-                <a16:creationId xmlns:a16="http://schemas.microsoft.com/office/drawing/2014/main" id="{C65A8301-556D-594B-B180-5AB7408F0A09}"/>
-              </a:ext>
-            </a:extLst>
-          </p:cNvPr>
-          <p:cNvSpPr>
-            <a:spLocks noGrp="1"/>
-          </p:cNvSpPr>
-          <p:nvPr>
-            <p:ph type="subTitle" idx="1"/>
-          </p:nvPr>
-        </p:nvSpPr>
-        <p:spPr/>
-        <p:txBody>
-          <a:bodyPr/>
-          <a:lstStyle/>
-          <a:p>
-            <a:endParaRPr lang="en-US"/>
-          </a:p>
-        </p:txBody>
-      </p:sp>
-    </p:spTree>
-    <p:extLst>
-      <p:ext uri="{BB962C8B-B14F-4D97-AF65-F5344CB8AC3E}">
-        <p14:creationId xmlns:p14="http://schemas.microsoft.com/office/powerpoint/2010/main" val="99585284"/>
-      </p:ext>
-    </p:extLst>
-  </p:cSld>
-  <p:clrMapOvr>
-    <a:masterClrMapping/>
-  </p:clrMapOvr>
-</p:sld>
-</file>
-
-<file path=ppt/slides/slide23.xml><?xml version="1.0" encoding="utf-8"?>
 <p:sld xmlns:a="http://schemas.openxmlformats.org/drawingml/2006/main" xmlns:r="http://schemas.openxmlformats.org/officeDocument/2006/relationships" xmlns:p="http://schemas.openxmlformats.org/presentationml/2006/main">
   <p:cSld>
     <p:spTree>
@@ -6174,7 +9246,7 @@
 </p:sld>
 </file>
 
-<file path=ppt/slides/slide24.xml><?xml version="1.0" encoding="utf-8"?>
+<file path=ppt/slides/slide22.xml><?xml version="1.0" encoding="utf-8"?>
 <p:sld xmlns:a="http://schemas.openxmlformats.org/drawingml/2006/main" xmlns:r="http://schemas.openxmlformats.org/officeDocument/2006/relationships" xmlns:p="http://schemas.openxmlformats.org/presentationml/2006/main">
   <p:cSld>
     <p:spTree>
@@ -6266,7 +9338,7 @@
 </p:sld>
 </file>
 
-<file path=ppt/slides/slide25.xml><?xml version="1.0" encoding="utf-8"?>
+<file path=ppt/slides/slide23.xml><?xml version="1.0" encoding="utf-8"?>
 <p:sld xmlns:a="http://schemas.openxmlformats.org/drawingml/2006/main" xmlns:r="http://schemas.openxmlformats.org/officeDocument/2006/relationships" xmlns:p="http://schemas.openxmlformats.org/presentationml/2006/main">
   <p:cSld>
     <p:spTree>
@@ -6738,7 +9810,7 @@
 </p:sld>
 </file>
 
-<file path=ppt/slides/slide26.xml><?xml version="1.0" encoding="utf-8"?>
+<file path=ppt/slides/slide24.xml><?xml version="1.0" encoding="utf-8"?>
 <p:sld xmlns:a="http://schemas.openxmlformats.org/drawingml/2006/main" xmlns:r="http://schemas.openxmlformats.org/officeDocument/2006/relationships" xmlns:p="http://schemas.openxmlformats.org/presentationml/2006/main">
   <p:cSld>
     <p:spTree>
@@ -7283,63 +10355,38 @@
           <a:chExt cx="0" cy="0"/>
         </a:xfrm>
       </p:grpSpPr>
-      <p:sp>
-        <p:nvSpPr>
-          <p:cNvPr id="2" name="Title 1">
+      <p:graphicFrame>
+        <p:nvGraphicFramePr>
+          <p:cNvPr id="2" name="Diagram 1">
             <a:extLst>
               <a:ext uri="{FF2B5EF4-FFF2-40B4-BE49-F238E27FC236}">
-                <a16:creationId xmlns:a16="http://schemas.microsoft.com/office/drawing/2014/main" id="{28502D38-E3E1-EE48-A875-5F29181B1652}"/>
+                <a16:creationId xmlns:a16="http://schemas.microsoft.com/office/drawing/2014/main" id="{549B3635-3C5F-1743-8031-34F52CB2746F}"/>
               </a:ext>
             </a:extLst>
           </p:cNvPr>
-          <p:cNvSpPr>
-            <a:spLocks noGrp="1"/>
-          </p:cNvSpPr>
-          <p:nvPr>
-            <p:ph type="ctrTitle"/>
-          </p:nvPr>
-        </p:nvSpPr>
-        <p:spPr/>
-        <p:txBody>
-          <a:bodyPr/>
-          <a:lstStyle/>
-          <a:p>
-            <a:r>
-              <a:rPr lang="en-US" dirty="0"/>
-              <a:t>Finding Scripts</a:t>
-            </a:r>
-          </a:p>
-        </p:txBody>
-      </p:sp>
-      <p:sp>
-        <p:nvSpPr>
-          <p:cNvPr id="4" name="Subtitle 3">
-            <a:extLst>
-              <a:ext uri="{FF2B5EF4-FFF2-40B4-BE49-F238E27FC236}">
-                <a16:creationId xmlns:a16="http://schemas.microsoft.com/office/drawing/2014/main" id="{401BD177-15E2-3946-BE8D-89A0C1112F1B}"/>
-              </a:ext>
-            </a:extLst>
-          </p:cNvPr>
-          <p:cNvSpPr>
-            <a:spLocks noGrp="1"/>
-          </p:cNvSpPr>
-          <p:nvPr>
-            <p:ph type="subTitle" idx="1"/>
-          </p:nvPr>
-        </p:nvSpPr>
-        <p:spPr/>
-        <p:txBody>
-          <a:bodyPr/>
-          <a:lstStyle/>
-          <a:p>
-            <a:endParaRPr lang="en-US"/>
-          </a:p>
-        </p:txBody>
-      </p:sp>
+          <p:cNvGraphicFramePr/>
+          <p:nvPr>
+            <p:extLst>
+              <p:ext uri="{D42A27DB-BD31-4B8C-83A1-F6EECF244321}">
+                <p14:modId xmlns:p14="http://schemas.microsoft.com/office/powerpoint/2010/main" val="2763171874"/>
+              </p:ext>
+            </p:extLst>
+          </p:nvPr>
+        </p:nvGraphicFramePr>
+        <p:xfrm>
+          <a:off x="2032000" y="719666"/>
+          <a:ext cx="8128000" cy="5418667"/>
+        </p:xfrm>
+        <a:graphic>
+          <a:graphicData uri="http://schemas.openxmlformats.org/drawingml/2006/diagram">
+            <dgm:relIds xmlns:dgm="http://schemas.openxmlformats.org/drawingml/2006/diagram" xmlns:r="http://schemas.openxmlformats.org/officeDocument/2006/relationships" r:dm="rId2" r:lo="rId3" r:qs="rId4" r:cs="rId5"/>
+          </a:graphicData>
+        </a:graphic>
+      </p:graphicFrame>
     </p:spTree>
     <p:extLst>
       <p:ext uri="{BB962C8B-B14F-4D97-AF65-F5344CB8AC3E}">
-        <p14:creationId xmlns:p14="http://schemas.microsoft.com/office/powerpoint/2010/main" val="2150809611"/>
+        <p14:creationId xmlns:p14="http://schemas.microsoft.com/office/powerpoint/2010/main" val="2791169560"/>
       </p:ext>
     </p:extLst>
   </p:cSld>
@@ -7368,1150 +10415,125 @@
       </p:grpSpPr>
       <p:sp>
         <p:nvSpPr>
-          <p:cNvPr id="5" name="Oval 4">
+          <p:cNvPr id="2" name="Title 1">
             <a:extLst>
               <a:ext uri="{FF2B5EF4-FFF2-40B4-BE49-F238E27FC236}">
-                <a16:creationId xmlns:a16="http://schemas.microsoft.com/office/drawing/2014/main" id="{1002C402-889D-A244-AAC9-B4653C867967}"/>
+                <a16:creationId xmlns:a16="http://schemas.microsoft.com/office/drawing/2014/main" id="{E63E1807-02C6-7744-BD5A-CD77258E600C}"/>
               </a:ext>
             </a:extLst>
           </p:cNvPr>
-          <p:cNvSpPr/>
-          <p:nvPr/>
-        </p:nvSpPr>
-        <p:spPr>
-          <a:xfrm>
-            <a:off x="515745" y="772139"/>
-            <a:ext cx="2180358" cy="1600200"/>
-          </a:xfrm>
-          <a:prstGeom prst="ellipse">
-            <a:avLst/>
-          </a:prstGeom>
-          <a:noFill/>
-          <a:ln w="38100"/>
-        </p:spPr>
-        <p:style>
-          <a:lnRef idx="2">
-            <a:schemeClr val="accent1">
-              <a:shade val="50000"/>
-            </a:schemeClr>
-          </a:lnRef>
-          <a:fillRef idx="1">
-            <a:schemeClr val="accent1"/>
-          </a:fillRef>
-          <a:effectRef idx="0">
-            <a:schemeClr val="accent1"/>
-          </a:effectRef>
-          <a:fontRef idx="minor">
-            <a:schemeClr val="lt1"/>
-          </a:fontRef>
-        </p:style>
-        <p:txBody>
-          <a:bodyPr rtlCol="0" anchor="ctr"/>
+          <p:cNvSpPr>
+            <a:spLocks noGrp="1"/>
+          </p:cNvSpPr>
+          <p:nvPr>
+            <p:ph type="title"/>
+          </p:nvPr>
+        </p:nvSpPr>
+        <p:spPr/>
+        <p:txBody>
+          <a:bodyPr/>
           <a:lstStyle/>
           <a:p>
-            <a:pPr algn="ctr"/>
-            <a:endParaRPr lang="en-US"/>
-          </a:p>
-        </p:txBody>
-      </p:sp>
-      <p:sp>
-        <p:nvSpPr>
-          <p:cNvPr id="6" name="TextBox 5">
+            <a:r>
+              <a:rPr lang="en-US" dirty="0"/>
+              <a:t>Finding Scripts</a:t>
+            </a:r>
+          </a:p>
+        </p:txBody>
+      </p:sp>
+      <p:sp>
+        <p:nvSpPr>
+          <p:cNvPr id="3" name="Content Placeholder 2">
             <a:extLst>
               <a:ext uri="{FF2B5EF4-FFF2-40B4-BE49-F238E27FC236}">
-                <a16:creationId xmlns:a16="http://schemas.microsoft.com/office/drawing/2014/main" id="{D06FDD99-0BCF-B94A-82D5-35444FC25FD6}"/>
+                <a16:creationId xmlns:a16="http://schemas.microsoft.com/office/drawing/2014/main" id="{37D29041-DAD0-9148-B8B9-C806E4ACCCA4}"/>
               </a:ext>
             </a:extLst>
           </p:cNvPr>
-          <p:cNvSpPr txBox="1"/>
-          <p:nvPr/>
-        </p:nvSpPr>
-        <p:spPr>
-          <a:xfrm>
-            <a:off x="774983" y="1110574"/>
-            <a:ext cx="1861900" cy="923330"/>
-          </a:xfrm>
-          <a:prstGeom prst="rect">
-            <a:avLst/>
-          </a:prstGeom>
-          <a:noFill/>
-        </p:spPr>
-        <p:txBody>
-          <a:bodyPr wrap="square" rtlCol="0">
-            <a:spAutoFit/>
-          </a:bodyPr>
+          <p:cNvSpPr>
+            <a:spLocks noGrp="1"/>
+          </p:cNvSpPr>
+          <p:nvPr>
+            <p:ph idx="1"/>
+          </p:nvPr>
+        </p:nvSpPr>
+        <p:spPr/>
+        <p:txBody>
+          <a:bodyPr/>
           <a:lstStyle/>
           <a:p>
             <a:r>
+              <a:rPr lang="en-US" dirty="0" err="1"/>
+              <a:t>Simplyscripts.com</a:t>
+            </a:r>
+            <a:endParaRPr lang="en-US" dirty="0"/>
+          </a:p>
+          <a:p>
+            <a:pPr lvl="1"/>
+            <a:r>
               <a:rPr lang="en-US" dirty="0"/>
-              <a:t>Find published scripts on </a:t>
+              <a:t>Links to other websites with the scripts</a:t>
+            </a:r>
+          </a:p>
+          <a:p>
+            <a:r>
+              <a:rPr lang="en-US" dirty="0"/>
+              <a:t>Download scripts</a:t>
+            </a:r>
+          </a:p>
+          <a:p>
+            <a:pPr lvl="1"/>
+            <a:r>
+              <a:rPr lang="en-US" dirty="0"/>
+              <a:t>Beautiful Soup</a:t>
+            </a:r>
+          </a:p>
+          <a:p>
+            <a:r>
+              <a:rPr lang="en-US" dirty="0"/>
+              <a:t>Clean files</a:t>
+            </a:r>
+          </a:p>
+          <a:p>
+            <a:pPr lvl="1"/>
+            <a:r>
+              <a:rPr lang="en-US" dirty="0"/>
+              <a:t>Files were not all scripts</a:t>
+            </a:r>
+          </a:p>
+          <a:p>
+            <a:r>
+              <a:rPr lang="en-US" dirty="0"/>
+              <a:t>Convert scripts to text files</a:t>
+            </a:r>
+          </a:p>
+          <a:p>
+            <a:pPr lvl="1"/>
+            <a:r>
+              <a:rPr lang="en-US" dirty="0"/>
+              <a:t>In HTML, pdf, and .txt format</a:t>
+            </a:r>
+          </a:p>
+          <a:p>
+            <a:r>
+              <a:rPr lang="en-US" dirty="0"/>
+              <a:t>Read into Pandas </a:t>
             </a:r>
             <a:r>
               <a:rPr lang="en-US" dirty="0" err="1"/>
-              <a:t>simplyscripts.com</a:t>
+              <a:t>dataframe</a:t>
             </a:r>
             <a:endParaRPr lang="en-US" dirty="0"/>
           </a:p>
-        </p:txBody>
-      </p:sp>
-      <p:sp>
-        <p:nvSpPr>
-          <p:cNvPr id="7" name="Rectangle 6">
-            <a:extLst>
-              <a:ext uri="{FF2B5EF4-FFF2-40B4-BE49-F238E27FC236}">
-                <a16:creationId xmlns:a16="http://schemas.microsoft.com/office/drawing/2014/main" id="{BB930BB7-D7F7-AF4E-9F58-160D1DAE0E23}"/>
-              </a:ext>
-            </a:extLst>
-          </p:cNvPr>
-          <p:cNvSpPr/>
-          <p:nvPr/>
-        </p:nvSpPr>
-        <p:spPr>
-          <a:xfrm>
-            <a:off x="3318363" y="816100"/>
-            <a:ext cx="2579876" cy="1512277"/>
-          </a:xfrm>
-          <a:prstGeom prst="rect">
-            <a:avLst/>
-          </a:prstGeom>
-          <a:noFill/>
-          <a:ln w="38100"/>
-        </p:spPr>
-        <p:style>
-          <a:lnRef idx="2">
-            <a:schemeClr val="accent1">
-              <a:shade val="50000"/>
-            </a:schemeClr>
-          </a:lnRef>
-          <a:fillRef idx="1">
-            <a:schemeClr val="accent1"/>
-          </a:fillRef>
-          <a:effectRef idx="0">
-            <a:schemeClr val="accent1"/>
-          </a:effectRef>
-          <a:fontRef idx="minor">
-            <a:schemeClr val="lt1"/>
-          </a:fontRef>
-        </p:style>
-        <p:txBody>
-          <a:bodyPr rtlCol="0" anchor="ctr"/>
-          <a:lstStyle/>
-          <a:p>
-            <a:pPr algn="ctr"/>
-            <a:endParaRPr lang="en-US"/>
-          </a:p>
-        </p:txBody>
-      </p:sp>
-      <p:sp>
-        <p:nvSpPr>
-          <p:cNvPr id="8" name="TextBox 7">
-            <a:extLst>
-              <a:ext uri="{FF2B5EF4-FFF2-40B4-BE49-F238E27FC236}">
-                <a16:creationId xmlns:a16="http://schemas.microsoft.com/office/drawing/2014/main" id="{F7AF3FEE-83F5-B44D-A25B-E952DB322F52}"/>
-              </a:ext>
-            </a:extLst>
-          </p:cNvPr>
-          <p:cNvSpPr txBox="1"/>
-          <p:nvPr/>
-        </p:nvSpPr>
-        <p:spPr>
-          <a:xfrm>
-            <a:off x="3696732" y="1016035"/>
-            <a:ext cx="1683328" cy="1200329"/>
-          </a:xfrm>
-          <a:prstGeom prst="rect">
-            <a:avLst/>
-          </a:prstGeom>
-          <a:noFill/>
-        </p:spPr>
-        <p:txBody>
-          <a:bodyPr wrap="square" rtlCol="0">
-            <a:spAutoFit/>
-          </a:bodyPr>
-          <a:lstStyle/>
-          <a:p>
-            <a:r>
-              <a:rPr lang="en-US" dirty="0"/>
-              <a:t>Write function using Beautiful Soup to open links on website</a:t>
-            </a:r>
-          </a:p>
-        </p:txBody>
-      </p:sp>
-      <p:sp>
-        <p:nvSpPr>
-          <p:cNvPr id="10" name="TextBox 9">
-            <a:extLst>
-              <a:ext uri="{FF2B5EF4-FFF2-40B4-BE49-F238E27FC236}">
-                <a16:creationId xmlns:a16="http://schemas.microsoft.com/office/drawing/2014/main" id="{A81F951C-28CB-274A-9C4C-26CBAA29B5C4}"/>
-              </a:ext>
-            </a:extLst>
-          </p:cNvPr>
-          <p:cNvSpPr txBox="1"/>
-          <p:nvPr/>
-        </p:nvSpPr>
-        <p:spPr>
-          <a:xfrm>
-            <a:off x="937399" y="3363734"/>
-            <a:ext cx="1487010" cy="369332"/>
-          </a:xfrm>
-          <a:prstGeom prst="rect">
-            <a:avLst/>
-          </a:prstGeom>
-          <a:noFill/>
-        </p:spPr>
-        <p:txBody>
-          <a:bodyPr wrap="none" rtlCol="0">
-            <a:spAutoFit/>
-          </a:bodyPr>
-          <a:lstStyle/>
-          <a:p>
-            <a:r>
-              <a:rPr lang="en-US" dirty="0"/>
-              <a:t>Download file</a:t>
-            </a:r>
-          </a:p>
-        </p:txBody>
-      </p:sp>
-      <p:cxnSp>
-        <p:nvCxnSpPr>
-          <p:cNvPr id="15" name="Straight Arrow Connector 14">
-            <a:extLst>
-              <a:ext uri="{FF2B5EF4-FFF2-40B4-BE49-F238E27FC236}">
-                <a16:creationId xmlns:a16="http://schemas.microsoft.com/office/drawing/2014/main" id="{6A9A2DC3-FD86-184F-9438-09AC993396E2}"/>
-              </a:ext>
-            </a:extLst>
-          </p:cNvPr>
-          <p:cNvCxnSpPr>
-            <a:cxnSpLocks/>
-            <a:stCxn id="5" idx="6"/>
-            <a:endCxn id="7" idx="1"/>
-          </p:cNvCxnSpPr>
-          <p:nvPr/>
-        </p:nvCxnSpPr>
-        <p:spPr>
-          <a:xfrm>
-            <a:off x="2696103" y="1572239"/>
-            <a:ext cx="622260" cy="0"/>
-          </a:xfrm>
-          <a:prstGeom prst="straightConnector1">
-            <a:avLst/>
-          </a:prstGeom>
-          <a:ln w="25400">
-            <a:tailEnd type="triangle"/>
-          </a:ln>
-        </p:spPr>
-        <p:style>
-          <a:lnRef idx="1">
-            <a:schemeClr val="accent1"/>
-          </a:lnRef>
-          <a:fillRef idx="0">
-            <a:schemeClr val="accent1"/>
-          </a:fillRef>
-          <a:effectRef idx="0">
-            <a:schemeClr val="accent1"/>
-          </a:effectRef>
-          <a:fontRef idx="minor">
-            <a:schemeClr val="tx1"/>
-          </a:fontRef>
-        </p:style>
-      </p:cxnSp>
-      <p:sp>
-        <p:nvSpPr>
-          <p:cNvPr id="16" name="Diamond 15">
-            <a:extLst>
-              <a:ext uri="{FF2B5EF4-FFF2-40B4-BE49-F238E27FC236}">
-                <a16:creationId xmlns:a16="http://schemas.microsoft.com/office/drawing/2014/main" id="{A55EC25B-8972-DB44-95FF-A88B86CEBCF6}"/>
-              </a:ext>
-            </a:extLst>
-          </p:cNvPr>
-          <p:cNvSpPr/>
-          <p:nvPr/>
-        </p:nvSpPr>
-        <p:spPr>
-          <a:xfrm>
-            <a:off x="6439759" y="772139"/>
-            <a:ext cx="2834399" cy="1600200"/>
-          </a:xfrm>
-          <a:prstGeom prst="diamond">
-            <a:avLst/>
-          </a:prstGeom>
-          <a:noFill/>
-          <a:ln w="38100"/>
-        </p:spPr>
-        <p:style>
-          <a:lnRef idx="2">
-            <a:schemeClr val="accent1">
-              <a:shade val="50000"/>
-            </a:schemeClr>
-          </a:lnRef>
-          <a:fillRef idx="1">
-            <a:schemeClr val="accent1"/>
-          </a:fillRef>
-          <a:effectRef idx="0">
-            <a:schemeClr val="accent1"/>
-          </a:effectRef>
-          <a:fontRef idx="minor">
-            <a:schemeClr val="lt1"/>
-          </a:fontRef>
-        </p:style>
-        <p:txBody>
-          <a:bodyPr rtlCol="0" anchor="ctr"/>
-          <a:lstStyle/>
-          <a:p>
-            <a:pPr algn="ctr"/>
-            <a:endParaRPr lang="en-US"/>
-          </a:p>
-        </p:txBody>
-      </p:sp>
-      <p:sp>
-        <p:nvSpPr>
-          <p:cNvPr id="17" name="TextBox 16">
-            <a:extLst>
-              <a:ext uri="{FF2B5EF4-FFF2-40B4-BE49-F238E27FC236}">
-                <a16:creationId xmlns:a16="http://schemas.microsoft.com/office/drawing/2014/main" id="{A73F3024-8047-164E-96F0-521F68959C35}"/>
-              </a:ext>
-            </a:extLst>
-          </p:cNvPr>
-          <p:cNvSpPr txBox="1"/>
-          <p:nvPr/>
-        </p:nvSpPr>
-        <p:spPr>
-          <a:xfrm>
-            <a:off x="7311577" y="1387573"/>
-            <a:ext cx="1350050" cy="369332"/>
-          </a:xfrm>
-          <a:prstGeom prst="rect">
-            <a:avLst/>
-          </a:prstGeom>
-          <a:noFill/>
-        </p:spPr>
-        <p:txBody>
-          <a:bodyPr wrap="none" rtlCol="0">
-            <a:spAutoFit/>
-          </a:bodyPr>
-          <a:lstStyle/>
-          <a:p>
-            <a:r>
-              <a:rPr lang="en-US" dirty="0"/>
-              <a:t>Is link good?</a:t>
-            </a:r>
-          </a:p>
-        </p:txBody>
-      </p:sp>
-      <p:cxnSp>
-        <p:nvCxnSpPr>
-          <p:cNvPr id="24" name="Straight Arrow Connector 23">
-            <a:extLst>
-              <a:ext uri="{FF2B5EF4-FFF2-40B4-BE49-F238E27FC236}">
-                <a16:creationId xmlns:a16="http://schemas.microsoft.com/office/drawing/2014/main" id="{4C014CFD-F0F5-E446-B777-0F44C4800437}"/>
-              </a:ext>
-            </a:extLst>
-          </p:cNvPr>
-          <p:cNvCxnSpPr>
-            <a:stCxn id="7" idx="3"/>
-            <a:endCxn id="16" idx="1"/>
-          </p:cNvCxnSpPr>
-          <p:nvPr/>
-        </p:nvCxnSpPr>
-        <p:spPr>
-          <a:xfrm>
-            <a:off x="5898239" y="1572239"/>
-            <a:ext cx="541520" cy="0"/>
-          </a:xfrm>
-          <a:prstGeom prst="straightConnector1">
-            <a:avLst/>
-          </a:prstGeom>
-          <a:ln w="25400">
-            <a:tailEnd type="triangle"/>
-          </a:ln>
-        </p:spPr>
-        <p:style>
-          <a:lnRef idx="1">
-            <a:schemeClr val="accent1"/>
-          </a:lnRef>
-          <a:fillRef idx="0">
-            <a:schemeClr val="accent1"/>
-          </a:fillRef>
-          <a:effectRef idx="0">
-            <a:schemeClr val="accent1"/>
-          </a:effectRef>
-          <a:fontRef idx="minor">
-            <a:schemeClr val="tx1"/>
-          </a:fontRef>
-        </p:style>
-      </p:cxnSp>
-      <p:cxnSp>
-        <p:nvCxnSpPr>
-          <p:cNvPr id="26" name="Straight Arrow Connector 25">
-            <a:extLst>
-              <a:ext uri="{FF2B5EF4-FFF2-40B4-BE49-F238E27FC236}">
-                <a16:creationId xmlns:a16="http://schemas.microsoft.com/office/drawing/2014/main" id="{51AE79A5-71BE-1A46-8B5C-FC20A606087B}"/>
-              </a:ext>
-            </a:extLst>
-          </p:cNvPr>
-          <p:cNvCxnSpPr>
-            <a:cxnSpLocks/>
-            <a:stCxn id="16" idx="3"/>
-          </p:cNvCxnSpPr>
-          <p:nvPr/>
-        </p:nvCxnSpPr>
-        <p:spPr>
-          <a:xfrm>
-            <a:off x="9274158" y="1572239"/>
-            <a:ext cx="622318" cy="0"/>
-          </a:xfrm>
-          <a:prstGeom prst="straightConnector1">
-            <a:avLst/>
-          </a:prstGeom>
-          <a:ln>
-            <a:tailEnd type="triangle"/>
-          </a:ln>
-        </p:spPr>
-        <p:style>
-          <a:lnRef idx="1">
-            <a:schemeClr val="accent1"/>
-          </a:lnRef>
-          <a:fillRef idx="0">
-            <a:schemeClr val="accent1"/>
-          </a:fillRef>
-          <a:effectRef idx="0">
-            <a:schemeClr val="accent1"/>
-          </a:effectRef>
-          <a:fontRef idx="minor">
-            <a:schemeClr val="tx1"/>
-          </a:fontRef>
-        </p:style>
-      </p:cxnSp>
-      <p:sp>
-        <p:nvSpPr>
-          <p:cNvPr id="27" name="Oval 26">
-            <a:extLst>
-              <a:ext uri="{FF2B5EF4-FFF2-40B4-BE49-F238E27FC236}">
-                <a16:creationId xmlns:a16="http://schemas.microsoft.com/office/drawing/2014/main" id="{97945A58-515D-BD4D-8702-00972F9A5766}"/>
-              </a:ext>
-            </a:extLst>
-          </p:cNvPr>
-          <p:cNvSpPr/>
-          <p:nvPr/>
-        </p:nvSpPr>
-        <p:spPr>
-          <a:xfrm>
-            <a:off x="9896476" y="720984"/>
-            <a:ext cx="2180358" cy="1600200"/>
-          </a:xfrm>
-          <a:prstGeom prst="ellipse">
-            <a:avLst/>
-          </a:prstGeom>
-          <a:noFill/>
-          <a:ln w="38100"/>
-        </p:spPr>
-        <p:style>
-          <a:lnRef idx="2">
-            <a:schemeClr val="accent1">
-              <a:shade val="50000"/>
-            </a:schemeClr>
-          </a:lnRef>
-          <a:fillRef idx="1">
-            <a:schemeClr val="accent1"/>
-          </a:fillRef>
-          <a:effectRef idx="0">
-            <a:schemeClr val="accent1"/>
-          </a:effectRef>
-          <a:fontRef idx="minor">
-            <a:schemeClr val="lt1"/>
-          </a:fontRef>
-        </p:style>
-        <p:txBody>
-          <a:bodyPr rtlCol="0" anchor="ctr"/>
-          <a:lstStyle/>
-          <a:p>
-            <a:pPr algn="ctr"/>
-            <a:endParaRPr lang="en-US"/>
-          </a:p>
-        </p:txBody>
-      </p:sp>
-      <p:sp>
-        <p:nvSpPr>
-          <p:cNvPr id="29" name="TextBox 28">
-            <a:extLst>
-              <a:ext uri="{FF2B5EF4-FFF2-40B4-BE49-F238E27FC236}">
-                <a16:creationId xmlns:a16="http://schemas.microsoft.com/office/drawing/2014/main" id="{F1114CEB-4C24-CC42-8CD0-42C37889C948}"/>
-              </a:ext>
-            </a:extLst>
-          </p:cNvPr>
-          <p:cNvSpPr txBox="1"/>
-          <p:nvPr/>
-        </p:nvSpPr>
-        <p:spPr>
-          <a:xfrm>
-            <a:off x="10462911" y="1387573"/>
-            <a:ext cx="954107" cy="369332"/>
-          </a:xfrm>
-          <a:prstGeom prst="rect">
-            <a:avLst/>
-          </a:prstGeom>
-          <a:noFill/>
-        </p:spPr>
-        <p:txBody>
-          <a:bodyPr wrap="none" rtlCol="0">
-            <a:spAutoFit/>
-          </a:bodyPr>
-          <a:lstStyle/>
-          <a:p>
-            <a:r>
-              <a:rPr lang="en-US" dirty="0"/>
-              <a:t>Skip link</a:t>
-            </a:r>
-          </a:p>
-        </p:txBody>
-      </p:sp>
-      <p:sp>
-        <p:nvSpPr>
-          <p:cNvPr id="30" name="TextBox 29">
-            <a:extLst>
-              <a:ext uri="{FF2B5EF4-FFF2-40B4-BE49-F238E27FC236}">
-                <a16:creationId xmlns:a16="http://schemas.microsoft.com/office/drawing/2014/main" id="{FE03793E-CF33-0248-ACAE-55E3A44007E3}"/>
-              </a:ext>
-            </a:extLst>
-          </p:cNvPr>
-          <p:cNvSpPr txBox="1"/>
-          <p:nvPr/>
-        </p:nvSpPr>
-        <p:spPr>
-          <a:xfrm>
-            <a:off x="9351226" y="1387573"/>
-            <a:ext cx="486030" cy="369332"/>
-          </a:xfrm>
-          <a:prstGeom prst="rect">
-            <a:avLst/>
-          </a:prstGeom>
-          <a:solidFill>
-            <a:schemeClr val="bg1"/>
-          </a:solidFill>
-        </p:spPr>
-        <p:txBody>
-          <a:bodyPr wrap="none" rtlCol="0">
-            <a:spAutoFit/>
-          </a:bodyPr>
-          <a:lstStyle/>
-          <a:p>
-            <a:r>
-              <a:rPr lang="en-US" dirty="0"/>
-              <a:t>NO</a:t>
-            </a:r>
-          </a:p>
-        </p:txBody>
-      </p:sp>
-      <p:cxnSp>
-        <p:nvCxnSpPr>
-          <p:cNvPr id="32" name="Elbow Connector 31">
-            <a:extLst>
-              <a:ext uri="{FF2B5EF4-FFF2-40B4-BE49-F238E27FC236}">
-                <a16:creationId xmlns:a16="http://schemas.microsoft.com/office/drawing/2014/main" id="{2534062B-4FB0-254D-B218-2C42F5BC4C41}"/>
-              </a:ext>
-            </a:extLst>
-          </p:cNvPr>
-          <p:cNvCxnSpPr>
-            <a:cxnSpLocks/>
-            <a:stCxn id="16" idx="2"/>
-            <a:endCxn id="35" idx="0"/>
-          </p:cNvCxnSpPr>
-          <p:nvPr/>
-        </p:nvCxnSpPr>
-        <p:spPr>
-          <a:xfrm rot="5400000">
-            <a:off x="4569891" y="-354103"/>
-            <a:ext cx="560627" cy="6013510"/>
-          </a:xfrm>
-          <a:prstGeom prst="bentConnector3">
-            <a:avLst/>
-          </a:prstGeom>
-          <a:ln w="25400">
-            <a:tailEnd type="triangle"/>
-          </a:ln>
-        </p:spPr>
-        <p:style>
-          <a:lnRef idx="1">
-            <a:schemeClr val="accent1"/>
-          </a:lnRef>
-          <a:fillRef idx="0">
-            <a:schemeClr val="accent1"/>
-          </a:fillRef>
-          <a:effectRef idx="0">
-            <a:schemeClr val="accent1"/>
-          </a:effectRef>
-          <a:fontRef idx="minor">
-            <a:schemeClr val="tx1"/>
-          </a:fontRef>
-        </p:style>
-      </p:cxnSp>
-      <p:sp>
-        <p:nvSpPr>
-          <p:cNvPr id="33" name="TextBox 32">
-            <a:extLst>
-              <a:ext uri="{FF2B5EF4-FFF2-40B4-BE49-F238E27FC236}">
-                <a16:creationId xmlns:a16="http://schemas.microsoft.com/office/drawing/2014/main" id="{40617F38-08FF-AF4B-BA9E-0B44D2F1B6E8}"/>
-              </a:ext>
-            </a:extLst>
-          </p:cNvPr>
-          <p:cNvSpPr txBox="1"/>
-          <p:nvPr/>
-        </p:nvSpPr>
-        <p:spPr>
-          <a:xfrm>
-            <a:off x="4850204" y="2472732"/>
-            <a:ext cx="512641" cy="369332"/>
-          </a:xfrm>
-          <a:prstGeom prst="rect">
-            <a:avLst/>
-          </a:prstGeom>
-          <a:solidFill>
-            <a:schemeClr val="bg1"/>
-          </a:solidFill>
-        </p:spPr>
-        <p:txBody>
-          <a:bodyPr wrap="none" rtlCol="0">
-            <a:spAutoFit/>
-          </a:bodyPr>
-          <a:lstStyle/>
-          <a:p>
-            <a:r>
-              <a:rPr lang="en-US" dirty="0"/>
-              <a:t>YES</a:t>
-            </a:r>
-          </a:p>
-        </p:txBody>
-      </p:sp>
-      <p:sp>
-        <p:nvSpPr>
-          <p:cNvPr id="35" name="Rectangle 34">
-            <a:extLst>
-              <a:ext uri="{FF2B5EF4-FFF2-40B4-BE49-F238E27FC236}">
-                <a16:creationId xmlns:a16="http://schemas.microsoft.com/office/drawing/2014/main" id="{5D8A72A3-99A8-FF42-8347-6A6ADAEBA718}"/>
-              </a:ext>
-            </a:extLst>
-          </p:cNvPr>
-          <p:cNvSpPr/>
-          <p:nvPr/>
-        </p:nvSpPr>
-        <p:spPr>
-          <a:xfrm>
-            <a:off x="553511" y="2932966"/>
-            <a:ext cx="2579876" cy="1512277"/>
-          </a:xfrm>
-          <a:prstGeom prst="rect">
-            <a:avLst/>
-          </a:prstGeom>
-          <a:noFill/>
-          <a:ln w="38100"/>
-        </p:spPr>
-        <p:style>
-          <a:lnRef idx="2">
-            <a:schemeClr val="accent1">
-              <a:shade val="50000"/>
-            </a:schemeClr>
-          </a:lnRef>
-          <a:fillRef idx="1">
-            <a:schemeClr val="accent1"/>
-          </a:fillRef>
-          <a:effectRef idx="0">
-            <a:schemeClr val="accent1"/>
-          </a:effectRef>
-          <a:fontRef idx="minor">
-            <a:schemeClr val="lt1"/>
-          </a:fontRef>
-        </p:style>
-        <p:txBody>
-          <a:bodyPr rtlCol="0" anchor="ctr"/>
-          <a:lstStyle/>
-          <a:p>
-            <a:pPr algn="ctr"/>
-            <a:endParaRPr lang="en-US"/>
-          </a:p>
-        </p:txBody>
-      </p:sp>
-      <p:sp>
-        <p:nvSpPr>
-          <p:cNvPr id="36" name="Diamond 35">
-            <a:extLst>
-              <a:ext uri="{FF2B5EF4-FFF2-40B4-BE49-F238E27FC236}">
-                <a16:creationId xmlns:a16="http://schemas.microsoft.com/office/drawing/2014/main" id="{E4B88E52-FDC9-F543-ADE3-A7E12A56D018}"/>
-              </a:ext>
-            </a:extLst>
-          </p:cNvPr>
-          <p:cNvSpPr/>
-          <p:nvPr/>
-        </p:nvSpPr>
-        <p:spPr>
-          <a:xfrm>
-            <a:off x="3636423" y="2909950"/>
-            <a:ext cx="2834399" cy="1600200"/>
-          </a:xfrm>
-          <a:prstGeom prst="diamond">
-            <a:avLst/>
-          </a:prstGeom>
-          <a:noFill/>
-          <a:ln w="38100"/>
-        </p:spPr>
-        <p:style>
-          <a:lnRef idx="2">
-            <a:schemeClr val="accent1">
-              <a:shade val="50000"/>
-            </a:schemeClr>
-          </a:lnRef>
-          <a:fillRef idx="1">
-            <a:schemeClr val="accent1"/>
-          </a:fillRef>
-          <a:effectRef idx="0">
-            <a:schemeClr val="accent1"/>
-          </a:effectRef>
-          <a:fontRef idx="minor">
-            <a:schemeClr val="lt1"/>
-          </a:fontRef>
-        </p:style>
-        <p:txBody>
-          <a:bodyPr rtlCol="0" anchor="ctr"/>
-          <a:lstStyle/>
-          <a:p>
-            <a:pPr algn="ctr"/>
-            <a:endParaRPr lang="en-US"/>
-          </a:p>
-        </p:txBody>
-      </p:sp>
-      <p:sp>
-        <p:nvSpPr>
-          <p:cNvPr id="37" name="TextBox 36">
-            <a:extLst>
-              <a:ext uri="{FF2B5EF4-FFF2-40B4-BE49-F238E27FC236}">
-                <a16:creationId xmlns:a16="http://schemas.microsoft.com/office/drawing/2014/main" id="{2BDFFA84-FA8B-074A-A392-6A9295411B7C}"/>
-              </a:ext>
-            </a:extLst>
-          </p:cNvPr>
-          <p:cNvSpPr txBox="1"/>
-          <p:nvPr/>
-        </p:nvSpPr>
-        <p:spPr>
-          <a:xfrm>
-            <a:off x="4221742" y="3504438"/>
-            <a:ext cx="1518942" cy="369332"/>
-          </a:xfrm>
-          <a:prstGeom prst="rect">
-            <a:avLst/>
-          </a:prstGeom>
-          <a:noFill/>
-        </p:spPr>
-        <p:txBody>
-          <a:bodyPr wrap="none" rtlCol="0">
-            <a:spAutoFit/>
-          </a:bodyPr>
-          <a:lstStyle/>
-          <a:p>
-            <a:r>
-              <a:rPr lang="en-US" dirty="0"/>
-              <a:t>Is file a script?</a:t>
-            </a:r>
-          </a:p>
-        </p:txBody>
-      </p:sp>
-      <p:cxnSp>
-        <p:nvCxnSpPr>
-          <p:cNvPr id="39" name="Straight Arrow Connector 38">
-            <a:extLst>
-              <a:ext uri="{FF2B5EF4-FFF2-40B4-BE49-F238E27FC236}">
-                <a16:creationId xmlns:a16="http://schemas.microsoft.com/office/drawing/2014/main" id="{29039E5C-2984-B147-B664-CFC24E0C82A6}"/>
-              </a:ext>
-            </a:extLst>
-          </p:cNvPr>
-          <p:cNvCxnSpPr>
-            <a:stCxn id="35" idx="3"/>
-          </p:cNvCxnSpPr>
-          <p:nvPr/>
-        </p:nvCxnSpPr>
-        <p:spPr>
-          <a:xfrm flipV="1">
-            <a:off x="3133387" y="3689104"/>
-            <a:ext cx="503036" cy="1"/>
-          </a:xfrm>
-          <a:prstGeom prst="straightConnector1">
-            <a:avLst/>
-          </a:prstGeom>
-          <a:ln w="25400">
-            <a:tailEnd type="triangle"/>
-          </a:ln>
-        </p:spPr>
-        <p:style>
-          <a:lnRef idx="1">
-            <a:schemeClr val="accent1"/>
-          </a:lnRef>
-          <a:fillRef idx="0">
-            <a:schemeClr val="accent1"/>
-          </a:fillRef>
-          <a:effectRef idx="0">
-            <a:schemeClr val="accent1"/>
-          </a:effectRef>
-          <a:fontRef idx="minor">
-            <a:schemeClr val="tx1"/>
-          </a:fontRef>
-        </p:style>
-      </p:cxnSp>
-      <p:sp>
-        <p:nvSpPr>
-          <p:cNvPr id="40" name="Oval 39">
-            <a:extLst>
-              <a:ext uri="{FF2B5EF4-FFF2-40B4-BE49-F238E27FC236}">
-                <a16:creationId xmlns:a16="http://schemas.microsoft.com/office/drawing/2014/main" id="{01441A55-4C00-224E-BBBF-9335EC4CBFEB}"/>
-              </a:ext>
-            </a:extLst>
-          </p:cNvPr>
-          <p:cNvSpPr/>
-          <p:nvPr/>
-        </p:nvSpPr>
-        <p:spPr>
-          <a:xfrm>
-            <a:off x="7447032" y="2912182"/>
-            <a:ext cx="2180358" cy="1600200"/>
-          </a:xfrm>
-          <a:prstGeom prst="ellipse">
-            <a:avLst/>
-          </a:prstGeom>
-          <a:noFill/>
-          <a:ln w="38100"/>
-        </p:spPr>
-        <p:style>
-          <a:lnRef idx="2">
-            <a:schemeClr val="accent1">
-              <a:shade val="50000"/>
-            </a:schemeClr>
-          </a:lnRef>
-          <a:fillRef idx="1">
-            <a:schemeClr val="accent1"/>
-          </a:fillRef>
-          <a:effectRef idx="0">
-            <a:schemeClr val="accent1"/>
-          </a:effectRef>
-          <a:fontRef idx="minor">
-            <a:schemeClr val="lt1"/>
-          </a:fontRef>
-        </p:style>
-        <p:txBody>
-          <a:bodyPr rtlCol="0" anchor="ctr"/>
-          <a:lstStyle/>
-          <a:p>
-            <a:pPr algn="ctr"/>
-            <a:endParaRPr lang="en-US"/>
-          </a:p>
-        </p:txBody>
-      </p:sp>
-      <p:sp>
-        <p:nvSpPr>
-          <p:cNvPr id="41" name="TextBox 40">
-            <a:extLst>
-              <a:ext uri="{FF2B5EF4-FFF2-40B4-BE49-F238E27FC236}">
-                <a16:creationId xmlns:a16="http://schemas.microsoft.com/office/drawing/2014/main" id="{8BC029D5-CAE8-6649-9B72-40D25E6FEE2E}"/>
-              </a:ext>
-            </a:extLst>
-          </p:cNvPr>
-          <p:cNvSpPr txBox="1"/>
-          <p:nvPr/>
-        </p:nvSpPr>
-        <p:spPr>
-          <a:xfrm>
-            <a:off x="8113379" y="3281740"/>
-            <a:ext cx="1098857" cy="646331"/>
-          </a:xfrm>
-          <a:prstGeom prst="rect">
-            <a:avLst/>
-          </a:prstGeom>
-          <a:noFill/>
-        </p:spPr>
-        <p:txBody>
-          <a:bodyPr wrap="square" rtlCol="0">
-            <a:spAutoFit/>
-          </a:bodyPr>
-          <a:lstStyle/>
-          <a:p>
-            <a:r>
-              <a:rPr lang="en-US" dirty="0"/>
-              <a:t>Manually delete</a:t>
-            </a:r>
-          </a:p>
-        </p:txBody>
-      </p:sp>
-      <p:cxnSp>
-        <p:nvCxnSpPr>
-          <p:cNvPr id="43" name="Straight Arrow Connector 42">
-            <a:extLst>
-              <a:ext uri="{FF2B5EF4-FFF2-40B4-BE49-F238E27FC236}">
-                <a16:creationId xmlns:a16="http://schemas.microsoft.com/office/drawing/2014/main" id="{3E5872EE-C0F0-DB41-A46E-9B88D703212B}"/>
-              </a:ext>
-            </a:extLst>
-          </p:cNvPr>
-          <p:cNvCxnSpPr>
-            <a:stCxn id="36" idx="3"/>
-            <a:endCxn id="40" idx="2"/>
-          </p:cNvCxnSpPr>
-          <p:nvPr/>
-        </p:nvCxnSpPr>
-        <p:spPr>
-          <a:xfrm>
-            <a:off x="6470822" y="3710050"/>
-            <a:ext cx="976210" cy="2232"/>
-          </a:xfrm>
-          <a:prstGeom prst="straightConnector1">
-            <a:avLst/>
-          </a:prstGeom>
-          <a:ln>
-            <a:tailEnd type="triangle"/>
-          </a:ln>
-        </p:spPr>
-        <p:style>
-          <a:lnRef idx="1">
-            <a:schemeClr val="accent1"/>
-          </a:lnRef>
-          <a:fillRef idx="0">
-            <a:schemeClr val="accent1"/>
-          </a:fillRef>
-          <a:effectRef idx="0">
-            <a:schemeClr val="accent1"/>
-          </a:effectRef>
-          <a:fontRef idx="minor">
-            <a:schemeClr val="tx1"/>
-          </a:fontRef>
-        </p:style>
-      </p:cxnSp>
-      <p:sp>
-        <p:nvSpPr>
-          <p:cNvPr id="45" name="TextBox 44">
-            <a:extLst>
-              <a:ext uri="{FF2B5EF4-FFF2-40B4-BE49-F238E27FC236}">
-                <a16:creationId xmlns:a16="http://schemas.microsoft.com/office/drawing/2014/main" id="{E46F52EF-AD64-4E4E-9697-FBE83A7D8CF0}"/>
-              </a:ext>
-            </a:extLst>
-          </p:cNvPr>
-          <p:cNvSpPr txBox="1"/>
-          <p:nvPr/>
-        </p:nvSpPr>
-        <p:spPr>
-          <a:xfrm>
-            <a:off x="6685049" y="3559047"/>
-            <a:ext cx="486030" cy="369332"/>
-          </a:xfrm>
-          <a:prstGeom prst="rect">
-            <a:avLst/>
-          </a:prstGeom>
-          <a:solidFill>
-            <a:schemeClr val="bg1"/>
-          </a:solidFill>
-        </p:spPr>
-        <p:txBody>
-          <a:bodyPr wrap="none" rtlCol="0">
-            <a:spAutoFit/>
-          </a:bodyPr>
-          <a:lstStyle/>
-          <a:p>
-            <a:r>
-              <a:rPr lang="en-US" dirty="0"/>
-              <a:t>NO</a:t>
-            </a:r>
-          </a:p>
-        </p:txBody>
-      </p:sp>
-      <p:cxnSp>
-        <p:nvCxnSpPr>
-          <p:cNvPr id="48" name="Elbow Connector 47">
-            <a:extLst>
-              <a:ext uri="{FF2B5EF4-FFF2-40B4-BE49-F238E27FC236}">
-                <a16:creationId xmlns:a16="http://schemas.microsoft.com/office/drawing/2014/main" id="{FF306A10-F313-6849-9B20-84E07234795F}"/>
-              </a:ext>
-            </a:extLst>
-          </p:cNvPr>
-          <p:cNvCxnSpPr>
-            <a:cxnSpLocks/>
-            <a:stCxn id="36" idx="2"/>
-          </p:cNvCxnSpPr>
-          <p:nvPr/>
-        </p:nvCxnSpPr>
-        <p:spPr>
-          <a:xfrm rot="5400000">
-            <a:off x="3112472" y="3205705"/>
-            <a:ext cx="636706" cy="3245596"/>
-          </a:xfrm>
-          <a:prstGeom prst="bentConnector3">
-            <a:avLst/>
-          </a:prstGeom>
-          <a:ln>
-            <a:tailEnd type="triangle"/>
-          </a:ln>
-        </p:spPr>
-        <p:style>
-          <a:lnRef idx="1">
-            <a:schemeClr val="accent1"/>
-          </a:lnRef>
-          <a:fillRef idx="0">
-            <a:schemeClr val="accent1"/>
-          </a:fillRef>
-          <a:effectRef idx="0">
-            <a:schemeClr val="accent1"/>
-          </a:effectRef>
-          <a:fontRef idx="minor">
-            <a:schemeClr val="tx1"/>
-          </a:fontRef>
-        </p:style>
-      </p:cxnSp>
-      <p:sp>
-        <p:nvSpPr>
-          <p:cNvPr id="49" name="TextBox 48">
-            <a:extLst>
-              <a:ext uri="{FF2B5EF4-FFF2-40B4-BE49-F238E27FC236}">
-                <a16:creationId xmlns:a16="http://schemas.microsoft.com/office/drawing/2014/main" id="{0A08600A-ECE5-1341-9A57-0670BD7E7F44}"/>
-              </a:ext>
-            </a:extLst>
-          </p:cNvPr>
-          <p:cNvSpPr txBox="1"/>
-          <p:nvPr/>
-        </p:nvSpPr>
-        <p:spPr>
-          <a:xfrm>
-            <a:off x="3039062" y="4638646"/>
-            <a:ext cx="512641" cy="369332"/>
-          </a:xfrm>
-          <a:prstGeom prst="rect">
-            <a:avLst/>
-          </a:prstGeom>
-          <a:solidFill>
-            <a:schemeClr val="bg1"/>
-          </a:solidFill>
-        </p:spPr>
-        <p:txBody>
-          <a:bodyPr wrap="none" rtlCol="0">
-            <a:spAutoFit/>
-          </a:bodyPr>
-          <a:lstStyle/>
-          <a:p>
-            <a:r>
-              <a:rPr lang="en-US" dirty="0"/>
-              <a:t>YES</a:t>
-            </a:r>
-          </a:p>
-        </p:txBody>
-      </p:sp>
-      <p:sp>
-        <p:nvSpPr>
-          <p:cNvPr id="50" name="TextBox 49">
-            <a:extLst>
-              <a:ext uri="{FF2B5EF4-FFF2-40B4-BE49-F238E27FC236}">
-                <a16:creationId xmlns:a16="http://schemas.microsoft.com/office/drawing/2014/main" id="{B2B7AF2B-897E-E94D-90BC-F995531899F8}"/>
-              </a:ext>
-            </a:extLst>
-          </p:cNvPr>
-          <p:cNvSpPr txBox="1"/>
-          <p:nvPr/>
-        </p:nvSpPr>
-        <p:spPr>
-          <a:xfrm>
-            <a:off x="1082874" y="5310250"/>
-            <a:ext cx="1487010" cy="1200329"/>
-          </a:xfrm>
-          <a:prstGeom prst="rect">
-            <a:avLst/>
-          </a:prstGeom>
-          <a:noFill/>
-        </p:spPr>
-        <p:txBody>
-          <a:bodyPr wrap="square" rtlCol="0">
-            <a:spAutoFit/>
-          </a:bodyPr>
-          <a:lstStyle/>
-          <a:p>
-            <a:r>
-              <a:rPr lang="en-US" dirty="0"/>
-              <a:t>Leave alone to be converted and cleaned</a:t>
-            </a:r>
-          </a:p>
-        </p:txBody>
-      </p:sp>
-      <p:sp>
-        <p:nvSpPr>
-          <p:cNvPr id="51" name="Oval 50">
-            <a:extLst>
-              <a:ext uri="{FF2B5EF4-FFF2-40B4-BE49-F238E27FC236}">
-                <a16:creationId xmlns:a16="http://schemas.microsoft.com/office/drawing/2014/main" id="{A075FA1C-7F52-7C4C-8BE9-9C978BB7E6FA}"/>
-              </a:ext>
-            </a:extLst>
-          </p:cNvPr>
-          <p:cNvSpPr/>
-          <p:nvPr/>
-        </p:nvSpPr>
-        <p:spPr>
-          <a:xfrm>
-            <a:off x="717848" y="5146856"/>
-            <a:ext cx="2180358" cy="1600200"/>
-          </a:xfrm>
-          <a:prstGeom prst="ellipse">
-            <a:avLst/>
-          </a:prstGeom>
-          <a:noFill/>
-          <a:ln w="38100"/>
-        </p:spPr>
-        <p:style>
-          <a:lnRef idx="2">
-            <a:schemeClr val="accent1">
-              <a:shade val="50000"/>
-            </a:schemeClr>
-          </a:lnRef>
-          <a:fillRef idx="1">
-            <a:schemeClr val="accent1"/>
-          </a:fillRef>
-          <a:effectRef idx="0">
-            <a:schemeClr val="accent1"/>
-          </a:effectRef>
-          <a:fontRef idx="minor">
-            <a:schemeClr val="lt1"/>
-          </a:fontRef>
-        </p:style>
-        <p:txBody>
-          <a:bodyPr rtlCol="0" anchor="ctr"/>
-          <a:lstStyle/>
-          <a:p>
-            <a:pPr algn="ctr"/>
-            <a:endParaRPr lang="en-US"/>
-          </a:p>
-        </p:txBody>
-      </p:sp>
-      <p:pic>
-        <p:nvPicPr>
-          <p:cNvPr id="52" name="Picture 51">
-            <a:extLst>
-              <a:ext uri="{FF2B5EF4-FFF2-40B4-BE49-F238E27FC236}">
-                <a16:creationId xmlns:a16="http://schemas.microsoft.com/office/drawing/2014/main" id="{B02DFCF7-65D7-9147-A884-491BA01B19BE}"/>
-              </a:ext>
-            </a:extLst>
-          </p:cNvPr>
-          <p:cNvPicPr>
-            <a:picLocks noChangeAspect="1"/>
-          </p:cNvPicPr>
-          <p:nvPr/>
-        </p:nvPicPr>
-        <p:blipFill>
-          <a:blip r:embed="rId2"/>
-          <a:stretch>
-            <a:fillRect/>
-          </a:stretch>
-        </p:blipFill>
-        <p:spPr>
-          <a:xfrm>
-            <a:off x="4981213" y="5505255"/>
-            <a:ext cx="6466609" cy="996006"/>
-          </a:xfrm>
-          <a:prstGeom prst="rect">
-            <a:avLst/>
-          </a:prstGeom>
-        </p:spPr>
-      </p:pic>
+          <a:p>
+            <a:endParaRPr lang="en-US" dirty="0"/>
+          </a:p>
+        </p:txBody>
+      </p:sp>
     </p:spTree>
     <p:extLst>
       <p:ext uri="{BB962C8B-B14F-4D97-AF65-F5344CB8AC3E}">
-        <p14:creationId xmlns:p14="http://schemas.microsoft.com/office/powerpoint/2010/main" val="530208754"/>
+        <p14:creationId xmlns:p14="http://schemas.microsoft.com/office/powerpoint/2010/main" val="1140713425"/>
       </p:ext>
     </p:extLst>
   </p:cSld>
@@ -8540,635 +10562,6 @@
       </p:grpSpPr>
       <p:sp>
         <p:nvSpPr>
-          <p:cNvPr id="5" name="Oval 4">
-            <a:extLst>
-              <a:ext uri="{FF2B5EF4-FFF2-40B4-BE49-F238E27FC236}">
-                <a16:creationId xmlns:a16="http://schemas.microsoft.com/office/drawing/2014/main" id="{1002C402-889D-A244-AAC9-B4653C867967}"/>
-              </a:ext>
-            </a:extLst>
-          </p:cNvPr>
-          <p:cNvSpPr/>
-          <p:nvPr/>
-        </p:nvSpPr>
-        <p:spPr>
-          <a:xfrm>
-            <a:off x="515745" y="772139"/>
-            <a:ext cx="2180358" cy="1600200"/>
-          </a:xfrm>
-          <a:prstGeom prst="ellipse">
-            <a:avLst/>
-          </a:prstGeom>
-          <a:noFill/>
-          <a:ln w="38100"/>
-        </p:spPr>
-        <p:style>
-          <a:lnRef idx="2">
-            <a:schemeClr val="accent1">
-              <a:shade val="50000"/>
-            </a:schemeClr>
-          </a:lnRef>
-          <a:fillRef idx="1">
-            <a:schemeClr val="accent1"/>
-          </a:fillRef>
-          <a:effectRef idx="0">
-            <a:schemeClr val="accent1"/>
-          </a:effectRef>
-          <a:fontRef idx="minor">
-            <a:schemeClr val="lt1"/>
-          </a:fontRef>
-        </p:style>
-        <p:txBody>
-          <a:bodyPr rtlCol="0" anchor="ctr"/>
-          <a:lstStyle/>
-          <a:p>
-            <a:pPr algn="ctr"/>
-            <a:endParaRPr lang="en-US"/>
-          </a:p>
-        </p:txBody>
-      </p:sp>
-      <p:sp>
-        <p:nvSpPr>
-          <p:cNvPr id="6" name="TextBox 5">
-            <a:extLst>
-              <a:ext uri="{FF2B5EF4-FFF2-40B4-BE49-F238E27FC236}">
-                <a16:creationId xmlns:a16="http://schemas.microsoft.com/office/drawing/2014/main" id="{D06FDD99-0BCF-B94A-82D5-35444FC25FD6}"/>
-              </a:ext>
-            </a:extLst>
-          </p:cNvPr>
-          <p:cNvSpPr txBox="1"/>
-          <p:nvPr/>
-        </p:nvSpPr>
-        <p:spPr>
-          <a:xfrm>
-            <a:off x="1024707" y="1130655"/>
-            <a:ext cx="1330037" cy="923330"/>
-          </a:xfrm>
-          <a:prstGeom prst="rect">
-            <a:avLst/>
-          </a:prstGeom>
-          <a:noFill/>
-        </p:spPr>
-        <p:txBody>
-          <a:bodyPr wrap="square" rtlCol="0">
-            <a:spAutoFit/>
-          </a:bodyPr>
-          <a:lstStyle/>
-          <a:p>
-            <a:r>
-              <a:rPr lang="en-US" dirty="0"/>
-              <a:t>Scripts as files on computer</a:t>
-            </a:r>
-          </a:p>
-        </p:txBody>
-      </p:sp>
-      <p:sp>
-        <p:nvSpPr>
-          <p:cNvPr id="7" name="Rectangle 6">
-            <a:extLst>
-              <a:ext uri="{FF2B5EF4-FFF2-40B4-BE49-F238E27FC236}">
-                <a16:creationId xmlns:a16="http://schemas.microsoft.com/office/drawing/2014/main" id="{BB930BB7-D7F7-AF4E-9F58-160D1DAE0E23}"/>
-              </a:ext>
-            </a:extLst>
-          </p:cNvPr>
-          <p:cNvSpPr/>
-          <p:nvPr/>
-        </p:nvSpPr>
-        <p:spPr>
-          <a:xfrm>
-            <a:off x="3318363" y="816100"/>
-            <a:ext cx="2579876" cy="1512277"/>
-          </a:xfrm>
-          <a:prstGeom prst="rect">
-            <a:avLst/>
-          </a:prstGeom>
-          <a:noFill/>
-          <a:ln w="38100"/>
-        </p:spPr>
-        <p:style>
-          <a:lnRef idx="2">
-            <a:schemeClr val="accent1">
-              <a:shade val="50000"/>
-            </a:schemeClr>
-          </a:lnRef>
-          <a:fillRef idx="1">
-            <a:schemeClr val="accent1"/>
-          </a:fillRef>
-          <a:effectRef idx="0">
-            <a:schemeClr val="accent1"/>
-          </a:effectRef>
-          <a:fontRef idx="minor">
-            <a:schemeClr val="lt1"/>
-          </a:fontRef>
-        </p:style>
-        <p:txBody>
-          <a:bodyPr rtlCol="0" anchor="ctr"/>
-          <a:lstStyle/>
-          <a:p>
-            <a:pPr algn="ctr"/>
-            <a:endParaRPr lang="en-US"/>
-          </a:p>
-        </p:txBody>
-      </p:sp>
-      <p:sp>
-        <p:nvSpPr>
-          <p:cNvPr id="8" name="TextBox 7">
-            <a:extLst>
-              <a:ext uri="{FF2B5EF4-FFF2-40B4-BE49-F238E27FC236}">
-                <a16:creationId xmlns:a16="http://schemas.microsoft.com/office/drawing/2014/main" id="{F7AF3FEE-83F5-B44D-A25B-E952DB322F52}"/>
-              </a:ext>
-            </a:extLst>
-          </p:cNvPr>
-          <p:cNvSpPr txBox="1"/>
-          <p:nvPr/>
-        </p:nvSpPr>
-        <p:spPr>
-          <a:xfrm>
-            <a:off x="3689643" y="972073"/>
-            <a:ext cx="1860763" cy="1200329"/>
-          </a:xfrm>
-          <a:prstGeom prst="rect">
-            <a:avLst/>
-          </a:prstGeom>
-          <a:noFill/>
-        </p:spPr>
-        <p:txBody>
-          <a:bodyPr wrap="square" rtlCol="0">
-            <a:spAutoFit/>
-          </a:bodyPr>
-          <a:lstStyle/>
-          <a:p>
-            <a:r>
-              <a:rPr lang="en-US" dirty="0"/>
-              <a:t>Write functions that convert other file types to .txt format</a:t>
-            </a:r>
-          </a:p>
-        </p:txBody>
-      </p:sp>
-      <p:sp>
-        <p:nvSpPr>
-          <p:cNvPr id="10" name="TextBox 9">
-            <a:extLst>
-              <a:ext uri="{FF2B5EF4-FFF2-40B4-BE49-F238E27FC236}">
-                <a16:creationId xmlns:a16="http://schemas.microsoft.com/office/drawing/2014/main" id="{A81F951C-28CB-274A-9C4C-26CBAA29B5C4}"/>
-              </a:ext>
-            </a:extLst>
-          </p:cNvPr>
-          <p:cNvSpPr txBox="1"/>
-          <p:nvPr/>
-        </p:nvSpPr>
-        <p:spPr>
-          <a:xfrm>
-            <a:off x="2914493" y="3557537"/>
-            <a:ext cx="1780834" cy="923330"/>
-          </a:xfrm>
-          <a:prstGeom prst="rect">
-            <a:avLst/>
-          </a:prstGeom>
-          <a:noFill/>
-        </p:spPr>
-        <p:txBody>
-          <a:bodyPr wrap="square" rtlCol="0">
-            <a:spAutoFit/>
-          </a:bodyPr>
-          <a:lstStyle/>
-          <a:p>
-            <a:r>
-              <a:rPr lang="en-US" dirty="0"/>
-              <a:t>Convert script text into bag-of-words</a:t>
-            </a:r>
-          </a:p>
-        </p:txBody>
-      </p:sp>
-      <p:cxnSp>
-        <p:nvCxnSpPr>
-          <p:cNvPr id="15" name="Straight Arrow Connector 14">
-            <a:extLst>
-              <a:ext uri="{FF2B5EF4-FFF2-40B4-BE49-F238E27FC236}">
-                <a16:creationId xmlns:a16="http://schemas.microsoft.com/office/drawing/2014/main" id="{6A9A2DC3-FD86-184F-9438-09AC993396E2}"/>
-              </a:ext>
-            </a:extLst>
-          </p:cNvPr>
-          <p:cNvCxnSpPr>
-            <a:cxnSpLocks/>
-            <a:stCxn id="5" idx="6"/>
-            <a:endCxn id="7" idx="1"/>
-          </p:cNvCxnSpPr>
-          <p:nvPr/>
-        </p:nvCxnSpPr>
-        <p:spPr>
-          <a:xfrm>
-            <a:off x="2696103" y="1572239"/>
-            <a:ext cx="622260" cy="0"/>
-          </a:xfrm>
-          <a:prstGeom prst="straightConnector1">
-            <a:avLst/>
-          </a:prstGeom>
-          <a:ln w="25400">
-            <a:tailEnd type="triangle"/>
-          </a:ln>
-        </p:spPr>
-        <p:style>
-          <a:lnRef idx="1">
-            <a:schemeClr val="accent1"/>
-          </a:lnRef>
-          <a:fillRef idx="0">
-            <a:schemeClr val="accent1"/>
-          </a:fillRef>
-          <a:effectRef idx="0">
-            <a:schemeClr val="accent1"/>
-          </a:effectRef>
-          <a:fontRef idx="minor">
-            <a:schemeClr val="tx1"/>
-          </a:fontRef>
-        </p:style>
-      </p:cxnSp>
-      <p:sp>
-        <p:nvSpPr>
-          <p:cNvPr id="17" name="TextBox 16">
-            <a:extLst>
-              <a:ext uri="{FF2B5EF4-FFF2-40B4-BE49-F238E27FC236}">
-                <a16:creationId xmlns:a16="http://schemas.microsoft.com/office/drawing/2014/main" id="{A73F3024-8047-164E-96F0-521F68959C35}"/>
-              </a:ext>
-            </a:extLst>
-          </p:cNvPr>
-          <p:cNvSpPr txBox="1"/>
-          <p:nvPr/>
-        </p:nvSpPr>
-        <p:spPr>
-          <a:xfrm>
-            <a:off x="6813872" y="1166090"/>
-            <a:ext cx="1836216" cy="923330"/>
-          </a:xfrm>
-          <a:prstGeom prst="rect">
-            <a:avLst/>
-          </a:prstGeom>
-          <a:noFill/>
-        </p:spPr>
-        <p:txBody>
-          <a:bodyPr wrap="square" rtlCol="0">
-            <a:spAutoFit/>
-          </a:bodyPr>
-          <a:lstStyle/>
-          <a:p>
-            <a:r>
-              <a:rPr lang="en-US" dirty="0"/>
-              <a:t>Read converted files into Pandas </a:t>
-            </a:r>
-            <a:r>
-              <a:rPr lang="en-US" dirty="0" err="1"/>
-              <a:t>dataframe</a:t>
-            </a:r>
-            <a:r>
-              <a:rPr lang="en-US" dirty="0"/>
-              <a:t> </a:t>
-            </a:r>
-          </a:p>
-        </p:txBody>
-      </p:sp>
-      <p:cxnSp>
-        <p:nvCxnSpPr>
-          <p:cNvPr id="24" name="Straight Arrow Connector 23">
-            <a:extLst>
-              <a:ext uri="{FF2B5EF4-FFF2-40B4-BE49-F238E27FC236}">
-                <a16:creationId xmlns:a16="http://schemas.microsoft.com/office/drawing/2014/main" id="{4C014CFD-F0F5-E446-B777-0F44C4800437}"/>
-              </a:ext>
-            </a:extLst>
-          </p:cNvPr>
-          <p:cNvCxnSpPr>
-            <a:cxnSpLocks/>
-            <a:stCxn id="7" idx="3"/>
-          </p:cNvCxnSpPr>
-          <p:nvPr/>
-        </p:nvCxnSpPr>
-        <p:spPr>
-          <a:xfrm>
-            <a:off x="5898239" y="1572239"/>
-            <a:ext cx="541520" cy="0"/>
-          </a:xfrm>
-          <a:prstGeom prst="straightConnector1">
-            <a:avLst/>
-          </a:prstGeom>
-          <a:ln w="25400">
-            <a:tailEnd type="triangle"/>
-          </a:ln>
-        </p:spPr>
-        <p:style>
-          <a:lnRef idx="1">
-            <a:schemeClr val="accent1"/>
-          </a:lnRef>
-          <a:fillRef idx="0">
-            <a:schemeClr val="accent1"/>
-          </a:fillRef>
-          <a:effectRef idx="0">
-            <a:schemeClr val="accent1"/>
-          </a:effectRef>
-          <a:fontRef idx="minor">
-            <a:schemeClr val="tx1"/>
-          </a:fontRef>
-        </p:style>
-      </p:cxnSp>
-      <p:cxnSp>
-        <p:nvCxnSpPr>
-          <p:cNvPr id="32" name="Elbow Connector 31">
-            <a:extLst>
-              <a:ext uri="{FF2B5EF4-FFF2-40B4-BE49-F238E27FC236}">
-                <a16:creationId xmlns:a16="http://schemas.microsoft.com/office/drawing/2014/main" id="{2534062B-4FB0-254D-B218-2C42F5BC4C41}"/>
-              </a:ext>
-            </a:extLst>
-          </p:cNvPr>
-          <p:cNvCxnSpPr>
-            <a:cxnSpLocks/>
-            <a:stCxn id="38" idx="2"/>
-            <a:endCxn id="35" idx="0"/>
-          </p:cNvCxnSpPr>
-          <p:nvPr/>
-        </p:nvCxnSpPr>
-        <p:spPr>
-          <a:xfrm rot="5400000">
-            <a:off x="5284391" y="848980"/>
-            <a:ext cx="959010" cy="3937269"/>
-          </a:xfrm>
-          <a:prstGeom prst="bentConnector3">
-            <a:avLst/>
-          </a:prstGeom>
-          <a:ln w="25400">
-            <a:tailEnd type="triangle"/>
-          </a:ln>
-        </p:spPr>
-        <p:style>
-          <a:lnRef idx="1">
-            <a:schemeClr val="accent1"/>
-          </a:lnRef>
-          <a:fillRef idx="0">
-            <a:schemeClr val="accent1"/>
-          </a:fillRef>
-          <a:effectRef idx="0">
-            <a:schemeClr val="accent1"/>
-          </a:effectRef>
-          <a:fontRef idx="minor">
-            <a:schemeClr val="tx1"/>
-          </a:fontRef>
-        </p:style>
-      </p:cxnSp>
-      <p:sp>
-        <p:nvSpPr>
-          <p:cNvPr id="35" name="Rectangle 34">
-            <a:extLst>
-              <a:ext uri="{FF2B5EF4-FFF2-40B4-BE49-F238E27FC236}">
-                <a16:creationId xmlns:a16="http://schemas.microsoft.com/office/drawing/2014/main" id="{5D8A72A3-99A8-FF42-8347-6A6ADAEBA718}"/>
-              </a:ext>
-            </a:extLst>
-          </p:cNvPr>
-          <p:cNvSpPr/>
-          <p:nvPr/>
-        </p:nvSpPr>
-        <p:spPr>
-          <a:xfrm>
-            <a:off x="2505323" y="3297119"/>
-            <a:ext cx="2579876" cy="1512277"/>
-          </a:xfrm>
-          <a:prstGeom prst="rect">
-            <a:avLst/>
-          </a:prstGeom>
-          <a:noFill/>
-          <a:ln w="38100"/>
-        </p:spPr>
-        <p:style>
-          <a:lnRef idx="2">
-            <a:schemeClr val="accent1">
-              <a:shade val="50000"/>
-            </a:schemeClr>
-          </a:lnRef>
-          <a:fillRef idx="1">
-            <a:schemeClr val="accent1"/>
-          </a:fillRef>
-          <a:effectRef idx="0">
-            <a:schemeClr val="accent1"/>
-          </a:effectRef>
-          <a:fontRef idx="minor">
-            <a:schemeClr val="lt1"/>
-          </a:fontRef>
-        </p:style>
-        <p:txBody>
-          <a:bodyPr rtlCol="0" anchor="ctr"/>
-          <a:lstStyle/>
-          <a:p>
-            <a:pPr algn="ctr"/>
-            <a:endParaRPr lang="en-US"/>
-          </a:p>
-        </p:txBody>
-      </p:sp>
-      <p:cxnSp>
-        <p:nvCxnSpPr>
-          <p:cNvPr id="39" name="Straight Arrow Connector 38">
-            <a:extLst>
-              <a:ext uri="{FF2B5EF4-FFF2-40B4-BE49-F238E27FC236}">
-                <a16:creationId xmlns:a16="http://schemas.microsoft.com/office/drawing/2014/main" id="{29039E5C-2984-B147-B664-CFC24E0C82A6}"/>
-              </a:ext>
-            </a:extLst>
-          </p:cNvPr>
-          <p:cNvCxnSpPr>
-            <a:cxnSpLocks/>
-            <a:stCxn id="35" idx="3"/>
-            <a:endCxn id="34" idx="2"/>
-          </p:cNvCxnSpPr>
-          <p:nvPr/>
-        </p:nvCxnSpPr>
-        <p:spPr>
-          <a:xfrm flipV="1">
-            <a:off x="5085199" y="4053257"/>
-            <a:ext cx="584494" cy="1"/>
-          </a:xfrm>
-          <a:prstGeom prst="straightConnector1">
-            <a:avLst/>
-          </a:prstGeom>
-          <a:ln w="25400">
-            <a:tailEnd type="triangle"/>
-          </a:ln>
-        </p:spPr>
-        <p:style>
-          <a:lnRef idx="1">
-            <a:schemeClr val="accent1"/>
-          </a:lnRef>
-          <a:fillRef idx="0">
-            <a:schemeClr val="accent1"/>
-          </a:fillRef>
-          <a:effectRef idx="0">
-            <a:schemeClr val="accent1"/>
-          </a:effectRef>
-          <a:fontRef idx="minor">
-            <a:schemeClr val="tx1"/>
-          </a:fontRef>
-        </p:style>
-      </p:cxnSp>
-      <p:sp>
-        <p:nvSpPr>
-          <p:cNvPr id="50" name="TextBox 49">
-            <a:extLst>
-              <a:ext uri="{FF2B5EF4-FFF2-40B4-BE49-F238E27FC236}">
-                <a16:creationId xmlns:a16="http://schemas.microsoft.com/office/drawing/2014/main" id="{B2B7AF2B-897E-E94D-90BC-F995531899F8}"/>
-              </a:ext>
-            </a:extLst>
-          </p:cNvPr>
-          <p:cNvSpPr txBox="1"/>
-          <p:nvPr/>
-        </p:nvSpPr>
-        <p:spPr>
-          <a:xfrm>
-            <a:off x="6096000" y="3730092"/>
-            <a:ext cx="1782517" cy="646331"/>
-          </a:xfrm>
-          <a:prstGeom prst="rect">
-            <a:avLst/>
-          </a:prstGeom>
-          <a:noFill/>
-        </p:spPr>
-        <p:txBody>
-          <a:bodyPr wrap="square" rtlCol="0">
-            <a:spAutoFit/>
-          </a:bodyPr>
-          <a:lstStyle/>
-          <a:p>
-            <a:r>
-              <a:rPr lang="en-US" dirty="0"/>
-              <a:t>Save resulting </a:t>
-            </a:r>
-            <a:r>
-              <a:rPr lang="en-US" dirty="0" err="1"/>
-              <a:t>dataframe</a:t>
-            </a:r>
-            <a:endParaRPr lang="en-US" dirty="0"/>
-          </a:p>
-        </p:txBody>
-      </p:sp>
-      <p:sp>
-        <p:nvSpPr>
-          <p:cNvPr id="34" name="Oval 33">
-            <a:extLst>
-              <a:ext uri="{FF2B5EF4-FFF2-40B4-BE49-F238E27FC236}">
-                <a16:creationId xmlns:a16="http://schemas.microsoft.com/office/drawing/2014/main" id="{BBCD18AB-D313-DC40-BAC7-081DAC36C157}"/>
-              </a:ext>
-            </a:extLst>
-          </p:cNvPr>
-          <p:cNvSpPr/>
-          <p:nvPr/>
-        </p:nvSpPr>
-        <p:spPr>
-          <a:xfrm>
-            <a:off x="5669693" y="3253157"/>
-            <a:ext cx="2180358" cy="1600200"/>
-          </a:xfrm>
-          <a:prstGeom prst="ellipse">
-            <a:avLst/>
-          </a:prstGeom>
-          <a:noFill/>
-          <a:ln w="38100"/>
-        </p:spPr>
-        <p:style>
-          <a:lnRef idx="2">
-            <a:schemeClr val="accent1">
-              <a:shade val="50000"/>
-            </a:schemeClr>
-          </a:lnRef>
-          <a:fillRef idx="1">
-            <a:schemeClr val="accent1"/>
-          </a:fillRef>
-          <a:effectRef idx="0">
-            <a:schemeClr val="accent1"/>
-          </a:effectRef>
-          <a:fontRef idx="minor">
-            <a:schemeClr val="lt1"/>
-          </a:fontRef>
-        </p:style>
-        <p:txBody>
-          <a:bodyPr rtlCol="0" anchor="ctr"/>
-          <a:lstStyle/>
-          <a:p>
-            <a:pPr algn="ctr"/>
-            <a:endParaRPr lang="en-US"/>
-          </a:p>
-        </p:txBody>
-      </p:sp>
-      <p:sp>
-        <p:nvSpPr>
-          <p:cNvPr id="38" name="Rectangle 37">
-            <a:extLst>
-              <a:ext uri="{FF2B5EF4-FFF2-40B4-BE49-F238E27FC236}">
-                <a16:creationId xmlns:a16="http://schemas.microsoft.com/office/drawing/2014/main" id="{93A4BC71-75E4-AB41-B7BC-710EFE7C7212}"/>
-              </a:ext>
-            </a:extLst>
-          </p:cNvPr>
-          <p:cNvSpPr/>
-          <p:nvPr/>
-        </p:nvSpPr>
-        <p:spPr>
-          <a:xfrm>
-            <a:off x="6442592" y="825832"/>
-            <a:ext cx="2579876" cy="1512277"/>
-          </a:xfrm>
-          <a:prstGeom prst="rect">
-            <a:avLst/>
-          </a:prstGeom>
-          <a:noFill/>
-          <a:ln w="38100"/>
-        </p:spPr>
-        <p:style>
-          <a:lnRef idx="2">
-            <a:schemeClr val="accent1">
-              <a:shade val="50000"/>
-            </a:schemeClr>
-          </a:lnRef>
-          <a:fillRef idx="1">
-            <a:schemeClr val="accent1"/>
-          </a:fillRef>
-          <a:effectRef idx="0">
-            <a:schemeClr val="accent1"/>
-          </a:effectRef>
-          <a:fontRef idx="minor">
-            <a:schemeClr val="lt1"/>
-          </a:fontRef>
-        </p:style>
-        <p:txBody>
-          <a:bodyPr rtlCol="0" anchor="ctr"/>
-          <a:lstStyle/>
-          <a:p>
-            <a:pPr algn="ctr"/>
-            <a:endParaRPr lang="en-US"/>
-          </a:p>
-        </p:txBody>
-      </p:sp>
-    </p:spTree>
-    <p:extLst>
-      <p:ext uri="{BB962C8B-B14F-4D97-AF65-F5344CB8AC3E}">
-        <p14:creationId xmlns:p14="http://schemas.microsoft.com/office/powerpoint/2010/main" val="4291127849"/>
-      </p:ext>
-    </p:extLst>
-  </p:cSld>
-  <p:clrMapOvr>
-    <a:masterClrMapping/>
-  </p:clrMapOvr>
-</p:sld>
-</file>
-
-<file path=ppt/slides/slide7.xml><?xml version="1.0" encoding="utf-8"?>
-<p:sld xmlns:a="http://schemas.openxmlformats.org/drawingml/2006/main" xmlns:r="http://schemas.openxmlformats.org/officeDocument/2006/relationships" xmlns:p="http://schemas.openxmlformats.org/presentationml/2006/main">
-  <p:cSld>
-    <p:spTree>
-      <p:nvGrpSpPr>
-        <p:cNvPr id="1" name=""/>
-        <p:cNvGrpSpPr/>
-        <p:nvPr/>
-      </p:nvGrpSpPr>
-      <p:grpSpPr>
-        <a:xfrm>
-          <a:off x="0" y="0"/>
-          <a:ext cx="0" cy="0"/>
-          <a:chOff x="0" y="0"/>
-          <a:chExt cx="0" cy="0"/>
-        </a:xfrm>
-      </p:grpSpPr>
-      <p:sp>
-        <p:nvSpPr>
           <p:cNvPr id="2" name="Title 1">
             <a:extLst>
               <a:ext uri="{FF2B5EF4-FFF2-40B4-BE49-F238E27FC236}">
@@ -9233,7 +10626,16 @@
           <a:p>
             <a:r>
               <a:rPr lang="en-US" dirty="0"/>
-              <a:t>Words are the features; count of appearances is the data</a:t>
+              <a:t>Words are the features; the data is count of appearances</a:t>
+            </a:r>
+          </a:p>
+          <a:p>
+            <a:endParaRPr lang="en-US" dirty="0"/>
+          </a:p>
+          <a:p>
+            <a:r>
+              <a:rPr lang="en-US" sz="3200" dirty="0"/>
+              <a:t>Convert scripts to “bag-of-words” for script analyzer</a:t>
             </a:r>
           </a:p>
           <a:p>
@@ -9254,90 +10656,7 @@
 </p:sld>
 </file>
 
-<file path=ppt/slides/slide8.xml><?xml version="1.0" encoding="utf-8"?>
-<p:sld xmlns:a="http://schemas.openxmlformats.org/drawingml/2006/main" xmlns:r="http://schemas.openxmlformats.org/officeDocument/2006/relationships" xmlns:p="http://schemas.openxmlformats.org/presentationml/2006/main">
-  <p:cSld>
-    <p:spTree>
-      <p:nvGrpSpPr>
-        <p:cNvPr id="1" name=""/>
-        <p:cNvGrpSpPr/>
-        <p:nvPr/>
-      </p:nvGrpSpPr>
-      <p:grpSpPr>
-        <a:xfrm>
-          <a:off x="0" y="0"/>
-          <a:ext cx="0" cy="0"/>
-          <a:chOff x="0" y="0"/>
-          <a:chExt cx="0" cy="0"/>
-        </a:xfrm>
-      </p:grpSpPr>
-      <p:sp>
-        <p:nvSpPr>
-          <p:cNvPr id="2" name="Title 1">
-            <a:extLst>
-              <a:ext uri="{FF2B5EF4-FFF2-40B4-BE49-F238E27FC236}">
-                <a16:creationId xmlns:a16="http://schemas.microsoft.com/office/drawing/2014/main" id="{E679CFCD-05AF-6E41-98A7-4F75A17BD309}"/>
-              </a:ext>
-            </a:extLst>
-          </p:cNvPr>
-          <p:cNvSpPr>
-            <a:spLocks noGrp="1"/>
-          </p:cNvSpPr>
-          <p:nvPr>
-            <p:ph type="ctrTitle"/>
-          </p:nvPr>
-        </p:nvSpPr>
-        <p:spPr/>
-        <p:txBody>
-          <a:bodyPr/>
-          <a:lstStyle/>
-          <a:p>
-            <a:r>
-              <a:rPr lang="en-US" dirty="0"/>
-              <a:t>Finding Ratings</a:t>
-            </a:r>
-          </a:p>
-        </p:txBody>
-      </p:sp>
-      <p:sp>
-        <p:nvSpPr>
-          <p:cNvPr id="3" name="Subtitle 2">
-            <a:extLst>
-              <a:ext uri="{FF2B5EF4-FFF2-40B4-BE49-F238E27FC236}">
-                <a16:creationId xmlns:a16="http://schemas.microsoft.com/office/drawing/2014/main" id="{FE6B6AA1-DBC5-514A-9F86-8A4F4FCAA826}"/>
-              </a:ext>
-            </a:extLst>
-          </p:cNvPr>
-          <p:cNvSpPr>
-            <a:spLocks noGrp="1"/>
-          </p:cNvSpPr>
-          <p:nvPr>
-            <p:ph type="subTitle" idx="1"/>
-          </p:nvPr>
-        </p:nvSpPr>
-        <p:spPr/>
-        <p:txBody>
-          <a:bodyPr/>
-          <a:lstStyle/>
-          <a:p>
-            <a:endParaRPr lang="en-US"/>
-          </a:p>
-        </p:txBody>
-      </p:sp>
-    </p:spTree>
-    <p:extLst>
-      <p:ext uri="{BB962C8B-B14F-4D97-AF65-F5344CB8AC3E}">
-        <p14:creationId xmlns:p14="http://schemas.microsoft.com/office/powerpoint/2010/main" val="4193956004"/>
-      </p:ext>
-    </p:extLst>
-  </p:cSld>
-  <p:clrMapOvr>
-    <a:masterClrMapping/>
-  </p:clrMapOvr>
-</p:sld>
-</file>
-
-<file path=ppt/slides/slide9.xml><?xml version="1.0" encoding="utf-8"?>
+<file path=ppt/slides/slide7.xml><?xml version="1.0" encoding="utf-8"?>
 <p:sld xmlns:a="http://schemas.openxmlformats.org/drawingml/2006/main" xmlns:r="http://schemas.openxmlformats.org/officeDocument/2006/relationships" xmlns:p="http://schemas.openxmlformats.org/presentationml/2006/main">
   <p:cSld>
     <p:spTree>
@@ -9450,6 +10769,259 @@
     <p:extLst>
       <p:ext uri="{BB962C8B-B14F-4D97-AF65-F5344CB8AC3E}">
         <p14:creationId xmlns:p14="http://schemas.microsoft.com/office/powerpoint/2010/main" val="3744304401"/>
+      </p:ext>
+    </p:extLst>
+  </p:cSld>
+  <p:clrMapOvr>
+    <a:masterClrMapping/>
+  </p:clrMapOvr>
+</p:sld>
+</file>
+
+<file path=ppt/slides/slide8.xml><?xml version="1.0" encoding="utf-8"?>
+<p:sld xmlns:a="http://schemas.openxmlformats.org/drawingml/2006/main" xmlns:r="http://schemas.openxmlformats.org/officeDocument/2006/relationships" xmlns:p="http://schemas.openxmlformats.org/presentationml/2006/main">
+  <p:cSld>
+    <p:spTree>
+      <p:nvGrpSpPr>
+        <p:cNvPr id="1" name=""/>
+        <p:cNvGrpSpPr/>
+        <p:nvPr/>
+      </p:nvGrpSpPr>
+      <p:grpSpPr>
+        <a:xfrm>
+          <a:off x="0" y="0"/>
+          <a:ext cx="0" cy="0"/>
+          <a:chOff x="0" y="0"/>
+          <a:chExt cx="0" cy="0"/>
+        </a:xfrm>
+      </p:grpSpPr>
+      <p:sp>
+        <p:nvSpPr>
+          <p:cNvPr id="2" name="Title 1">
+            <a:extLst>
+              <a:ext uri="{FF2B5EF4-FFF2-40B4-BE49-F238E27FC236}">
+                <a16:creationId xmlns:a16="http://schemas.microsoft.com/office/drawing/2014/main" id="{A094A972-16BD-C84C-B6C6-BCFF349DA198}"/>
+              </a:ext>
+            </a:extLst>
+          </p:cNvPr>
+          <p:cNvSpPr>
+            <a:spLocks noGrp="1"/>
+          </p:cNvSpPr>
+          <p:nvPr>
+            <p:ph type="title"/>
+          </p:nvPr>
+        </p:nvSpPr>
+        <p:spPr/>
+        <p:txBody>
+          <a:bodyPr/>
+          <a:lstStyle/>
+          <a:p>
+            <a:r>
+              <a:rPr lang="en-US" dirty="0"/>
+              <a:t>Ratings</a:t>
+            </a:r>
+          </a:p>
+        </p:txBody>
+      </p:sp>
+      <p:pic>
+        <p:nvPicPr>
+          <p:cNvPr id="5" name="Content Placeholder 4">
+            <a:extLst>
+              <a:ext uri="{FF2B5EF4-FFF2-40B4-BE49-F238E27FC236}">
+                <a16:creationId xmlns:a16="http://schemas.microsoft.com/office/drawing/2014/main" id="{7753F380-B4B8-3A43-A1B2-28207CE99E5D}"/>
+              </a:ext>
+            </a:extLst>
+          </p:cNvPr>
+          <p:cNvPicPr>
+            <a:picLocks noGrp="1" noChangeAspect="1"/>
+          </p:cNvPicPr>
+          <p:nvPr>
+            <p:ph idx="1"/>
+          </p:nvPr>
+        </p:nvPicPr>
+        <p:blipFill>
+          <a:blip r:embed="rId3"/>
+          <a:stretch>
+            <a:fillRect/>
+          </a:stretch>
+        </p:blipFill>
+        <p:spPr>
+          <a:xfrm>
+            <a:off x="3486150" y="1931194"/>
+            <a:ext cx="5219700" cy="4140200"/>
+          </a:xfrm>
+        </p:spPr>
+      </p:pic>
+    </p:spTree>
+    <p:extLst>
+      <p:ext uri="{BB962C8B-B14F-4D97-AF65-F5344CB8AC3E}">
+        <p14:creationId xmlns:p14="http://schemas.microsoft.com/office/powerpoint/2010/main" val="2096770488"/>
+      </p:ext>
+    </p:extLst>
+  </p:cSld>
+  <p:clrMapOvr>
+    <a:masterClrMapping/>
+  </p:clrMapOvr>
+</p:sld>
+</file>
+
+<file path=ppt/slides/slide9.xml><?xml version="1.0" encoding="utf-8"?>
+<p:sld xmlns:a="http://schemas.openxmlformats.org/drawingml/2006/main" xmlns:r="http://schemas.openxmlformats.org/officeDocument/2006/relationships" xmlns:p="http://schemas.openxmlformats.org/presentationml/2006/main">
+  <p:cSld>
+    <p:spTree>
+      <p:nvGrpSpPr>
+        <p:cNvPr id="1" name=""/>
+        <p:cNvGrpSpPr/>
+        <p:nvPr/>
+      </p:nvGrpSpPr>
+      <p:grpSpPr>
+        <a:xfrm>
+          <a:off x="0" y="0"/>
+          <a:ext cx="0" cy="0"/>
+          <a:chOff x="0" y="0"/>
+          <a:chExt cx="0" cy="0"/>
+        </a:xfrm>
+      </p:grpSpPr>
+      <p:sp>
+        <p:nvSpPr>
+          <p:cNvPr id="2" name="Title 1">
+            <a:extLst>
+              <a:ext uri="{FF2B5EF4-FFF2-40B4-BE49-F238E27FC236}">
+                <a16:creationId xmlns:a16="http://schemas.microsoft.com/office/drawing/2014/main" id="{CF63BFB0-8CC6-414E-95B8-E9B6E633E58A}"/>
+              </a:ext>
+            </a:extLst>
+          </p:cNvPr>
+          <p:cNvSpPr>
+            <a:spLocks noGrp="1"/>
+          </p:cNvSpPr>
+          <p:nvPr>
+            <p:ph type="title"/>
+          </p:nvPr>
+        </p:nvSpPr>
+        <p:spPr/>
+        <p:txBody>
+          <a:bodyPr/>
+          <a:lstStyle/>
+          <a:p>
+            <a:r>
+              <a:rPr lang="en-US" dirty="0"/>
+              <a:t>Rated Movies</a:t>
+            </a:r>
+          </a:p>
+        </p:txBody>
+      </p:sp>
+      <p:sp>
+        <p:nvSpPr>
+          <p:cNvPr id="3" name="Content Placeholder 2">
+            <a:extLst>
+              <a:ext uri="{FF2B5EF4-FFF2-40B4-BE49-F238E27FC236}">
+                <a16:creationId xmlns:a16="http://schemas.microsoft.com/office/drawing/2014/main" id="{97894189-9421-2B4D-B668-3D1B83AA75D0}"/>
+              </a:ext>
+            </a:extLst>
+          </p:cNvPr>
+          <p:cNvSpPr>
+            <a:spLocks noGrp="1"/>
+          </p:cNvSpPr>
+          <p:nvPr>
+            <p:ph idx="1"/>
+          </p:nvPr>
+        </p:nvSpPr>
+        <p:spPr/>
+        <p:txBody>
+          <a:bodyPr/>
+          <a:lstStyle/>
+          <a:p>
+            <a:r>
+              <a:rPr lang="en-US" dirty="0">
+                <a:solidFill>
+                  <a:schemeClr val="bg1">
+                    <a:lumMod val="65000"/>
+                  </a:schemeClr>
+                </a:solidFill>
+              </a:rPr>
+              <a:t>Use IMDB rating system</a:t>
+            </a:r>
+          </a:p>
+          <a:p>
+            <a:pPr lvl="1"/>
+            <a:r>
+              <a:rPr lang="en-US" dirty="0">
+                <a:solidFill>
+                  <a:schemeClr val="bg1">
+                    <a:lumMod val="65000"/>
+                  </a:schemeClr>
+                </a:solidFill>
+              </a:rPr>
+              <a:t>Out of ten stars</a:t>
+            </a:r>
+          </a:p>
+          <a:p>
+            <a:r>
+              <a:rPr lang="en-US" dirty="0"/>
+              <a:t>Data also included genre of the film</a:t>
+            </a:r>
+          </a:p>
+          <a:p>
+            <a:r>
+              <a:rPr lang="en-US" dirty="0"/>
+              <a:t>Came in multiple files </a:t>
+            </a:r>
+          </a:p>
+          <a:p>
+            <a:pPr lvl="1"/>
+            <a:r>
+              <a:rPr lang="en-US" dirty="0"/>
+              <a:t>Join files to get genre, movie name, and ratings</a:t>
+            </a:r>
+          </a:p>
+          <a:p>
+            <a:r>
+              <a:rPr lang="en-US" dirty="0"/>
+              <a:t>Convert genres into “bag-of-words”</a:t>
+            </a:r>
+          </a:p>
+          <a:p>
+            <a:pPr lvl="1"/>
+            <a:r>
+              <a:rPr lang="en-US" dirty="0"/>
+              <a:t>Add the genres to the “bag-of-words” from the scripts</a:t>
+            </a:r>
+          </a:p>
+        </p:txBody>
+      </p:sp>
+      <p:pic>
+        <p:nvPicPr>
+          <p:cNvPr id="6" name="Picture 5">
+            <a:extLst>
+              <a:ext uri="{FF2B5EF4-FFF2-40B4-BE49-F238E27FC236}">
+                <a16:creationId xmlns:a16="http://schemas.microsoft.com/office/drawing/2014/main" id="{3DCC1BD6-32CC-E943-9A6E-41298E7032EA}"/>
+              </a:ext>
+            </a:extLst>
+          </p:cNvPr>
+          <p:cNvPicPr>
+            <a:picLocks noChangeAspect="1"/>
+          </p:cNvPicPr>
+          <p:nvPr/>
+        </p:nvPicPr>
+        <p:blipFill rotWithShape="1">
+          <a:blip r:embed="rId2"/>
+          <a:srcRect r="81662"/>
+          <a:stretch/>
+        </p:blipFill>
+        <p:spPr>
+          <a:xfrm>
+            <a:off x="8511583" y="497436"/>
+            <a:ext cx="3023679" cy="1060940"/>
+          </a:xfrm>
+          <a:prstGeom prst="rect">
+            <a:avLst/>
+          </a:prstGeom>
+        </p:spPr>
+      </p:pic>
+    </p:spTree>
+    <p:extLst>
+      <p:ext uri="{BB962C8B-B14F-4D97-AF65-F5344CB8AC3E}">
+        <p14:creationId xmlns:p14="http://schemas.microsoft.com/office/powerpoint/2010/main" val="4254394377"/>
       </p:ext>
     </p:extLst>
   </p:cSld>
